--- a/article/GARAIMAN_ENRICO_&_MARIN_ALEXANDRA.pptx
+++ b/article/GARAIMAN_ENRICO_&_MARIN_ALEXANDRA.pptx
@@ -5,13 +5,17 @@
     <p:sldMasterId id="2147483660" r:id="rId1"/>
   </p:sldMasterIdLst>
   <p:notesMasterIdLst>
-    <p:notesMasterId r:id="rId6"/>
+    <p:notesMasterId r:id="rId10"/>
   </p:notesMasterIdLst>
   <p:sldIdLst>
     <p:sldId id="256" r:id="rId2"/>
     <p:sldId id="257" r:id="rId3"/>
     <p:sldId id="259" r:id="rId4"/>
     <p:sldId id="262" r:id="rId5"/>
+    <p:sldId id="264" r:id="rId6"/>
+    <p:sldId id="265" r:id="rId7"/>
+    <p:sldId id="266" r:id="rId8"/>
+    <p:sldId id="267" r:id="rId9"/>
   </p:sldIdLst>
   <p:sldSz cx="12192000" cy="6858000"/>
   <p:notesSz cx="6858000" cy="9144000"/>
@@ -119,6 +123,10 @@
             <p14:sldId id="257"/>
             <p14:sldId id="259"/>
             <p14:sldId id="262"/>
+            <p14:sldId id="264"/>
+            <p14:sldId id="265"/>
+            <p14:sldId id="266"/>
+            <p14:sldId id="267"/>
           </p14:sldIdLst>
         </p14:section>
       </p14:sectionLst>
@@ -7657,7 +7665,9 @@
             <a:r>
               <a:rPr lang="en-US" sz="2400" dirty="0" err="1">
                 <a:solidFill>
-                  <a:srgbClr val="032539"/>
+                  <a:schemeClr val="bg1">
+                    <a:lumMod val="75000"/>
+                  </a:schemeClr>
                 </a:solidFill>
                 <a:latin typeface="Liberation Serif" panose="02020603050405020304" pitchFamily="18" charset="0"/>
                 <a:ea typeface="Liberation Serif" panose="02020603050405020304" pitchFamily="18" charset="0"/>
@@ -7668,7 +7678,9 @@
             <a:r>
               <a:rPr lang="en-US" sz="2400" dirty="0">
                 <a:solidFill>
-                  <a:srgbClr val="032539"/>
+                  <a:schemeClr val="bg1">
+                    <a:lumMod val="75000"/>
+                  </a:schemeClr>
                 </a:solidFill>
                 <a:latin typeface="Liberation Serif" panose="02020603050405020304" pitchFamily="18" charset="0"/>
                 <a:ea typeface="Liberation Serif" panose="02020603050405020304" pitchFamily="18" charset="0"/>
@@ -7679,7 +7691,9 @@
             <a:r>
               <a:rPr lang="en-US" sz="2400" dirty="0" err="1">
                 <a:solidFill>
-                  <a:srgbClr val="032539"/>
+                  <a:schemeClr val="bg1">
+                    <a:lumMod val="75000"/>
+                  </a:schemeClr>
                 </a:solidFill>
                 <a:latin typeface="Liberation Serif" panose="02020603050405020304" pitchFamily="18" charset="0"/>
                 <a:ea typeface="Liberation Serif" panose="02020603050405020304" pitchFamily="18" charset="0"/>
@@ -7689,7 +7703,9 @@
             </a:r>
             <a:endParaRPr lang="en-US" sz="2400" dirty="0">
               <a:solidFill>
-                <a:srgbClr val="032539"/>
+                <a:schemeClr val="bg1">
+                  <a:lumMod val="75000"/>
+                </a:schemeClr>
               </a:solidFill>
               <a:latin typeface="Liberation Serif" panose="02020603050405020304" pitchFamily="18" charset="0"/>
               <a:ea typeface="Liberation Serif" panose="02020603050405020304" pitchFamily="18" charset="0"/>
@@ -7700,7 +7716,9 @@
             <a:r>
               <a:rPr lang="en-US" sz="2400" dirty="0" err="1">
                 <a:solidFill>
-                  <a:srgbClr val="032539"/>
+                  <a:schemeClr val="bg1">
+                    <a:lumMod val="75000"/>
+                  </a:schemeClr>
                 </a:solidFill>
                 <a:latin typeface="Liberation Serif" panose="02020603050405020304" pitchFamily="18" charset="0"/>
                 <a:ea typeface="Liberation Serif" panose="02020603050405020304" pitchFamily="18" charset="0"/>
@@ -7710,7 +7728,9 @@
             </a:r>
             <a:endParaRPr lang="en-US" sz="2400" dirty="0">
               <a:solidFill>
-                <a:srgbClr val="032539"/>
+                <a:schemeClr val="bg1">
+                  <a:lumMod val="75000"/>
+                </a:schemeClr>
               </a:solidFill>
               <a:latin typeface="Liberation Serif" panose="02020603050405020304" pitchFamily="18" charset="0"/>
               <a:ea typeface="Liberation Serif" panose="02020603050405020304" pitchFamily="18" charset="0"/>
@@ -7721,7 +7741,9 @@
             <a:r>
               <a:rPr lang="en-US" sz="2400" dirty="0">
                 <a:solidFill>
-                  <a:srgbClr val="032539"/>
+                  <a:schemeClr val="bg1">
+                    <a:lumMod val="75000"/>
+                  </a:schemeClr>
                 </a:solidFill>
                 <a:latin typeface="Liberation Serif" panose="02020603050405020304" pitchFamily="18" charset="0"/>
                 <a:ea typeface="Liberation Serif" panose="02020603050405020304" pitchFamily="18" charset="0"/>
@@ -7734,7 +7756,9 @@
             <a:r>
               <a:rPr lang="en-US" sz="2400" dirty="0">
                 <a:solidFill>
-                  <a:srgbClr val="032539"/>
+                  <a:schemeClr val="bg1">
+                    <a:lumMod val="75000"/>
+                  </a:schemeClr>
                 </a:solidFill>
                 <a:ea typeface="Liberation Serif" panose="02020603050405020304" pitchFamily="18" charset="0"/>
                 <a:cs typeface="Liberation Serif" panose="02020603050405020304" pitchFamily="18" charset="0"/>
@@ -7746,7 +7770,9 @@
             <a:r>
               <a:rPr lang="en-US" sz="2400" dirty="0" err="1">
                 <a:solidFill>
-                  <a:srgbClr val="032539"/>
+                  <a:schemeClr val="bg1">
+                    <a:lumMod val="75000"/>
+                  </a:schemeClr>
                 </a:solidFill>
                 <a:latin typeface="Liberation Serif" panose="02020603050405020304" pitchFamily="18" charset="0"/>
                 <a:ea typeface="Liberation Serif" panose="02020603050405020304" pitchFamily="18" charset="0"/>
@@ -7756,7 +7782,9 @@
             </a:r>
             <a:endParaRPr lang="en-US" sz="2400" dirty="0">
               <a:solidFill>
-                <a:srgbClr val="032539"/>
+                <a:schemeClr val="bg1">
+                  <a:lumMod val="75000"/>
+                </a:schemeClr>
               </a:solidFill>
               <a:latin typeface="Liberation Serif" panose="02020603050405020304" pitchFamily="18" charset="0"/>
               <a:ea typeface="Liberation Serif" panose="02020603050405020304" pitchFamily="18" charset="0"/>
@@ -9991,6 +10019,3203 @@
     <p:extLst>
       <p:ext uri="{BB962C8B-B14F-4D97-AF65-F5344CB8AC3E}">
         <p14:creationId xmlns:p14="http://schemas.microsoft.com/office/powerpoint/2010/main" val="311472600"/>
+      </p:ext>
+    </p:extLst>
+  </p:cSld>
+  <p:clrMapOvr>
+    <a:masterClrMapping/>
+  </p:clrMapOvr>
+</p:sld>
+</file>
+
+<file path=ppt/slides/slide5.xml><?xml version="1.0" encoding="utf-8"?>
+<p:sld xmlns:a="http://schemas.openxmlformats.org/drawingml/2006/main" xmlns:r="http://schemas.openxmlformats.org/officeDocument/2006/relationships" xmlns:p="http://schemas.openxmlformats.org/presentationml/2006/main">
+  <p:cSld>
+    <p:spTree>
+      <p:nvGrpSpPr>
+        <p:cNvPr id="1" name=""/>
+        <p:cNvGrpSpPr/>
+        <p:nvPr/>
+      </p:nvGrpSpPr>
+      <p:grpSpPr>
+        <a:xfrm>
+          <a:off x="0" y="0"/>
+          <a:ext cx="0" cy="0"/>
+          <a:chOff x="0" y="0"/>
+          <a:chExt cx="0" cy="0"/>
+        </a:xfrm>
+      </p:grpSpPr>
+      <p:sp>
+        <p:nvSpPr>
+          <p:cNvPr id="7" name="Rectangle 43">
+            <a:extLst>
+              <a:ext uri="{FF2B5EF4-FFF2-40B4-BE49-F238E27FC236}">
+                <a16:creationId xmlns:a16="http://schemas.microsoft.com/office/drawing/2014/main" id="{6E30A49C-9B0E-19EE-DE31-14C75AAF9DD0}"/>
+              </a:ext>
+              <a:ext uri="{C183D7F6-B498-43B3-948B-1728B52AA6E4}">
+                <adec:decorative xmlns:adec="http://schemas.microsoft.com/office/drawing/2017/decorative" val="1"/>
+              </a:ext>
+            </a:extLst>
+          </p:cNvPr>
+          <p:cNvSpPr/>
+          <p:nvPr>
+            <p:extLst>
+              <p:ext uri="{386F3935-93C4-4BCD-93E2-E3B085C9AB24}">
+                <p16:designElem xmlns:p16="http://schemas.microsoft.com/office/powerpoint/2015/main" val="1"/>
+              </p:ext>
+            </p:extLst>
+          </p:nvPr>
+        </p:nvSpPr>
+        <p:spPr>
+          <a:xfrm>
+            <a:off x="387914" y="857786"/>
+            <a:ext cx="11067024" cy="5208932"/>
+          </a:xfrm>
+          <a:prstGeom prst="rect">
+            <a:avLst/>
+          </a:prstGeom>
+          <a:solidFill>
+            <a:schemeClr val="bg1"/>
+          </a:solidFill>
+          <a:ln>
+            <a:noFill/>
+          </a:ln>
+          <a:effectLst>
+            <a:outerShdw blurRad="139700" dist="127000" dir="5400000" algn="t" rotWithShape="0">
+              <a:prstClr val="black">
+                <a:alpha val="15000"/>
+              </a:prstClr>
+            </a:outerShdw>
+          </a:effectLst>
+        </p:spPr>
+        <p:style>
+          <a:lnRef idx="2">
+            <a:schemeClr val="accent1">
+              <a:shade val="50000"/>
+            </a:schemeClr>
+          </a:lnRef>
+          <a:fillRef idx="1">
+            <a:schemeClr val="accent1"/>
+          </a:fillRef>
+          <a:effectRef idx="0">
+            <a:schemeClr val="accent1"/>
+          </a:effectRef>
+          <a:fontRef idx="minor">
+            <a:schemeClr val="lt1"/>
+          </a:fontRef>
+        </p:style>
+        <p:txBody>
+          <a:bodyPr rtlCol="0" anchor="ctr"/>
+          <a:lstStyle/>
+          <a:p>
+            <a:pPr algn="ctr"/>
+            <a:endParaRPr lang="en-US" dirty="0">
+              <a:latin typeface="Liberation Serif" panose="02020603050405020304" pitchFamily="18" charset="0"/>
+            </a:endParaRPr>
+          </a:p>
+        </p:txBody>
+      </p:sp>
+      <p:sp>
+        <p:nvSpPr>
+          <p:cNvPr id="15" name="Substituent conținut 13">
+            <a:extLst>
+              <a:ext uri="{FF2B5EF4-FFF2-40B4-BE49-F238E27FC236}">
+                <a16:creationId xmlns:a16="http://schemas.microsoft.com/office/drawing/2014/main" id="{AF0260AF-57C1-92B5-AC4C-4F86D19AB7DE}"/>
+              </a:ext>
+            </a:extLst>
+          </p:cNvPr>
+          <p:cNvSpPr txBox="1">
+            <a:spLocks/>
+          </p:cNvSpPr>
+          <p:nvPr/>
+        </p:nvSpPr>
+        <p:spPr>
+          <a:xfrm>
+            <a:off x="2266602" y="6098396"/>
+            <a:ext cx="7658795" cy="759604"/>
+          </a:xfrm>
+          <a:prstGeom prst="rect">
+            <a:avLst/>
+          </a:prstGeom>
+        </p:spPr>
+        <p:txBody>
+          <a:bodyPr vert="horz" lIns="91440" tIns="45720" rIns="91440" bIns="45720" rtlCol="0">
+            <a:normAutofit/>
+          </a:bodyPr>
+          <a:lstStyle>
+            <a:lvl1pPr marL="342900" indent="-342900" algn="l" defTabSz="457200" rtl="0" eaLnBrk="1" latinLnBrk="0" hangingPunct="1">
+              <a:spcBef>
+                <a:spcPts val="1000"/>
+              </a:spcBef>
+              <a:spcAft>
+                <a:spcPts val="0"/>
+              </a:spcAft>
+              <a:buClr>
+                <a:schemeClr val="accent1"/>
+              </a:buClr>
+              <a:buSzPct val="80000"/>
+              <a:buFont typeface="Wingdings 3" charset="2"/>
+              <a:buChar char=""/>
+              <a:defRPr sz="1800" kern="1200">
+                <a:solidFill>
+                  <a:schemeClr val="tx1">
+                    <a:lumMod val="75000"/>
+                    <a:lumOff val="25000"/>
+                  </a:schemeClr>
+                </a:solidFill>
+                <a:latin typeface="+mn-lt"/>
+                <a:ea typeface="+mn-ea"/>
+                <a:cs typeface="+mn-cs"/>
+              </a:defRPr>
+            </a:lvl1pPr>
+            <a:lvl2pPr marL="742950" indent="-285750" algn="l" defTabSz="457200" rtl="0" eaLnBrk="1" latinLnBrk="0" hangingPunct="1">
+              <a:spcBef>
+                <a:spcPts val="1000"/>
+              </a:spcBef>
+              <a:spcAft>
+                <a:spcPts val="0"/>
+              </a:spcAft>
+              <a:buClr>
+                <a:schemeClr val="accent1"/>
+              </a:buClr>
+              <a:buSzPct val="80000"/>
+              <a:buFont typeface="Wingdings 3" charset="2"/>
+              <a:buChar char=""/>
+              <a:defRPr sz="1600" kern="1200">
+                <a:solidFill>
+                  <a:schemeClr val="tx1">
+                    <a:lumMod val="75000"/>
+                    <a:lumOff val="25000"/>
+                  </a:schemeClr>
+                </a:solidFill>
+                <a:latin typeface="+mn-lt"/>
+                <a:ea typeface="+mn-ea"/>
+                <a:cs typeface="+mn-cs"/>
+              </a:defRPr>
+            </a:lvl2pPr>
+            <a:lvl3pPr marL="1143000" indent="-228600" algn="l" defTabSz="457200" rtl="0" eaLnBrk="1" latinLnBrk="0" hangingPunct="1">
+              <a:spcBef>
+                <a:spcPts val="1000"/>
+              </a:spcBef>
+              <a:spcAft>
+                <a:spcPts val="0"/>
+              </a:spcAft>
+              <a:buClr>
+                <a:schemeClr val="accent1"/>
+              </a:buClr>
+              <a:buSzPct val="80000"/>
+              <a:buFont typeface="Wingdings 3" charset="2"/>
+              <a:buChar char=""/>
+              <a:defRPr sz="1400" kern="1200">
+                <a:solidFill>
+                  <a:schemeClr val="tx1">
+                    <a:lumMod val="75000"/>
+                    <a:lumOff val="25000"/>
+                  </a:schemeClr>
+                </a:solidFill>
+                <a:latin typeface="+mn-lt"/>
+                <a:ea typeface="+mn-ea"/>
+                <a:cs typeface="+mn-cs"/>
+              </a:defRPr>
+            </a:lvl3pPr>
+            <a:lvl4pPr marL="1600200" indent="-228600" algn="l" defTabSz="457200" rtl="0" eaLnBrk="1" latinLnBrk="0" hangingPunct="1">
+              <a:spcBef>
+                <a:spcPts val="1000"/>
+              </a:spcBef>
+              <a:spcAft>
+                <a:spcPts val="0"/>
+              </a:spcAft>
+              <a:buClr>
+                <a:schemeClr val="accent1"/>
+              </a:buClr>
+              <a:buSzPct val="80000"/>
+              <a:buFont typeface="Wingdings 3" charset="2"/>
+              <a:buChar char=""/>
+              <a:defRPr sz="1200" kern="1200">
+                <a:solidFill>
+                  <a:schemeClr val="tx1">
+                    <a:lumMod val="75000"/>
+                    <a:lumOff val="25000"/>
+                  </a:schemeClr>
+                </a:solidFill>
+                <a:latin typeface="+mn-lt"/>
+                <a:ea typeface="+mn-ea"/>
+                <a:cs typeface="+mn-cs"/>
+              </a:defRPr>
+            </a:lvl4pPr>
+            <a:lvl5pPr marL="2057400" indent="-228600" algn="l" defTabSz="457200" rtl="0" eaLnBrk="1" latinLnBrk="0" hangingPunct="1">
+              <a:spcBef>
+                <a:spcPts val="1000"/>
+              </a:spcBef>
+              <a:spcAft>
+                <a:spcPts val="0"/>
+              </a:spcAft>
+              <a:buClr>
+                <a:schemeClr val="accent1"/>
+              </a:buClr>
+              <a:buSzPct val="80000"/>
+              <a:buFont typeface="Wingdings 3" charset="2"/>
+              <a:buChar char=""/>
+              <a:defRPr sz="1200" kern="1200">
+                <a:solidFill>
+                  <a:schemeClr val="tx1">
+                    <a:lumMod val="75000"/>
+                    <a:lumOff val="25000"/>
+                  </a:schemeClr>
+                </a:solidFill>
+                <a:latin typeface="+mn-lt"/>
+                <a:ea typeface="+mn-ea"/>
+                <a:cs typeface="+mn-cs"/>
+              </a:defRPr>
+            </a:lvl5pPr>
+            <a:lvl6pPr marL="2514600" indent="-228600" algn="l" defTabSz="457200" rtl="0" eaLnBrk="1" latinLnBrk="0" hangingPunct="1">
+              <a:spcBef>
+                <a:spcPts val="1000"/>
+              </a:spcBef>
+              <a:spcAft>
+                <a:spcPts val="0"/>
+              </a:spcAft>
+              <a:buClr>
+                <a:schemeClr val="accent1"/>
+              </a:buClr>
+              <a:buSzPct val="80000"/>
+              <a:buFont typeface="Wingdings 3" charset="2"/>
+              <a:buChar char=""/>
+              <a:defRPr sz="1200" kern="1200">
+                <a:solidFill>
+                  <a:schemeClr val="tx1">
+                    <a:lumMod val="75000"/>
+                    <a:lumOff val="25000"/>
+                  </a:schemeClr>
+                </a:solidFill>
+                <a:latin typeface="+mn-lt"/>
+                <a:ea typeface="+mn-ea"/>
+                <a:cs typeface="+mn-cs"/>
+              </a:defRPr>
+            </a:lvl6pPr>
+            <a:lvl7pPr marL="2971800" indent="-228600" algn="l" defTabSz="457200" rtl="0" eaLnBrk="1" latinLnBrk="0" hangingPunct="1">
+              <a:spcBef>
+                <a:spcPts val="1000"/>
+              </a:spcBef>
+              <a:spcAft>
+                <a:spcPts val="0"/>
+              </a:spcAft>
+              <a:buClr>
+                <a:schemeClr val="accent1"/>
+              </a:buClr>
+              <a:buSzPct val="80000"/>
+              <a:buFont typeface="Wingdings 3" charset="2"/>
+              <a:buChar char=""/>
+              <a:defRPr sz="1200" kern="1200">
+                <a:solidFill>
+                  <a:schemeClr val="tx1">
+                    <a:lumMod val="75000"/>
+                    <a:lumOff val="25000"/>
+                  </a:schemeClr>
+                </a:solidFill>
+                <a:latin typeface="+mn-lt"/>
+                <a:ea typeface="+mn-ea"/>
+                <a:cs typeface="+mn-cs"/>
+              </a:defRPr>
+            </a:lvl7pPr>
+            <a:lvl8pPr marL="3429000" indent="-228600" algn="l" defTabSz="457200" rtl="0" eaLnBrk="1" latinLnBrk="0" hangingPunct="1">
+              <a:spcBef>
+                <a:spcPts val="1000"/>
+              </a:spcBef>
+              <a:spcAft>
+                <a:spcPts val="0"/>
+              </a:spcAft>
+              <a:buClr>
+                <a:schemeClr val="accent1"/>
+              </a:buClr>
+              <a:buSzPct val="80000"/>
+              <a:buFont typeface="Wingdings 3" charset="2"/>
+              <a:buChar char=""/>
+              <a:defRPr sz="1200" kern="1200">
+                <a:solidFill>
+                  <a:schemeClr val="tx1">
+                    <a:lumMod val="75000"/>
+                    <a:lumOff val="25000"/>
+                  </a:schemeClr>
+                </a:solidFill>
+                <a:latin typeface="+mn-lt"/>
+                <a:ea typeface="+mn-ea"/>
+                <a:cs typeface="+mn-cs"/>
+              </a:defRPr>
+            </a:lvl8pPr>
+            <a:lvl9pPr marL="3886200" indent="-228600" algn="l" defTabSz="457200" rtl="0" eaLnBrk="1" latinLnBrk="0" hangingPunct="1">
+              <a:spcBef>
+                <a:spcPts val="1000"/>
+              </a:spcBef>
+              <a:spcAft>
+                <a:spcPts val="0"/>
+              </a:spcAft>
+              <a:buClr>
+                <a:schemeClr val="accent1"/>
+              </a:buClr>
+              <a:buSzPct val="80000"/>
+              <a:buFont typeface="Wingdings 3" charset="2"/>
+              <a:buChar char=""/>
+              <a:defRPr sz="1200" kern="1200">
+                <a:solidFill>
+                  <a:schemeClr val="tx1">
+                    <a:lumMod val="75000"/>
+                    <a:lumOff val="25000"/>
+                  </a:schemeClr>
+                </a:solidFill>
+                <a:latin typeface="+mn-lt"/>
+                <a:ea typeface="+mn-ea"/>
+                <a:cs typeface="+mn-cs"/>
+              </a:defRPr>
+            </a:lvl9pPr>
+          </a:lstStyle>
+          <a:p>
+            <a:pPr marL="0" indent="0" algn="ctr">
+              <a:buNone/>
+            </a:pPr>
+            <a:r>
+              <a:rPr lang="en-US" sz="2400" dirty="0" err="1">
+                <a:solidFill>
+                  <a:srgbClr val="032539"/>
+                </a:solidFill>
+                <a:latin typeface="Liberation Serif" panose="02020603050405020304" pitchFamily="18" charset="0"/>
+                <a:ea typeface="Liberation Serif" panose="02020603050405020304" pitchFamily="18" charset="0"/>
+                <a:cs typeface="Liberation Serif" panose="02020603050405020304" pitchFamily="18" charset="0"/>
+              </a:rPr>
+              <a:t>Figura</a:t>
+            </a:r>
+            <a:r>
+              <a:rPr lang="en-US" sz="2400" dirty="0">
+                <a:solidFill>
+                  <a:srgbClr val="032539"/>
+                </a:solidFill>
+                <a:latin typeface="Liberation Serif" panose="02020603050405020304" pitchFamily="18" charset="0"/>
+                <a:ea typeface="Liberation Serif" panose="02020603050405020304" pitchFamily="18" charset="0"/>
+                <a:cs typeface="Liberation Serif" panose="02020603050405020304" pitchFamily="18" charset="0"/>
+              </a:rPr>
+              <a:t> 3:  Media </a:t>
+            </a:r>
+            <a:r>
+              <a:rPr lang="ro-RO" sz="2400" dirty="0">
+                <a:solidFill>
+                  <a:srgbClr val="032539"/>
+                </a:solidFill>
+                <a:latin typeface="Liberation Serif" panose="02020603050405020304" pitchFamily="18" charset="0"/>
+                <a:ea typeface="Liberation Serif" panose="02020603050405020304" pitchFamily="18" charset="0"/>
+                <a:cs typeface="Liberation Serif" panose="02020603050405020304" pitchFamily="18" charset="0"/>
+              </a:rPr>
+              <a:t>în funcție de imagine</a:t>
+            </a:r>
+            <a:endParaRPr lang="en-US" sz="2400" dirty="0">
+              <a:solidFill>
+                <a:srgbClr val="032539"/>
+              </a:solidFill>
+              <a:latin typeface="Liberation Serif" panose="02020603050405020304" pitchFamily="18" charset="0"/>
+              <a:ea typeface="Liberation Serif" panose="02020603050405020304" pitchFamily="18" charset="0"/>
+              <a:cs typeface="Liberation Serif" panose="02020603050405020304" pitchFamily="18" charset="0"/>
+            </a:endParaRPr>
+          </a:p>
+          <a:p>
+            <a:pPr marL="0" indent="0" algn="ctr">
+              <a:buNone/>
+            </a:pPr>
+            <a:endParaRPr lang="en-US" sz="2400" dirty="0">
+              <a:solidFill>
+                <a:srgbClr val="032539"/>
+              </a:solidFill>
+              <a:latin typeface="Liberation Serif" panose="02020603050405020304" pitchFamily="18" charset="0"/>
+              <a:ea typeface="Liberation Serif" panose="02020603050405020304" pitchFamily="18" charset="0"/>
+              <a:cs typeface="Liberation Serif" panose="02020603050405020304" pitchFamily="18" charset="0"/>
+            </a:endParaRPr>
+          </a:p>
+        </p:txBody>
+      </p:sp>
+      <p:sp>
+        <p:nvSpPr>
+          <p:cNvPr id="2" name="Substituent conținut 13">
+            <a:extLst>
+              <a:ext uri="{FF2B5EF4-FFF2-40B4-BE49-F238E27FC236}">
+                <a16:creationId xmlns:a16="http://schemas.microsoft.com/office/drawing/2014/main" id="{8700D5C2-1D10-D8DE-14A0-57125A92E80B}"/>
+              </a:ext>
+            </a:extLst>
+          </p:cNvPr>
+          <p:cNvSpPr txBox="1">
+            <a:spLocks/>
+          </p:cNvSpPr>
+          <p:nvPr/>
+        </p:nvSpPr>
+        <p:spPr>
+          <a:xfrm>
+            <a:off x="332496" y="229529"/>
+            <a:ext cx="7658795" cy="1256514"/>
+          </a:xfrm>
+          <a:prstGeom prst="rect">
+            <a:avLst/>
+          </a:prstGeom>
+        </p:spPr>
+        <p:txBody>
+          <a:bodyPr vert="horz" lIns="91440" tIns="45720" rIns="91440" bIns="45720" rtlCol="0">
+            <a:normAutofit/>
+          </a:bodyPr>
+          <a:lstStyle>
+            <a:lvl1pPr marL="342900" indent="-342900" algn="l" defTabSz="457200" rtl="0" eaLnBrk="1" latinLnBrk="0" hangingPunct="1">
+              <a:spcBef>
+                <a:spcPts val="1000"/>
+              </a:spcBef>
+              <a:spcAft>
+                <a:spcPts val="0"/>
+              </a:spcAft>
+              <a:buClr>
+                <a:schemeClr val="accent1"/>
+              </a:buClr>
+              <a:buSzPct val="80000"/>
+              <a:buFont typeface="Wingdings 3" charset="2"/>
+              <a:buChar char=""/>
+              <a:defRPr sz="1800" kern="1200">
+                <a:solidFill>
+                  <a:schemeClr val="tx1">
+                    <a:lumMod val="75000"/>
+                    <a:lumOff val="25000"/>
+                  </a:schemeClr>
+                </a:solidFill>
+                <a:latin typeface="+mn-lt"/>
+                <a:ea typeface="+mn-ea"/>
+                <a:cs typeface="+mn-cs"/>
+              </a:defRPr>
+            </a:lvl1pPr>
+            <a:lvl2pPr marL="742950" indent="-285750" algn="l" defTabSz="457200" rtl="0" eaLnBrk="1" latinLnBrk="0" hangingPunct="1">
+              <a:spcBef>
+                <a:spcPts val="1000"/>
+              </a:spcBef>
+              <a:spcAft>
+                <a:spcPts val="0"/>
+              </a:spcAft>
+              <a:buClr>
+                <a:schemeClr val="accent1"/>
+              </a:buClr>
+              <a:buSzPct val="80000"/>
+              <a:buFont typeface="Wingdings 3" charset="2"/>
+              <a:buChar char=""/>
+              <a:defRPr sz="1600" kern="1200">
+                <a:solidFill>
+                  <a:schemeClr val="tx1">
+                    <a:lumMod val="75000"/>
+                    <a:lumOff val="25000"/>
+                  </a:schemeClr>
+                </a:solidFill>
+                <a:latin typeface="+mn-lt"/>
+                <a:ea typeface="+mn-ea"/>
+                <a:cs typeface="+mn-cs"/>
+              </a:defRPr>
+            </a:lvl2pPr>
+            <a:lvl3pPr marL="1143000" indent="-228600" algn="l" defTabSz="457200" rtl="0" eaLnBrk="1" latinLnBrk="0" hangingPunct="1">
+              <a:spcBef>
+                <a:spcPts val="1000"/>
+              </a:spcBef>
+              <a:spcAft>
+                <a:spcPts val="0"/>
+              </a:spcAft>
+              <a:buClr>
+                <a:schemeClr val="accent1"/>
+              </a:buClr>
+              <a:buSzPct val="80000"/>
+              <a:buFont typeface="Wingdings 3" charset="2"/>
+              <a:buChar char=""/>
+              <a:defRPr sz="1400" kern="1200">
+                <a:solidFill>
+                  <a:schemeClr val="tx1">
+                    <a:lumMod val="75000"/>
+                    <a:lumOff val="25000"/>
+                  </a:schemeClr>
+                </a:solidFill>
+                <a:latin typeface="+mn-lt"/>
+                <a:ea typeface="+mn-ea"/>
+                <a:cs typeface="+mn-cs"/>
+              </a:defRPr>
+            </a:lvl3pPr>
+            <a:lvl4pPr marL="1600200" indent="-228600" algn="l" defTabSz="457200" rtl="0" eaLnBrk="1" latinLnBrk="0" hangingPunct="1">
+              <a:spcBef>
+                <a:spcPts val="1000"/>
+              </a:spcBef>
+              <a:spcAft>
+                <a:spcPts val="0"/>
+              </a:spcAft>
+              <a:buClr>
+                <a:schemeClr val="accent1"/>
+              </a:buClr>
+              <a:buSzPct val="80000"/>
+              <a:buFont typeface="Wingdings 3" charset="2"/>
+              <a:buChar char=""/>
+              <a:defRPr sz="1200" kern="1200">
+                <a:solidFill>
+                  <a:schemeClr val="tx1">
+                    <a:lumMod val="75000"/>
+                    <a:lumOff val="25000"/>
+                  </a:schemeClr>
+                </a:solidFill>
+                <a:latin typeface="+mn-lt"/>
+                <a:ea typeface="+mn-ea"/>
+                <a:cs typeface="+mn-cs"/>
+              </a:defRPr>
+            </a:lvl4pPr>
+            <a:lvl5pPr marL="2057400" indent="-228600" algn="l" defTabSz="457200" rtl="0" eaLnBrk="1" latinLnBrk="0" hangingPunct="1">
+              <a:spcBef>
+                <a:spcPts val="1000"/>
+              </a:spcBef>
+              <a:spcAft>
+                <a:spcPts val="0"/>
+              </a:spcAft>
+              <a:buClr>
+                <a:schemeClr val="accent1"/>
+              </a:buClr>
+              <a:buSzPct val="80000"/>
+              <a:buFont typeface="Wingdings 3" charset="2"/>
+              <a:buChar char=""/>
+              <a:defRPr sz="1200" kern="1200">
+                <a:solidFill>
+                  <a:schemeClr val="tx1">
+                    <a:lumMod val="75000"/>
+                    <a:lumOff val="25000"/>
+                  </a:schemeClr>
+                </a:solidFill>
+                <a:latin typeface="+mn-lt"/>
+                <a:ea typeface="+mn-ea"/>
+                <a:cs typeface="+mn-cs"/>
+              </a:defRPr>
+            </a:lvl5pPr>
+            <a:lvl6pPr marL="2514600" indent="-228600" algn="l" defTabSz="457200" rtl="0" eaLnBrk="1" latinLnBrk="0" hangingPunct="1">
+              <a:spcBef>
+                <a:spcPts val="1000"/>
+              </a:spcBef>
+              <a:spcAft>
+                <a:spcPts val="0"/>
+              </a:spcAft>
+              <a:buClr>
+                <a:schemeClr val="accent1"/>
+              </a:buClr>
+              <a:buSzPct val="80000"/>
+              <a:buFont typeface="Wingdings 3" charset="2"/>
+              <a:buChar char=""/>
+              <a:defRPr sz="1200" kern="1200">
+                <a:solidFill>
+                  <a:schemeClr val="tx1">
+                    <a:lumMod val="75000"/>
+                    <a:lumOff val="25000"/>
+                  </a:schemeClr>
+                </a:solidFill>
+                <a:latin typeface="+mn-lt"/>
+                <a:ea typeface="+mn-ea"/>
+                <a:cs typeface="+mn-cs"/>
+              </a:defRPr>
+            </a:lvl6pPr>
+            <a:lvl7pPr marL="2971800" indent="-228600" algn="l" defTabSz="457200" rtl="0" eaLnBrk="1" latinLnBrk="0" hangingPunct="1">
+              <a:spcBef>
+                <a:spcPts val="1000"/>
+              </a:spcBef>
+              <a:spcAft>
+                <a:spcPts val="0"/>
+              </a:spcAft>
+              <a:buClr>
+                <a:schemeClr val="accent1"/>
+              </a:buClr>
+              <a:buSzPct val="80000"/>
+              <a:buFont typeface="Wingdings 3" charset="2"/>
+              <a:buChar char=""/>
+              <a:defRPr sz="1200" kern="1200">
+                <a:solidFill>
+                  <a:schemeClr val="tx1">
+                    <a:lumMod val="75000"/>
+                    <a:lumOff val="25000"/>
+                  </a:schemeClr>
+                </a:solidFill>
+                <a:latin typeface="+mn-lt"/>
+                <a:ea typeface="+mn-ea"/>
+                <a:cs typeface="+mn-cs"/>
+              </a:defRPr>
+            </a:lvl7pPr>
+            <a:lvl8pPr marL="3429000" indent="-228600" algn="l" defTabSz="457200" rtl="0" eaLnBrk="1" latinLnBrk="0" hangingPunct="1">
+              <a:spcBef>
+                <a:spcPts val="1000"/>
+              </a:spcBef>
+              <a:spcAft>
+                <a:spcPts val="0"/>
+              </a:spcAft>
+              <a:buClr>
+                <a:schemeClr val="accent1"/>
+              </a:buClr>
+              <a:buSzPct val="80000"/>
+              <a:buFont typeface="Wingdings 3" charset="2"/>
+              <a:buChar char=""/>
+              <a:defRPr sz="1200" kern="1200">
+                <a:solidFill>
+                  <a:schemeClr val="tx1">
+                    <a:lumMod val="75000"/>
+                    <a:lumOff val="25000"/>
+                  </a:schemeClr>
+                </a:solidFill>
+                <a:latin typeface="+mn-lt"/>
+                <a:ea typeface="+mn-ea"/>
+                <a:cs typeface="+mn-cs"/>
+              </a:defRPr>
+            </a:lvl8pPr>
+            <a:lvl9pPr marL="3886200" indent="-228600" algn="l" defTabSz="457200" rtl="0" eaLnBrk="1" latinLnBrk="0" hangingPunct="1">
+              <a:spcBef>
+                <a:spcPts val="1000"/>
+              </a:spcBef>
+              <a:spcAft>
+                <a:spcPts val="0"/>
+              </a:spcAft>
+              <a:buClr>
+                <a:schemeClr val="accent1"/>
+              </a:buClr>
+              <a:buSzPct val="80000"/>
+              <a:buFont typeface="Wingdings 3" charset="2"/>
+              <a:buChar char=""/>
+              <a:defRPr sz="1200" kern="1200">
+                <a:solidFill>
+                  <a:schemeClr val="tx1">
+                    <a:lumMod val="75000"/>
+                    <a:lumOff val="25000"/>
+                  </a:schemeClr>
+                </a:solidFill>
+                <a:latin typeface="+mn-lt"/>
+                <a:ea typeface="+mn-ea"/>
+                <a:cs typeface="+mn-cs"/>
+              </a:defRPr>
+            </a:lvl9pPr>
+          </a:lstStyle>
+          <a:p>
+            <a:pPr marL="0" indent="0">
+              <a:buNone/>
+            </a:pPr>
+            <a:r>
+              <a:rPr lang="en-US" sz="2400" dirty="0">
+                <a:solidFill>
+                  <a:srgbClr val="032539"/>
+                </a:solidFill>
+                <a:latin typeface="Liberation Serif" panose="02020603050405020304" pitchFamily="18" charset="0"/>
+                <a:ea typeface="Liberation Serif" panose="02020603050405020304" pitchFamily="18" charset="0"/>
+                <a:cs typeface="Liberation Serif" panose="02020603050405020304" pitchFamily="18" charset="0"/>
+              </a:rPr>
+              <a:t> MEDIA IMAGINILOR PENTRU SETUL DE DATE</a:t>
+            </a:r>
+          </a:p>
+        </p:txBody>
+      </p:sp>
+      <p:pic>
+        <p:nvPicPr>
+          <p:cNvPr id="8" name="Imagine 7">
+            <a:extLst>
+              <a:ext uri="{FF2B5EF4-FFF2-40B4-BE49-F238E27FC236}">
+                <a16:creationId xmlns:a16="http://schemas.microsoft.com/office/drawing/2014/main" id="{AE7C6840-8E50-7EEC-A658-E1F85D39F868}"/>
+              </a:ext>
+            </a:extLst>
+          </p:cNvPr>
+          <p:cNvPicPr>
+            <a:picLocks noChangeAspect="1"/>
+          </p:cNvPicPr>
+          <p:nvPr/>
+        </p:nvPicPr>
+        <p:blipFill>
+          <a:blip r:embed="rId2">
+            <a:extLst>
+              <a:ext uri="{28A0092B-C50C-407E-A947-70E740481C1C}">
+                <a14:useLocalDpi xmlns:a14="http://schemas.microsoft.com/office/drawing/2010/main" val="0"/>
+              </a:ext>
+            </a:extLst>
+          </a:blip>
+          <a:stretch>
+            <a:fillRect/>
+          </a:stretch>
+        </p:blipFill>
+        <p:spPr>
+          <a:xfrm>
+            <a:off x="2854960" y="791282"/>
+            <a:ext cx="6482080" cy="4861560"/>
+          </a:xfrm>
+          <a:prstGeom prst="rect">
+            <a:avLst/>
+          </a:prstGeom>
+        </p:spPr>
+      </p:pic>
+    </p:spTree>
+    <p:extLst>
+      <p:ext uri="{BB962C8B-B14F-4D97-AF65-F5344CB8AC3E}">
+        <p14:creationId xmlns:p14="http://schemas.microsoft.com/office/powerpoint/2010/main" val="2625575477"/>
+      </p:ext>
+    </p:extLst>
+  </p:cSld>
+  <p:clrMapOvr>
+    <a:masterClrMapping/>
+  </p:clrMapOvr>
+</p:sld>
+</file>
+
+<file path=ppt/slides/slide6.xml><?xml version="1.0" encoding="utf-8"?>
+<p:sld xmlns:a="http://schemas.openxmlformats.org/drawingml/2006/main" xmlns:r="http://schemas.openxmlformats.org/officeDocument/2006/relationships" xmlns:p="http://schemas.openxmlformats.org/presentationml/2006/main">
+  <p:cSld>
+    <p:spTree>
+      <p:nvGrpSpPr>
+        <p:cNvPr id="1" name=""/>
+        <p:cNvGrpSpPr/>
+        <p:nvPr/>
+      </p:nvGrpSpPr>
+      <p:grpSpPr>
+        <a:xfrm>
+          <a:off x="0" y="0"/>
+          <a:ext cx="0" cy="0"/>
+          <a:chOff x="0" y="0"/>
+          <a:chExt cx="0" cy="0"/>
+        </a:xfrm>
+      </p:grpSpPr>
+      <p:sp>
+        <p:nvSpPr>
+          <p:cNvPr id="7" name="Rectangle 43">
+            <a:extLst>
+              <a:ext uri="{FF2B5EF4-FFF2-40B4-BE49-F238E27FC236}">
+                <a16:creationId xmlns:a16="http://schemas.microsoft.com/office/drawing/2014/main" id="{6E30A49C-9B0E-19EE-DE31-14C75AAF9DD0}"/>
+              </a:ext>
+              <a:ext uri="{C183D7F6-B498-43B3-948B-1728B52AA6E4}">
+                <adec:decorative xmlns:adec="http://schemas.microsoft.com/office/drawing/2017/decorative" val="1"/>
+              </a:ext>
+            </a:extLst>
+          </p:cNvPr>
+          <p:cNvSpPr/>
+          <p:nvPr>
+            <p:extLst>
+              <p:ext uri="{386F3935-93C4-4BCD-93E2-E3B085C9AB24}">
+                <p16:designElem xmlns:p16="http://schemas.microsoft.com/office/powerpoint/2015/main" val="1"/>
+              </p:ext>
+            </p:extLst>
+          </p:nvPr>
+        </p:nvSpPr>
+        <p:spPr>
+          <a:xfrm>
+            <a:off x="387914" y="857786"/>
+            <a:ext cx="11067024" cy="5208932"/>
+          </a:xfrm>
+          <a:prstGeom prst="rect">
+            <a:avLst/>
+          </a:prstGeom>
+          <a:solidFill>
+            <a:schemeClr val="bg1"/>
+          </a:solidFill>
+          <a:ln>
+            <a:noFill/>
+          </a:ln>
+          <a:effectLst>
+            <a:outerShdw blurRad="139700" dist="127000" dir="5400000" algn="t" rotWithShape="0">
+              <a:prstClr val="black">
+                <a:alpha val="15000"/>
+              </a:prstClr>
+            </a:outerShdw>
+          </a:effectLst>
+        </p:spPr>
+        <p:style>
+          <a:lnRef idx="2">
+            <a:schemeClr val="accent1">
+              <a:shade val="50000"/>
+            </a:schemeClr>
+          </a:lnRef>
+          <a:fillRef idx="1">
+            <a:schemeClr val="accent1"/>
+          </a:fillRef>
+          <a:effectRef idx="0">
+            <a:schemeClr val="accent1"/>
+          </a:effectRef>
+          <a:fontRef idx="minor">
+            <a:schemeClr val="lt1"/>
+          </a:fontRef>
+        </p:style>
+        <p:txBody>
+          <a:bodyPr rtlCol="0" anchor="ctr"/>
+          <a:lstStyle/>
+          <a:p>
+            <a:pPr algn="ctr"/>
+            <a:endParaRPr lang="en-US" dirty="0">
+              <a:latin typeface="Liberation Serif" panose="02020603050405020304" pitchFamily="18" charset="0"/>
+            </a:endParaRPr>
+          </a:p>
+        </p:txBody>
+      </p:sp>
+      <p:sp>
+        <p:nvSpPr>
+          <p:cNvPr id="15" name="Substituent conținut 13">
+            <a:extLst>
+              <a:ext uri="{FF2B5EF4-FFF2-40B4-BE49-F238E27FC236}">
+                <a16:creationId xmlns:a16="http://schemas.microsoft.com/office/drawing/2014/main" id="{AF0260AF-57C1-92B5-AC4C-4F86D19AB7DE}"/>
+              </a:ext>
+            </a:extLst>
+          </p:cNvPr>
+          <p:cNvSpPr txBox="1">
+            <a:spLocks/>
+          </p:cNvSpPr>
+          <p:nvPr/>
+        </p:nvSpPr>
+        <p:spPr>
+          <a:xfrm>
+            <a:off x="2266602" y="6098396"/>
+            <a:ext cx="7658795" cy="759604"/>
+          </a:xfrm>
+          <a:prstGeom prst="rect">
+            <a:avLst/>
+          </a:prstGeom>
+        </p:spPr>
+        <p:txBody>
+          <a:bodyPr vert="horz" lIns="91440" tIns="45720" rIns="91440" bIns="45720" rtlCol="0">
+            <a:normAutofit/>
+          </a:bodyPr>
+          <a:lstStyle>
+            <a:lvl1pPr marL="342900" indent="-342900" algn="l" defTabSz="457200" rtl="0" eaLnBrk="1" latinLnBrk="0" hangingPunct="1">
+              <a:spcBef>
+                <a:spcPts val="1000"/>
+              </a:spcBef>
+              <a:spcAft>
+                <a:spcPts val="0"/>
+              </a:spcAft>
+              <a:buClr>
+                <a:schemeClr val="accent1"/>
+              </a:buClr>
+              <a:buSzPct val="80000"/>
+              <a:buFont typeface="Wingdings 3" charset="2"/>
+              <a:buChar char=""/>
+              <a:defRPr sz="1800" kern="1200">
+                <a:solidFill>
+                  <a:schemeClr val="tx1">
+                    <a:lumMod val="75000"/>
+                    <a:lumOff val="25000"/>
+                  </a:schemeClr>
+                </a:solidFill>
+                <a:latin typeface="+mn-lt"/>
+                <a:ea typeface="+mn-ea"/>
+                <a:cs typeface="+mn-cs"/>
+              </a:defRPr>
+            </a:lvl1pPr>
+            <a:lvl2pPr marL="742950" indent="-285750" algn="l" defTabSz="457200" rtl="0" eaLnBrk="1" latinLnBrk="0" hangingPunct="1">
+              <a:spcBef>
+                <a:spcPts val="1000"/>
+              </a:spcBef>
+              <a:spcAft>
+                <a:spcPts val="0"/>
+              </a:spcAft>
+              <a:buClr>
+                <a:schemeClr val="accent1"/>
+              </a:buClr>
+              <a:buSzPct val="80000"/>
+              <a:buFont typeface="Wingdings 3" charset="2"/>
+              <a:buChar char=""/>
+              <a:defRPr sz="1600" kern="1200">
+                <a:solidFill>
+                  <a:schemeClr val="tx1">
+                    <a:lumMod val="75000"/>
+                    <a:lumOff val="25000"/>
+                  </a:schemeClr>
+                </a:solidFill>
+                <a:latin typeface="+mn-lt"/>
+                <a:ea typeface="+mn-ea"/>
+                <a:cs typeface="+mn-cs"/>
+              </a:defRPr>
+            </a:lvl2pPr>
+            <a:lvl3pPr marL="1143000" indent="-228600" algn="l" defTabSz="457200" rtl="0" eaLnBrk="1" latinLnBrk="0" hangingPunct="1">
+              <a:spcBef>
+                <a:spcPts val="1000"/>
+              </a:spcBef>
+              <a:spcAft>
+                <a:spcPts val="0"/>
+              </a:spcAft>
+              <a:buClr>
+                <a:schemeClr val="accent1"/>
+              </a:buClr>
+              <a:buSzPct val="80000"/>
+              <a:buFont typeface="Wingdings 3" charset="2"/>
+              <a:buChar char=""/>
+              <a:defRPr sz="1400" kern="1200">
+                <a:solidFill>
+                  <a:schemeClr val="tx1">
+                    <a:lumMod val="75000"/>
+                    <a:lumOff val="25000"/>
+                  </a:schemeClr>
+                </a:solidFill>
+                <a:latin typeface="+mn-lt"/>
+                <a:ea typeface="+mn-ea"/>
+                <a:cs typeface="+mn-cs"/>
+              </a:defRPr>
+            </a:lvl3pPr>
+            <a:lvl4pPr marL="1600200" indent="-228600" algn="l" defTabSz="457200" rtl="0" eaLnBrk="1" latinLnBrk="0" hangingPunct="1">
+              <a:spcBef>
+                <a:spcPts val="1000"/>
+              </a:spcBef>
+              <a:spcAft>
+                <a:spcPts val="0"/>
+              </a:spcAft>
+              <a:buClr>
+                <a:schemeClr val="accent1"/>
+              </a:buClr>
+              <a:buSzPct val="80000"/>
+              <a:buFont typeface="Wingdings 3" charset="2"/>
+              <a:buChar char=""/>
+              <a:defRPr sz="1200" kern="1200">
+                <a:solidFill>
+                  <a:schemeClr val="tx1">
+                    <a:lumMod val="75000"/>
+                    <a:lumOff val="25000"/>
+                  </a:schemeClr>
+                </a:solidFill>
+                <a:latin typeface="+mn-lt"/>
+                <a:ea typeface="+mn-ea"/>
+                <a:cs typeface="+mn-cs"/>
+              </a:defRPr>
+            </a:lvl4pPr>
+            <a:lvl5pPr marL="2057400" indent="-228600" algn="l" defTabSz="457200" rtl="0" eaLnBrk="1" latinLnBrk="0" hangingPunct="1">
+              <a:spcBef>
+                <a:spcPts val="1000"/>
+              </a:spcBef>
+              <a:spcAft>
+                <a:spcPts val="0"/>
+              </a:spcAft>
+              <a:buClr>
+                <a:schemeClr val="accent1"/>
+              </a:buClr>
+              <a:buSzPct val="80000"/>
+              <a:buFont typeface="Wingdings 3" charset="2"/>
+              <a:buChar char=""/>
+              <a:defRPr sz="1200" kern="1200">
+                <a:solidFill>
+                  <a:schemeClr val="tx1">
+                    <a:lumMod val="75000"/>
+                    <a:lumOff val="25000"/>
+                  </a:schemeClr>
+                </a:solidFill>
+                <a:latin typeface="+mn-lt"/>
+                <a:ea typeface="+mn-ea"/>
+                <a:cs typeface="+mn-cs"/>
+              </a:defRPr>
+            </a:lvl5pPr>
+            <a:lvl6pPr marL="2514600" indent="-228600" algn="l" defTabSz="457200" rtl="0" eaLnBrk="1" latinLnBrk="0" hangingPunct="1">
+              <a:spcBef>
+                <a:spcPts val="1000"/>
+              </a:spcBef>
+              <a:spcAft>
+                <a:spcPts val="0"/>
+              </a:spcAft>
+              <a:buClr>
+                <a:schemeClr val="accent1"/>
+              </a:buClr>
+              <a:buSzPct val="80000"/>
+              <a:buFont typeface="Wingdings 3" charset="2"/>
+              <a:buChar char=""/>
+              <a:defRPr sz="1200" kern="1200">
+                <a:solidFill>
+                  <a:schemeClr val="tx1">
+                    <a:lumMod val="75000"/>
+                    <a:lumOff val="25000"/>
+                  </a:schemeClr>
+                </a:solidFill>
+                <a:latin typeface="+mn-lt"/>
+                <a:ea typeface="+mn-ea"/>
+                <a:cs typeface="+mn-cs"/>
+              </a:defRPr>
+            </a:lvl6pPr>
+            <a:lvl7pPr marL="2971800" indent="-228600" algn="l" defTabSz="457200" rtl="0" eaLnBrk="1" latinLnBrk="0" hangingPunct="1">
+              <a:spcBef>
+                <a:spcPts val="1000"/>
+              </a:spcBef>
+              <a:spcAft>
+                <a:spcPts val="0"/>
+              </a:spcAft>
+              <a:buClr>
+                <a:schemeClr val="accent1"/>
+              </a:buClr>
+              <a:buSzPct val="80000"/>
+              <a:buFont typeface="Wingdings 3" charset="2"/>
+              <a:buChar char=""/>
+              <a:defRPr sz="1200" kern="1200">
+                <a:solidFill>
+                  <a:schemeClr val="tx1">
+                    <a:lumMod val="75000"/>
+                    <a:lumOff val="25000"/>
+                  </a:schemeClr>
+                </a:solidFill>
+                <a:latin typeface="+mn-lt"/>
+                <a:ea typeface="+mn-ea"/>
+                <a:cs typeface="+mn-cs"/>
+              </a:defRPr>
+            </a:lvl7pPr>
+            <a:lvl8pPr marL="3429000" indent="-228600" algn="l" defTabSz="457200" rtl="0" eaLnBrk="1" latinLnBrk="0" hangingPunct="1">
+              <a:spcBef>
+                <a:spcPts val="1000"/>
+              </a:spcBef>
+              <a:spcAft>
+                <a:spcPts val="0"/>
+              </a:spcAft>
+              <a:buClr>
+                <a:schemeClr val="accent1"/>
+              </a:buClr>
+              <a:buSzPct val="80000"/>
+              <a:buFont typeface="Wingdings 3" charset="2"/>
+              <a:buChar char=""/>
+              <a:defRPr sz="1200" kern="1200">
+                <a:solidFill>
+                  <a:schemeClr val="tx1">
+                    <a:lumMod val="75000"/>
+                    <a:lumOff val="25000"/>
+                  </a:schemeClr>
+                </a:solidFill>
+                <a:latin typeface="+mn-lt"/>
+                <a:ea typeface="+mn-ea"/>
+                <a:cs typeface="+mn-cs"/>
+              </a:defRPr>
+            </a:lvl8pPr>
+            <a:lvl9pPr marL="3886200" indent="-228600" algn="l" defTabSz="457200" rtl="0" eaLnBrk="1" latinLnBrk="0" hangingPunct="1">
+              <a:spcBef>
+                <a:spcPts val="1000"/>
+              </a:spcBef>
+              <a:spcAft>
+                <a:spcPts val="0"/>
+              </a:spcAft>
+              <a:buClr>
+                <a:schemeClr val="accent1"/>
+              </a:buClr>
+              <a:buSzPct val="80000"/>
+              <a:buFont typeface="Wingdings 3" charset="2"/>
+              <a:buChar char=""/>
+              <a:defRPr sz="1200" kern="1200">
+                <a:solidFill>
+                  <a:schemeClr val="tx1">
+                    <a:lumMod val="75000"/>
+                    <a:lumOff val="25000"/>
+                  </a:schemeClr>
+                </a:solidFill>
+                <a:latin typeface="+mn-lt"/>
+                <a:ea typeface="+mn-ea"/>
+                <a:cs typeface="+mn-cs"/>
+              </a:defRPr>
+            </a:lvl9pPr>
+          </a:lstStyle>
+          <a:p>
+            <a:pPr marL="0" indent="0" algn="ctr">
+              <a:buNone/>
+            </a:pPr>
+            <a:r>
+              <a:rPr lang="en-US" sz="2400" dirty="0" err="1">
+                <a:solidFill>
+                  <a:srgbClr val="032539"/>
+                </a:solidFill>
+                <a:latin typeface="Liberation Serif" panose="02020603050405020304" pitchFamily="18" charset="0"/>
+                <a:ea typeface="Liberation Serif" panose="02020603050405020304" pitchFamily="18" charset="0"/>
+                <a:cs typeface="Liberation Serif" panose="02020603050405020304" pitchFamily="18" charset="0"/>
+              </a:rPr>
+              <a:t>Figura</a:t>
+            </a:r>
+            <a:r>
+              <a:rPr lang="en-US" sz="2400" dirty="0">
+                <a:solidFill>
+                  <a:srgbClr val="032539"/>
+                </a:solidFill>
+                <a:latin typeface="Liberation Serif" panose="02020603050405020304" pitchFamily="18" charset="0"/>
+                <a:ea typeface="Liberation Serif" panose="02020603050405020304" pitchFamily="18" charset="0"/>
+                <a:cs typeface="Liberation Serif" panose="02020603050405020304" pitchFamily="18" charset="0"/>
+              </a:rPr>
+              <a:t> </a:t>
+            </a:r>
+            <a:r>
+              <a:rPr lang="ro-RO" sz="2400" dirty="0">
+                <a:solidFill>
+                  <a:srgbClr val="032539"/>
+                </a:solidFill>
+                <a:latin typeface="Liberation Serif" panose="02020603050405020304" pitchFamily="18" charset="0"/>
+                <a:ea typeface="Liberation Serif" panose="02020603050405020304" pitchFamily="18" charset="0"/>
+                <a:cs typeface="Liberation Serif" panose="02020603050405020304" pitchFamily="18" charset="0"/>
+              </a:rPr>
+              <a:t>4</a:t>
+            </a:r>
+            <a:r>
+              <a:rPr lang="en-US" sz="2400" dirty="0">
+                <a:solidFill>
+                  <a:srgbClr val="032539"/>
+                </a:solidFill>
+                <a:latin typeface="Liberation Serif" panose="02020603050405020304" pitchFamily="18" charset="0"/>
+                <a:ea typeface="Liberation Serif" panose="02020603050405020304" pitchFamily="18" charset="0"/>
+                <a:cs typeface="Liberation Serif" panose="02020603050405020304" pitchFamily="18" charset="0"/>
+              </a:rPr>
+              <a:t>:  Media </a:t>
+            </a:r>
+            <a:r>
+              <a:rPr lang="ro-RO" sz="2400" dirty="0">
+                <a:solidFill>
+                  <a:srgbClr val="032539"/>
+                </a:solidFill>
+                <a:latin typeface="Liberation Serif" panose="02020603050405020304" pitchFamily="18" charset="0"/>
+                <a:ea typeface="Liberation Serif" panose="02020603050405020304" pitchFamily="18" charset="0"/>
+                <a:cs typeface="Liberation Serif" panose="02020603050405020304" pitchFamily="18" charset="0"/>
+              </a:rPr>
+              <a:t>imaginilor grupate pe clase</a:t>
+            </a:r>
+            <a:endParaRPr lang="en-US" sz="2400" dirty="0">
+              <a:solidFill>
+                <a:srgbClr val="032539"/>
+              </a:solidFill>
+              <a:latin typeface="Liberation Serif" panose="02020603050405020304" pitchFamily="18" charset="0"/>
+              <a:ea typeface="Liberation Serif" panose="02020603050405020304" pitchFamily="18" charset="0"/>
+              <a:cs typeface="Liberation Serif" panose="02020603050405020304" pitchFamily="18" charset="0"/>
+            </a:endParaRPr>
+          </a:p>
+          <a:p>
+            <a:pPr marL="0" indent="0" algn="ctr">
+              <a:buNone/>
+            </a:pPr>
+            <a:endParaRPr lang="en-US" sz="2400" dirty="0">
+              <a:solidFill>
+                <a:srgbClr val="032539"/>
+              </a:solidFill>
+              <a:latin typeface="Liberation Serif" panose="02020603050405020304" pitchFamily="18" charset="0"/>
+              <a:ea typeface="Liberation Serif" panose="02020603050405020304" pitchFamily="18" charset="0"/>
+              <a:cs typeface="Liberation Serif" panose="02020603050405020304" pitchFamily="18" charset="0"/>
+            </a:endParaRPr>
+          </a:p>
+        </p:txBody>
+      </p:sp>
+      <p:sp>
+        <p:nvSpPr>
+          <p:cNvPr id="2" name="Substituent conținut 13">
+            <a:extLst>
+              <a:ext uri="{FF2B5EF4-FFF2-40B4-BE49-F238E27FC236}">
+                <a16:creationId xmlns:a16="http://schemas.microsoft.com/office/drawing/2014/main" id="{8700D5C2-1D10-D8DE-14A0-57125A92E80B}"/>
+              </a:ext>
+            </a:extLst>
+          </p:cNvPr>
+          <p:cNvSpPr txBox="1">
+            <a:spLocks/>
+          </p:cNvSpPr>
+          <p:nvPr/>
+        </p:nvSpPr>
+        <p:spPr>
+          <a:xfrm>
+            <a:off x="332496" y="229529"/>
+            <a:ext cx="9032484" cy="1256514"/>
+          </a:xfrm>
+          <a:prstGeom prst="rect">
+            <a:avLst/>
+          </a:prstGeom>
+        </p:spPr>
+        <p:txBody>
+          <a:bodyPr vert="horz" lIns="91440" tIns="45720" rIns="91440" bIns="45720" rtlCol="0">
+            <a:normAutofit/>
+          </a:bodyPr>
+          <a:lstStyle>
+            <a:lvl1pPr marL="342900" indent="-342900" algn="l" defTabSz="457200" rtl="0" eaLnBrk="1" latinLnBrk="0" hangingPunct="1">
+              <a:spcBef>
+                <a:spcPts val="1000"/>
+              </a:spcBef>
+              <a:spcAft>
+                <a:spcPts val="0"/>
+              </a:spcAft>
+              <a:buClr>
+                <a:schemeClr val="accent1"/>
+              </a:buClr>
+              <a:buSzPct val="80000"/>
+              <a:buFont typeface="Wingdings 3" charset="2"/>
+              <a:buChar char=""/>
+              <a:defRPr sz="1800" kern="1200">
+                <a:solidFill>
+                  <a:schemeClr val="tx1">
+                    <a:lumMod val="75000"/>
+                    <a:lumOff val="25000"/>
+                  </a:schemeClr>
+                </a:solidFill>
+                <a:latin typeface="+mn-lt"/>
+                <a:ea typeface="+mn-ea"/>
+                <a:cs typeface="+mn-cs"/>
+              </a:defRPr>
+            </a:lvl1pPr>
+            <a:lvl2pPr marL="742950" indent="-285750" algn="l" defTabSz="457200" rtl="0" eaLnBrk="1" latinLnBrk="0" hangingPunct="1">
+              <a:spcBef>
+                <a:spcPts val="1000"/>
+              </a:spcBef>
+              <a:spcAft>
+                <a:spcPts val="0"/>
+              </a:spcAft>
+              <a:buClr>
+                <a:schemeClr val="accent1"/>
+              </a:buClr>
+              <a:buSzPct val="80000"/>
+              <a:buFont typeface="Wingdings 3" charset="2"/>
+              <a:buChar char=""/>
+              <a:defRPr sz="1600" kern="1200">
+                <a:solidFill>
+                  <a:schemeClr val="tx1">
+                    <a:lumMod val="75000"/>
+                    <a:lumOff val="25000"/>
+                  </a:schemeClr>
+                </a:solidFill>
+                <a:latin typeface="+mn-lt"/>
+                <a:ea typeface="+mn-ea"/>
+                <a:cs typeface="+mn-cs"/>
+              </a:defRPr>
+            </a:lvl2pPr>
+            <a:lvl3pPr marL="1143000" indent="-228600" algn="l" defTabSz="457200" rtl="0" eaLnBrk="1" latinLnBrk="0" hangingPunct="1">
+              <a:spcBef>
+                <a:spcPts val="1000"/>
+              </a:spcBef>
+              <a:spcAft>
+                <a:spcPts val="0"/>
+              </a:spcAft>
+              <a:buClr>
+                <a:schemeClr val="accent1"/>
+              </a:buClr>
+              <a:buSzPct val="80000"/>
+              <a:buFont typeface="Wingdings 3" charset="2"/>
+              <a:buChar char=""/>
+              <a:defRPr sz="1400" kern="1200">
+                <a:solidFill>
+                  <a:schemeClr val="tx1">
+                    <a:lumMod val="75000"/>
+                    <a:lumOff val="25000"/>
+                  </a:schemeClr>
+                </a:solidFill>
+                <a:latin typeface="+mn-lt"/>
+                <a:ea typeface="+mn-ea"/>
+                <a:cs typeface="+mn-cs"/>
+              </a:defRPr>
+            </a:lvl3pPr>
+            <a:lvl4pPr marL="1600200" indent="-228600" algn="l" defTabSz="457200" rtl="0" eaLnBrk="1" latinLnBrk="0" hangingPunct="1">
+              <a:spcBef>
+                <a:spcPts val="1000"/>
+              </a:spcBef>
+              <a:spcAft>
+                <a:spcPts val="0"/>
+              </a:spcAft>
+              <a:buClr>
+                <a:schemeClr val="accent1"/>
+              </a:buClr>
+              <a:buSzPct val="80000"/>
+              <a:buFont typeface="Wingdings 3" charset="2"/>
+              <a:buChar char=""/>
+              <a:defRPr sz="1200" kern="1200">
+                <a:solidFill>
+                  <a:schemeClr val="tx1">
+                    <a:lumMod val="75000"/>
+                    <a:lumOff val="25000"/>
+                  </a:schemeClr>
+                </a:solidFill>
+                <a:latin typeface="+mn-lt"/>
+                <a:ea typeface="+mn-ea"/>
+                <a:cs typeface="+mn-cs"/>
+              </a:defRPr>
+            </a:lvl4pPr>
+            <a:lvl5pPr marL="2057400" indent="-228600" algn="l" defTabSz="457200" rtl="0" eaLnBrk="1" latinLnBrk="0" hangingPunct="1">
+              <a:spcBef>
+                <a:spcPts val="1000"/>
+              </a:spcBef>
+              <a:spcAft>
+                <a:spcPts val="0"/>
+              </a:spcAft>
+              <a:buClr>
+                <a:schemeClr val="accent1"/>
+              </a:buClr>
+              <a:buSzPct val="80000"/>
+              <a:buFont typeface="Wingdings 3" charset="2"/>
+              <a:buChar char=""/>
+              <a:defRPr sz="1200" kern="1200">
+                <a:solidFill>
+                  <a:schemeClr val="tx1">
+                    <a:lumMod val="75000"/>
+                    <a:lumOff val="25000"/>
+                  </a:schemeClr>
+                </a:solidFill>
+                <a:latin typeface="+mn-lt"/>
+                <a:ea typeface="+mn-ea"/>
+                <a:cs typeface="+mn-cs"/>
+              </a:defRPr>
+            </a:lvl5pPr>
+            <a:lvl6pPr marL="2514600" indent="-228600" algn="l" defTabSz="457200" rtl="0" eaLnBrk="1" latinLnBrk="0" hangingPunct="1">
+              <a:spcBef>
+                <a:spcPts val="1000"/>
+              </a:spcBef>
+              <a:spcAft>
+                <a:spcPts val="0"/>
+              </a:spcAft>
+              <a:buClr>
+                <a:schemeClr val="accent1"/>
+              </a:buClr>
+              <a:buSzPct val="80000"/>
+              <a:buFont typeface="Wingdings 3" charset="2"/>
+              <a:buChar char=""/>
+              <a:defRPr sz="1200" kern="1200">
+                <a:solidFill>
+                  <a:schemeClr val="tx1">
+                    <a:lumMod val="75000"/>
+                    <a:lumOff val="25000"/>
+                  </a:schemeClr>
+                </a:solidFill>
+                <a:latin typeface="+mn-lt"/>
+                <a:ea typeface="+mn-ea"/>
+                <a:cs typeface="+mn-cs"/>
+              </a:defRPr>
+            </a:lvl6pPr>
+            <a:lvl7pPr marL="2971800" indent="-228600" algn="l" defTabSz="457200" rtl="0" eaLnBrk="1" latinLnBrk="0" hangingPunct="1">
+              <a:spcBef>
+                <a:spcPts val="1000"/>
+              </a:spcBef>
+              <a:spcAft>
+                <a:spcPts val="0"/>
+              </a:spcAft>
+              <a:buClr>
+                <a:schemeClr val="accent1"/>
+              </a:buClr>
+              <a:buSzPct val="80000"/>
+              <a:buFont typeface="Wingdings 3" charset="2"/>
+              <a:buChar char=""/>
+              <a:defRPr sz="1200" kern="1200">
+                <a:solidFill>
+                  <a:schemeClr val="tx1">
+                    <a:lumMod val="75000"/>
+                    <a:lumOff val="25000"/>
+                  </a:schemeClr>
+                </a:solidFill>
+                <a:latin typeface="+mn-lt"/>
+                <a:ea typeface="+mn-ea"/>
+                <a:cs typeface="+mn-cs"/>
+              </a:defRPr>
+            </a:lvl7pPr>
+            <a:lvl8pPr marL="3429000" indent="-228600" algn="l" defTabSz="457200" rtl="0" eaLnBrk="1" latinLnBrk="0" hangingPunct="1">
+              <a:spcBef>
+                <a:spcPts val="1000"/>
+              </a:spcBef>
+              <a:spcAft>
+                <a:spcPts val="0"/>
+              </a:spcAft>
+              <a:buClr>
+                <a:schemeClr val="accent1"/>
+              </a:buClr>
+              <a:buSzPct val="80000"/>
+              <a:buFont typeface="Wingdings 3" charset="2"/>
+              <a:buChar char=""/>
+              <a:defRPr sz="1200" kern="1200">
+                <a:solidFill>
+                  <a:schemeClr val="tx1">
+                    <a:lumMod val="75000"/>
+                    <a:lumOff val="25000"/>
+                  </a:schemeClr>
+                </a:solidFill>
+                <a:latin typeface="+mn-lt"/>
+                <a:ea typeface="+mn-ea"/>
+                <a:cs typeface="+mn-cs"/>
+              </a:defRPr>
+            </a:lvl8pPr>
+            <a:lvl9pPr marL="3886200" indent="-228600" algn="l" defTabSz="457200" rtl="0" eaLnBrk="1" latinLnBrk="0" hangingPunct="1">
+              <a:spcBef>
+                <a:spcPts val="1000"/>
+              </a:spcBef>
+              <a:spcAft>
+                <a:spcPts val="0"/>
+              </a:spcAft>
+              <a:buClr>
+                <a:schemeClr val="accent1"/>
+              </a:buClr>
+              <a:buSzPct val="80000"/>
+              <a:buFont typeface="Wingdings 3" charset="2"/>
+              <a:buChar char=""/>
+              <a:defRPr sz="1200" kern="1200">
+                <a:solidFill>
+                  <a:schemeClr val="tx1">
+                    <a:lumMod val="75000"/>
+                    <a:lumOff val="25000"/>
+                  </a:schemeClr>
+                </a:solidFill>
+                <a:latin typeface="+mn-lt"/>
+                <a:ea typeface="+mn-ea"/>
+                <a:cs typeface="+mn-cs"/>
+              </a:defRPr>
+            </a:lvl9pPr>
+          </a:lstStyle>
+          <a:p>
+            <a:pPr marL="0" indent="0">
+              <a:buNone/>
+            </a:pPr>
+            <a:r>
+              <a:rPr lang="en-US" sz="2400" dirty="0">
+                <a:solidFill>
+                  <a:srgbClr val="032539"/>
+                </a:solidFill>
+                <a:latin typeface="Liberation Serif" panose="02020603050405020304" pitchFamily="18" charset="0"/>
+                <a:ea typeface="Liberation Serif" panose="02020603050405020304" pitchFamily="18" charset="0"/>
+                <a:cs typeface="Liberation Serif" panose="02020603050405020304" pitchFamily="18" charset="0"/>
+              </a:rPr>
+              <a:t> MEDIA </a:t>
+            </a:r>
+            <a:r>
+              <a:rPr lang="ro-RO" sz="2400" dirty="0">
+                <a:solidFill>
+                  <a:srgbClr val="032539"/>
+                </a:solidFill>
+                <a:latin typeface="Liberation Serif" panose="02020603050405020304" pitchFamily="18" charset="0"/>
+                <a:ea typeface="Liberation Serif" panose="02020603050405020304" pitchFamily="18" charset="0"/>
+                <a:cs typeface="Liberation Serif" panose="02020603050405020304" pitchFamily="18" charset="0"/>
+              </a:rPr>
+              <a:t>ÎN FUNCȚIE DE CLASĂ</a:t>
+            </a:r>
+            <a:endParaRPr lang="en-US" sz="2400" dirty="0">
+              <a:solidFill>
+                <a:srgbClr val="032539"/>
+              </a:solidFill>
+              <a:latin typeface="Liberation Serif" panose="02020603050405020304" pitchFamily="18" charset="0"/>
+              <a:ea typeface="Liberation Serif" panose="02020603050405020304" pitchFamily="18" charset="0"/>
+              <a:cs typeface="Liberation Serif" panose="02020603050405020304" pitchFamily="18" charset="0"/>
+            </a:endParaRPr>
+          </a:p>
+        </p:txBody>
+      </p:sp>
+      <p:pic>
+        <p:nvPicPr>
+          <p:cNvPr id="10" name="Imagine 9">
+            <a:extLst>
+              <a:ext uri="{FF2B5EF4-FFF2-40B4-BE49-F238E27FC236}">
+                <a16:creationId xmlns:a16="http://schemas.microsoft.com/office/drawing/2014/main" id="{2F850069-B875-B173-CB15-ADBC99AE5301}"/>
+              </a:ext>
+            </a:extLst>
+          </p:cNvPr>
+          <p:cNvPicPr>
+            <a:picLocks noChangeAspect="1"/>
+          </p:cNvPicPr>
+          <p:nvPr/>
+        </p:nvPicPr>
+        <p:blipFill>
+          <a:blip r:embed="rId2">
+            <a:extLst>
+              <a:ext uri="{28A0092B-C50C-407E-A947-70E740481C1C}">
+                <a14:useLocalDpi xmlns:a14="http://schemas.microsoft.com/office/drawing/2010/main" val="0"/>
+              </a:ext>
+            </a:extLst>
+          </a:blip>
+          <a:stretch>
+            <a:fillRect/>
+          </a:stretch>
+        </p:blipFill>
+        <p:spPr>
+          <a:xfrm>
+            <a:off x="4889410" y="183884"/>
+            <a:ext cx="2413177" cy="607398"/>
+          </a:xfrm>
+          <a:prstGeom prst="rect">
+            <a:avLst/>
+          </a:prstGeom>
+        </p:spPr>
+      </p:pic>
+      <p:pic>
+        <p:nvPicPr>
+          <p:cNvPr id="12" name="Imagine 11">
+            <a:extLst>
+              <a:ext uri="{FF2B5EF4-FFF2-40B4-BE49-F238E27FC236}">
+                <a16:creationId xmlns:a16="http://schemas.microsoft.com/office/drawing/2014/main" id="{09B494EA-E1FE-C730-89E1-8FC7655B3484}"/>
+              </a:ext>
+            </a:extLst>
+          </p:cNvPr>
+          <p:cNvPicPr>
+            <a:picLocks noChangeAspect="1"/>
+          </p:cNvPicPr>
+          <p:nvPr/>
+        </p:nvPicPr>
+        <p:blipFill>
+          <a:blip r:embed="rId3">
+            <a:extLst>
+              <a:ext uri="{28A0092B-C50C-407E-A947-70E740481C1C}">
+                <a14:useLocalDpi xmlns:a14="http://schemas.microsoft.com/office/drawing/2010/main" val="0"/>
+              </a:ext>
+            </a:extLst>
+          </a:blip>
+          <a:stretch>
+            <a:fillRect/>
+          </a:stretch>
+        </p:blipFill>
+        <p:spPr>
+          <a:xfrm>
+            <a:off x="2710905" y="857786"/>
+            <a:ext cx="6287952" cy="4715964"/>
+          </a:xfrm>
+          <a:prstGeom prst="rect">
+            <a:avLst/>
+          </a:prstGeom>
+        </p:spPr>
+      </p:pic>
+    </p:spTree>
+    <p:extLst>
+      <p:ext uri="{BB962C8B-B14F-4D97-AF65-F5344CB8AC3E}">
+        <p14:creationId xmlns:p14="http://schemas.microsoft.com/office/powerpoint/2010/main" val="2742443660"/>
+      </p:ext>
+    </p:extLst>
+  </p:cSld>
+  <p:clrMapOvr>
+    <a:masterClrMapping/>
+  </p:clrMapOvr>
+</p:sld>
+</file>
+
+<file path=ppt/slides/slide7.xml><?xml version="1.0" encoding="utf-8"?>
+<p:sld xmlns:a="http://schemas.openxmlformats.org/drawingml/2006/main" xmlns:r="http://schemas.openxmlformats.org/officeDocument/2006/relationships" xmlns:p="http://schemas.openxmlformats.org/presentationml/2006/main">
+  <p:cSld>
+    <p:spTree>
+      <p:nvGrpSpPr>
+        <p:cNvPr id="1" name=""/>
+        <p:cNvGrpSpPr/>
+        <p:nvPr/>
+      </p:nvGrpSpPr>
+      <p:grpSpPr>
+        <a:xfrm>
+          <a:off x="0" y="0"/>
+          <a:ext cx="0" cy="0"/>
+          <a:chOff x="0" y="0"/>
+          <a:chExt cx="0" cy="0"/>
+        </a:xfrm>
+      </p:grpSpPr>
+      <p:sp>
+        <p:nvSpPr>
+          <p:cNvPr id="7" name="Rectangle 43">
+            <a:extLst>
+              <a:ext uri="{FF2B5EF4-FFF2-40B4-BE49-F238E27FC236}">
+                <a16:creationId xmlns:a16="http://schemas.microsoft.com/office/drawing/2014/main" id="{6E30A49C-9B0E-19EE-DE31-14C75AAF9DD0}"/>
+              </a:ext>
+              <a:ext uri="{C183D7F6-B498-43B3-948B-1728B52AA6E4}">
+                <adec:decorative xmlns:adec="http://schemas.microsoft.com/office/drawing/2017/decorative" val="1"/>
+              </a:ext>
+            </a:extLst>
+          </p:cNvPr>
+          <p:cNvSpPr/>
+          <p:nvPr>
+            <p:extLst>
+              <p:ext uri="{386F3935-93C4-4BCD-93E2-E3B085C9AB24}">
+                <p16:designElem xmlns:p16="http://schemas.microsoft.com/office/powerpoint/2015/main" val="1"/>
+              </p:ext>
+            </p:extLst>
+          </p:nvPr>
+        </p:nvSpPr>
+        <p:spPr>
+          <a:xfrm>
+            <a:off x="387914" y="857786"/>
+            <a:ext cx="11067024" cy="5208932"/>
+          </a:xfrm>
+          <a:prstGeom prst="rect">
+            <a:avLst/>
+          </a:prstGeom>
+          <a:solidFill>
+            <a:schemeClr val="bg1"/>
+          </a:solidFill>
+          <a:ln>
+            <a:noFill/>
+          </a:ln>
+          <a:effectLst>
+            <a:outerShdw blurRad="139700" dist="127000" dir="5400000" algn="t" rotWithShape="0">
+              <a:prstClr val="black">
+                <a:alpha val="15000"/>
+              </a:prstClr>
+            </a:outerShdw>
+          </a:effectLst>
+        </p:spPr>
+        <p:style>
+          <a:lnRef idx="2">
+            <a:schemeClr val="accent1">
+              <a:shade val="50000"/>
+            </a:schemeClr>
+          </a:lnRef>
+          <a:fillRef idx="1">
+            <a:schemeClr val="accent1"/>
+          </a:fillRef>
+          <a:effectRef idx="0">
+            <a:schemeClr val="accent1"/>
+          </a:effectRef>
+          <a:fontRef idx="minor">
+            <a:schemeClr val="lt1"/>
+          </a:fontRef>
+        </p:style>
+        <p:txBody>
+          <a:bodyPr rtlCol="0" anchor="ctr"/>
+          <a:lstStyle/>
+          <a:p>
+            <a:pPr algn="ctr"/>
+            <a:endParaRPr lang="en-US" dirty="0">
+              <a:latin typeface="Liberation Serif" panose="02020603050405020304" pitchFamily="18" charset="0"/>
+            </a:endParaRPr>
+          </a:p>
+        </p:txBody>
+      </p:sp>
+      <p:sp>
+        <p:nvSpPr>
+          <p:cNvPr id="15" name="Substituent conținut 13">
+            <a:extLst>
+              <a:ext uri="{FF2B5EF4-FFF2-40B4-BE49-F238E27FC236}">
+                <a16:creationId xmlns:a16="http://schemas.microsoft.com/office/drawing/2014/main" id="{AF0260AF-57C1-92B5-AC4C-4F86D19AB7DE}"/>
+              </a:ext>
+            </a:extLst>
+          </p:cNvPr>
+          <p:cNvSpPr txBox="1">
+            <a:spLocks/>
+          </p:cNvSpPr>
+          <p:nvPr/>
+        </p:nvSpPr>
+        <p:spPr>
+          <a:xfrm>
+            <a:off x="2092028" y="6131561"/>
+            <a:ext cx="7658795" cy="726439"/>
+          </a:xfrm>
+          <a:prstGeom prst="rect">
+            <a:avLst/>
+          </a:prstGeom>
+        </p:spPr>
+        <p:txBody>
+          <a:bodyPr vert="horz" lIns="91440" tIns="45720" rIns="91440" bIns="45720" rtlCol="0">
+            <a:normAutofit/>
+          </a:bodyPr>
+          <a:lstStyle>
+            <a:lvl1pPr marL="342900" indent="-342900" algn="l" defTabSz="457200" rtl="0" eaLnBrk="1" latinLnBrk="0" hangingPunct="1">
+              <a:spcBef>
+                <a:spcPts val="1000"/>
+              </a:spcBef>
+              <a:spcAft>
+                <a:spcPts val="0"/>
+              </a:spcAft>
+              <a:buClr>
+                <a:schemeClr val="accent1"/>
+              </a:buClr>
+              <a:buSzPct val="80000"/>
+              <a:buFont typeface="Wingdings 3" charset="2"/>
+              <a:buChar char=""/>
+              <a:defRPr sz="1800" kern="1200">
+                <a:solidFill>
+                  <a:schemeClr val="tx1">
+                    <a:lumMod val="75000"/>
+                    <a:lumOff val="25000"/>
+                  </a:schemeClr>
+                </a:solidFill>
+                <a:latin typeface="+mn-lt"/>
+                <a:ea typeface="+mn-ea"/>
+                <a:cs typeface="+mn-cs"/>
+              </a:defRPr>
+            </a:lvl1pPr>
+            <a:lvl2pPr marL="742950" indent="-285750" algn="l" defTabSz="457200" rtl="0" eaLnBrk="1" latinLnBrk="0" hangingPunct="1">
+              <a:spcBef>
+                <a:spcPts val="1000"/>
+              </a:spcBef>
+              <a:spcAft>
+                <a:spcPts val="0"/>
+              </a:spcAft>
+              <a:buClr>
+                <a:schemeClr val="accent1"/>
+              </a:buClr>
+              <a:buSzPct val="80000"/>
+              <a:buFont typeface="Wingdings 3" charset="2"/>
+              <a:buChar char=""/>
+              <a:defRPr sz="1600" kern="1200">
+                <a:solidFill>
+                  <a:schemeClr val="tx1">
+                    <a:lumMod val="75000"/>
+                    <a:lumOff val="25000"/>
+                  </a:schemeClr>
+                </a:solidFill>
+                <a:latin typeface="+mn-lt"/>
+                <a:ea typeface="+mn-ea"/>
+                <a:cs typeface="+mn-cs"/>
+              </a:defRPr>
+            </a:lvl2pPr>
+            <a:lvl3pPr marL="1143000" indent="-228600" algn="l" defTabSz="457200" rtl="0" eaLnBrk="1" latinLnBrk="0" hangingPunct="1">
+              <a:spcBef>
+                <a:spcPts val="1000"/>
+              </a:spcBef>
+              <a:spcAft>
+                <a:spcPts val="0"/>
+              </a:spcAft>
+              <a:buClr>
+                <a:schemeClr val="accent1"/>
+              </a:buClr>
+              <a:buSzPct val="80000"/>
+              <a:buFont typeface="Wingdings 3" charset="2"/>
+              <a:buChar char=""/>
+              <a:defRPr sz="1400" kern="1200">
+                <a:solidFill>
+                  <a:schemeClr val="tx1">
+                    <a:lumMod val="75000"/>
+                    <a:lumOff val="25000"/>
+                  </a:schemeClr>
+                </a:solidFill>
+                <a:latin typeface="+mn-lt"/>
+                <a:ea typeface="+mn-ea"/>
+                <a:cs typeface="+mn-cs"/>
+              </a:defRPr>
+            </a:lvl3pPr>
+            <a:lvl4pPr marL="1600200" indent="-228600" algn="l" defTabSz="457200" rtl="0" eaLnBrk="1" latinLnBrk="0" hangingPunct="1">
+              <a:spcBef>
+                <a:spcPts val="1000"/>
+              </a:spcBef>
+              <a:spcAft>
+                <a:spcPts val="0"/>
+              </a:spcAft>
+              <a:buClr>
+                <a:schemeClr val="accent1"/>
+              </a:buClr>
+              <a:buSzPct val="80000"/>
+              <a:buFont typeface="Wingdings 3" charset="2"/>
+              <a:buChar char=""/>
+              <a:defRPr sz="1200" kern="1200">
+                <a:solidFill>
+                  <a:schemeClr val="tx1">
+                    <a:lumMod val="75000"/>
+                    <a:lumOff val="25000"/>
+                  </a:schemeClr>
+                </a:solidFill>
+                <a:latin typeface="+mn-lt"/>
+                <a:ea typeface="+mn-ea"/>
+                <a:cs typeface="+mn-cs"/>
+              </a:defRPr>
+            </a:lvl4pPr>
+            <a:lvl5pPr marL="2057400" indent="-228600" algn="l" defTabSz="457200" rtl="0" eaLnBrk="1" latinLnBrk="0" hangingPunct="1">
+              <a:spcBef>
+                <a:spcPts val="1000"/>
+              </a:spcBef>
+              <a:spcAft>
+                <a:spcPts val="0"/>
+              </a:spcAft>
+              <a:buClr>
+                <a:schemeClr val="accent1"/>
+              </a:buClr>
+              <a:buSzPct val="80000"/>
+              <a:buFont typeface="Wingdings 3" charset="2"/>
+              <a:buChar char=""/>
+              <a:defRPr sz="1200" kern="1200">
+                <a:solidFill>
+                  <a:schemeClr val="tx1">
+                    <a:lumMod val="75000"/>
+                    <a:lumOff val="25000"/>
+                  </a:schemeClr>
+                </a:solidFill>
+                <a:latin typeface="+mn-lt"/>
+                <a:ea typeface="+mn-ea"/>
+                <a:cs typeface="+mn-cs"/>
+              </a:defRPr>
+            </a:lvl5pPr>
+            <a:lvl6pPr marL="2514600" indent="-228600" algn="l" defTabSz="457200" rtl="0" eaLnBrk="1" latinLnBrk="0" hangingPunct="1">
+              <a:spcBef>
+                <a:spcPts val="1000"/>
+              </a:spcBef>
+              <a:spcAft>
+                <a:spcPts val="0"/>
+              </a:spcAft>
+              <a:buClr>
+                <a:schemeClr val="accent1"/>
+              </a:buClr>
+              <a:buSzPct val="80000"/>
+              <a:buFont typeface="Wingdings 3" charset="2"/>
+              <a:buChar char=""/>
+              <a:defRPr sz="1200" kern="1200">
+                <a:solidFill>
+                  <a:schemeClr val="tx1">
+                    <a:lumMod val="75000"/>
+                    <a:lumOff val="25000"/>
+                  </a:schemeClr>
+                </a:solidFill>
+                <a:latin typeface="+mn-lt"/>
+                <a:ea typeface="+mn-ea"/>
+                <a:cs typeface="+mn-cs"/>
+              </a:defRPr>
+            </a:lvl6pPr>
+            <a:lvl7pPr marL="2971800" indent="-228600" algn="l" defTabSz="457200" rtl="0" eaLnBrk="1" latinLnBrk="0" hangingPunct="1">
+              <a:spcBef>
+                <a:spcPts val="1000"/>
+              </a:spcBef>
+              <a:spcAft>
+                <a:spcPts val="0"/>
+              </a:spcAft>
+              <a:buClr>
+                <a:schemeClr val="accent1"/>
+              </a:buClr>
+              <a:buSzPct val="80000"/>
+              <a:buFont typeface="Wingdings 3" charset="2"/>
+              <a:buChar char=""/>
+              <a:defRPr sz="1200" kern="1200">
+                <a:solidFill>
+                  <a:schemeClr val="tx1">
+                    <a:lumMod val="75000"/>
+                    <a:lumOff val="25000"/>
+                  </a:schemeClr>
+                </a:solidFill>
+                <a:latin typeface="+mn-lt"/>
+                <a:ea typeface="+mn-ea"/>
+                <a:cs typeface="+mn-cs"/>
+              </a:defRPr>
+            </a:lvl7pPr>
+            <a:lvl8pPr marL="3429000" indent="-228600" algn="l" defTabSz="457200" rtl="0" eaLnBrk="1" latinLnBrk="0" hangingPunct="1">
+              <a:spcBef>
+                <a:spcPts val="1000"/>
+              </a:spcBef>
+              <a:spcAft>
+                <a:spcPts val="0"/>
+              </a:spcAft>
+              <a:buClr>
+                <a:schemeClr val="accent1"/>
+              </a:buClr>
+              <a:buSzPct val="80000"/>
+              <a:buFont typeface="Wingdings 3" charset="2"/>
+              <a:buChar char=""/>
+              <a:defRPr sz="1200" kern="1200">
+                <a:solidFill>
+                  <a:schemeClr val="tx1">
+                    <a:lumMod val="75000"/>
+                    <a:lumOff val="25000"/>
+                  </a:schemeClr>
+                </a:solidFill>
+                <a:latin typeface="+mn-lt"/>
+                <a:ea typeface="+mn-ea"/>
+                <a:cs typeface="+mn-cs"/>
+              </a:defRPr>
+            </a:lvl8pPr>
+            <a:lvl9pPr marL="3886200" indent="-228600" algn="l" defTabSz="457200" rtl="0" eaLnBrk="1" latinLnBrk="0" hangingPunct="1">
+              <a:spcBef>
+                <a:spcPts val="1000"/>
+              </a:spcBef>
+              <a:spcAft>
+                <a:spcPts val="0"/>
+              </a:spcAft>
+              <a:buClr>
+                <a:schemeClr val="accent1"/>
+              </a:buClr>
+              <a:buSzPct val="80000"/>
+              <a:buFont typeface="Wingdings 3" charset="2"/>
+              <a:buChar char=""/>
+              <a:defRPr sz="1200" kern="1200">
+                <a:solidFill>
+                  <a:schemeClr val="tx1">
+                    <a:lumMod val="75000"/>
+                    <a:lumOff val="25000"/>
+                  </a:schemeClr>
+                </a:solidFill>
+                <a:latin typeface="+mn-lt"/>
+                <a:ea typeface="+mn-ea"/>
+                <a:cs typeface="+mn-cs"/>
+              </a:defRPr>
+            </a:lvl9pPr>
+          </a:lstStyle>
+          <a:p>
+            <a:pPr marL="0" indent="0" algn="ctr">
+              <a:buNone/>
+            </a:pPr>
+            <a:r>
+              <a:rPr lang="en-US" sz="2400" dirty="0" err="1">
+                <a:solidFill>
+                  <a:srgbClr val="032539"/>
+                </a:solidFill>
+                <a:latin typeface="Liberation Serif" panose="02020603050405020304" pitchFamily="18" charset="0"/>
+                <a:ea typeface="Liberation Serif" panose="02020603050405020304" pitchFamily="18" charset="0"/>
+                <a:cs typeface="Liberation Serif" panose="02020603050405020304" pitchFamily="18" charset="0"/>
+              </a:rPr>
+              <a:t>Figura</a:t>
+            </a:r>
+            <a:r>
+              <a:rPr lang="en-US" sz="2400" dirty="0">
+                <a:solidFill>
+                  <a:srgbClr val="032539"/>
+                </a:solidFill>
+                <a:latin typeface="Liberation Serif" panose="02020603050405020304" pitchFamily="18" charset="0"/>
+                <a:ea typeface="Liberation Serif" panose="02020603050405020304" pitchFamily="18" charset="0"/>
+                <a:cs typeface="Liberation Serif" panose="02020603050405020304" pitchFamily="18" charset="0"/>
+              </a:rPr>
+              <a:t> </a:t>
+            </a:r>
+            <a:r>
+              <a:rPr lang="ro-RO" sz="2400" dirty="0">
+                <a:solidFill>
+                  <a:srgbClr val="032539"/>
+                </a:solidFill>
+                <a:latin typeface="Liberation Serif" panose="02020603050405020304" pitchFamily="18" charset="0"/>
+                <a:ea typeface="Liberation Serif" panose="02020603050405020304" pitchFamily="18" charset="0"/>
+                <a:cs typeface="Liberation Serif" panose="02020603050405020304" pitchFamily="18" charset="0"/>
+              </a:rPr>
+              <a:t>5</a:t>
+            </a:r>
+            <a:r>
+              <a:rPr lang="en-US" sz="2400" dirty="0">
+                <a:solidFill>
+                  <a:srgbClr val="032539"/>
+                </a:solidFill>
+                <a:latin typeface="Liberation Serif" panose="02020603050405020304" pitchFamily="18" charset="0"/>
+                <a:ea typeface="Liberation Serif" panose="02020603050405020304" pitchFamily="18" charset="0"/>
+                <a:cs typeface="Liberation Serif" panose="02020603050405020304" pitchFamily="18" charset="0"/>
+              </a:rPr>
+              <a:t>: </a:t>
+            </a:r>
+            <a:r>
+              <a:rPr lang="ro-RO" sz="2400" dirty="0">
+                <a:solidFill>
+                  <a:srgbClr val="032539"/>
+                </a:solidFill>
+                <a:latin typeface="Liberation Serif" panose="02020603050405020304" pitchFamily="18" charset="0"/>
+                <a:ea typeface="Liberation Serif" panose="02020603050405020304" pitchFamily="18" charset="0"/>
+                <a:cs typeface="Liberation Serif" panose="02020603050405020304" pitchFamily="18" charset="0"/>
+              </a:rPr>
+              <a:t> Varianța</a:t>
+            </a:r>
+            <a:r>
+              <a:rPr lang="en-US" sz="2400" dirty="0">
+                <a:solidFill>
+                  <a:srgbClr val="032539"/>
+                </a:solidFill>
+                <a:latin typeface="Liberation Serif" panose="02020603050405020304" pitchFamily="18" charset="0"/>
+                <a:ea typeface="Liberation Serif" panose="02020603050405020304" pitchFamily="18" charset="0"/>
+                <a:cs typeface="Liberation Serif" panose="02020603050405020304" pitchFamily="18" charset="0"/>
+              </a:rPr>
+              <a:t> </a:t>
+            </a:r>
+            <a:r>
+              <a:rPr lang="ro-RO" sz="2400" dirty="0">
+                <a:solidFill>
+                  <a:srgbClr val="032539"/>
+                </a:solidFill>
+                <a:latin typeface="Liberation Serif" panose="02020603050405020304" pitchFamily="18" charset="0"/>
+                <a:ea typeface="Liberation Serif" panose="02020603050405020304" pitchFamily="18" charset="0"/>
+                <a:cs typeface="Liberation Serif" panose="02020603050405020304" pitchFamily="18" charset="0"/>
+              </a:rPr>
+              <a:t>în funcție de imagine</a:t>
+            </a:r>
+            <a:endParaRPr lang="en-US" sz="2400" dirty="0">
+              <a:solidFill>
+                <a:srgbClr val="032539"/>
+              </a:solidFill>
+              <a:latin typeface="Liberation Serif" panose="02020603050405020304" pitchFamily="18" charset="0"/>
+              <a:ea typeface="Liberation Serif" panose="02020603050405020304" pitchFamily="18" charset="0"/>
+              <a:cs typeface="Liberation Serif" panose="02020603050405020304" pitchFamily="18" charset="0"/>
+            </a:endParaRPr>
+          </a:p>
+          <a:p>
+            <a:pPr marL="0" indent="0" algn="ctr">
+              <a:buNone/>
+            </a:pPr>
+            <a:endParaRPr lang="en-US" sz="2400" dirty="0">
+              <a:solidFill>
+                <a:srgbClr val="032539"/>
+              </a:solidFill>
+              <a:latin typeface="Liberation Serif" panose="02020603050405020304" pitchFamily="18" charset="0"/>
+              <a:ea typeface="Liberation Serif" panose="02020603050405020304" pitchFamily="18" charset="0"/>
+              <a:cs typeface="Liberation Serif" panose="02020603050405020304" pitchFamily="18" charset="0"/>
+            </a:endParaRPr>
+          </a:p>
+        </p:txBody>
+      </p:sp>
+      <p:sp>
+        <p:nvSpPr>
+          <p:cNvPr id="2" name="Substituent conținut 13">
+            <a:extLst>
+              <a:ext uri="{FF2B5EF4-FFF2-40B4-BE49-F238E27FC236}">
+                <a16:creationId xmlns:a16="http://schemas.microsoft.com/office/drawing/2014/main" id="{8700D5C2-1D10-D8DE-14A0-57125A92E80B}"/>
+              </a:ext>
+            </a:extLst>
+          </p:cNvPr>
+          <p:cNvSpPr txBox="1">
+            <a:spLocks/>
+          </p:cNvSpPr>
+          <p:nvPr/>
+        </p:nvSpPr>
+        <p:spPr>
+          <a:xfrm>
+            <a:off x="332496" y="229529"/>
+            <a:ext cx="9032484" cy="1256514"/>
+          </a:xfrm>
+          <a:prstGeom prst="rect">
+            <a:avLst/>
+          </a:prstGeom>
+        </p:spPr>
+        <p:txBody>
+          <a:bodyPr vert="horz" lIns="91440" tIns="45720" rIns="91440" bIns="45720" rtlCol="0">
+            <a:normAutofit/>
+          </a:bodyPr>
+          <a:lstStyle>
+            <a:lvl1pPr marL="342900" indent="-342900" algn="l" defTabSz="457200" rtl="0" eaLnBrk="1" latinLnBrk="0" hangingPunct="1">
+              <a:spcBef>
+                <a:spcPts val="1000"/>
+              </a:spcBef>
+              <a:spcAft>
+                <a:spcPts val="0"/>
+              </a:spcAft>
+              <a:buClr>
+                <a:schemeClr val="accent1"/>
+              </a:buClr>
+              <a:buSzPct val="80000"/>
+              <a:buFont typeface="Wingdings 3" charset="2"/>
+              <a:buChar char=""/>
+              <a:defRPr sz="1800" kern="1200">
+                <a:solidFill>
+                  <a:schemeClr val="tx1">
+                    <a:lumMod val="75000"/>
+                    <a:lumOff val="25000"/>
+                  </a:schemeClr>
+                </a:solidFill>
+                <a:latin typeface="+mn-lt"/>
+                <a:ea typeface="+mn-ea"/>
+                <a:cs typeface="+mn-cs"/>
+              </a:defRPr>
+            </a:lvl1pPr>
+            <a:lvl2pPr marL="742950" indent="-285750" algn="l" defTabSz="457200" rtl="0" eaLnBrk="1" latinLnBrk="0" hangingPunct="1">
+              <a:spcBef>
+                <a:spcPts val="1000"/>
+              </a:spcBef>
+              <a:spcAft>
+                <a:spcPts val="0"/>
+              </a:spcAft>
+              <a:buClr>
+                <a:schemeClr val="accent1"/>
+              </a:buClr>
+              <a:buSzPct val="80000"/>
+              <a:buFont typeface="Wingdings 3" charset="2"/>
+              <a:buChar char=""/>
+              <a:defRPr sz="1600" kern="1200">
+                <a:solidFill>
+                  <a:schemeClr val="tx1">
+                    <a:lumMod val="75000"/>
+                    <a:lumOff val="25000"/>
+                  </a:schemeClr>
+                </a:solidFill>
+                <a:latin typeface="+mn-lt"/>
+                <a:ea typeface="+mn-ea"/>
+                <a:cs typeface="+mn-cs"/>
+              </a:defRPr>
+            </a:lvl2pPr>
+            <a:lvl3pPr marL="1143000" indent="-228600" algn="l" defTabSz="457200" rtl="0" eaLnBrk="1" latinLnBrk="0" hangingPunct="1">
+              <a:spcBef>
+                <a:spcPts val="1000"/>
+              </a:spcBef>
+              <a:spcAft>
+                <a:spcPts val="0"/>
+              </a:spcAft>
+              <a:buClr>
+                <a:schemeClr val="accent1"/>
+              </a:buClr>
+              <a:buSzPct val="80000"/>
+              <a:buFont typeface="Wingdings 3" charset="2"/>
+              <a:buChar char=""/>
+              <a:defRPr sz="1400" kern="1200">
+                <a:solidFill>
+                  <a:schemeClr val="tx1">
+                    <a:lumMod val="75000"/>
+                    <a:lumOff val="25000"/>
+                  </a:schemeClr>
+                </a:solidFill>
+                <a:latin typeface="+mn-lt"/>
+                <a:ea typeface="+mn-ea"/>
+                <a:cs typeface="+mn-cs"/>
+              </a:defRPr>
+            </a:lvl3pPr>
+            <a:lvl4pPr marL="1600200" indent="-228600" algn="l" defTabSz="457200" rtl="0" eaLnBrk="1" latinLnBrk="0" hangingPunct="1">
+              <a:spcBef>
+                <a:spcPts val="1000"/>
+              </a:spcBef>
+              <a:spcAft>
+                <a:spcPts val="0"/>
+              </a:spcAft>
+              <a:buClr>
+                <a:schemeClr val="accent1"/>
+              </a:buClr>
+              <a:buSzPct val="80000"/>
+              <a:buFont typeface="Wingdings 3" charset="2"/>
+              <a:buChar char=""/>
+              <a:defRPr sz="1200" kern="1200">
+                <a:solidFill>
+                  <a:schemeClr val="tx1">
+                    <a:lumMod val="75000"/>
+                    <a:lumOff val="25000"/>
+                  </a:schemeClr>
+                </a:solidFill>
+                <a:latin typeface="+mn-lt"/>
+                <a:ea typeface="+mn-ea"/>
+                <a:cs typeface="+mn-cs"/>
+              </a:defRPr>
+            </a:lvl4pPr>
+            <a:lvl5pPr marL="2057400" indent="-228600" algn="l" defTabSz="457200" rtl="0" eaLnBrk="1" latinLnBrk="0" hangingPunct="1">
+              <a:spcBef>
+                <a:spcPts val="1000"/>
+              </a:spcBef>
+              <a:spcAft>
+                <a:spcPts val="0"/>
+              </a:spcAft>
+              <a:buClr>
+                <a:schemeClr val="accent1"/>
+              </a:buClr>
+              <a:buSzPct val="80000"/>
+              <a:buFont typeface="Wingdings 3" charset="2"/>
+              <a:buChar char=""/>
+              <a:defRPr sz="1200" kern="1200">
+                <a:solidFill>
+                  <a:schemeClr val="tx1">
+                    <a:lumMod val="75000"/>
+                    <a:lumOff val="25000"/>
+                  </a:schemeClr>
+                </a:solidFill>
+                <a:latin typeface="+mn-lt"/>
+                <a:ea typeface="+mn-ea"/>
+                <a:cs typeface="+mn-cs"/>
+              </a:defRPr>
+            </a:lvl5pPr>
+            <a:lvl6pPr marL="2514600" indent="-228600" algn="l" defTabSz="457200" rtl="0" eaLnBrk="1" latinLnBrk="0" hangingPunct="1">
+              <a:spcBef>
+                <a:spcPts val="1000"/>
+              </a:spcBef>
+              <a:spcAft>
+                <a:spcPts val="0"/>
+              </a:spcAft>
+              <a:buClr>
+                <a:schemeClr val="accent1"/>
+              </a:buClr>
+              <a:buSzPct val="80000"/>
+              <a:buFont typeface="Wingdings 3" charset="2"/>
+              <a:buChar char=""/>
+              <a:defRPr sz="1200" kern="1200">
+                <a:solidFill>
+                  <a:schemeClr val="tx1">
+                    <a:lumMod val="75000"/>
+                    <a:lumOff val="25000"/>
+                  </a:schemeClr>
+                </a:solidFill>
+                <a:latin typeface="+mn-lt"/>
+                <a:ea typeface="+mn-ea"/>
+                <a:cs typeface="+mn-cs"/>
+              </a:defRPr>
+            </a:lvl6pPr>
+            <a:lvl7pPr marL="2971800" indent="-228600" algn="l" defTabSz="457200" rtl="0" eaLnBrk="1" latinLnBrk="0" hangingPunct="1">
+              <a:spcBef>
+                <a:spcPts val="1000"/>
+              </a:spcBef>
+              <a:spcAft>
+                <a:spcPts val="0"/>
+              </a:spcAft>
+              <a:buClr>
+                <a:schemeClr val="accent1"/>
+              </a:buClr>
+              <a:buSzPct val="80000"/>
+              <a:buFont typeface="Wingdings 3" charset="2"/>
+              <a:buChar char=""/>
+              <a:defRPr sz="1200" kern="1200">
+                <a:solidFill>
+                  <a:schemeClr val="tx1">
+                    <a:lumMod val="75000"/>
+                    <a:lumOff val="25000"/>
+                  </a:schemeClr>
+                </a:solidFill>
+                <a:latin typeface="+mn-lt"/>
+                <a:ea typeface="+mn-ea"/>
+                <a:cs typeface="+mn-cs"/>
+              </a:defRPr>
+            </a:lvl7pPr>
+            <a:lvl8pPr marL="3429000" indent="-228600" algn="l" defTabSz="457200" rtl="0" eaLnBrk="1" latinLnBrk="0" hangingPunct="1">
+              <a:spcBef>
+                <a:spcPts val="1000"/>
+              </a:spcBef>
+              <a:spcAft>
+                <a:spcPts val="0"/>
+              </a:spcAft>
+              <a:buClr>
+                <a:schemeClr val="accent1"/>
+              </a:buClr>
+              <a:buSzPct val="80000"/>
+              <a:buFont typeface="Wingdings 3" charset="2"/>
+              <a:buChar char=""/>
+              <a:defRPr sz="1200" kern="1200">
+                <a:solidFill>
+                  <a:schemeClr val="tx1">
+                    <a:lumMod val="75000"/>
+                    <a:lumOff val="25000"/>
+                  </a:schemeClr>
+                </a:solidFill>
+                <a:latin typeface="+mn-lt"/>
+                <a:ea typeface="+mn-ea"/>
+                <a:cs typeface="+mn-cs"/>
+              </a:defRPr>
+            </a:lvl8pPr>
+            <a:lvl9pPr marL="3886200" indent="-228600" algn="l" defTabSz="457200" rtl="0" eaLnBrk="1" latinLnBrk="0" hangingPunct="1">
+              <a:spcBef>
+                <a:spcPts val="1000"/>
+              </a:spcBef>
+              <a:spcAft>
+                <a:spcPts val="0"/>
+              </a:spcAft>
+              <a:buClr>
+                <a:schemeClr val="accent1"/>
+              </a:buClr>
+              <a:buSzPct val="80000"/>
+              <a:buFont typeface="Wingdings 3" charset="2"/>
+              <a:buChar char=""/>
+              <a:defRPr sz="1200" kern="1200">
+                <a:solidFill>
+                  <a:schemeClr val="tx1">
+                    <a:lumMod val="75000"/>
+                    <a:lumOff val="25000"/>
+                  </a:schemeClr>
+                </a:solidFill>
+                <a:latin typeface="+mn-lt"/>
+                <a:ea typeface="+mn-ea"/>
+                <a:cs typeface="+mn-cs"/>
+              </a:defRPr>
+            </a:lvl9pPr>
+          </a:lstStyle>
+          <a:p>
+            <a:pPr marL="0" indent="0">
+              <a:buNone/>
+            </a:pPr>
+            <a:r>
+              <a:rPr lang="en-US" sz="2400" dirty="0">
+                <a:solidFill>
+                  <a:srgbClr val="032539"/>
+                </a:solidFill>
+                <a:latin typeface="Liberation Serif" panose="02020603050405020304" pitchFamily="18" charset="0"/>
+                <a:ea typeface="Liberation Serif" panose="02020603050405020304" pitchFamily="18" charset="0"/>
+                <a:cs typeface="Liberation Serif" panose="02020603050405020304" pitchFamily="18" charset="0"/>
+              </a:rPr>
+              <a:t> </a:t>
+            </a:r>
+            <a:r>
+              <a:rPr lang="ro-RO" sz="2400" dirty="0">
+                <a:solidFill>
+                  <a:srgbClr val="032539"/>
+                </a:solidFill>
+                <a:latin typeface="Liberation Serif" panose="02020603050405020304" pitchFamily="18" charset="0"/>
+                <a:ea typeface="Liberation Serif" panose="02020603050405020304" pitchFamily="18" charset="0"/>
+                <a:cs typeface="Liberation Serif" panose="02020603050405020304" pitchFamily="18" charset="0"/>
+              </a:rPr>
+              <a:t>VARIANȚA</a:t>
+            </a:r>
+            <a:r>
+              <a:rPr lang="en-US" sz="2400" dirty="0">
+                <a:solidFill>
+                  <a:srgbClr val="032539"/>
+                </a:solidFill>
+                <a:latin typeface="Liberation Serif" panose="02020603050405020304" pitchFamily="18" charset="0"/>
+                <a:ea typeface="Liberation Serif" panose="02020603050405020304" pitchFamily="18" charset="0"/>
+                <a:cs typeface="Liberation Serif" panose="02020603050405020304" pitchFamily="18" charset="0"/>
+              </a:rPr>
+              <a:t> </a:t>
+            </a:r>
+            <a:r>
+              <a:rPr lang="ro-RO" sz="2400" dirty="0">
+                <a:solidFill>
+                  <a:srgbClr val="032539"/>
+                </a:solidFill>
+                <a:latin typeface="Liberation Serif" panose="02020603050405020304" pitchFamily="18" charset="0"/>
+                <a:ea typeface="Liberation Serif" panose="02020603050405020304" pitchFamily="18" charset="0"/>
+                <a:cs typeface="Liberation Serif" panose="02020603050405020304" pitchFamily="18" charset="0"/>
+              </a:rPr>
+              <a:t>IMAGINILOR</a:t>
+            </a:r>
+            <a:r>
+              <a:rPr lang="en-US" sz="2400" dirty="0">
+                <a:solidFill>
+                  <a:srgbClr val="032539"/>
+                </a:solidFill>
+                <a:latin typeface="Liberation Serif" panose="02020603050405020304" pitchFamily="18" charset="0"/>
+                <a:ea typeface="Liberation Serif" panose="02020603050405020304" pitchFamily="18" charset="0"/>
+                <a:cs typeface="Liberation Serif" panose="02020603050405020304" pitchFamily="18" charset="0"/>
+              </a:rPr>
+              <a:t> PENTRU SETUL DE DAT</a:t>
+            </a:r>
+            <a:r>
+              <a:rPr lang="ro-RO" sz="2400" dirty="0">
+                <a:solidFill>
+                  <a:srgbClr val="032539"/>
+                </a:solidFill>
+                <a:latin typeface="Liberation Serif" panose="02020603050405020304" pitchFamily="18" charset="0"/>
+                <a:ea typeface="Liberation Serif" panose="02020603050405020304" pitchFamily="18" charset="0"/>
+                <a:cs typeface="Liberation Serif" panose="02020603050405020304" pitchFamily="18" charset="0"/>
+              </a:rPr>
+              <a:t>E</a:t>
+            </a:r>
+            <a:endParaRPr lang="en-US" sz="2400" dirty="0">
+              <a:solidFill>
+                <a:srgbClr val="032539"/>
+              </a:solidFill>
+              <a:latin typeface="Liberation Serif" panose="02020603050405020304" pitchFamily="18" charset="0"/>
+              <a:ea typeface="Liberation Serif" panose="02020603050405020304" pitchFamily="18" charset="0"/>
+              <a:cs typeface="Liberation Serif" panose="02020603050405020304" pitchFamily="18" charset="0"/>
+            </a:endParaRPr>
+          </a:p>
+        </p:txBody>
+      </p:sp>
+      <p:pic>
+        <p:nvPicPr>
+          <p:cNvPr id="8" name="Imagine 7">
+            <a:extLst>
+              <a:ext uri="{FF2B5EF4-FFF2-40B4-BE49-F238E27FC236}">
+                <a16:creationId xmlns:a16="http://schemas.microsoft.com/office/drawing/2014/main" id="{8B014A3A-41F7-2416-073A-5B37D17FB7B2}"/>
+              </a:ext>
+            </a:extLst>
+          </p:cNvPr>
+          <p:cNvPicPr>
+            <a:picLocks noChangeAspect="1"/>
+          </p:cNvPicPr>
+          <p:nvPr/>
+        </p:nvPicPr>
+        <p:blipFill>
+          <a:blip r:embed="rId2">
+            <a:extLst>
+              <a:ext uri="{28A0092B-C50C-407E-A947-70E740481C1C}">
+                <a14:useLocalDpi xmlns:a14="http://schemas.microsoft.com/office/drawing/2010/main" val="0"/>
+              </a:ext>
+            </a:extLst>
+          </a:blip>
+          <a:stretch>
+            <a:fillRect/>
+          </a:stretch>
+        </p:blipFill>
+        <p:spPr>
+          <a:xfrm>
+            <a:off x="2679838" y="857786"/>
+            <a:ext cx="6492231" cy="4869173"/>
+          </a:xfrm>
+          <a:prstGeom prst="rect">
+            <a:avLst/>
+          </a:prstGeom>
+        </p:spPr>
+      </p:pic>
+    </p:spTree>
+    <p:extLst>
+      <p:ext uri="{BB962C8B-B14F-4D97-AF65-F5344CB8AC3E}">
+        <p14:creationId xmlns:p14="http://schemas.microsoft.com/office/powerpoint/2010/main" val="4077993127"/>
+      </p:ext>
+    </p:extLst>
+  </p:cSld>
+  <p:clrMapOvr>
+    <a:masterClrMapping/>
+  </p:clrMapOvr>
+</p:sld>
+</file>
+
+<file path=ppt/slides/slide8.xml><?xml version="1.0" encoding="utf-8"?>
+<p:sld xmlns:a="http://schemas.openxmlformats.org/drawingml/2006/main" xmlns:r="http://schemas.openxmlformats.org/officeDocument/2006/relationships" xmlns:p="http://schemas.openxmlformats.org/presentationml/2006/main">
+  <p:cSld>
+    <p:spTree>
+      <p:nvGrpSpPr>
+        <p:cNvPr id="1" name=""/>
+        <p:cNvGrpSpPr/>
+        <p:nvPr/>
+      </p:nvGrpSpPr>
+      <p:grpSpPr>
+        <a:xfrm>
+          <a:off x="0" y="0"/>
+          <a:ext cx="0" cy="0"/>
+          <a:chOff x="0" y="0"/>
+          <a:chExt cx="0" cy="0"/>
+        </a:xfrm>
+      </p:grpSpPr>
+      <p:sp>
+        <p:nvSpPr>
+          <p:cNvPr id="7" name="Rectangle 43">
+            <a:extLst>
+              <a:ext uri="{FF2B5EF4-FFF2-40B4-BE49-F238E27FC236}">
+                <a16:creationId xmlns:a16="http://schemas.microsoft.com/office/drawing/2014/main" id="{6E30A49C-9B0E-19EE-DE31-14C75AAF9DD0}"/>
+              </a:ext>
+              <a:ext uri="{C183D7F6-B498-43B3-948B-1728B52AA6E4}">
+                <adec:decorative xmlns:adec="http://schemas.microsoft.com/office/drawing/2017/decorative" val="1"/>
+              </a:ext>
+            </a:extLst>
+          </p:cNvPr>
+          <p:cNvSpPr/>
+          <p:nvPr>
+            <p:extLst>
+              <p:ext uri="{386F3935-93C4-4BCD-93E2-E3B085C9AB24}">
+                <p16:designElem xmlns:p16="http://schemas.microsoft.com/office/powerpoint/2015/main" val="1"/>
+              </p:ext>
+            </p:extLst>
+          </p:nvPr>
+        </p:nvSpPr>
+        <p:spPr>
+          <a:xfrm>
+            <a:off x="387914" y="857786"/>
+            <a:ext cx="11067024" cy="5208932"/>
+          </a:xfrm>
+          <a:prstGeom prst="rect">
+            <a:avLst/>
+          </a:prstGeom>
+          <a:solidFill>
+            <a:schemeClr val="bg1"/>
+          </a:solidFill>
+          <a:ln>
+            <a:noFill/>
+          </a:ln>
+          <a:effectLst>
+            <a:outerShdw blurRad="139700" dist="127000" dir="5400000" algn="t" rotWithShape="0">
+              <a:prstClr val="black">
+                <a:alpha val="15000"/>
+              </a:prstClr>
+            </a:outerShdw>
+          </a:effectLst>
+        </p:spPr>
+        <p:style>
+          <a:lnRef idx="2">
+            <a:schemeClr val="accent1">
+              <a:shade val="50000"/>
+            </a:schemeClr>
+          </a:lnRef>
+          <a:fillRef idx="1">
+            <a:schemeClr val="accent1"/>
+          </a:fillRef>
+          <a:effectRef idx="0">
+            <a:schemeClr val="accent1"/>
+          </a:effectRef>
+          <a:fontRef idx="minor">
+            <a:schemeClr val="lt1"/>
+          </a:fontRef>
+        </p:style>
+        <p:txBody>
+          <a:bodyPr rtlCol="0" anchor="ctr"/>
+          <a:lstStyle/>
+          <a:p>
+            <a:pPr algn="ctr"/>
+            <a:endParaRPr lang="en-US" dirty="0">
+              <a:latin typeface="Liberation Serif" panose="02020603050405020304" pitchFamily="18" charset="0"/>
+            </a:endParaRPr>
+          </a:p>
+        </p:txBody>
+      </p:sp>
+      <p:sp>
+        <p:nvSpPr>
+          <p:cNvPr id="15" name="Substituent conținut 13">
+            <a:extLst>
+              <a:ext uri="{FF2B5EF4-FFF2-40B4-BE49-F238E27FC236}">
+                <a16:creationId xmlns:a16="http://schemas.microsoft.com/office/drawing/2014/main" id="{AF0260AF-57C1-92B5-AC4C-4F86D19AB7DE}"/>
+              </a:ext>
+            </a:extLst>
+          </p:cNvPr>
+          <p:cNvSpPr txBox="1">
+            <a:spLocks/>
+          </p:cNvSpPr>
+          <p:nvPr/>
+        </p:nvSpPr>
+        <p:spPr>
+          <a:xfrm>
+            <a:off x="2266602" y="6098396"/>
+            <a:ext cx="7658795" cy="1256514"/>
+          </a:xfrm>
+          <a:prstGeom prst="rect">
+            <a:avLst/>
+          </a:prstGeom>
+        </p:spPr>
+        <p:txBody>
+          <a:bodyPr vert="horz" lIns="91440" tIns="45720" rIns="91440" bIns="45720" rtlCol="0">
+            <a:normAutofit/>
+          </a:bodyPr>
+          <a:lstStyle>
+            <a:lvl1pPr marL="342900" indent="-342900" algn="l" defTabSz="457200" rtl="0" eaLnBrk="1" latinLnBrk="0" hangingPunct="1">
+              <a:spcBef>
+                <a:spcPts val="1000"/>
+              </a:spcBef>
+              <a:spcAft>
+                <a:spcPts val="0"/>
+              </a:spcAft>
+              <a:buClr>
+                <a:schemeClr val="accent1"/>
+              </a:buClr>
+              <a:buSzPct val="80000"/>
+              <a:buFont typeface="Wingdings 3" charset="2"/>
+              <a:buChar char=""/>
+              <a:defRPr sz="1800" kern="1200">
+                <a:solidFill>
+                  <a:schemeClr val="tx1">
+                    <a:lumMod val="75000"/>
+                    <a:lumOff val="25000"/>
+                  </a:schemeClr>
+                </a:solidFill>
+                <a:latin typeface="+mn-lt"/>
+                <a:ea typeface="+mn-ea"/>
+                <a:cs typeface="+mn-cs"/>
+              </a:defRPr>
+            </a:lvl1pPr>
+            <a:lvl2pPr marL="742950" indent="-285750" algn="l" defTabSz="457200" rtl="0" eaLnBrk="1" latinLnBrk="0" hangingPunct="1">
+              <a:spcBef>
+                <a:spcPts val="1000"/>
+              </a:spcBef>
+              <a:spcAft>
+                <a:spcPts val="0"/>
+              </a:spcAft>
+              <a:buClr>
+                <a:schemeClr val="accent1"/>
+              </a:buClr>
+              <a:buSzPct val="80000"/>
+              <a:buFont typeface="Wingdings 3" charset="2"/>
+              <a:buChar char=""/>
+              <a:defRPr sz="1600" kern="1200">
+                <a:solidFill>
+                  <a:schemeClr val="tx1">
+                    <a:lumMod val="75000"/>
+                    <a:lumOff val="25000"/>
+                  </a:schemeClr>
+                </a:solidFill>
+                <a:latin typeface="+mn-lt"/>
+                <a:ea typeface="+mn-ea"/>
+                <a:cs typeface="+mn-cs"/>
+              </a:defRPr>
+            </a:lvl2pPr>
+            <a:lvl3pPr marL="1143000" indent="-228600" algn="l" defTabSz="457200" rtl="0" eaLnBrk="1" latinLnBrk="0" hangingPunct="1">
+              <a:spcBef>
+                <a:spcPts val="1000"/>
+              </a:spcBef>
+              <a:spcAft>
+                <a:spcPts val="0"/>
+              </a:spcAft>
+              <a:buClr>
+                <a:schemeClr val="accent1"/>
+              </a:buClr>
+              <a:buSzPct val="80000"/>
+              <a:buFont typeface="Wingdings 3" charset="2"/>
+              <a:buChar char=""/>
+              <a:defRPr sz="1400" kern="1200">
+                <a:solidFill>
+                  <a:schemeClr val="tx1">
+                    <a:lumMod val="75000"/>
+                    <a:lumOff val="25000"/>
+                  </a:schemeClr>
+                </a:solidFill>
+                <a:latin typeface="+mn-lt"/>
+                <a:ea typeface="+mn-ea"/>
+                <a:cs typeface="+mn-cs"/>
+              </a:defRPr>
+            </a:lvl3pPr>
+            <a:lvl4pPr marL="1600200" indent="-228600" algn="l" defTabSz="457200" rtl="0" eaLnBrk="1" latinLnBrk="0" hangingPunct="1">
+              <a:spcBef>
+                <a:spcPts val="1000"/>
+              </a:spcBef>
+              <a:spcAft>
+                <a:spcPts val="0"/>
+              </a:spcAft>
+              <a:buClr>
+                <a:schemeClr val="accent1"/>
+              </a:buClr>
+              <a:buSzPct val="80000"/>
+              <a:buFont typeface="Wingdings 3" charset="2"/>
+              <a:buChar char=""/>
+              <a:defRPr sz="1200" kern="1200">
+                <a:solidFill>
+                  <a:schemeClr val="tx1">
+                    <a:lumMod val="75000"/>
+                    <a:lumOff val="25000"/>
+                  </a:schemeClr>
+                </a:solidFill>
+                <a:latin typeface="+mn-lt"/>
+                <a:ea typeface="+mn-ea"/>
+                <a:cs typeface="+mn-cs"/>
+              </a:defRPr>
+            </a:lvl4pPr>
+            <a:lvl5pPr marL="2057400" indent="-228600" algn="l" defTabSz="457200" rtl="0" eaLnBrk="1" latinLnBrk="0" hangingPunct="1">
+              <a:spcBef>
+                <a:spcPts val="1000"/>
+              </a:spcBef>
+              <a:spcAft>
+                <a:spcPts val="0"/>
+              </a:spcAft>
+              <a:buClr>
+                <a:schemeClr val="accent1"/>
+              </a:buClr>
+              <a:buSzPct val="80000"/>
+              <a:buFont typeface="Wingdings 3" charset="2"/>
+              <a:buChar char=""/>
+              <a:defRPr sz="1200" kern="1200">
+                <a:solidFill>
+                  <a:schemeClr val="tx1">
+                    <a:lumMod val="75000"/>
+                    <a:lumOff val="25000"/>
+                  </a:schemeClr>
+                </a:solidFill>
+                <a:latin typeface="+mn-lt"/>
+                <a:ea typeface="+mn-ea"/>
+                <a:cs typeface="+mn-cs"/>
+              </a:defRPr>
+            </a:lvl5pPr>
+            <a:lvl6pPr marL="2514600" indent="-228600" algn="l" defTabSz="457200" rtl="0" eaLnBrk="1" latinLnBrk="0" hangingPunct="1">
+              <a:spcBef>
+                <a:spcPts val="1000"/>
+              </a:spcBef>
+              <a:spcAft>
+                <a:spcPts val="0"/>
+              </a:spcAft>
+              <a:buClr>
+                <a:schemeClr val="accent1"/>
+              </a:buClr>
+              <a:buSzPct val="80000"/>
+              <a:buFont typeface="Wingdings 3" charset="2"/>
+              <a:buChar char=""/>
+              <a:defRPr sz="1200" kern="1200">
+                <a:solidFill>
+                  <a:schemeClr val="tx1">
+                    <a:lumMod val="75000"/>
+                    <a:lumOff val="25000"/>
+                  </a:schemeClr>
+                </a:solidFill>
+                <a:latin typeface="+mn-lt"/>
+                <a:ea typeface="+mn-ea"/>
+                <a:cs typeface="+mn-cs"/>
+              </a:defRPr>
+            </a:lvl6pPr>
+            <a:lvl7pPr marL="2971800" indent="-228600" algn="l" defTabSz="457200" rtl="0" eaLnBrk="1" latinLnBrk="0" hangingPunct="1">
+              <a:spcBef>
+                <a:spcPts val="1000"/>
+              </a:spcBef>
+              <a:spcAft>
+                <a:spcPts val="0"/>
+              </a:spcAft>
+              <a:buClr>
+                <a:schemeClr val="accent1"/>
+              </a:buClr>
+              <a:buSzPct val="80000"/>
+              <a:buFont typeface="Wingdings 3" charset="2"/>
+              <a:buChar char=""/>
+              <a:defRPr sz="1200" kern="1200">
+                <a:solidFill>
+                  <a:schemeClr val="tx1">
+                    <a:lumMod val="75000"/>
+                    <a:lumOff val="25000"/>
+                  </a:schemeClr>
+                </a:solidFill>
+                <a:latin typeface="+mn-lt"/>
+                <a:ea typeface="+mn-ea"/>
+                <a:cs typeface="+mn-cs"/>
+              </a:defRPr>
+            </a:lvl7pPr>
+            <a:lvl8pPr marL="3429000" indent="-228600" algn="l" defTabSz="457200" rtl="0" eaLnBrk="1" latinLnBrk="0" hangingPunct="1">
+              <a:spcBef>
+                <a:spcPts val="1000"/>
+              </a:spcBef>
+              <a:spcAft>
+                <a:spcPts val="0"/>
+              </a:spcAft>
+              <a:buClr>
+                <a:schemeClr val="accent1"/>
+              </a:buClr>
+              <a:buSzPct val="80000"/>
+              <a:buFont typeface="Wingdings 3" charset="2"/>
+              <a:buChar char=""/>
+              <a:defRPr sz="1200" kern="1200">
+                <a:solidFill>
+                  <a:schemeClr val="tx1">
+                    <a:lumMod val="75000"/>
+                    <a:lumOff val="25000"/>
+                  </a:schemeClr>
+                </a:solidFill>
+                <a:latin typeface="+mn-lt"/>
+                <a:ea typeface="+mn-ea"/>
+                <a:cs typeface="+mn-cs"/>
+              </a:defRPr>
+            </a:lvl8pPr>
+            <a:lvl9pPr marL="3886200" indent="-228600" algn="l" defTabSz="457200" rtl="0" eaLnBrk="1" latinLnBrk="0" hangingPunct="1">
+              <a:spcBef>
+                <a:spcPts val="1000"/>
+              </a:spcBef>
+              <a:spcAft>
+                <a:spcPts val="0"/>
+              </a:spcAft>
+              <a:buClr>
+                <a:schemeClr val="accent1"/>
+              </a:buClr>
+              <a:buSzPct val="80000"/>
+              <a:buFont typeface="Wingdings 3" charset="2"/>
+              <a:buChar char=""/>
+              <a:defRPr sz="1200" kern="1200">
+                <a:solidFill>
+                  <a:schemeClr val="tx1">
+                    <a:lumMod val="75000"/>
+                    <a:lumOff val="25000"/>
+                  </a:schemeClr>
+                </a:solidFill>
+                <a:latin typeface="+mn-lt"/>
+                <a:ea typeface="+mn-ea"/>
+                <a:cs typeface="+mn-cs"/>
+              </a:defRPr>
+            </a:lvl9pPr>
+          </a:lstStyle>
+          <a:p>
+            <a:pPr marL="0" indent="0" algn="ctr">
+              <a:buNone/>
+            </a:pPr>
+            <a:r>
+              <a:rPr lang="en-US" sz="2400" dirty="0" err="1">
+                <a:solidFill>
+                  <a:srgbClr val="032539"/>
+                </a:solidFill>
+                <a:latin typeface="Liberation Serif" panose="02020603050405020304" pitchFamily="18" charset="0"/>
+                <a:ea typeface="Liberation Serif" panose="02020603050405020304" pitchFamily="18" charset="0"/>
+                <a:cs typeface="Liberation Serif" panose="02020603050405020304" pitchFamily="18" charset="0"/>
+              </a:rPr>
+              <a:t>Figura</a:t>
+            </a:r>
+            <a:r>
+              <a:rPr lang="en-US" sz="2400" dirty="0">
+                <a:solidFill>
+                  <a:srgbClr val="032539"/>
+                </a:solidFill>
+                <a:latin typeface="Liberation Serif" panose="02020603050405020304" pitchFamily="18" charset="0"/>
+                <a:ea typeface="Liberation Serif" panose="02020603050405020304" pitchFamily="18" charset="0"/>
+                <a:cs typeface="Liberation Serif" panose="02020603050405020304" pitchFamily="18" charset="0"/>
+              </a:rPr>
+              <a:t> </a:t>
+            </a:r>
+            <a:r>
+              <a:rPr lang="ro-RO" sz="2400" dirty="0">
+                <a:solidFill>
+                  <a:srgbClr val="032539"/>
+                </a:solidFill>
+                <a:latin typeface="Liberation Serif" panose="02020603050405020304" pitchFamily="18" charset="0"/>
+                <a:ea typeface="Liberation Serif" panose="02020603050405020304" pitchFamily="18" charset="0"/>
+                <a:cs typeface="Liberation Serif" panose="02020603050405020304" pitchFamily="18" charset="0"/>
+              </a:rPr>
+              <a:t>6</a:t>
+            </a:r>
+            <a:r>
+              <a:rPr lang="en-US" sz="2400" dirty="0">
+                <a:solidFill>
+                  <a:srgbClr val="032539"/>
+                </a:solidFill>
+                <a:latin typeface="Liberation Serif" panose="02020603050405020304" pitchFamily="18" charset="0"/>
+                <a:ea typeface="Liberation Serif" panose="02020603050405020304" pitchFamily="18" charset="0"/>
+                <a:cs typeface="Liberation Serif" panose="02020603050405020304" pitchFamily="18" charset="0"/>
+              </a:rPr>
+              <a:t>:  </a:t>
+            </a:r>
+            <a:r>
+              <a:rPr lang="ro-RO" sz="2400" dirty="0">
+                <a:solidFill>
+                  <a:srgbClr val="032539"/>
+                </a:solidFill>
+                <a:latin typeface="Liberation Serif" panose="02020603050405020304" pitchFamily="18" charset="0"/>
+                <a:ea typeface="Liberation Serif" panose="02020603050405020304" pitchFamily="18" charset="0"/>
+                <a:cs typeface="Liberation Serif" panose="02020603050405020304" pitchFamily="18" charset="0"/>
+              </a:rPr>
+              <a:t>Varianța</a:t>
+            </a:r>
+            <a:r>
+              <a:rPr lang="en-US" sz="2400" dirty="0">
+                <a:solidFill>
+                  <a:srgbClr val="032539"/>
+                </a:solidFill>
+                <a:latin typeface="Liberation Serif" panose="02020603050405020304" pitchFamily="18" charset="0"/>
+                <a:ea typeface="Liberation Serif" panose="02020603050405020304" pitchFamily="18" charset="0"/>
+                <a:cs typeface="Liberation Serif" panose="02020603050405020304" pitchFamily="18" charset="0"/>
+              </a:rPr>
+              <a:t> </a:t>
+            </a:r>
+            <a:r>
+              <a:rPr lang="ro-RO" sz="2400" dirty="0">
+                <a:solidFill>
+                  <a:srgbClr val="032539"/>
+                </a:solidFill>
+                <a:latin typeface="Liberation Serif" panose="02020603050405020304" pitchFamily="18" charset="0"/>
+                <a:ea typeface="Liberation Serif" panose="02020603050405020304" pitchFamily="18" charset="0"/>
+                <a:cs typeface="Liberation Serif" panose="02020603050405020304" pitchFamily="18" charset="0"/>
+              </a:rPr>
+              <a:t>imaginilor grupate pe clase</a:t>
+            </a:r>
+            <a:endParaRPr lang="en-US" sz="2400" dirty="0">
+              <a:solidFill>
+                <a:srgbClr val="032539"/>
+              </a:solidFill>
+              <a:latin typeface="Liberation Serif" panose="02020603050405020304" pitchFamily="18" charset="0"/>
+              <a:ea typeface="Liberation Serif" panose="02020603050405020304" pitchFamily="18" charset="0"/>
+              <a:cs typeface="Liberation Serif" panose="02020603050405020304" pitchFamily="18" charset="0"/>
+            </a:endParaRPr>
+          </a:p>
+          <a:p>
+            <a:pPr marL="0" indent="0" algn="ctr">
+              <a:buNone/>
+            </a:pPr>
+            <a:endParaRPr lang="en-US" sz="2400" dirty="0">
+              <a:solidFill>
+                <a:srgbClr val="032539"/>
+              </a:solidFill>
+              <a:latin typeface="Liberation Serif" panose="02020603050405020304" pitchFamily="18" charset="0"/>
+              <a:ea typeface="Liberation Serif" panose="02020603050405020304" pitchFamily="18" charset="0"/>
+              <a:cs typeface="Liberation Serif" panose="02020603050405020304" pitchFamily="18" charset="0"/>
+            </a:endParaRPr>
+          </a:p>
+        </p:txBody>
+      </p:sp>
+      <p:sp>
+        <p:nvSpPr>
+          <p:cNvPr id="2" name="Substituent conținut 13">
+            <a:extLst>
+              <a:ext uri="{FF2B5EF4-FFF2-40B4-BE49-F238E27FC236}">
+                <a16:creationId xmlns:a16="http://schemas.microsoft.com/office/drawing/2014/main" id="{8700D5C2-1D10-D8DE-14A0-57125A92E80B}"/>
+              </a:ext>
+            </a:extLst>
+          </p:cNvPr>
+          <p:cNvSpPr txBox="1">
+            <a:spLocks/>
+          </p:cNvSpPr>
+          <p:nvPr/>
+        </p:nvSpPr>
+        <p:spPr>
+          <a:xfrm>
+            <a:off x="332496" y="229529"/>
+            <a:ext cx="5138664" cy="1256514"/>
+          </a:xfrm>
+          <a:prstGeom prst="rect">
+            <a:avLst/>
+          </a:prstGeom>
+        </p:spPr>
+        <p:txBody>
+          <a:bodyPr vert="horz" lIns="91440" tIns="45720" rIns="91440" bIns="45720" rtlCol="0">
+            <a:normAutofit/>
+          </a:bodyPr>
+          <a:lstStyle>
+            <a:lvl1pPr marL="342900" indent="-342900" algn="l" defTabSz="457200" rtl="0" eaLnBrk="1" latinLnBrk="0" hangingPunct="1">
+              <a:spcBef>
+                <a:spcPts val="1000"/>
+              </a:spcBef>
+              <a:spcAft>
+                <a:spcPts val="0"/>
+              </a:spcAft>
+              <a:buClr>
+                <a:schemeClr val="accent1"/>
+              </a:buClr>
+              <a:buSzPct val="80000"/>
+              <a:buFont typeface="Wingdings 3" charset="2"/>
+              <a:buChar char=""/>
+              <a:defRPr sz="1800" kern="1200">
+                <a:solidFill>
+                  <a:schemeClr val="tx1">
+                    <a:lumMod val="75000"/>
+                    <a:lumOff val="25000"/>
+                  </a:schemeClr>
+                </a:solidFill>
+                <a:latin typeface="+mn-lt"/>
+                <a:ea typeface="+mn-ea"/>
+                <a:cs typeface="+mn-cs"/>
+              </a:defRPr>
+            </a:lvl1pPr>
+            <a:lvl2pPr marL="742950" indent="-285750" algn="l" defTabSz="457200" rtl="0" eaLnBrk="1" latinLnBrk="0" hangingPunct="1">
+              <a:spcBef>
+                <a:spcPts val="1000"/>
+              </a:spcBef>
+              <a:spcAft>
+                <a:spcPts val="0"/>
+              </a:spcAft>
+              <a:buClr>
+                <a:schemeClr val="accent1"/>
+              </a:buClr>
+              <a:buSzPct val="80000"/>
+              <a:buFont typeface="Wingdings 3" charset="2"/>
+              <a:buChar char=""/>
+              <a:defRPr sz="1600" kern="1200">
+                <a:solidFill>
+                  <a:schemeClr val="tx1">
+                    <a:lumMod val="75000"/>
+                    <a:lumOff val="25000"/>
+                  </a:schemeClr>
+                </a:solidFill>
+                <a:latin typeface="+mn-lt"/>
+                <a:ea typeface="+mn-ea"/>
+                <a:cs typeface="+mn-cs"/>
+              </a:defRPr>
+            </a:lvl2pPr>
+            <a:lvl3pPr marL="1143000" indent="-228600" algn="l" defTabSz="457200" rtl="0" eaLnBrk="1" latinLnBrk="0" hangingPunct="1">
+              <a:spcBef>
+                <a:spcPts val="1000"/>
+              </a:spcBef>
+              <a:spcAft>
+                <a:spcPts val="0"/>
+              </a:spcAft>
+              <a:buClr>
+                <a:schemeClr val="accent1"/>
+              </a:buClr>
+              <a:buSzPct val="80000"/>
+              <a:buFont typeface="Wingdings 3" charset="2"/>
+              <a:buChar char=""/>
+              <a:defRPr sz="1400" kern="1200">
+                <a:solidFill>
+                  <a:schemeClr val="tx1">
+                    <a:lumMod val="75000"/>
+                    <a:lumOff val="25000"/>
+                  </a:schemeClr>
+                </a:solidFill>
+                <a:latin typeface="+mn-lt"/>
+                <a:ea typeface="+mn-ea"/>
+                <a:cs typeface="+mn-cs"/>
+              </a:defRPr>
+            </a:lvl3pPr>
+            <a:lvl4pPr marL="1600200" indent="-228600" algn="l" defTabSz="457200" rtl="0" eaLnBrk="1" latinLnBrk="0" hangingPunct="1">
+              <a:spcBef>
+                <a:spcPts val="1000"/>
+              </a:spcBef>
+              <a:spcAft>
+                <a:spcPts val="0"/>
+              </a:spcAft>
+              <a:buClr>
+                <a:schemeClr val="accent1"/>
+              </a:buClr>
+              <a:buSzPct val="80000"/>
+              <a:buFont typeface="Wingdings 3" charset="2"/>
+              <a:buChar char=""/>
+              <a:defRPr sz="1200" kern="1200">
+                <a:solidFill>
+                  <a:schemeClr val="tx1">
+                    <a:lumMod val="75000"/>
+                    <a:lumOff val="25000"/>
+                  </a:schemeClr>
+                </a:solidFill>
+                <a:latin typeface="+mn-lt"/>
+                <a:ea typeface="+mn-ea"/>
+                <a:cs typeface="+mn-cs"/>
+              </a:defRPr>
+            </a:lvl4pPr>
+            <a:lvl5pPr marL="2057400" indent="-228600" algn="l" defTabSz="457200" rtl="0" eaLnBrk="1" latinLnBrk="0" hangingPunct="1">
+              <a:spcBef>
+                <a:spcPts val="1000"/>
+              </a:spcBef>
+              <a:spcAft>
+                <a:spcPts val="0"/>
+              </a:spcAft>
+              <a:buClr>
+                <a:schemeClr val="accent1"/>
+              </a:buClr>
+              <a:buSzPct val="80000"/>
+              <a:buFont typeface="Wingdings 3" charset="2"/>
+              <a:buChar char=""/>
+              <a:defRPr sz="1200" kern="1200">
+                <a:solidFill>
+                  <a:schemeClr val="tx1">
+                    <a:lumMod val="75000"/>
+                    <a:lumOff val="25000"/>
+                  </a:schemeClr>
+                </a:solidFill>
+                <a:latin typeface="+mn-lt"/>
+                <a:ea typeface="+mn-ea"/>
+                <a:cs typeface="+mn-cs"/>
+              </a:defRPr>
+            </a:lvl5pPr>
+            <a:lvl6pPr marL="2514600" indent="-228600" algn="l" defTabSz="457200" rtl="0" eaLnBrk="1" latinLnBrk="0" hangingPunct="1">
+              <a:spcBef>
+                <a:spcPts val="1000"/>
+              </a:spcBef>
+              <a:spcAft>
+                <a:spcPts val="0"/>
+              </a:spcAft>
+              <a:buClr>
+                <a:schemeClr val="accent1"/>
+              </a:buClr>
+              <a:buSzPct val="80000"/>
+              <a:buFont typeface="Wingdings 3" charset="2"/>
+              <a:buChar char=""/>
+              <a:defRPr sz="1200" kern="1200">
+                <a:solidFill>
+                  <a:schemeClr val="tx1">
+                    <a:lumMod val="75000"/>
+                    <a:lumOff val="25000"/>
+                  </a:schemeClr>
+                </a:solidFill>
+                <a:latin typeface="+mn-lt"/>
+                <a:ea typeface="+mn-ea"/>
+                <a:cs typeface="+mn-cs"/>
+              </a:defRPr>
+            </a:lvl6pPr>
+            <a:lvl7pPr marL="2971800" indent="-228600" algn="l" defTabSz="457200" rtl="0" eaLnBrk="1" latinLnBrk="0" hangingPunct="1">
+              <a:spcBef>
+                <a:spcPts val="1000"/>
+              </a:spcBef>
+              <a:spcAft>
+                <a:spcPts val="0"/>
+              </a:spcAft>
+              <a:buClr>
+                <a:schemeClr val="accent1"/>
+              </a:buClr>
+              <a:buSzPct val="80000"/>
+              <a:buFont typeface="Wingdings 3" charset="2"/>
+              <a:buChar char=""/>
+              <a:defRPr sz="1200" kern="1200">
+                <a:solidFill>
+                  <a:schemeClr val="tx1">
+                    <a:lumMod val="75000"/>
+                    <a:lumOff val="25000"/>
+                  </a:schemeClr>
+                </a:solidFill>
+                <a:latin typeface="+mn-lt"/>
+                <a:ea typeface="+mn-ea"/>
+                <a:cs typeface="+mn-cs"/>
+              </a:defRPr>
+            </a:lvl7pPr>
+            <a:lvl8pPr marL="3429000" indent="-228600" algn="l" defTabSz="457200" rtl="0" eaLnBrk="1" latinLnBrk="0" hangingPunct="1">
+              <a:spcBef>
+                <a:spcPts val="1000"/>
+              </a:spcBef>
+              <a:spcAft>
+                <a:spcPts val="0"/>
+              </a:spcAft>
+              <a:buClr>
+                <a:schemeClr val="accent1"/>
+              </a:buClr>
+              <a:buSzPct val="80000"/>
+              <a:buFont typeface="Wingdings 3" charset="2"/>
+              <a:buChar char=""/>
+              <a:defRPr sz="1200" kern="1200">
+                <a:solidFill>
+                  <a:schemeClr val="tx1">
+                    <a:lumMod val="75000"/>
+                    <a:lumOff val="25000"/>
+                  </a:schemeClr>
+                </a:solidFill>
+                <a:latin typeface="+mn-lt"/>
+                <a:ea typeface="+mn-ea"/>
+                <a:cs typeface="+mn-cs"/>
+              </a:defRPr>
+            </a:lvl8pPr>
+            <a:lvl9pPr marL="3886200" indent="-228600" algn="l" defTabSz="457200" rtl="0" eaLnBrk="1" latinLnBrk="0" hangingPunct="1">
+              <a:spcBef>
+                <a:spcPts val="1000"/>
+              </a:spcBef>
+              <a:spcAft>
+                <a:spcPts val="0"/>
+              </a:spcAft>
+              <a:buClr>
+                <a:schemeClr val="accent1"/>
+              </a:buClr>
+              <a:buSzPct val="80000"/>
+              <a:buFont typeface="Wingdings 3" charset="2"/>
+              <a:buChar char=""/>
+              <a:defRPr sz="1200" kern="1200">
+                <a:solidFill>
+                  <a:schemeClr val="tx1">
+                    <a:lumMod val="75000"/>
+                    <a:lumOff val="25000"/>
+                  </a:schemeClr>
+                </a:solidFill>
+                <a:latin typeface="+mn-lt"/>
+                <a:ea typeface="+mn-ea"/>
+                <a:cs typeface="+mn-cs"/>
+              </a:defRPr>
+            </a:lvl9pPr>
+          </a:lstStyle>
+          <a:p>
+            <a:pPr marL="0" indent="0">
+              <a:buNone/>
+            </a:pPr>
+            <a:r>
+              <a:rPr lang="en-US" sz="2400" dirty="0">
+                <a:solidFill>
+                  <a:srgbClr val="032539"/>
+                </a:solidFill>
+                <a:latin typeface="Liberation Serif" panose="02020603050405020304" pitchFamily="18" charset="0"/>
+                <a:ea typeface="Liberation Serif" panose="02020603050405020304" pitchFamily="18" charset="0"/>
+                <a:cs typeface="Liberation Serif" panose="02020603050405020304" pitchFamily="18" charset="0"/>
+              </a:rPr>
+              <a:t> </a:t>
+            </a:r>
+            <a:r>
+              <a:rPr lang="ro-RO" sz="2400" dirty="0">
+                <a:solidFill>
+                  <a:srgbClr val="032539"/>
+                </a:solidFill>
+                <a:latin typeface="Liberation Serif" panose="02020603050405020304" pitchFamily="18" charset="0"/>
+                <a:ea typeface="Liberation Serif" panose="02020603050405020304" pitchFamily="18" charset="0"/>
+                <a:cs typeface="Liberation Serif" panose="02020603050405020304" pitchFamily="18" charset="0"/>
+              </a:rPr>
+              <a:t>VARIANȚA</a:t>
+            </a:r>
+            <a:r>
+              <a:rPr lang="en-US" sz="2400" dirty="0">
+                <a:solidFill>
+                  <a:srgbClr val="032539"/>
+                </a:solidFill>
+                <a:latin typeface="Liberation Serif" panose="02020603050405020304" pitchFamily="18" charset="0"/>
+                <a:ea typeface="Liberation Serif" panose="02020603050405020304" pitchFamily="18" charset="0"/>
+                <a:cs typeface="Liberation Serif" panose="02020603050405020304" pitchFamily="18" charset="0"/>
+              </a:rPr>
+              <a:t> </a:t>
+            </a:r>
+            <a:r>
+              <a:rPr lang="ro-RO" sz="2400" dirty="0">
+                <a:solidFill>
+                  <a:srgbClr val="032539"/>
+                </a:solidFill>
+                <a:latin typeface="Liberation Serif" panose="02020603050405020304" pitchFamily="18" charset="0"/>
+                <a:ea typeface="Liberation Serif" panose="02020603050405020304" pitchFamily="18" charset="0"/>
+                <a:cs typeface="Liberation Serif" panose="02020603050405020304" pitchFamily="18" charset="0"/>
+              </a:rPr>
+              <a:t>ÎN FUNCȚIE DE CLASĂ </a:t>
+            </a:r>
+            <a:endParaRPr lang="en-US" sz="2400" dirty="0">
+              <a:solidFill>
+                <a:srgbClr val="032539"/>
+              </a:solidFill>
+              <a:latin typeface="Liberation Serif" panose="02020603050405020304" pitchFamily="18" charset="0"/>
+              <a:ea typeface="Liberation Serif" panose="02020603050405020304" pitchFamily="18" charset="0"/>
+              <a:cs typeface="Liberation Serif" panose="02020603050405020304" pitchFamily="18" charset="0"/>
+            </a:endParaRPr>
+          </a:p>
+        </p:txBody>
+      </p:sp>
+      <p:pic>
+        <p:nvPicPr>
+          <p:cNvPr id="6" name="Imagine 5">
+            <a:extLst>
+              <a:ext uri="{FF2B5EF4-FFF2-40B4-BE49-F238E27FC236}">
+                <a16:creationId xmlns:a16="http://schemas.microsoft.com/office/drawing/2014/main" id="{4D21C0C5-27C9-40FC-021E-D8E7AB1C0039}"/>
+              </a:ext>
+            </a:extLst>
+          </p:cNvPr>
+          <p:cNvPicPr>
+            <a:picLocks noChangeAspect="1"/>
+          </p:cNvPicPr>
+          <p:nvPr/>
+        </p:nvPicPr>
+        <p:blipFill>
+          <a:blip r:embed="rId2">
+            <a:extLst>
+              <a:ext uri="{28A0092B-C50C-407E-A947-70E740481C1C}">
+                <a14:useLocalDpi xmlns:a14="http://schemas.microsoft.com/office/drawing/2010/main" val="0"/>
+              </a:ext>
+            </a:extLst>
+          </a:blip>
+          <a:stretch>
+            <a:fillRect/>
+          </a:stretch>
+        </p:blipFill>
+        <p:spPr>
+          <a:xfrm>
+            <a:off x="5471160" y="20690"/>
+            <a:ext cx="3660776" cy="1045936"/>
+          </a:xfrm>
+          <a:prstGeom prst="rect">
+            <a:avLst/>
+          </a:prstGeom>
+        </p:spPr>
+      </p:pic>
+      <p:pic>
+        <p:nvPicPr>
+          <p:cNvPr id="9" name="Imagine 8">
+            <a:extLst>
+              <a:ext uri="{FF2B5EF4-FFF2-40B4-BE49-F238E27FC236}">
+                <a16:creationId xmlns:a16="http://schemas.microsoft.com/office/drawing/2014/main" id="{AC732D79-E492-762C-1D46-F1761DF6A88A}"/>
+              </a:ext>
+            </a:extLst>
+          </p:cNvPr>
+          <p:cNvPicPr>
+            <a:picLocks noChangeAspect="1"/>
+          </p:cNvPicPr>
+          <p:nvPr/>
+        </p:nvPicPr>
+        <p:blipFill>
+          <a:blip r:embed="rId3">
+            <a:extLst>
+              <a:ext uri="{28A0092B-C50C-407E-A947-70E740481C1C}">
+                <a14:useLocalDpi xmlns:a14="http://schemas.microsoft.com/office/drawing/2010/main" val="0"/>
+              </a:ext>
+            </a:extLst>
+          </a:blip>
+          <a:stretch>
+            <a:fillRect/>
+          </a:stretch>
+        </p:blipFill>
+        <p:spPr>
+          <a:xfrm>
+            <a:off x="2835000" y="1042145"/>
+            <a:ext cx="6172851" cy="4629638"/>
+          </a:xfrm>
+          <a:prstGeom prst="rect">
+            <a:avLst/>
+          </a:prstGeom>
+        </p:spPr>
+      </p:pic>
+    </p:spTree>
+    <p:extLst>
+      <p:ext uri="{BB962C8B-B14F-4D97-AF65-F5344CB8AC3E}">
+        <p14:creationId xmlns:p14="http://schemas.microsoft.com/office/powerpoint/2010/main" val="1290142484"/>
       </p:ext>
     </p:extLst>
   </p:cSld>

--- a/article/GARAIMAN_ENRICO_&_MARIN_ALEXANDRA.pptx
+++ b/article/GARAIMAN_ENRICO_&_MARIN_ALEXANDRA.pptx
@@ -220,7 +220,7 @@
           <a:p>
             <a:fld id="{8A05B108-BDF6-42AA-84A5-FF77D3813826}" type="datetimeFigureOut">
               <a:rPr lang="en-US" smtClean="0"/>
-              <a:t>11/2/2022</a:t>
+              <a:t>11/3/2022</a:t>
             </a:fld>
             <a:endParaRPr lang="en-US"/>
           </a:p>
@@ -1294,7 +1294,7 @@
           <a:p>
             <a:fld id="{FE471B6F-A357-4263-A72D-9FD4D3ABC33E}" type="datetimeFigureOut">
               <a:rPr lang="en-US" smtClean="0"/>
-              <a:t>11/2/2022</a:t>
+              <a:t>11/3/2022</a:t>
             </a:fld>
             <a:endParaRPr lang="en-US"/>
           </a:p>
@@ -1545,7 +1545,7 @@
           <a:p>
             <a:fld id="{FE471B6F-A357-4263-A72D-9FD4D3ABC33E}" type="datetimeFigureOut">
               <a:rPr lang="en-US" smtClean="0"/>
-              <a:t>11/2/2022</a:t>
+              <a:t>11/3/2022</a:t>
             </a:fld>
             <a:endParaRPr lang="en-US"/>
           </a:p>
@@ -1859,7 +1859,7 @@
           <a:p>
             <a:fld id="{FE471B6F-A357-4263-A72D-9FD4D3ABC33E}" type="datetimeFigureOut">
               <a:rPr lang="en-US" smtClean="0"/>
-              <a:t>11/2/2022</a:t>
+              <a:t>11/3/2022</a:t>
             </a:fld>
             <a:endParaRPr lang="en-US"/>
           </a:p>
@@ -2200,7 +2200,7 @@
           <a:p>
             <a:fld id="{FE471B6F-A357-4263-A72D-9FD4D3ABC33E}" type="datetimeFigureOut">
               <a:rPr lang="en-US" smtClean="0"/>
-              <a:t>11/2/2022</a:t>
+              <a:t>11/3/2022</a:t>
             </a:fld>
             <a:endParaRPr lang="en-US"/>
           </a:p>
@@ -2514,7 +2514,7 @@
           <a:p>
             <a:fld id="{FE471B6F-A357-4263-A72D-9FD4D3ABC33E}" type="datetimeFigureOut">
               <a:rPr lang="en-US" smtClean="0"/>
-              <a:t>11/2/2022</a:t>
+              <a:t>11/3/2022</a:t>
             </a:fld>
             <a:endParaRPr lang="en-US"/>
           </a:p>
@@ -2907,7 +2907,7 @@
           <a:p>
             <a:fld id="{FE471B6F-A357-4263-A72D-9FD4D3ABC33E}" type="datetimeFigureOut">
               <a:rPr lang="en-US" smtClean="0"/>
-              <a:t>11/2/2022</a:t>
+              <a:t>11/3/2022</a:t>
             </a:fld>
             <a:endParaRPr lang="en-US"/>
           </a:p>
@@ -3077,7 +3077,7 @@
           <a:p>
             <a:fld id="{FE471B6F-A357-4263-A72D-9FD4D3ABC33E}" type="datetimeFigureOut">
               <a:rPr lang="en-US" smtClean="0"/>
-              <a:t>11/2/2022</a:t>
+              <a:t>11/3/2022</a:t>
             </a:fld>
             <a:endParaRPr lang="en-US"/>
           </a:p>
@@ -3257,7 +3257,7 @@
           <a:p>
             <a:fld id="{FE471B6F-A357-4263-A72D-9FD4D3ABC33E}" type="datetimeFigureOut">
               <a:rPr lang="en-US" smtClean="0"/>
-              <a:t>11/2/2022</a:t>
+              <a:t>11/3/2022</a:t>
             </a:fld>
             <a:endParaRPr lang="en-US"/>
           </a:p>
@@ -3433,7 +3433,7 @@
           <a:p>
             <a:fld id="{FE471B6F-A357-4263-A72D-9FD4D3ABC33E}" type="datetimeFigureOut">
               <a:rPr lang="en-US" smtClean="0"/>
-              <a:t>11/2/2022</a:t>
+              <a:t>11/3/2022</a:t>
             </a:fld>
             <a:endParaRPr lang="en-US"/>
           </a:p>
@@ -3680,7 +3680,7 @@
           <a:p>
             <a:fld id="{FE471B6F-A357-4263-A72D-9FD4D3ABC33E}" type="datetimeFigureOut">
               <a:rPr lang="en-US" smtClean="0"/>
-              <a:t>11/2/2022</a:t>
+              <a:t>11/3/2022</a:t>
             </a:fld>
             <a:endParaRPr lang="en-US"/>
           </a:p>
@@ -3912,7 +3912,7 @@
           <a:p>
             <a:fld id="{FE471B6F-A357-4263-A72D-9FD4D3ABC33E}" type="datetimeFigureOut">
               <a:rPr lang="en-US" smtClean="0"/>
-              <a:t>11/2/2022</a:t>
+              <a:t>11/3/2022</a:t>
             </a:fld>
             <a:endParaRPr lang="en-US"/>
           </a:p>
@@ -4286,7 +4286,7 @@
           <a:p>
             <a:fld id="{FE471B6F-A357-4263-A72D-9FD4D3ABC33E}" type="datetimeFigureOut">
               <a:rPr lang="en-US" smtClean="0"/>
-              <a:t>11/2/2022</a:t>
+              <a:t>11/3/2022</a:t>
             </a:fld>
             <a:endParaRPr lang="en-US"/>
           </a:p>
@@ -4409,7 +4409,7 @@
           <a:p>
             <a:fld id="{FE471B6F-A357-4263-A72D-9FD4D3ABC33E}" type="datetimeFigureOut">
               <a:rPr lang="en-US" smtClean="0"/>
-              <a:t>11/2/2022</a:t>
+              <a:t>11/3/2022</a:t>
             </a:fld>
             <a:endParaRPr lang="en-US"/>
           </a:p>
@@ -4504,7 +4504,7 @@
           <a:p>
             <a:fld id="{FE471B6F-A357-4263-A72D-9FD4D3ABC33E}" type="datetimeFigureOut">
               <a:rPr lang="en-US" smtClean="0"/>
-              <a:t>11/2/2022</a:t>
+              <a:t>11/3/2022</a:t>
             </a:fld>
             <a:endParaRPr lang="en-US"/>
           </a:p>
@@ -4759,7 +4759,7 @@
           <a:p>
             <a:fld id="{FE471B6F-A357-4263-A72D-9FD4D3ABC33E}" type="datetimeFigureOut">
               <a:rPr lang="en-US" smtClean="0"/>
-              <a:t>11/2/2022</a:t>
+              <a:t>11/3/2022</a:t>
             </a:fld>
             <a:endParaRPr lang="en-US"/>
           </a:p>
@@ -5022,7 +5022,7 @@
           <a:p>
             <a:fld id="{FE471B6F-A357-4263-A72D-9FD4D3ABC33E}" type="datetimeFigureOut">
               <a:rPr lang="en-US" smtClean="0"/>
-              <a:t>11/2/2022</a:t>
+              <a:t>11/3/2022</a:t>
             </a:fld>
             <a:endParaRPr lang="en-US"/>
           </a:p>
@@ -5771,7 +5771,7 @@
             <a:fld id="{FE471B6F-A357-4263-A72D-9FD4D3ABC33E}" type="datetimeFigureOut">
               <a:rPr lang="en-US" smtClean="0"/>
               <a:pPr/>
-              <a:t>11/2/2022</a:t>
+              <a:t>11/3/2022</a:t>
             </a:fld>
             <a:endParaRPr lang="en-US" dirty="0"/>
           </a:p>
@@ -9979,39 +9979,14 @@
               </a:rPr>
               <a:t>clase</a:t>
             </a:r>
-            <a:r>
-              <a:rPr lang="en-US" sz="2400" dirty="0">
-                <a:solidFill>
-                  <a:srgbClr val="032539"/>
-                </a:solidFill>
-                <a:latin typeface="Liberation Serif" panose="02020603050405020304" pitchFamily="18" charset="0"/>
-                <a:ea typeface="Liberation Serif" panose="02020603050405020304" pitchFamily="18" charset="0"/>
-                <a:cs typeface="Liberation Serif" panose="02020603050405020304" pitchFamily="18" charset="0"/>
-              </a:rPr>
-              <a:t> </a:t>
-            </a:r>
-            <a:r>
-              <a:rPr lang="en-US" sz="2400" dirty="0" err="1">
-                <a:solidFill>
-                  <a:srgbClr val="032539"/>
-                </a:solidFill>
-                <a:latin typeface="Liberation Serif" panose="02020603050405020304" pitchFamily="18" charset="0"/>
-                <a:ea typeface="Liberation Serif" panose="02020603050405020304" pitchFamily="18" charset="0"/>
-                <a:cs typeface="Liberation Serif" panose="02020603050405020304" pitchFamily="18" charset="0"/>
-              </a:rPr>
-              <a:t>pentru</a:t>
-            </a:r>
-            <a:r>
-              <a:rPr lang="en-US" sz="2400" dirty="0">
-                <a:solidFill>
-                  <a:srgbClr val="032539"/>
-                </a:solidFill>
-                <a:latin typeface="Liberation Serif" panose="02020603050405020304" pitchFamily="18" charset="0"/>
-                <a:ea typeface="Liberation Serif" panose="02020603050405020304" pitchFamily="18" charset="0"/>
-                <a:cs typeface="Liberation Serif" panose="02020603050405020304" pitchFamily="18" charset="0"/>
-              </a:rPr>
-              <a:t> GTSRB </a:t>
-            </a:r>
+            <a:endParaRPr lang="en-US" sz="2400" dirty="0">
+              <a:solidFill>
+                <a:srgbClr val="032539"/>
+              </a:solidFill>
+              <a:latin typeface="Liberation Serif" panose="02020603050405020304" pitchFamily="18" charset="0"/>
+              <a:ea typeface="Liberation Serif" panose="02020603050405020304" pitchFamily="18" charset="0"/>
+              <a:cs typeface="Liberation Serif" panose="02020603050405020304" pitchFamily="18" charset="0"/>
+            </a:endParaRPr>
           </a:p>
         </p:txBody>
       </p:sp>

--- a/article/GARAIMAN_ENRICO_&_MARIN_ALEXANDRA.pptx
+++ b/article/GARAIMAN_ENRICO_&_MARIN_ALEXANDRA.pptx
@@ -5,17 +5,20 @@
     <p:sldMasterId id="2147483660" r:id="rId1"/>
   </p:sldMasterIdLst>
   <p:notesMasterIdLst>
-    <p:notesMasterId r:id="rId10"/>
+    <p:notesMasterId r:id="rId13"/>
   </p:notesMasterIdLst>
   <p:sldIdLst>
     <p:sldId id="256" r:id="rId2"/>
     <p:sldId id="257" r:id="rId3"/>
     <p:sldId id="259" r:id="rId4"/>
-    <p:sldId id="262" r:id="rId5"/>
-    <p:sldId id="264" r:id="rId6"/>
-    <p:sldId id="265" r:id="rId7"/>
-    <p:sldId id="266" r:id="rId8"/>
-    <p:sldId id="267" r:id="rId9"/>
+    <p:sldId id="269" r:id="rId5"/>
+    <p:sldId id="268" r:id="rId6"/>
+    <p:sldId id="262" r:id="rId7"/>
+    <p:sldId id="264" r:id="rId8"/>
+    <p:sldId id="265" r:id="rId9"/>
+    <p:sldId id="266" r:id="rId10"/>
+    <p:sldId id="267" r:id="rId11"/>
+    <p:sldId id="270" r:id="rId12"/>
   </p:sldIdLst>
   <p:sldSz cx="12192000" cy="6858000"/>
   <p:notesSz cx="6858000" cy="9144000"/>
@@ -122,11 +125,14 @@
             <p14:sldId id="256"/>
             <p14:sldId id="257"/>
             <p14:sldId id="259"/>
+            <p14:sldId id="269"/>
+            <p14:sldId id="268"/>
             <p14:sldId id="262"/>
             <p14:sldId id="264"/>
             <p14:sldId id="265"/>
             <p14:sldId id="266"/>
             <p14:sldId id="267"/>
+            <p14:sldId id="270"/>
           </p14:sldIdLst>
         </p14:section>
       </p14:sectionLst>
@@ -220,7 +226,7 @@
           <a:p>
             <a:fld id="{8A05B108-BDF6-42AA-84A5-FF77D3813826}" type="datetimeFigureOut">
               <a:rPr lang="en-US" smtClean="0"/>
-              <a:t>11/3/2022</a:t>
+              <a:t>11/9/2022</a:t>
             </a:fld>
             <a:endParaRPr lang="en-US"/>
           </a:p>
@@ -1294,7 +1300,7 @@
           <a:p>
             <a:fld id="{FE471B6F-A357-4263-A72D-9FD4D3ABC33E}" type="datetimeFigureOut">
               <a:rPr lang="en-US" smtClean="0"/>
-              <a:t>11/3/2022</a:t>
+              <a:t>11/9/2022</a:t>
             </a:fld>
             <a:endParaRPr lang="en-US"/>
           </a:p>
@@ -1545,7 +1551,7 @@
           <a:p>
             <a:fld id="{FE471B6F-A357-4263-A72D-9FD4D3ABC33E}" type="datetimeFigureOut">
               <a:rPr lang="en-US" smtClean="0"/>
-              <a:t>11/3/2022</a:t>
+              <a:t>11/9/2022</a:t>
             </a:fld>
             <a:endParaRPr lang="en-US"/>
           </a:p>
@@ -1859,7 +1865,7 @@
           <a:p>
             <a:fld id="{FE471B6F-A357-4263-A72D-9FD4D3ABC33E}" type="datetimeFigureOut">
               <a:rPr lang="en-US" smtClean="0"/>
-              <a:t>11/3/2022</a:t>
+              <a:t>11/9/2022</a:t>
             </a:fld>
             <a:endParaRPr lang="en-US"/>
           </a:p>
@@ -2200,7 +2206,7 @@
           <a:p>
             <a:fld id="{FE471B6F-A357-4263-A72D-9FD4D3ABC33E}" type="datetimeFigureOut">
               <a:rPr lang="en-US" smtClean="0"/>
-              <a:t>11/3/2022</a:t>
+              <a:t>11/9/2022</a:t>
             </a:fld>
             <a:endParaRPr lang="en-US"/>
           </a:p>
@@ -2514,7 +2520,7 @@
           <a:p>
             <a:fld id="{FE471B6F-A357-4263-A72D-9FD4D3ABC33E}" type="datetimeFigureOut">
               <a:rPr lang="en-US" smtClean="0"/>
-              <a:t>11/3/2022</a:t>
+              <a:t>11/9/2022</a:t>
             </a:fld>
             <a:endParaRPr lang="en-US"/>
           </a:p>
@@ -2907,7 +2913,7 @@
           <a:p>
             <a:fld id="{FE471B6F-A357-4263-A72D-9FD4D3ABC33E}" type="datetimeFigureOut">
               <a:rPr lang="en-US" smtClean="0"/>
-              <a:t>11/3/2022</a:t>
+              <a:t>11/9/2022</a:t>
             </a:fld>
             <a:endParaRPr lang="en-US"/>
           </a:p>
@@ -3077,7 +3083,7 @@
           <a:p>
             <a:fld id="{FE471B6F-A357-4263-A72D-9FD4D3ABC33E}" type="datetimeFigureOut">
               <a:rPr lang="en-US" smtClean="0"/>
-              <a:t>11/3/2022</a:t>
+              <a:t>11/9/2022</a:t>
             </a:fld>
             <a:endParaRPr lang="en-US"/>
           </a:p>
@@ -3257,7 +3263,7 @@
           <a:p>
             <a:fld id="{FE471B6F-A357-4263-A72D-9FD4D3ABC33E}" type="datetimeFigureOut">
               <a:rPr lang="en-US" smtClean="0"/>
-              <a:t>11/3/2022</a:t>
+              <a:t>11/9/2022</a:t>
             </a:fld>
             <a:endParaRPr lang="en-US"/>
           </a:p>
@@ -3433,7 +3439,7 @@
           <a:p>
             <a:fld id="{FE471B6F-A357-4263-A72D-9FD4D3ABC33E}" type="datetimeFigureOut">
               <a:rPr lang="en-US" smtClean="0"/>
-              <a:t>11/3/2022</a:t>
+              <a:t>11/9/2022</a:t>
             </a:fld>
             <a:endParaRPr lang="en-US"/>
           </a:p>
@@ -3680,7 +3686,7 @@
           <a:p>
             <a:fld id="{FE471B6F-A357-4263-A72D-9FD4D3ABC33E}" type="datetimeFigureOut">
               <a:rPr lang="en-US" smtClean="0"/>
-              <a:t>11/3/2022</a:t>
+              <a:t>11/9/2022</a:t>
             </a:fld>
             <a:endParaRPr lang="en-US"/>
           </a:p>
@@ -3912,7 +3918,7 @@
           <a:p>
             <a:fld id="{FE471B6F-A357-4263-A72D-9FD4D3ABC33E}" type="datetimeFigureOut">
               <a:rPr lang="en-US" smtClean="0"/>
-              <a:t>11/3/2022</a:t>
+              <a:t>11/9/2022</a:t>
             </a:fld>
             <a:endParaRPr lang="en-US"/>
           </a:p>
@@ -4286,7 +4292,7 @@
           <a:p>
             <a:fld id="{FE471B6F-A357-4263-A72D-9FD4D3ABC33E}" type="datetimeFigureOut">
               <a:rPr lang="en-US" smtClean="0"/>
-              <a:t>11/3/2022</a:t>
+              <a:t>11/9/2022</a:t>
             </a:fld>
             <a:endParaRPr lang="en-US"/>
           </a:p>
@@ -4409,7 +4415,7 @@
           <a:p>
             <a:fld id="{FE471B6F-A357-4263-A72D-9FD4D3ABC33E}" type="datetimeFigureOut">
               <a:rPr lang="en-US" smtClean="0"/>
-              <a:t>11/3/2022</a:t>
+              <a:t>11/9/2022</a:t>
             </a:fld>
             <a:endParaRPr lang="en-US"/>
           </a:p>
@@ -4504,7 +4510,7 @@
           <a:p>
             <a:fld id="{FE471B6F-A357-4263-A72D-9FD4D3ABC33E}" type="datetimeFigureOut">
               <a:rPr lang="en-US" smtClean="0"/>
-              <a:t>11/3/2022</a:t>
+              <a:t>11/9/2022</a:t>
             </a:fld>
             <a:endParaRPr lang="en-US"/>
           </a:p>
@@ -4759,7 +4765,7 @@
           <a:p>
             <a:fld id="{FE471B6F-A357-4263-A72D-9FD4D3ABC33E}" type="datetimeFigureOut">
               <a:rPr lang="en-US" smtClean="0"/>
-              <a:t>11/3/2022</a:t>
+              <a:t>11/9/2022</a:t>
             </a:fld>
             <a:endParaRPr lang="en-US"/>
           </a:p>
@@ -5022,7 +5028,7 @@
           <a:p>
             <a:fld id="{FE471B6F-A357-4263-A72D-9FD4D3ABC33E}" type="datetimeFigureOut">
               <a:rPr lang="en-US" smtClean="0"/>
-              <a:t>11/3/2022</a:t>
+              <a:t>11/9/2022</a:t>
             </a:fld>
             <a:endParaRPr lang="en-US"/>
           </a:p>
@@ -5771,7 +5777,7 @@
             <a:fld id="{FE471B6F-A357-4263-A72D-9FD4D3ABC33E}" type="datetimeFigureOut">
               <a:rPr lang="en-US" smtClean="0"/>
               <a:pPr/>
-              <a:t>11/3/2022</a:t>
+              <a:t>11/9/2022</a:t>
             </a:fld>
             <a:endParaRPr lang="en-US" dirty="0"/>
           </a:p>
@@ -7438,6 +7444,1650 @@
 </p:sld>
 </file>
 
+<file path=ppt/slides/slide10.xml><?xml version="1.0" encoding="utf-8"?>
+<p:sld xmlns:a="http://schemas.openxmlformats.org/drawingml/2006/main" xmlns:r="http://schemas.openxmlformats.org/officeDocument/2006/relationships" xmlns:p="http://schemas.openxmlformats.org/presentationml/2006/main">
+  <p:cSld>
+    <p:spTree>
+      <p:nvGrpSpPr>
+        <p:cNvPr id="1" name=""/>
+        <p:cNvGrpSpPr/>
+        <p:nvPr/>
+      </p:nvGrpSpPr>
+      <p:grpSpPr>
+        <a:xfrm>
+          <a:off x="0" y="0"/>
+          <a:ext cx="0" cy="0"/>
+          <a:chOff x="0" y="0"/>
+          <a:chExt cx="0" cy="0"/>
+        </a:xfrm>
+      </p:grpSpPr>
+      <p:sp>
+        <p:nvSpPr>
+          <p:cNvPr id="7" name="Rectangle 43">
+            <a:extLst>
+              <a:ext uri="{FF2B5EF4-FFF2-40B4-BE49-F238E27FC236}">
+                <a16:creationId xmlns:a16="http://schemas.microsoft.com/office/drawing/2014/main" id="{6E30A49C-9B0E-19EE-DE31-14C75AAF9DD0}"/>
+              </a:ext>
+              <a:ext uri="{C183D7F6-B498-43B3-948B-1728B52AA6E4}">
+                <adec:decorative xmlns:adec="http://schemas.microsoft.com/office/drawing/2017/decorative" val="1"/>
+              </a:ext>
+            </a:extLst>
+          </p:cNvPr>
+          <p:cNvSpPr/>
+          <p:nvPr>
+            <p:extLst>
+              <p:ext uri="{386F3935-93C4-4BCD-93E2-E3B085C9AB24}">
+                <p16:designElem xmlns:p16="http://schemas.microsoft.com/office/powerpoint/2015/main" val="1"/>
+              </p:ext>
+            </p:extLst>
+          </p:nvPr>
+        </p:nvSpPr>
+        <p:spPr>
+          <a:xfrm>
+            <a:off x="387914" y="857786"/>
+            <a:ext cx="11067024" cy="5208932"/>
+          </a:xfrm>
+          <a:prstGeom prst="rect">
+            <a:avLst/>
+          </a:prstGeom>
+          <a:solidFill>
+            <a:schemeClr val="bg1"/>
+          </a:solidFill>
+          <a:ln>
+            <a:noFill/>
+          </a:ln>
+          <a:effectLst>
+            <a:outerShdw blurRad="139700" dist="127000" dir="5400000" algn="t" rotWithShape="0">
+              <a:prstClr val="black">
+                <a:alpha val="15000"/>
+              </a:prstClr>
+            </a:outerShdw>
+          </a:effectLst>
+        </p:spPr>
+        <p:style>
+          <a:lnRef idx="2">
+            <a:schemeClr val="accent1">
+              <a:shade val="50000"/>
+            </a:schemeClr>
+          </a:lnRef>
+          <a:fillRef idx="1">
+            <a:schemeClr val="accent1"/>
+          </a:fillRef>
+          <a:effectRef idx="0">
+            <a:schemeClr val="accent1"/>
+          </a:effectRef>
+          <a:fontRef idx="minor">
+            <a:schemeClr val="lt1"/>
+          </a:fontRef>
+        </p:style>
+        <p:txBody>
+          <a:bodyPr rtlCol="0" anchor="ctr"/>
+          <a:lstStyle/>
+          <a:p>
+            <a:pPr algn="ctr"/>
+            <a:endParaRPr lang="en-US" dirty="0">
+              <a:latin typeface="Liberation Serif" panose="02020603050405020304" pitchFamily="18" charset="0"/>
+            </a:endParaRPr>
+          </a:p>
+        </p:txBody>
+      </p:sp>
+      <p:sp>
+        <p:nvSpPr>
+          <p:cNvPr id="15" name="Substituent conținut 13">
+            <a:extLst>
+              <a:ext uri="{FF2B5EF4-FFF2-40B4-BE49-F238E27FC236}">
+                <a16:creationId xmlns:a16="http://schemas.microsoft.com/office/drawing/2014/main" id="{AF0260AF-57C1-92B5-AC4C-4F86D19AB7DE}"/>
+              </a:ext>
+            </a:extLst>
+          </p:cNvPr>
+          <p:cNvSpPr txBox="1">
+            <a:spLocks/>
+          </p:cNvSpPr>
+          <p:nvPr/>
+        </p:nvSpPr>
+        <p:spPr>
+          <a:xfrm>
+            <a:off x="2266602" y="6098396"/>
+            <a:ext cx="7658795" cy="1256514"/>
+          </a:xfrm>
+          <a:prstGeom prst="rect">
+            <a:avLst/>
+          </a:prstGeom>
+        </p:spPr>
+        <p:txBody>
+          <a:bodyPr vert="horz" lIns="91440" tIns="45720" rIns="91440" bIns="45720" rtlCol="0">
+            <a:normAutofit/>
+          </a:bodyPr>
+          <a:lstStyle>
+            <a:lvl1pPr marL="342900" indent="-342900" algn="l" defTabSz="457200" rtl="0" eaLnBrk="1" latinLnBrk="0" hangingPunct="1">
+              <a:spcBef>
+                <a:spcPts val="1000"/>
+              </a:spcBef>
+              <a:spcAft>
+                <a:spcPts val="0"/>
+              </a:spcAft>
+              <a:buClr>
+                <a:schemeClr val="accent1"/>
+              </a:buClr>
+              <a:buSzPct val="80000"/>
+              <a:buFont typeface="Wingdings 3" charset="2"/>
+              <a:buChar char=""/>
+              <a:defRPr sz="1800" kern="1200">
+                <a:solidFill>
+                  <a:schemeClr val="tx1">
+                    <a:lumMod val="75000"/>
+                    <a:lumOff val="25000"/>
+                  </a:schemeClr>
+                </a:solidFill>
+                <a:latin typeface="+mn-lt"/>
+                <a:ea typeface="+mn-ea"/>
+                <a:cs typeface="+mn-cs"/>
+              </a:defRPr>
+            </a:lvl1pPr>
+            <a:lvl2pPr marL="742950" indent="-285750" algn="l" defTabSz="457200" rtl="0" eaLnBrk="1" latinLnBrk="0" hangingPunct="1">
+              <a:spcBef>
+                <a:spcPts val="1000"/>
+              </a:spcBef>
+              <a:spcAft>
+                <a:spcPts val="0"/>
+              </a:spcAft>
+              <a:buClr>
+                <a:schemeClr val="accent1"/>
+              </a:buClr>
+              <a:buSzPct val="80000"/>
+              <a:buFont typeface="Wingdings 3" charset="2"/>
+              <a:buChar char=""/>
+              <a:defRPr sz="1600" kern="1200">
+                <a:solidFill>
+                  <a:schemeClr val="tx1">
+                    <a:lumMod val="75000"/>
+                    <a:lumOff val="25000"/>
+                  </a:schemeClr>
+                </a:solidFill>
+                <a:latin typeface="+mn-lt"/>
+                <a:ea typeface="+mn-ea"/>
+                <a:cs typeface="+mn-cs"/>
+              </a:defRPr>
+            </a:lvl2pPr>
+            <a:lvl3pPr marL="1143000" indent="-228600" algn="l" defTabSz="457200" rtl="0" eaLnBrk="1" latinLnBrk="0" hangingPunct="1">
+              <a:spcBef>
+                <a:spcPts val="1000"/>
+              </a:spcBef>
+              <a:spcAft>
+                <a:spcPts val="0"/>
+              </a:spcAft>
+              <a:buClr>
+                <a:schemeClr val="accent1"/>
+              </a:buClr>
+              <a:buSzPct val="80000"/>
+              <a:buFont typeface="Wingdings 3" charset="2"/>
+              <a:buChar char=""/>
+              <a:defRPr sz="1400" kern="1200">
+                <a:solidFill>
+                  <a:schemeClr val="tx1">
+                    <a:lumMod val="75000"/>
+                    <a:lumOff val="25000"/>
+                  </a:schemeClr>
+                </a:solidFill>
+                <a:latin typeface="+mn-lt"/>
+                <a:ea typeface="+mn-ea"/>
+                <a:cs typeface="+mn-cs"/>
+              </a:defRPr>
+            </a:lvl3pPr>
+            <a:lvl4pPr marL="1600200" indent="-228600" algn="l" defTabSz="457200" rtl="0" eaLnBrk="1" latinLnBrk="0" hangingPunct="1">
+              <a:spcBef>
+                <a:spcPts val="1000"/>
+              </a:spcBef>
+              <a:spcAft>
+                <a:spcPts val="0"/>
+              </a:spcAft>
+              <a:buClr>
+                <a:schemeClr val="accent1"/>
+              </a:buClr>
+              <a:buSzPct val="80000"/>
+              <a:buFont typeface="Wingdings 3" charset="2"/>
+              <a:buChar char=""/>
+              <a:defRPr sz="1200" kern="1200">
+                <a:solidFill>
+                  <a:schemeClr val="tx1">
+                    <a:lumMod val="75000"/>
+                    <a:lumOff val="25000"/>
+                  </a:schemeClr>
+                </a:solidFill>
+                <a:latin typeface="+mn-lt"/>
+                <a:ea typeface="+mn-ea"/>
+                <a:cs typeface="+mn-cs"/>
+              </a:defRPr>
+            </a:lvl4pPr>
+            <a:lvl5pPr marL="2057400" indent="-228600" algn="l" defTabSz="457200" rtl="0" eaLnBrk="1" latinLnBrk="0" hangingPunct="1">
+              <a:spcBef>
+                <a:spcPts val="1000"/>
+              </a:spcBef>
+              <a:spcAft>
+                <a:spcPts val="0"/>
+              </a:spcAft>
+              <a:buClr>
+                <a:schemeClr val="accent1"/>
+              </a:buClr>
+              <a:buSzPct val="80000"/>
+              <a:buFont typeface="Wingdings 3" charset="2"/>
+              <a:buChar char=""/>
+              <a:defRPr sz="1200" kern="1200">
+                <a:solidFill>
+                  <a:schemeClr val="tx1">
+                    <a:lumMod val="75000"/>
+                    <a:lumOff val="25000"/>
+                  </a:schemeClr>
+                </a:solidFill>
+                <a:latin typeface="+mn-lt"/>
+                <a:ea typeface="+mn-ea"/>
+                <a:cs typeface="+mn-cs"/>
+              </a:defRPr>
+            </a:lvl5pPr>
+            <a:lvl6pPr marL="2514600" indent="-228600" algn="l" defTabSz="457200" rtl="0" eaLnBrk="1" latinLnBrk="0" hangingPunct="1">
+              <a:spcBef>
+                <a:spcPts val="1000"/>
+              </a:spcBef>
+              <a:spcAft>
+                <a:spcPts val="0"/>
+              </a:spcAft>
+              <a:buClr>
+                <a:schemeClr val="accent1"/>
+              </a:buClr>
+              <a:buSzPct val="80000"/>
+              <a:buFont typeface="Wingdings 3" charset="2"/>
+              <a:buChar char=""/>
+              <a:defRPr sz="1200" kern="1200">
+                <a:solidFill>
+                  <a:schemeClr val="tx1">
+                    <a:lumMod val="75000"/>
+                    <a:lumOff val="25000"/>
+                  </a:schemeClr>
+                </a:solidFill>
+                <a:latin typeface="+mn-lt"/>
+                <a:ea typeface="+mn-ea"/>
+                <a:cs typeface="+mn-cs"/>
+              </a:defRPr>
+            </a:lvl6pPr>
+            <a:lvl7pPr marL="2971800" indent="-228600" algn="l" defTabSz="457200" rtl="0" eaLnBrk="1" latinLnBrk="0" hangingPunct="1">
+              <a:spcBef>
+                <a:spcPts val="1000"/>
+              </a:spcBef>
+              <a:spcAft>
+                <a:spcPts val="0"/>
+              </a:spcAft>
+              <a:buClr>
+                <a:schemeClr val="accent1"/>
+              </a:buClr>
+              <a:buSzPct val="80000"/>
+              <a:buFont typeface="Wingdings 3" charset="2"/>
+              <a:buChar char=""/>
+              <a:defRPr sz="1200" kern="1200">
+                <a:solidFill>
+                  <a:schemeClr val="tx1">
+                    <a:lumMod val="75000"/>
+                    <a:lumOff val="25000"/>
+                  </a:schemeClr>
+                </a:solidFill>
+                <a:latin typeface="+mn-lt"/>
+                <a:ea typeface="+mn-ea"/>
+                <a:cs typeface="+mn-cs"/>
+              </a:defRPr>
+            </a:lvl7pPr>
+            <a:lvl8pPr marL="3429000" indent="-228600" algn="l" defTabSz="457200" rtl="0" eaLnBrk="1" latinLnBrk="0" hangingPunct="1">
+              <a:spcBef>
+                <a:spcPts val="1000"/>
+              </a:spcBef>
+              <a:spcAft>
+                <a:spcPts val="0"/>
+              </a:spcAft>
+              <a:buClr>
+                <a:schemeClr val="accent1"/>
+              </a:buClr>
+              <a:buSzPct val="80000"/>
+              <a:buFont typeface="Wingdings 3" charset="2"/>
+              <a:buChar char=""/>
+              <a:defRPr sz="1200" kern="1200">
+                <a:solidFill>
+                  <a:schemeClr val="tx1">
+                    <a:lumMod val="75000"/>
+                    <a:lumOff val="25000"/>
+                  </a:schemeClr>
+                </a:solidFill>
+                <a:latin typeface="+mn-lt"/>
+                <a:ea typeface="+mn-ea"/>
+                <a:cs typeface="+mn-cs"/>
+              </a:defRPr>
+            </a:lvl8pPr>
+            <a:lvl9pPr marL="3886200" indent="-228600" algn="l" defTabSz="457200" rtl="0" eaLnBrk="1" latinLnBrk="0" hangingPunct="1">
+              <a:spcBef>
+                <a:spcPts val="1000"/>
+              </a:spcBef>
+              <a:spcAft>
+                <a:spcPts val="0"/>
+              </a:spcAft>
+              <a:buClr>
+                <a:schemeClr val="accent1"/>
+              </a:buClr>
+              <a:buSzPct val="80000"/>
+              <a:buFont typeface="Wingdings 3" charset="2"/>
+              <a:buChar char=""/>
+              <a:defRPr sz="1200" kern="1200">
+                <a:solidFill>
+                  <a:schemeClr val="tx1">
+                    <a:lumMod val="75000"/>
+                    <a:lumOff val="25000"/>
+                  </a:schemeClr>
+                </a:solidFill>
+                <a:latin typeface="+mn-lt"/>
+                <a:ea typeface="+mn-ea"/>
+                <a:cs typeface="+mn-cs"/>
+              </a:defRPr>
+            </a:lvl9pPr>
+          </a:lstStyle>
+          <a:p>
+            <a:pPr marL="0" indent="0" algn="ctr">
+              <a:buNone/>
+            </a:pPr>
+            <a:r>
+              <a:rPr lang="en-US" sz="2400" dirty="0" err="1">
+                <a:solidFill>
+                  <a:srgbClr val="032539"/>
+                </a:solidFill>
+                <a:latin typeface="Liberation Serif" panose="02020603050405020304" pitchFamily="18" charset="0"/>
+                <a:ea typeface="Liberation Serif" panose="02020603050405020304" pitchFamily="18" charset="0"/>
+                <a:cs typeface="Liberation Serif" panose="02020603050405020304" pitchFamily="18" charset="0"/>
+              </a:rPr>
+              <a:t>Figura</a:t>
+            </a:r>
+            <a:r>
+              <a:rPr lang="en-US" sz="2400" dirty="0">
+                <a:solidFill>
+                  <a:srgbClr val="032539"/>
+                </a:solidFill>
+                <a:latin typeface="Liberation Serif" panose="02020603050405020304" pitchFamily="18" charset="0"/>
+                <a:ea typeface="Liberation Serif" panose="02020603050405020304" pitchFamily="18" charset="0"/>
+                <a:cs typeface="Liberation Serif" panose="02020603050405020304" pitchFamily="18" charset="0"/>
+              </a:rPr>
+              <a:t> </a:t>
+            </a:r>
+            <a:r>
+              <a:rPr lang="ro-RO" sz="2400" dirty="0">
+                <a:solidFill>
+                  <a:srgbClr val="032539"/>
+                </a:solidFill>
+                <a:latin typeface="Liberation Serif" panose="02020603050405020304" pitchFamily="18" charset="0"/>
+                <a:ea typeface="Liberation Serif" panose="02020603050405020304" pitchFamily="18" charset="0"/>
+                <a:cs typeface="Liberation Serif" panose="02020603050405020304" pitchFamily="18" charset="0"/>
+              </a:rPr>
+              <a:t>6</a:t>
+            </a:r>
+            <a:r>
+              <a:rPr lang="en-US" sz="2400" dirty="0">
+                <a:solidFill>
+                  <a:srgbClr val="032539"/>
+                </a:solidFill>
+                <a:latin typeface="Liberation Serif" panose="02020603050405020304" pitchFamily="18" charset="0"/>
+                <a:ea typeface="Liberation Serif" panose="02020603050405020304" pitchFamily="18" charset="0"/>
+                <a:cs typeface="Liberation Serif" panose="02020603050405020304" pitchFamily="18" charset="0"/>
+              </a:rPr>
+              <a:t>:  </a:t>
+            </a:r>
+            <a:r>
+              <a:rPr lang="ro-RO" sz="2400" dirty="0">
+                <a:solidFill>
+                  <a:srgbClr val="032539"/>
+                </a:solidFill>
+                <a:latin typeface="Liberation Serif" panose="02020603050405020304" pitchFamily="18" charset="0"/>
+                <a:ea typeface="Liberation Serif" panose="02020603050405020304" pitchFamily="18" charset="0"/>
+                <a:cs typeface="Liberation Serif" panose="02020603050405020304" pitchFamily="18" charset="0"/>
+              </a:rPr>
+              <a:t>Varianța</a:t>
+            </a:r>
+            <a:r>
+              <a:rPr lang="en-US" sz="2400" dirty="0">
+                <a:solidFill>
+                  <a:srgbClr val="032539"/>
+                </a:solidFill>
+                <a:latin typeface="Liberation Serif" panose="02020603050405020304" pitchFamily="18" charset="0"/>
+                <a:ea typeface="Liberation Serif" panose="02020603050405020304" pitchFamily="18" charset="0"/>
+                <a:cs typeface="Liberation Serif" panose="02020603050405020304" pitchFamily="18" charset="0"/>
+              </a:rPr>
+              <a:t> </a:t>
+            </a:r>
+            <a:r>
+              <a:rPr lang="ro-RO" sz="2400" dirty="0">
+                <a:solidFill>
+                  <a:srgbClr val="032539"/>
+                </a:solidFill>
+                <a:latin typeface="Liberation Serif" panose="02020603050405020304" pitchFamily="18" charset="0"/>
+                <a:ea typeface="Liberation Serif" panose="02020603050405020304" pitchFamily="18" charset="0"/>
+                <a:cs typeface="Liberation Serif" panose="02020603050405020304" pitchFamily="18" charset="0"/>
+              </a:rPr>
+              <a:t>imaginilor grupate pe clase</a:t>
+            </a:r>
+            <a:endParaRPr lang="en-US" sz="2400" dirty="0">
+              <a:solidFill>
+                <a:srgbClr val="032539"/>
+              </a:solidFill>
+              <a:latin typeface="Liberation Serif" panose="02020603050405020304" pitchFamily="18" charset="0"/>
+              <a:ea typeface="Liberation Serif" panose="02020603050405020304" pitchFamily="18" charset="0"/>
+              <a:cs typeface="Liberation Serif" panose="02020603050405020304" pitchFamily="18" charset="0"/>
+            </a:endParaRPr>
+          </a:p>
+          <a:p>
+            <a:pPr marL="0" indent="0" algn="ctr">
+              <a:buNone/>
+            </a:pPr>
+            <a:endParaRPr lang="en-US" sz="2400" dirty="0">
+              <a:solidFill>
+                <a:srgbClr val="032539"/>
+              </a:solidFill>
+              <a:latin typeface="Liberation Serif" panose="02020603050405020304" pitchFamily="18" charset="0"/>
+              <a:ea typeface="Liberation Serif" panose="02020603050405020304" pitchFamily="18" charset="0"/>
+              <a:cs typeface="Liberation Serif" panose="02020603050405020304" pitchFamily="18" charset="0"/>
+            </a:endParaRPr>
+          </a:p>
+        </p:txBody>
+      </p:sp>
+      <p:sp>
+        <p:nvSpPr>
+          <p:cNvPr id="2" name="Substituent conținut 13">
+            <a:extLst>
+              <a:ext uri="{FF2B5EF4-FFF2-40B4-BE49-F238E27FC236}">
+                <a16:creationId xmlns:a16="http://schemas.microsoft.com/office/drawing/2014/main" id="{8700D5C2-1D10-D8DE-14A0-57125A92E80B}"/>
+              </a:ext>
+            </a:extLst>
+          </p:cNvPr>
+          <p:cNvSpPr txBox="1">
+            <a:spLocks/>
+          </p:cNvSpPr>
+          <p:nvPr/>
+        </p:nvSpPr>
+        <p:spPr>
+          <a:xfrm>
+            <a:off x="332496" y="229529"/>
+            <a:ext cx="5138664" cy="1256514"/>
+          </a:xfrm>
+          <a:prstGeom prst="rect">
+            <a:avLst/>
+          </a:prstGeom>
+        </p:spPr>
+        <p:txBody>
+          <a:bodyPr vert="horz" lIns="91440" tIns="45720" rIns="91440" bIns="45720" rtlCol="0">
+            <a:normAutofit/>
+          </a:bodyPr>
+          <a:lstStyle>
+            <a:lvl1pPr marL="342900" indent="-342900" algn="l" defTabSz="457200" rtl="0" eaLnBrk="1" latinLnBrk="0" hangingPunct="1">
+              <a:spcBef>
+                <a:spcPts val="1000"/>
+              </a:spcBef>
+              <a:spcAft>
+                <a:spcPts val="0"/>
+              </a:spcAft>
+              <a:buClr>
+                <a:schemeClr val="accent1"/>
+              </a:buClr>
+              <a:buSzPct val="80000"/>
+              <a:buFont typeface="Wingdings 3" charset="2"/>
+              <a:buChar char=""/>
+              <a:defRPr sz="1800" kern="1200">
+                <a:solidFill>
+                  <a:schemeClr val="tx1">
+                    <a:lumMod val="75000"/>
+                    <a:lumOff val="25000"/>
+                  </a:schemeClr>
+                </a:solidFill>
+                <a:latin typeface="+mn-lt"/>
+                <a:ea typeface="+mn-ea"/>
+                <a:cs typeface="+mn-cs"/>
+              </a:defRPr>
+            </a:lvl1pPr>
+            <a:lvl2pPr marL="742950" indent="-285750" algn="l" defTabSz="457200" rtl="0" eaLnBrk="1" latinLnBrk="0" hangingPunct="1">
+              <a:spcBef>
+                <a:spcPts val="1000"/>
+              </a:spcBef>
+              <a:spcAft>
+                <a:spcPts val="0"/>
+              </a:spcAft>
+              <a:buClr>
+                <a:schemeClr val="accent1"/>
+              </a:buClr>
+              <a:buSzPct val="80000"/>
+              <a:buFont typeface="Wingdings 3" charset="2"/>
+              <a:buChar char=""/>
+              <a:defRPr sz="1600" kern="1200">
+                <a:solidFill>
+                  <a:schemeClr val="tx1">
+                    <a:lumMod val="75000"/>
+                    <a:lumOff val="25000"/>
+                  </a:schemeClr>
+                </a:solidFill>
+                <a:latin typeface="+mn-lt"/>
+                <a:ea typeface="+mn-ea"/>
+                <a:cs typeface="+mn-cs"/>
+              </a:defRPr>
+            </a:lvl2pPr>
+            <a:lvl3pPr marL="1143000" indent="-228600" algn="l" defTabSz="457200" rtl="0" eaLnBrk="1" latinLnBrk="0" hangingPunct="1">
+              <a:spcBef>
+                <a:spcPts val="1000"/>
+              </a:spcBef>
+              <a:spcAft>
+                <a:spcPts val="0"/>
+              </a:spcAft>
+              <a:buClr>
+                <a:schemeClr val="accent1"/>
+              </a:buClr>
+              <a:buSzPct val="80000"/>
+              <a:buFont typeface="Wingdings 3" charset="2"/>
+              <a:buChar char=""/>
+              <a:defRPr sz="1400" kern="1200">
+                <a:solidFill>
+                  <a:schemeClr val="tx1">
+                    <a:lumMod val="75000"/>
+                    <a:lumOff val="25000"/>
+                  </a:schemeClr>
+                </a:solidFill>
+                <a:latin typeface="+mn-lt"/>
+                <a:ea typeface="+mn-ea"/>
+                <a:cs typeface="+mn-cs"/>
+              </a:defRPr>
+            </a:lvl3pPr>
+            <a:lvl4pPr marL="1600200" indent="-228600" algn="l" defTabSz="457200" rtl="0" eaLnBrk="1" latinLnBrk="0" hangingPunct="1">
+              <a:spcBef>
+                <a:spcPts val="1000"/>
+              </a:spcBef>
+              <a:spcAft>
+                <a:spcPts val="0"/>
+              </a:spcAft>
+              <a:buClr>
+                <a:schemeClr val="accent1"/>
+              </a:buClr>
+              <a:buSzPct val="80000"/>
+              <a:buFont typeface="Wingdings 3" charset="2"/>
+              <a:buChar char=""/>
+              <a:defRPr sz="1200" kern="1200">
+                <a:solidFill>
+                  <a:schemeClr val="tx1">
+                    <a:lumMod val="75000"/>
+                    <a:lumOff val="25000"/>
+                  </a:schemeClr>
+                </a:solidFill>
+                <a:latin typeface="+mn-lt"/>
+                <a:ea typeface="+mn-ea"/>
+                <a:cs typeface="+mn-cs"/>
+              </a:defRPr>
+            </a:lvl4pPr>
+            <a:lvl5pPr marL="2057400" indent="-228600" algn="l" defTabSz="457200" rtl="0" eaLnBrk="1" latinLnBrk="0" hangingPunct="1">
+              <a:spcBef>
+                <a:spcPts val="1000"/>
+              </a:spcBef>
+              <a:spcAft>
+                <a:spcPts val="0"/>
+              </a:spcAft>
+              <a:buClr>
+                <a:schemeClr val="accent1"/>
+              </a:buClr>
+              <a:buSzPct val="80000"/>
+              <a:buFont typeface="Wingdings 3" charset="2"/>
+              <a:buChar char=""/>
+              <a:defRPr sz="1200" kern="1200">
+                <a:solidFill>
+                  <a:schemeClr val="tx1">
+                    <a:lumMod val="75000"/>
+                    <a:lumOff val="25000"/>
+                  </a:schemeClr>
+                </a:solidFill>
+                <a:latin typeface="+mn-lt"/>
+                <a:ea typeface="+mn-ea"/>
+                <a:cs typeface="+mn-cs"/>
+              </a:defRPr>
+            </a:lvl5pPr>
+            <a:lvl6pPr marL="2514600" indent="-228600" algn="l" defTabSz="457200" rtl="0" eaLnBrk="1" latinLnBrk="0" hangingPunct="1">
+              <a:spcBef>
+                <a:spcPts val="1000"/>
+              </a:spcBef>
+              <a:spcAft>
+                <a:spcPts val="0"/>
+              </a:spcAft>
+              <a:buClr>
+                <a:schemeClr val="accent1"/>
+              </a:buClr>
+              <a:buSzPct val="80000"/>
+              <a:buFont typeface="Wingdings 3" charset="2"/>
+              <a:buChar char=""/>
+              <a:defRPr sz="1200" kern="1200">
+                <a:solidFill>
+                  <a:schemeClr val="tx1">
+                    <a:lumMod val="75000"/>
+                    <a:lumOff val="25000"/>
+                  </a:schemeClr>
+                </a:solidFill>
+                <a:latin typeface="+mn-lt"/>
+                <a:ea typeface="+mn-ea"/>
+                <a:cs typeface="+mn-cs"/>
+              </a:defRPr>
+            </a:lvl6pPr>
+            <a:lvl7pPr marL="2971800" indent="-228600" algn="l" defTabSz="457200" rtl="0" eaLnBrk="1" latinLnBrk="0" hangingPunct="1">
+              <a:spcBef>
+                <a:spcPts val="1000"/>
+              </a:spcBef>
+              <a:spcAft>
+                <a:spcPts val="0"/>
+              </a:spcAft>
+              <a:buClr>
+                <a:schemeClr val="accent1"/>
+              </a:buClr>
+              <a:buSzPct val="80000"/>
+              <a:buFont typeface="Wingdings 3" charset="2"/>
+              <a:buChar char=""/>
+              <a:defRPr sz="1200" kern="1200">
+                <a:solidFill>
+                  <a:schemeClr val="tx1">
+                    <a:lumMod val="75000"/>
+                    <a:lumOff val="25000"/>
+                  </a:schemeClr>
+                </a:solidFill>
+                <a:latin typeface="+mn-lt"/>
+                <a:ea typeface="+mn-ea"/>
+                <a:cs typeface="+mn-cs"/>
+              </a:defRPr>
+            </a:lvl7pPr>
+            <a:lvl8pPr marL="3429000" indent="-228600" algn="l" defTabSz="457200" rtl="0" eaLnBrk="1" latinLnBrk="0" hangingPunct="1">
+              <a:spcBef>
+                <a:spcPts val="1000"/>
+              </a:spcBef>
+              <a:spcAft>
+                <a:spcPts val="0"/>
+              </a:spcAft>
+              <a:buClr>
+                <a:schemeClr val="accent1"/>
+              </a:buClr>
+              <a:buSzPct val="80000"/>
+              <a:buFont typeface="Wingdings 3" charset="2"/>
+              <a:buChar char=""/>
+              <a:defRPr sz="1200" kern="1200">
+                <a:solidFill>
+                  <a:schemeClr val="tx1">
+                    <a:lumMod val="75000"/>
+                    <a:lumOff val="25000"/>
+                  </a:schemeClr>
+                </a:solidFill>
+                <a:latin typeface="+mn-lt"/>
+                <a:ea typeface="+mn-ea"/>
+                <a:cs typeface="+mn-cs"/>
+              </a:defRPr>
+            </a:lvl8pPr>
+            <a:lvl9pPr marL="3886200" indent="-228600" algn="l" defTabSz="457200" rtl="0" eaLnBrk="1" latinLnBrk="0" hangingPunct="1">
+              <a:spcBef>
+                <a:spcPts val="1000"/>
+              </a:spcBef>
+              <a:spcAft>
+                <a:spcPts val="0"/>
+              </a:spcAft>
+              <a:buClr>
+                <a:schemeClr val="accent1"/>
+              </a:buClr>
+              <a:buSzPct val="80000"/>
+              <a:buFont typeface="Wingdings 3" charset="2"/>
+              <a:buChar char=""/>
+              <a:defRPr sz="1200" kern="1200">
+                <a:solidFill>
+                  <a:schemeClr val="tx1">
+                    <a:lumMod val="75000"/>
+                    <a:lumOff val="25000"/>
+                  </a:schemeClr>
+                </a:solidFill>
+                <a:latin typeface="+mn-lt"/>
+                <a:ea typeface="+mn-ea"/>
+                <a:cs typeface="+mn-cs"/>
+              </a:defRPr>
+            </a:lvl9pPr>
+          </a:lstStyle>
+          <a:p>
+            <a:pPr marL="0" indent="0">
+              <a:buNone/>
+            </a:pPr>
+            <a:r>
+              <a:rPr lang="en-US" sz="2400" dirty="0">
+                <a:solidFill>
+                  <a:srgbClr val="032539"/>
+                </a:solidFill>
+                <a:latin typeface="Liberation Serif" panose="02020603050405020304" pitchFamily="18" charset="0"/>
+                <a:ea typeface="Liberation Serif" panose="02020603050405020304" pitchFamily="18" charset="0"/>
+                <a:cs typeface="Liberation Serif" panose="02020603050405020304" pitchFamily="18" charset="0"/>
+              </a:rPr>
+              <a:t> </a:t>
+            </a:r>
+            <a:r>
+              <a:rPr lang="ro-RO" sz="2400" dirty="0">
+                <a:solidFill>
+                  <a:srgbClr val="032539"/>
+                </a:solidFill>
+                <a:latin typeface="Liberation Serif" panose="02020603050405020304" pitchFamily="18" charset="0"/>
+                <a:ea typeface="Liberation Serif" panose="02020603050405020304" pitchFamily="18" charset="0"/>
+                <a:cs typeface="Liberation Serif" panose="02020603050405020304" pitchFamily="18" charset="0"/>
+              </a:rPr>
+              <a:t>VARIANȚA</a:t>
+            </a:r>
+            <a:r>
+              <a:rPr lang="en-US" sz="2400" dirty="0">
+                <a:solidFill>
+                  <a:srgbClr val="032539"/>
+                </a:solidFill>
+                <a:latin typeface="Liberation Serif" panose="02020603050405020304" pitchFamily="18" charset="0"/>
+                <a:ea typeface="Liberation Serif" panose="02020603050405020304" pitchFamily="18" charset="0"/>
+                <a:cs typeface="Liberation Serif" panose="02020603050405020304" pitchFamily="18" charset="0"/>
+              </a:rPr>
+              <a:t> </a:t>
+            </a:r>
+            <a:r>
+              <a:rPr lang="ro-RO" sz="2400" dirty="0">
+                <a:solidFill>
+                  <a:srgbClr val="032539"/>
+                </a:solidFill>
+                <a:latin typeface="Liberation Serif" panose="02020603050405020304" pitchFamily="18" charset="0"/>
+                <a:ea typeface="Liberation Serif" panose="02020603050405020304" pitchFamily="18" charset="0"/>
+                <a:cs typeface="Liberation Serif" panose="02020603050405020304" pitchFamily="18" charset="0"/>
+              </a:rPr>
+              <a:t>ÎN FUNCȚIE DE CLASĂ </a:t>
+            </a:r>
+            <a:endParaRPr lang="en-US" sz="2400" dirty="0">
+              <a:solidFill>
+                <a:srgbClr val="032539"/>
+              </a:solidFill>
+              <a:latin typeface="Liberation Serif" panose="02020603050405020304" pitchFamily="18" charset="0"/>
+              <a:ea typeface="Liberation Serif" panose="02020603050405020304" pitchFamily="18" charset="0"/>
+              <a:cs typeface="Liberation Serif" panose="02020603050405020304" pitchFamily="18" charset="0"/>
+            </a:endParaRPr>
+          </a:p>
+        </p:txBody>
+      </p:sp>
+      <p:pic>
+        <p:nvPicPr>
+          <p:cNvPr id="6" name="Imagine 5">
+            <a:extLst>
+              <a:ext uri="{FF2B5EF4-FFF2-40B4-BE49-F238E27FC236}">
+                <a16:creationId xmlns:a16="http://schemas.microsoft.com/office/drawing/2014/main" id="{4D21C0C5-27C9-40FC-021E-D8E7AB1C0039}"/>
+              </a:ext>
+            </a:extLst>
+          </p:cNvPr>
+          <p:cNvPicPr>
+            <a:picLocks noChangeAspect="1"/>
+          </p:cNvPicPr>
+          <p:nvPr/>
+        </p:nvPicPr>
+        <p:blipFill>
+          <a:blip r:embed="rId2">
+            <a:extLst>
+              <a:ext uri="{28A0092B-C50C-407E-A947-70E740481C1C}">
+                <a14:useLocalDpi xmlns:a14="http://schemas.microsoft.com/office/drawing/2010/main" val="0"/>
+              </a:ext>
+            </a:extLst>
+          </a:blip>
+          <a:stretch>
+            <a:fillRect/>
+          </a:stretch>
+        </p:blipFill>
+        <p:spPr>
+          <a:xfrm>
+            <a:off x="5471160" y="20690"/>
+            <a:ext cx="3660776" cy="1045936"/>
+          </a:xfrm>
+          <a:prstGeom prst="rect">
+            <a:avLst/>
+          </a:prstGeom>
+        </p:spPr>
+      </p:pic>
+      <p:pic>
+        <p:nvPicPr>
+          <p:cNvPr id="4" name="Imagine 3">
+            <a:extLst>
+              <a:ext uri="{FF2B5EF4-FFF2-40B4-BE49-F238E27FC236}">
+                <a16:creationId xmlns:a16="http://schemas.microsoft.com/office/drawing/2014/main" id="{69B9BF84-84C0-AA84-1604-F00D1A585F54}"/>
+              </a:ext>
+            </a:extLst>
+          </p:cNvPr>
+          <p:cNvPicPr>
+            <a:picLocks noChangeAspect="1"/>
+          </p:cNvPicPr>
+          <p:nvPr/>
+        </p:nvPicPr>
+        <p:blipFill>
+          <a:blip r:embed="rId3">
+            <a:extLst>
+              <a:ext uri="{28A0092B-C50C-407E-A947-70E740481C1C}">
+                <a14:useLocalDpi xmlns:a14="http://schemas.microsoft.com/office/drawing/2010/main" val="0"/>
+              </a:ext>
+            </a:extLst>
+          </a:blip>
+          <a:stretch>
+            <a:fillRect/>
+          </a:stretch>
+        </p:blipFill>
+        <p:spPr>
+          <a:xfrm>
+            <a:off x="2788716" y="948538"/>
+            <a:ext cx="6614565" cy="4960924"/>
+          </a:xfrm>
+          <a:prstGeom prst="rect">
+            <a:avLst/>
+          </a:prstGeom>
+        </p:spPr>
+      </p:pic>
+    </p:spTree>
+    <p:extLst>
+      <p:ext uri="{BB962C8B-B14F-4D97-AF65-F5344CB8AC3E}">
+        <p14:creationId xmlns:p14="http://schemas.microsoft.com/office/powerpoint/2010/main" val="1290142484"/>
+      </p:ext>
+    </p:extLst>
+  </p:cSld>
+  <p:clrMapOvr>
+    <a:masterClrMapping/>
+  </p:clrMapOvr>
+</p:sld>
+</file>
+
+<file path=ppt/slides/slide11.xml><?xml version="1.0" encoding="utf-8"?>
+<p:sld xmlns:a="http://schemas.openxmlformats.org/drawingml/2006/main" xmlns:r="http://schemas.openxmlformats.org/officeDocument/2006/relationships" xmlns:p="http://schemas.openxmlformats.org/presentationml/2006/main">
+  <p:cSld>
+    <p:spTree>
+      <p:nvGrpSpPr>
+        <p:cNvPr id="1" name=""/>
+        <p:cNvGrpSpPr/>
+        <p:nvPr/>
+      </p:nvGrpSpPr>
+      <p:grpSpPr>
+        <a:xfrm>
+          <a:off x="0" y="0"/>
+          <a:ext cx="0" cy="0"/>
+          <a:chOff x="0" y="0"/>
+          <a:chExt cx="0" cy="0"/>
+        </a:xfrm>
+      </p:grpSpPr>
+      <p:sp>
+        <p:nvSpPr>
+          <p:cNvPr id="7" name="Rectangle 43">
+            <a:extLst>
+              <a:ext uri="{FF2B5EF4-FFF2-40B4-BE49-F238E27FC236}">
+                <a16:creationId xmlns:a16="http://schemas.microsoft.com/office/drawing/2014/main" id="{6E30A49C-9B0E-19EE-DE31-14C75AAF9DD0}"/>
+              </a:ext>
+              <a:ext uri="{C183D7F6-B498-43B3-948B-1728B52AA6E4}">
+                <adec:decorative xmlns:adec="http://schemas.microsoft.com/office/drawing/2017/decorative" val="1"/>
+              </a:ext>
+            </a:extLst>
+          </p:cNvPr>
+          <p:cNvSpPr/>
+          <p:nvPr>
+            <p:extLst>
+              <p:ext uri="{386F3935-93C4-4BCD-93E2-E3B085C9AB24}">
+                <p16:designElem xmlns:p16="http://schemas.microsoft.com/office/powerpoint/2015/main" val="1"/>
+              </p:ext>
+            </p:extLst>
+          </p:nvPr>
+        </p:nvSpPr>
+        <p:spPr>
+          <a:xfrm>
+            <a:off x="387914" y="857786"/>
+            <a:ext cx="11067024" cy="5208932"/>
+          </a:xfrm>
+          <a:prstGeom prst="rect">
+            <a:avLst/>
+          </a:prstGeom>
+          <a:solidFill>
+            <a:schemeClr val="bg1"/>
+          </a:solidFill>
+          <a:ln>
+            <a:noFill/>
+          </a:ln>
+          <a:effectLst>
+            <a:outerShdw blurRad="139700" dist="127000" dir="5400000" algn="t" rotWithShape="0">
+              <a:prstClr val="black">
+                <a:alpha val="15000"/>
+              </a:prstClr>
+            </a:outerShdw>
+          </a:effectLst>
+        </p:spPr>
+        <p:style>
+          <a:lnRef idx="2">
+            <a:schemeClr val="accent1">
+              <a:shade val="50000"/>
+            </a:schemeClr>
+          </a:lnRef>
+          <a:fillRef idx="1">
+            <a:schemeClr val="accent1"/>
+          </a:fillRef>
+          <a:effectRef idx="0">
+            <a:schemeClr val="accent1"/>
+          </a:effectRef>
+          <a:fontRef idx="minor">
+            <a:schemeClr val="lt1"/>
+          </a:fontRef>
+        </p:style>
+        <p:txBody>
+          <a:bodyPr rtlCol="0" anchor="ctr"/>
+          <a:lstStyle/>
+          <a:p>
+            <a:pPr algn="ctr"/>
+            <a:endParaRPr lang="en-US" dirty="0">
+              <a:latin typeface="Liberation Serif" panose="02020603050405020304" pitchFamily="18" charset="0"/>
+            </a:endParaRPr>
+          </a:p>
+        </p:txBody>
+      </p:sp>
+      <p:sp>
+        <p:nvSpPr>
+          <p:cNvPr id="15" name="Substituent conținut 13">
+            <a:extLst>
+              <a:ext uri="{FF2B5EF4-FFF2-40B4-BE49-F238E27FC236}">
+                <a16:creationId xmlns:a16="http://schemas.microsoft.com/office/drawing/2014/main" id="{AF0260AF-57C1-92B5-AC4C-4F86D19AB7DE}"/>
+              </a:ext>
+            </a:extLst>
+          </p:cNvPr>
+          <p:cNvSpPr txBox="1">
+            <a:spLocks/>
+          </p:cNvSpPr>
+          <p:nvPr/>
+        </p:nvSpPr>
+        <p:spPr>
+          <a:xfrm>
+            <a:off x="2092028" y="6131561"/>
+            <a:ext cx="7658795" cy="726439"/>
+          </a:xfrm>
+          <a:prstGeom prst="rect">
+            <a:avLst/>
+          </a:prstGeom>
+        </p:spPr>
+        <p:txBody>
+          <a:bodyPr vert="horz" lIns="91440" tIns="45720" rIns="91440" bIns="45720" rtlCol="0">
+            <a:normAutofit/>
+          </a:bodyPr>
+          <a:lstStyle>
+            <a:lvl1pPr marL="342900" indent="-342900" algn="l" defTabSz="457200" rtl="0" eaLnBrk="1" latinLnBrk="0" hangingPunct="1">
+              <a:spcBef>
+                <a:spcPts val="1000"/>
+              </a:spcBef>
+              <a:spcAft>
+                <a:spcPts val="0"/>
+              </a:spcAft>
+              <a:buClr>
+                <a:schemeClr val="accent1"/>
+              </a:buClr>
+              <a:buSzPct val="80000"/>
+              <a:buFont typeface="Wingdings 3" charset="2"/>
+              <a:buChar char=""/>
+              <a:defRPr sz="1800" kern="1200">
+                <a:solidFill>
+                  <a:schemeClr val="tx1">
+                    <a:lumMod val="75000"/>
+                    <a:lumOff val="25000"/>
+                  </a:schemeClr>
+                </a:solidFill>
+                <a:latin typeface="+mn-lt"/>
+                <a:ea typeface="+mn-ea"/>
+                <a:cs typeface="+mn-cs"/>
+              </a:defRPr>
+            </a:lvl1pPr>
+            <a:lvl2pPr marL="742950" indent="-285750" algn="l" defTabSz="457200" rtl="0" eaLnBrk="1" latinLnBrk="0" hangingPunct="1">
+              <a:spcBef>
+                <a:spcPts val="1000"/>
+              </a:spcBef>
+              <a:spcAft>
+                <a:spcPts val="0"/>
+              </a:spcAft>
+              <a:buClr>
+                <a:schemeClr val="accent1"/>
+              </a:buClr>
+              <a:buSzPct val="80000"/>
+              <a:buFont typeface="Wingdings 3" charset="2"/>
+              <a:buChar char=""/>
+              <a:defRPr sz="1600" kern="1200">
+                <a:solidFill>
+                  <a:schemeClr val="tx1">
+                    <a:lumMod val="75000"/>
+                    <a:lumOff val="25000"/>
+                  </a:schemeClr>
+                </a:solidFill>
+                <a:latin typeface="+mn-lt"/>
+                <a:ea typeface="+mn-ea"/>
+                <a:cs typeface="+mn-cs"/>
+              </a:defRPr>
+            </a:lvl2pPr>
+            <a:lvl3pPr marL="1143000" indent="-228600" algn="l" defTabSz="457200" rtl="0" eaLnBrk="1" latinLnBrk="0" hangingPunct="1">
+              <a:spcBef>
+                <a:spcPts val="1000"/>
+              </a:spcBef>
+              <a:spcAft>
+                <a:spcPts val="0"/>
+              </a:spcAft>
+              <a:buClr>
+                <a:schemeClr val="accent1"/>
+              </a:buClr>
+              <a:buSzPct val="80000"/>
+              <a:buFont typeface="Wingdings 3" charset="2"/>
+              <a:buChar char=""/>
+              <a:defRPr sz="1400" kern="1200">
+                <a:solidFill>
+                  <a:schemeClr val="tx1">
+                    <a:lumMod val="75000"/>
+                    <a:lumOff val="25000"/>
+                  </a:schemeClr>
+                </a:solidFill>
+                <a:latin typeface="+mn-lt"/>
+                <a:ea typeface="+mn-ea"/>
+                <a:cs typeface="+mn-cs"/>
+              </a:defRPr>
+            </a:lvl3pPr>
+            <a:lvl4pPr marL="1600200" indent="-228600" algn="l" defTabSz="457200" rtl="0" eaLnBrk="1" latinLnBrk="0" hangingPunct="1">
+              <a:spcBef>
+                <a:spcPts val="1000"/>
+              </a:spcBef>
+              <a:spcAft>
+                <a:spcPts val="0"/>
+              </a:spcAft>
+              <a:buClr>
+                <a:schemeClr val="accent1"/>
+              </a:buClr>
+              <a:buSzPct val="80000"/>
+              <a:buFont typeface="Wingdings 3" charset="2"/>
+              <a:buChar char=""/>
+              <a:defRPr sz="1200" kern="1200">
+                <a:solidFill>
+                  <a:schemeClr val="tx1">
+                    <a:lumMod val="75000"/>
+                    <a:lumOff val="25000"/>
+                  </a:schemeClr>
+                </a:solidFill>
+                <a:latin typeface="+mn-lt"/>
+                <a:ea typeface="+mn-ea"/>
+                <a:cs typeface="+mn-cs"/>
+              </a:defRPr>
+            </a:lvl4pPr>
+            <a:lvl5pPr marL="2057400" indent="-228600" algn="l" defTabSz="457200" rtl="0" eaLnBrk="1" latinLnBrk="0" hangingPunct="1">
+              <a:spcBef>
+                <a:spcPts val="1000"/>
+              </a:spcBef>
+              <a:spcAft>
+                <a:spcPts val="0"/>
+              </a:spcAft>
+              <a:buClr>
+                <a:schemeClr val="accent1"/>
+              </a:buClr>
+              <a:buSzPct val="80000"/>
+              <a:buFont typeface="Wingdings 3" charset="2"/>
+              <a:buChar char=""/>
+              <a:defRPr sz="1200" kern="1200">
+                <a:solidFill>
+                  <a:schemeClr val="tx1">
+                    <a:lumMod val="75000"/>
+                    <a:lumOff val="25000"/>
+                  </a:schemeClr>
+                </a:solidFill>
+                <a:latin typeface="+mn-lt"/>
+                <a:ea typeface="+mn-ea"/>
+                <a:cs typeface="+mn-cs"/>
+              </a:defRPr>
+            </a:lvl5pPr>
+            <a:lvl6pPr marL="2514600" indent="-228600" algn="l" defTabSz="457200" rtl="0" eaLnBrk="1" latinLnBrk="0" hangingPunct="1">
+              <a:spcBef>
+                <a:spcPts val="1000"/>
+              </a:spcBef>
+              <a:spcAft>
+                <a:spcPts val="0"/>
+              </a:spcAft>
+              <a:buClr>
+                <a:schemeClr val="accent1"/>
+              </a:buClr>
+              <a:buSzPct val="80000"/>
+              <a:buFont typeface="Wingdings 3" charset="2"/>
+              <a:buChar char=""/>
+              <a:defRPr sz="1200" kern="1200">
+                <a:solidFill>
+                  <a:schemeClr val="tx1">
+                    <a:lumMod val="75000"/>
+                    <a:lumOff val="25000"/>
+                  </a:schemeClr>
+                </a:solidFill>
+                <a:latin typeface="+mn-lt"/>
+                <a:ea typeface="+mn-ea"/>
+                <a:cs typeface="+mn-cs"/>
+              </a:defRPr>
+            </a:lvl6pPr>
+            <a:lvl7pPr marL="2971800" indent="-228600" algn="l" defTabSz="457200" rtl="0" eaLnBrk="1" latinLnBrk="0" hangingPunct="1">
+              <a:spcBef>
+                <a:spcPts val="1000"/>
+              </a:spcBef>
+              <a:spcAft>
+                <a:spcPts val="0"/>
+              </a:spcAft>
+              <a:buClr>
+                <a:schemeClr val="accent1"/>
+              </a:buClr>
+              <a:buSzPct val="80000"/>
+              <a:buFont typeface="Wingdings 3" charset="2"/>
+              <a:buChar char=""/>
+              <a:defRPr sz="1200" kern="1200">
+                <a:solidFill>
+                  <a:schemeClr val="tx1">
+                    <a:lumMod val="75000"/>
+                    <a:lumOff val="25000"/>
+                  </a:schemeClr>
+                </a:solidFill>
+                <a:latin typeface="+mn-lt"/>
+                <a:ea typeface="+mn-ea"/>
+                <a:cs typeface="+mn-cs"/>
+              </a:defRPr>
+            </a:lvl7pPr>
+            <a:lvl8pPr marL="3429000" indent="-228600" algn="l" defTabSz="457200" rtl="0" eaLnBrk="1" latinLnBrk="0" hangingPunct="1">
+              <a:spcBef>
+                <a:spcPts val="1000"/>
+              </a:spcBef>
+              <a:spcAft>
+                <a:spcPts val="0"/>
+              </a:spcAft>
+              <a:buClr>
+                <a:schemeClr val="accent1"/>
+              </a:buClr>
+              <a:buSzPct val="80000"/>
+              <a:buFont typeface="Wingdings 3" charset="2"/>
+              <a:buChar char=""/>
+              <a:defRPr sz="1200" kern="1200">
+                <a:solidFill>
+                  <a:schemeClr val="tx1">
+                    <a:lumMod val="75000"/>
+                    <a:lumOff val="25000"/>
+                  </a:schemeClr>
+                </a:solidFill>
+                <a:latin typeface="+mn-lt"/>
+                <a:ea typeface="+mn-ea"/>
+                <a:cs typeface="+mn-cs"/>
+              </a:defRPr>
+            </a:lvl8pPr>
+            <a:lvl9pPr marL="3886200" indent="-228600" algn="l" defTabSz="457200" rtl="0" eaLnBrk="1" latinLnBrk="0" hangingPunct="1">
+              <a:spcBef>
+                <a:spcPts val="1000"/>
+              </a:spcBef>
+              <a:spcAft>
+                <a:spcPts val="0"/>
+              </a:spcAft>
+              <a:buClr>
+                <a:schemeClr val="accent1"/>
+              </a:buClr>
+              <a:buSzPct val="80000"/>
+              <a:buFont typeface="Wingdings 3" charset="2"/>
+              <a:buChar char=""/>
+              <a:defRPr sz="1200" kern="1200">
+                <a:solidFill>
+                  <a:schemeClr val="tx1">
+                    <a:lumMod val="75000"/>
+                    <a:lumOff val="25000"/>
+                  </a:schemeClr>
+                </a:solidFill>
+                <a:latin typeface="+mn-lt"/>
+                <a:ea typeface="+mn-ea"/>
+                <a:cs typeface="+mn-cs"/>
+              </a:defRPr>
+            </a:lvl9pPr>
+          </a:lstStyle>
+          <a:p>
+            <a:pPr marL="0" indent="0" algn="ctr">
+              <a:buNone/>
+            </a:pPr>
+            <a:r>
+              <a:rPr lang="en-US" sz="2400" dirty="0" err="1">
+                <a:solidFill>
+                  <a:srgbClr val="032539"/>
+                </a:solidFill>
+                <a:latin typeface="Liberation Serif" panose="02020603050405020304" pitchFamily="18" charset="0"/>
+                <a:ea typeface="Liberation Serif" panose="02020603050405020304" pitchFamily="18" charset="0"/>
+                <a:cs typeface="Liberation Serif" panose="02020603050405020304" pitchFamily="18" charset="0"/>
+              </a:rPr>
+              <a:t>Figura</a:t>
+            </a:r>
+            <a:r>
+              <a:rPr lang="en-US" sz="2400" dirty="0">
+                <a:solidFill>
+                  <a:srgbClr val="032539"/>
+                </a:solidFill>
+                <a:latin typeface="Liberation Serif" panose="02020603050405020304" pitchFamily="18" charset="0"/>
+                <a:ea typeface="Liberation Serif" panose="02020603050405020304" pitchFamily="18" charset="0"/>
+                <a:cs typeface="Liberation Serif" panose="02020603050405020304" pitchFamily="18" charset="0"/>
+              </a:rPr>
+              <a:t> 7: </a:t>
+            </a:r>
+            <a:r>
+              <a:rPr lang="ro-RO" sz="2400" dirty="0">
+                <a:solidFill>
+                  <a:srgbClr val="032539"/>
+                </a:solidFill>
+                <a:latin typeface="Liberation Serif" panose="02020603050405020304" pitchFamily="18" charset="0"/>
+                <a:ea typeface="Liberation Serif" panose="02020603050405020304" pitchFamily="18" charset="0"/>
+                <a:cs typeface="Liberation Serif" panose="02020603050405020304" pitchFamily="18" charset="0"/>
+              </a:rPr>
+              <a:t> </a:t>
+            </a:r>
+            <a:r>
+              <a:rPr lang="en-US" sz="2400" dirty="0" err="1">
+                <a:solidFill>
+                  <a:srgbClr val="032539"/>
+                </a:solidFill>
+                <a:latin typeface="Liberation Serif" panose="02020603050405020304" pitchFamily="18" charset="0"/>
+                <a:ea typeface="Liberation Serif" panose="02020603050405020304" pitchFamily="18" charset="0"/>
+                <a:cs typeface="Liberation Serif" panose="02020603050405020304" pitchFamily="18" charset="0"/>
+              </a:rPr>
+              <a:t>Momentele</a:t>
+            </a:r>
+            <a:r>
+              <a:rPr lang="en-US" sz="2400" dirty="0">
+                <a:solidFill>
+                  <a:srgbClr val="032539"/>
+                </a:solidFill>
+                <a:latin typeface="Liberation Serif" panose="02020603050405020304" pitchFamily="18" charset="0"/>
+                <a:ea typeface="Liberation Serif" panose="02020603050405020304" pitchFamily="18" charset="0"/>
+                <a:cs typeface="Liberation Serif" panose="02020603050405020304" pitchFamily="18" charset="0"/>
+              </a:rPr>
+              <a:t> HU (</a:t>
+            </a:r>
+            <a:r>
+              <a:rPr lang="en-US" sz="2400" dirty="0" err="1">
+                <a:solidFill>
+                  <a:srgbClr val="032539"/>
+                </a:solidFill>
+                <a:latin typeface="Liberation Serif" panose="02020603050405020304" pitchFamily="18" charset="0"/>
+                <a:ea typeface="Liberation Serif" panose="02020603050405020304" pitchFamily="18" charset="0"/>
+                <a:cs typeface="Liberation Serif" panose="02020603050405020304" pitchFamily="18" charset="0"/>
+              </a:rPr>
+              <a:t>valori</a:t>
+            </a:r>
+            <a:r>
+              <a:rPr lang="en-US" sz="2400" dirty="0">
+                <a:solidFill>
+                  <a:srgbClr val="032539"/>
+                </a:solidFill>
+                <a:latin typeface="Liberation Serif" panose="02020603050405020304" pitchFamily="18" charset="0"/>
+                <a:ea typeface="Liberation Serif" panose="02020603050405020304" pitchFamily="18" charset="0"/>
+                <a:cs typeface="Liberation Serif" panose="02020603050405020304" pitchFamily="18" charset="0"/>
+              </a:rPr>
+              <a:t> </a:t>
+            </a:r>
+            <a:r>
+              <a:rPr lang="en-US" sz="2400" dirty="0" err="1">
+                <a:solidFill>
+                  <a:srgbClr val="032539"/>
+                </a:solidFill>
+                <a:latin typeface="Liberation Serif" panose="02020603050405020304" pitchFamily="18" charset="0"/>
+                <a:ea typeface="Liberation Serif" panose="02020603050405020304" pitchFamily="18" charset="0"/>
+                <a:cs typeface="Liberation Serif" panose="02020603050405020304" pitchFamily="18" charset="0"/>
+              </a:rPr>
+              <a:t>logaritmate</a:t>
+            </a:r>
+            <a:r>
+              <a:rPr lang="en-US" sz="2400" dirty="0">
+                <a:solidFill>
+                  <a:srgbClr val="032539"/>
+                </a:solidFill>
+                <a:latin typeface="Liberation Serif" panose="02020603050405020304" pitchFamily="18" charset="0"/>
+                <a:ea typeface="Liberation Serif" panose="02020603050405020304" pitchFamily="18" charset="0"/>
+                <a:cs typeface="Liberation Serif" panose="02020603050405020304" pitchFamily="18" charset="0"/>
+              </a:rPr>
+              <a:t>)</a:t>
+            </a:r>
+          </a:p>
+          <a:p>
+            <a:pPr marL="0" indent="0" algn="ctr">
+              <a:buNone/>
+            </a:pPr>
+            <a:endParaRPr lang="en-US" sz="2400" dirty="0">
+              <a:solidFill>
+                <a:srgbClr val="032539"/>
+              </a:solidFill>
+              <a:latin typeface="Liberation Serif" panose="02020603050405020304" pitchFamily="18" charset="0"/>
+              <a:ea typeface="Liberation Serif" panose="02020603050405020304" pitchFamily="18" charset="0"/>
+              <a:cs typeface="Liberation Serif" panose="02020603050405020304" pitchFamily="18" charset="0"/>
+            </a:endParaRPr>
+          </a:p>
+        </p:txBody>
+      </p:sp>
+      <p:sp>
+        <p:nvSpPr>
+          <p:cNvPr id="2" name="Substituent conținut 13">
+            <a:extLst>
+              <a:ext uri="{FF2B5EF4-FFF2-40B4-BE49-F238E27FC236}">
+                <a16:creationId xmlns:a16="http://schemas.microsoft.com/office/drawing/2014/main" id="{8700D5C2-1D10-D8DE-14A0-57125A92E80B}"/>
+              </a:ext>
+            </a:extLst>
+          </p:cNvPr>
+          <p:cNvSpPr txBox="1">
+            <a:spLocks/>
+          </p:cNvSpPr>
+          <p:nvPr/>
+        </p:nvSpPr>
+        <p:spPr>
+          <a:xfrm>
+            <a:off x="332496" y="229529"/>
+            <a:ext cx="9032484" cy="1256514"/>
+          </a:xfrm>
+          <a:prstGeom prst="rect">
+            <a:avLst/>
+          </a:prstGeom>
+        </p:spPr>
+        <p:txBody>
+          <a:bodyPr vert="horz" lIns="91440" tIns="45720" rIns="91440" bIns="45720" rtlCol="0">
+            <a:normAutofit/>
+          </a:bodyPr>
+          <a:lstStyle>
+            <a:lvl1pPr marL="342900" indent="-342900" algn="l" defTabSz="457200" rtl="0" eaLnBrk="1" latinLnBrk="0" hangingPunct="1">
+              <a:spcBef>
+                <a:spcPts val="1000"/>
+              </a:spcBef>
+              <a:spcAft>
+                <a:spcPts val="0"/>
+              </a:spcAft>
+              <a:buClr>
+                <a:schemeClr val="accent1"/>
+              </a:buClr>
+              <a:buSzPct val="80000"/>
+              <a:buFont typeface="Wingdings 3" charset="2"/>
+              <a:buChar char=""/>
+              <a:defRPr sz="1800" kern="1200">
+                <a:solidFill>
+                  <a:schemeClr val="tx1">
+                    <a:lumMod val="75000"/>
+                    <a:lumOff val="25000"/>
+                  </a:schemeClr>
+                </a:solidFill>
+                <a:latin typeface="+mn-lt"/>
+                <a:ea typeface="+mn-ea"/>
+                <a:cs typeface="+mn-cs"/>
+              </a:defRPr>
+            </a:lvl1pPr>
+            <a:lvl2pPr marL="742950" indent="-285750" algn="l" defTabSz="457200" rtl="0" eaLnBrk="1" latinLnBrk="0" hangingPunct="1">
+              <a:spcBef>
+                <a:spcPts val="1000"/>
+              </a:spcBef>
+              <a:spcAft>
+                <a:spcPts val="0"/>
+              </a:spcAft>
+              <a:buClr>
+                <a:schemeClr val="accent1"/>
+              </a:buClr>
+              <a:buSzPct val="80000"/>
+              <a:buFont typeface="Wingdings 3" charset="2"/>
+              <a:buChar char=""/>
+              <a:defRPr sz="1600" kern="1200">
+                <a:solidFill>
+                  <a:schemeClr val="tx1">
+                    <a:lumMod val="75000"/>
+                    <a:lumOff val="25000"/>
+                  </a:schemeClr>
+                </a:solidFill>
+                <a:latin typeface="+mn-lt"/>
+                <a:ea typeface="+mn-ea"/>
+                <a:cs typeface="+mn-cs"/>
+              </a:defRPr>
+            </a:lvl2pPr>
+            <a:lvl3pPr marL="1143000" indent="-228600" algn="l" defTabSz="457200" rtl="0" eaLnBrk="1" latinLnBrk="0" hangingPunct="1">
+              <a:spcBef>
+                <a:spcPts val="1000"/>
+              </a:spcBef>
+              <a:spcAft>
+                <a:spcPts val="0"/>
+              </a:spcAft>
+              <a:buClr>
+                <a:schemeClr val="accent1"/>
+              </a:buClr>
+              <a:buSzPct val="80000"/>
+              <a:buFont typeface="Wingdings 3" charset="2"/>
+              <a:buChar char=""/>
+              <a:defRPr sz="1400" kern="1200">
+                <a:solidFill>
+                  <a:schemeClr val="tx1">
+                    <a:lumMod val="75000"/>
+                    <a:lumOff val="25000"/>
+                  </a:schemeClr>
+                </a:solidFill>
+                <a:latin typeface="+mn-lt"/>
+                <a:ea typeface="+mn-ea"/>
+                <a:cs typeface="+mn-cs"/>
+              </a:defRPr>
+            </a:lvl3pPr>
+            <a:lvl4pPr marL="1600200" indent="-228600" algn="l" defTabSz="457200" rtl="0" eaLnBrk="1" latinLnBrk="0" hangingPunct="1">
+              <a:spcBef>
+                <a:spcPts val="1000"/>
+              </a:spcBef>
+              <a:spcAft>
+                <a:spcPts val="0"/>
+              </a:spcAft>
+              <a:buClr>
+                <a:schemeClr val="accent1"/>
+              </a:buClr>
+              <a:buSzPct val="80000"/>
+              <a:buFont typeface="Wingdings 3" charset="2"/>
+              <a:buChar char=""/>
+              <a:defRPr sz="1200" kern="1200">
+                <a:solidFill>
+                  <a:schemeClr val="tx1">
+                    <a:lumMod val="75000"/>
+                    <a:lumOff val="25000"/>
+                  </a:schemeClr>
+                </a:solidFill>
+                <a:latin typeface="+mn-lt"/>
+                <a:ea typeface="+mn-ea"/>
+                <a:cs typeface="+mn-cs"/>
+              </a:defRPr>
+            </a:lvl4pPr>
+            <a:lvl5pPr marL="2057400" indent="-228600" algn="l" defTabSz="457200" rtl="0" eaLnBrk="1" latinLnBrk="0" hangingPunct="1">
+              <a:spcBef>
+                <a:spcPts val="1000"/>
+              </a:spcBef>
+              <a:spcAft>
+                <a:spcPts val="0"/>
+              </a:spcAft>
+              <a:buClr>
+                <a:schemeClr val="accent1"/>
+              </a:buClr>
+              <a:buSzPct val="80000"/>
+              <a:buFont typeface="Wingdings 3" charset="2"/>
+              <a:buChar char=""/>
+              <a:defRPr sz="1200" kern="1200">
+                <a:solidFill>
+                  <a:schemeClr val="tx1">
+                    <a:lumMod val="75000"/>
+                    <a:lumOff val="25000"/>
+                  </a:schemeClr>
+                </a:solidFill>
+                <a:latin typeface="+mn-lt"/>
+                <a:ea typeface="+mn-ea"/>
+                <a:cs typeface="+mn-cs"/>
+              </a:defRPr>
+            </a:lvl5pPr>
+            <a:lvl6pPr marL="2514600" indent="-228600" algn="l" defTabSz="457200" rtl="0" eaLnBrk="1" latinLnBrk="0" hangingPunct="1">
+              <a:spcBef>
+                <a:spcPts val="1000"/>
+              </a:spcBef>
+              <a:spcAft>
+                <a:spcPts val="0"/>
+              </a:spcAft>
+              <a:buClr>
+                <a:schemeClr val="accent1"/>
+              </a:buClr>
+              <a:buSzPct val="80000"/>
+              <a:buFont typeface="Wingdings 3" charset="2"/>
+              <a:buChar char=""/>
+              <a:defRPr sz="1200" kern="1200">
+                <a:solidFill>
+                  <a:schemeClr val="tx1">
+                    <a:lumMod val="75000"/>
+                    <a:lumOff val="25000"/>
+                  </a:schemeClr>
+                </a:solidFill>
+                <a:latin typeface="+mn-lt"/>
+                <a:ea typeface="+mn-ea"/>
+                <a:cs typeface="+mn-cs"/>
+              </a:defRPr>
+            </a:lvl6pPr>
+            <a:lvl7pPr marL="2971800" indent="-228600" algn="l" defTabSz="457200" rtl="0" eaLnBrk="1" latinLnBrk="0" hangingPunct="1">
+              <a:spcBef>
+                <a:spcPts val="1000"/>
+              </a:spcBef>
+              <a:spcAft>
+                <a:spcPts val="0"/>
+              </a:spcAft>
+              <a:buClr>
+                <a:schemeClr val="accent1"/>
+              </a:buClr>
+              <a:buSzPct val="80000"/>
+              <a:buFont typeface="Wingdings 3" charset="2"/>
+              <a:buChar char=""/>
+              <a:defRPr sz="1200" kern="1200">
+                <a:solidFill>
+                  <a:schemeClr val="tx1">
+                    <a:lumMod val="75000"/>
+                    <a:lumOff val="25000"/>
+                  </a:schemeClr>
+                </a:solidFill>
+                <a:latin typeface="+mn-lt"/>
+                <a:ea typeface="+mn-ea"/>
+                <a:cs typeface="+mn-cs"/>
+              </a:defRPr>
+            </a:lvl7pPr>
+            <a:lvl8pPr marL="3429000" indent="-228600" algn="l" defTabSz="457200" rtl="0" eaLnBrk="1" latinLnBrk="0" hangingPunct="1">
+              <a:spcBef>
+                <a:spcPts val="1000"/>
+              </a:spcBef>
+              <a:spcAft>
+                <a:spcPts val="0"/>
+              </a:spcAft>
+              <a:buClr>
+                <a:schemeClr val="accent1"/>
+              </a:buClr>
+              <a:buSzPct val="80000"/>
+              <a:buFont typeface="Wingdings 3" charset="2"/>
+              <a:buChar char=""/>
+              <a:defRPr sz="1200" kern="1200">
+                <a:solidFill>
+                  <a:schemeClr val="tx1">
+                    <a:lumMod val="75000"/>
+                    <a:lumOff val="25000"/>
+                  </a:schemeClr>
+                </a:solidFill>
+                <a:latin typeface="+mn-lt"/>
+                <a:ea typeface="+mn-ea"/>
+                <a:cs typeface="+mn-cs"/>
+              </a:defRPr>
+            </a:lvl8pPr>
+            <a:lvl9pPr marL="3886200" indent="-228600" algn="l" defTabSz="457200" rtl="0" eaLnBrk="1" latinLnBrk="0" hangingPunct="1">
+              <a:spcBef>
+                <a:spcPts val="1000"/>
+              </a:spcBef>
+              <a:spcAft>
+                <a:spcPts val="0"/>
+              </a:spcAft>
+              <a:buClr>
+                <a:schemeClr val="accent1"/>
+              </a:buClr>
+              <a:buSzPct val="80000"/>
+              <a:buFont typeface="Wingdings 3" charset="2"/>
+              <a:buChar char=""/>
+              <a:defRPr sz="1200" kern="1200">
+                <a:solidFill>
+                  <a:schemeClr val="tx1">
+                    <a:lumMod val="75000"/>
+                    <a:lumOff val="25000"/>
+                  </a:schemeClr>
+                </a:solidFill>
+                <a:latin typeface="+mn-lt"/>
+                <a:ea typeface="+mn-ea"/>
+                <a:cs typeface="+mn-cs"/>
+              </a:defRPr>
+            </a:lvl9pPr>
+          </a:lstStyle>
+          <a:p>
+            <a:pPr marL="0" indent="0">
+              <a:buNone/>
+            </a:pPr>
+            <a:r>
+              <a:rPr lang="en-US" sz="2400" dirty="0">
+                <a:solidFill>
+                  <a:srgbClr val="032539"/>
+                </a:solidFill>
+                <a:latin typeface="Liberation Serif" panose="02020603050405020304" pitchFamily="18" charset="0"/>
+                <a:ea typeface="Liberation Serif" panose="02020603050405020304" pitchFamily="18" charset="0"/>
+                <a:cs typeface="Liberation Serif" panose="02020603050405020304" pitchFamily="18" charset="0"/>
+              </a:rPr>
+              <a:t> MOMENTELE HU PENTRU SETUL DE DAT</a:t>
+            </a:r>
+            <a:r>
+              <a:rPr lang="ro-RO" sz="2400" dirty="0">
+                <a:solidFill>
+                  <a:srgbClr val="032539"/>
+                </a:solidFill>
+                <a:latin typeface="Liberation Serif" panose="02020603050405020304" pitchFamily="18" charset="0"/>
+                <a:ea typeface="Liberation Serif" panose="02020603050405020304" pitchFamily="18" charset="0"/>
+                <a:cs typeface="Liberation Serif" panose="02020603050405020304" pitchFamily="18" charset="0"/>
+              </a:rPr>
+              <a:t>E</a:t>
+            </a:r>
+            <a:endParaRPr lang="en-US" sz="2400" dirty="0">
+              <a:solidFill>
+                <a:srgbClr val="032539"/>
+              </a:solidFill>
+              <a:latin typeface="Liberation Serif" panose="02020603050405020304" pitchFamily="18" charset="0"/>
+              <a:ea typeface="Liberation Serif" panose="02020603050405020304" pitchFamily="18" charset="0"/>
+              <a:cs typeface="Liberation Serif" panose="02020603050405020304" pitchFamily="18" charset="0"/>
+            </a:endParaRPr>
+          </a:p>
+        </p:txBody>
+      </p:sp>
+      <p:pic>
+        <p:nvPicPr>
+          <p:cNvPr id="5" name="Imagine 4">
+            <a:extLst>
+              <a:ext uri="{FF2B5EF4-FFF2-40B4-BE49-F238E27FC236}">
+                <a16:creationId xmlns:a16="http://schemas.microsoft.com/office/drawing/2014/main" id="{B8B8A2D4-C63D-4299-9E97-497330689FEF}"/>
+              </a:ext>
+            </a:extLst>
+          </p:cNvPr>
+          <p:cNvPicPr>
+            <a:picLocks noChangeAspect="1"/>
+          </p:cNvPicPr>
+          <p:nvPr/>
+        </p:nvPicPr>
+        <p:blipFill>
+          <a:blip r:embed="rId2">
+            <a:extLst>
+              <a:ext uri="{28A0092B-C50C-407E-A947-70E740481C1C}">
+                <a14:useLocalDpi xmlns:a14="http://schemas.microsoft.com/office/drawing/2010/main" val="0"/>
+              </a:ext>
+            </a:extLst>
+          </a:blip>
+          <a:stretch>
+            <a:fillRect/>
+          </a:stretch>
+        </p:blipFill>
+        <p:spPr>
+          <a:xfrm>
+            <a:off x="3169920" y="1234440"/>
+            <a:ext cx="5852160" cy="4389120"/>
+          </a:xfrm>
+          <a:prstGeom prst="rect">
+            <a:avLst/>
+          </a:prstGeom>
+        </p:spPr>
+      </p:pic>
+    </p:spTree>
+    <p:extLst>
+      <p:ext uri="{BB962C8B-B14F-4D97-AF65-F5344CB8AC3E}">
+        <p14:creationId xmlns:p14="http://schemas.microsoft.com/office/powerpoint/2010/main" val="3020100465"/>
+      </p:ext>
+    </p:extLst>
+  </p:cSld>
+  <p:clrMapOvr>
+    <a:masterClrMapping/>
+  </p:clrMapOvr>
+</p:sld>
+</file>
+
 <file path=ppt/slides/slide2.xml><?xml version="1.0" encoding="utf-8"?>
 <p:sld xmlns:a="http://schemas.openxmlformats.org/drawingml/2006/main" xmlns:r="http://schemas.openxmlformats.org/officeDocument/2006/relationships" xmlns:p="http://schemas.openxmlformats.org/presentationml/2006/main">
   <p:cSld>
@@ -9131,78 +10781,6 @@
           </a:p>
         </p:txBody>
       </p:sp>
-      <p:pic>
-        <p:nvPicPr>
-          <p:cNvPr id="20" name="Imagine 19" descr="O imagine care conține veselă&#10;&#10;Descriere generată automat">
-            <a:extLst>
-              <a:ext uri="{FF2B5EF4-FFF2-40B4-BE49-F238E27FC236}">
-                <a16:creationId xmlns:a16="http://schemas.microsoft.com/office/drawing/2014/main" id="{5976EEED-78A5-2873-2DB2-D96B4557D10D}"/>
-              </a:ext>
-            </a:extLst>
-          </p:cNvPr>
-          <p:cNvPicPr>
-            <a:picLocks noChangeAspect="1"/>
-          </p:cNvPicPr>
-          <p:nvPr/>
-        </p:nvPicPr>
-        <p:blipFill>
-          <a:blip r:embed="rId2">
-            <a:extLst>
-              <a:ext uri="{28A0092B-C50C-407E-A947-70E740481C1C}">
-                <a14:useLocalDpi xmlns:a14="http://schemas.microsoft.com/office/drawing/2010/main" val="0"/>
-              </a:ext>
-            </a:extLst>
-          </a:blip>
-          <a:stretch>
-            <a:fillRect/>
-          </a:stretch>
-        </p:blipFill>
-        <p:spPr>
-          <a:xfrm>
-            <a:off x="0" y="0"/>
-            <a:ext cx="12192000" cy="6096000"/>
-          </a:xfrm>
-          <a:prstGeom prst="rect">
-            <a:avLst/>
-          </a:prstGeom>
-        </p:spPr>
-      </p:pic>
-      <p:pic>
-        <p:nvPicPr>
-          <p:cNvPr id="22" name="Imagine 21">
-            <a:extLst>
-              <a:ext uri="{FF2B5EF4-FFF2-40B4-BE49-F238E27FC236}">
-                <a16:creationId xmlns:a16="http://schemas.microsoft.com/office/drawing/2014/main" id="{C747D138-BC0B-79DE-4ADD-E5D18C235798}"/>
-              </a:ext>
-            </a:extLst>
-          </p:cNvPr>
-          <p:cNvPicPr>
-            <a:picLocks noChangeAspect="1"/>
-          </p:cNvPicPr>
-          <p:nvPr/>
-        </p:nvPicPr>
-        <p:blipFill>
-          <a:blip r:embed="rId3">
-            <a:extLst>
-              <a:ext uri="{28A0092B-C50C-407E-A947-70E740481C1C}">
-                <a14:useLocalDpi xmlns:a14="http://schemas.microsoft.com/office/drawing/2010/main" val="0"/>
-              </a:ext>
-            </a:extLst>
-          </a:blip>
-          <a:stretch>
-            <a:fillRect/>
-          </a:stretch>
-        </p:blipFill>
-        <p:spPr>
-          <a:xfrm>
-            <a:off x="0" y="0"/>
-            <a:ext cx="12192000" cy="6096000"/>
-          </a:xfrm>
-          <a:prstGeom prst="rect">
-            <a:avLst/>
-          </a:prstGeom>
-        </p:spPr>
-      </p:pic>
     </p:spTree>
     <p:extLst>
       <p:ext uri="{BB962C8B-B14F-4D97-AF65-F5344CB8AC3E}">
@@ -9234,7 +10812,7 @@
                             </p:stCondLst>
                             <p:childTnLst>
                               <p:par>
-                                <p:cTn id="5" presetID="2" presetClass="entr" presetSubtype="4" fill="hold" nodeType="clickEffect">
+                                <p:cTn id="5" presetID="2" presetClass="entr" presetSubtype="4" fill="hold" grpId="0" nodeType="clickEffect">
                                   <p:stCondLst>
                                     <p:cond delay="0"/>
                                   </p:stCondLst>
@@ -9247,7 +10825,7 @@
                                           </p:stCondLst>
                                         </p:cTn>
                                         <p:tgtEl>
-                                          <p:spTgt spid="20"/>
+                                          <p:spTgt spid="11"/>
                                         </p:tgtEl>
                                         <p:attrNameLst>
                                           <p:attrName>style.visibility</p:attrName>
@@ -9261,7 +10839,7 @@
                                       <p:cBhvr additive="base">
                                         <p:cTn id="7" dur="500" fill="hold"/>
                                         <p:tgtEl>
-                                          <p:spTgt spid="20"/>
+                                          <p:spTgt spid="11"/>
                                         </p:tgtEl>
                                         <p:attrNameLst>
                                           <p:attrName>ppt_x</p:attrName>
@@ -9284,189 +10862,7 @@
                                       <p:cBhvr additive="base">
                                         <p:cTn id="8" dur="500" fill="hold"/>
                                         <p:tgtEl>
-                                          <p:spTgt spid="20"/>
-                                        </p:tgtEl>
-                                        <p:attrNameLst>
-                                          <p:attrName>ppt_y</p:attrName>
-                                        </p:attrNameLst>
-                                      </p:cBhvr>
-                                      <p:tavLst>
-                                        <p:tav tm="0">
-                                          <p:val>
-                                            <p:strVal val="1+#ppt_h/2"/>
-                                          </p:val>
-                                        </p:tav>
-                                        <p:tav tm="100000">
-                                          <p:val>
-                                            <p:strVal val="#ppt_y"/>
-                                          </p:val>
-                                        </p:tav>
-                                      </p:tavLst>
-                                    </p:anim>
-                                  </p:childTnLst>
-                                </p:cTn>
-                              </p:par>
-                            </p:childTnLst>
-                          </p:cTn>
-                        </p:par>
-                      </p:childTnLst>
-                    </p:cTn>
-                  </p:par>
-                  <p:par>
-                    <p:cTn id="9" fill="hold">
-                      <p:stCondLst>
-                        <p:cond delay="indefinite"/>
-                      </p:stCondLst>
-                      <p:childTnLst>
-                        <p:par>
-                          <p:cTn id="10" fill="hold">
-                            <p:stCondLst>
-                              <p:cond delay="0"/>
-                            </p:stCondLst>
-                            <p:childTnLst>
-                              <p:par>
-                                <p:cTn id="11" presetID="2" presetClass="entr" presetSubtype="4" fill="hold" grpId="0" nodeType="clickEffect">
-                                  <p:stCondLst>
-                                    <p:cond delay="0"/>
-                                  </p:stCondLst>
-                                  <p:childTnLst>
-                                    <p:set>
-                                      <p:cBhvr>
-                                        <p:cTn id="12" dur="1" fill="hold">
-                                          <p:stCondLst>
-                                            <p:cond delay="0"/>
-                                          </p:stCondLst>
-                                        </p:cTn>
-                                        <p:tgtEl>
                                           <p:spTgt spid="11"/>
-                                        </p:tgtEl>
-                                        <p:attrNameLst>
-                                          <p:attrName>style.visibility</p:attrName>
-                                        </p:attrNameLst>
-                                      </p:cBhvr>
-                                      <p:to>
-                                        <p:strVal val="visible"/>
-                                      </p:to>
-                                    </p:set>
-                                    <p:anim calcmode="lin" valueType="num">
-                                      <p:cBhvr additive="base">
-                                        <p:cTn id="13" dur="500" fill="hold"/>
-                                        <p:tgtEl>
-                                          <p:spTgt spid="11"/>
-                                        </p:tgtEl>
-                                        <p:attrNameLst>
-                                          <p:attrName>ppt_x</p:attrName>
-                                        </p:attrNameLst>
-                                      </p:cBhvr>
-                                      <p:tavLst>
-                                        <p:tav tm="0">
-                                          <p:val>
-                                            <p:strVal val="#ppt_x"/>
-                                          </p:val>
-                                        </p:tav>
-                                        <p:tav tm="100000">
-                                          <p:val>
-                                            <p:strVal val="#ppt_x"/>
-                                          </p:val>
-                                        </p:tav>
-                                      </p:tavLst>
-                                    </p:anim>
-                                    <p:anim calcmode="lin" valueType="num">
-                                      <p:cBhvr additive="base">
-                                        <p:cTn id="14" dur="500" fill="hold"/>
-                                        <p:tgtEl>
-                                          <p:spTgt spid="11"/>
-                                        </p:tgtEl>
-                                        <p:attrNameLst>
-                                          <p:attrName>ppt_y</p:attrName>
-                                        </p:attrNameLst>
-                                      </p:cBhvr>
-                                      <p:tavLst>
-                                        <p:tav tm="0">
-                                          <p:val>
-                                            <p:strVal val="1+#ppt_h/2"/>
-                                          </p:val>
-                                        </p:tav>
-                                        <p:tav tm="100000">
-                                          <p:val>
-                                            <p:strVal val="#ppt_y"/>
-                                          </p:val>
-                                        </p:tav>
-                                      </p:tavLst>
-                                    </p:anim>
-                                  </p:childTnLst>
-                                </p:cTn>
-                              </p:par>
-                            </p:childTnLst>
-                          </p:cTn>
-                        </p:par>
-                      </p:childTnLst>
-                    </p:cTn>
-                  </p:par>
-                  <p:par>
-                    <p:cTn id="15" fill="hold">
-                      <p:stCondLst>
-                        <p:cond delay="indefinite"/>
-                      </p:stCondLst>
-                      <p:childTnLst>
-                        <p:par>
-                          <p:cTn id="16" fill="hold">
-                            <p:stCondLst>
-                              <p:cond delay="0"/>
-                            </p:stCondLst>
-                            <p:childTnLst>
-                              <p:par>
-                                <p:cTn id="17" presetID="2" presetClass="entr" presetSubtype="4" fill="hold" nodeType="clickEffect">
-                                  <p:stCondLst>
-                                    <p:cond delay="0"/>
-                                  </p:stCondLst>
-                                  <p:childTnLst>
-                                    <p:set>
-                                      <p:cBhvr>
-                                        <p:cTn id="18" dur="1" fill="hold">
-                                          <p:stCondLst>
-                                            <p:cond delay="0"/>
-                                          </p:stCondLst>
-                                        </p:cTn>
-                                        <p:tgtEl>
-                                          <p:spTgt spid="22"/>
-                                        </p:tgtEl>
-                                        <p:attrNameLst>
-                                          <p:attrName>style.visibility</p:attrName>
-                                        </p:attrNameLst>
-                                      </p:cBhvr>
-                                      <p:to>
-                                        <p:strVal val="visible"/>
-                                      </p:to>
-                                    </p:set>
-                                    <p:anim calcmode="lin" valueType="num">
-                                      <p:cBhvr additive="base">
-                                        <p:cTn id="19" dur="500" fill="hold"/>
-                                        <p:tgtEl>
-                                          <p:spTgt spid="22"/>
-                                        </p:tgtEl>
-                                        <p:attrNameLst>
-                                          <p:attrName>ppt_x</p:attrName>
-                                        </p:attrNameLst>
-                                      </p:cBhvr>
-                                      <p:tavLst>
-                                        <p:tav tm="0">
-                                          <p:val>
-                                            <p:strVal val="#ppt_x"/>
-                                          </p:val>
-                                        </p:tav>
-                                        <p:tav tm="100000">
-                                          <p:val>
-                                            <p:strVal val="#ppt_x"/>
-                                          </p:val>
-                                        </p:tav>
-                                      </p:tavLst>
-                                    </p:anim>
-                                    <p:anim calcmode="lin" valueType="num">
-                                      <p:cBhvr additive="base">
-                                        <p:cTn id="20" dur="500" fill="hold"/>
-                                        <p:tgtEl>
-                                          <p:spTgt spid="22"/>
                                         </p:tgtEl>
                                         <p:attrNameLst>
                                           <p:attrName>ppt_y</p:attrName>
@@ -9609,47 +11005,12 @@
           </a:p>
         </p:txBody>
       </p:sp>
-      <p:pic>
-        <p:nvPicPr>
-          <p:cNvPr id="3" name="Imagine 2">
+      <p:sp>
+        <p:nvSpPr>
+          <p:cNvPr id="10" name="Substituent conținut 2">
             <a:extLst>
               <a:ext uri="{FF2B5EF4-FFF2-40B4-BE49-F238E27FC236}">
-                <a16:creationId xmlns:a16="http://schemas.microsoft.com/office/drawing/2014/main" id="{8EA15EE3-9624-2CC6-83C0-642497FC54AC}"/>
-              </a:ext>
-            </a:extLst>
-          </p:cNvPr>
-          <p:cNvPicPr>
-            <a:picLocks noChangeAspect="1"/>
-          </p:cNvPicPr>
-          <p:nvPr/>
-        </p:nvPicPr>
-        <p:blipFill>
-          <a:blip r:embed="rId2">
-            <a:extLst>
-              <a:ext uri="{28A0092B-C50C-407E-A947-70E740481C1C}">
-                <a14:useLocalDpi xmlns:a14="http://schemas.microsoft.com/office/drawing/2010/main" val="0"/>
-              </a:ext>
-            </a:extLst>
-          </a:blip>
-          <a:srcRect/>
-          <a:stretch/>
-        </p:blipFill>
-        <p:spPr>
-          <a:xfrm>
-            <a:off x="0" y="0"/>
-            <a:ext cx="12192000" cy="6096000"/>
-          </a:xfrm>
-          <a:prstGeom prst="rect">
-            <a:avLst/>
-          </a:prstGeom>
-        </p:spPr>
-      </p:pic>
-      <p:sp>
-        <p:nvSpPr>
-          <p:cNvPr id="15" name="Substituent conținut 13">
-            <a:extLst>
-              <a:ext uri="{FF2B5EF4-FFF2-40B4-BE49-F238E27FC236}">
-                <a16:creationId xmlns:a16="http://schemas.microsoft.com/office/drawing/2014/main" id="{AF0260AF-57C1-92B5-AC4C-4F86D19AB7DE}"/>
+                <a16:creationId xmlns:a16="http://schemas.microsoft.com/office/drawing/2014/main" id="{B55EA090-3722-43A0-B1AF-D53E4C025031}"/>
               </a:ext>
             </a:extLst>
           </p:cNvPr>
@@ -9660,8 +11021,8 @@
         </p:nvSpPr>
         <p:spPr>
           <a:xfrm>
-            <a:off x="2144137" y="6066718"/>
-            <a:ext cx="7658795" cy="1256514"/>
+            <a:off x="387913" y="857156"/>
+            <a:ext cx="10515600" cy="4351338"/>
           </a:xfrm>
           <a:prstGeom prst="rect">
             <a:avLst/>
@@ -9899,86 +11260,10 @@
             </a:lvl9pPr>
           </a:lstStyle>
           <a:p>
-            <a:pPr marL="0" indent="0" algn="ctr">
-              <a:buNone/>
+            <a:pPr marL="457200" indent="-457200">
+              <a:buFont typeface="+mj-lt"/>
+              <a:buAutoNum type="arabicPeriod"/>
             </a:pPr>
-            <a:r>
-              <a:rPr lang="en-US" sz="2400" dirty="0" err="1">
-                <a:solidFill>
-                  <a:srgbClr val="032539"/>
-                </a:solidFill>
-                <a:latin typeface="Liberation Serif" panose="02020603050405020304" pitchFamily="18" charset="0"/>
-                <a:ea typeface="Liberation Serif" panose="02020603050405020304" pitchFamily="18" charset="0"/>
-                <a:cs typeface="Liberation Serif" panose="02020603050405020304" pitchFamily="18" charset="0"/>
-              </a:rPr>
-              <a:t>Figura</a:t>
-            </a:r>
-            <a:r>
-              <a:rPr lang="en-US" sz="2400" dirty="0">
-                <a:solidFill>
-                  <a:srgbClr val="032539"/>
-                </a:solidFill>
-                <a:latin typeface="Liberation Serif" panose="02020603050405020304" pitchFamily="18" charset="0"/>
-                <a:ea typeface="Liberation Serif" panose="02020603050405020304" pitchFamily="18" charset="0"/>
-                <a:cs typeface="Liberation Serif" panose="02020603050405020304" pitchFamily="18" charset="0"/>
-              </a:rPr>
-              <a:t> 2: </a:t>
-            </a:r>
-            <a:r>
-              <a:rPr lang="en-US" sz="2400" dirty="0" err="1">
-                <a:solidFill>
-                  <a:srgbClr val="032539"/>
-                </a:solidFill>
-                <a:latin typeface="Liberation Serif" panose="02020603050405020304" pitchFamily="18" charset="0"/>
-                <a:ea typeface="Liberation Serif" panose="02020603050405020304" pitchFamily="18" charset="0"/>
-                <a:cs typeface="Liberation Serif" panose="02020603050405020304" pitchFamily="18" charset="0"/>
-              </a:rPr>
-              <a:t>Distribuția</a:t>
-            </a:r>
-            <a:r>
-              <a:rPr lang="en-US" sz="2400" dirty="0">
-                <a:solidFill>
-                  <a:srgbClr val="032539"/>
-                </a:solidFill>
-                <a:latin typeface="Liberation Serif" panose="02020603050405020304" pitchFamily="18" charset="0"/>
-                <a:ea typeface="Liberation Serif" panose="02020603050405020304" pitchFamily="18" charset="0"/>
-                <a:cs typeface="Liberation Serif" panose="02020603050405020304" pitchFamily="18" charset="0"/>
-              </a:rPr>
-              <a:t> </a:t>
-            </a:r>
-            <a:r>
-              <a:rPr lang="en-US" sz="2400" dirty="0" err="1">
-                <a:solidFill>
-                  <a:srgbClr val="032539"/>
-                </a:solidFill>
-                <a:latin typeface="Liberation Serif" panose="02020603050405020304" pitchFamily="18" charset="0"/>
-                <a:ea typeface="Liberation Serif" panose="02020603050405020304" pitchFamily="18" charset="0"/>
-                <a:cs typeface="Liberation Serif" panose="02020603050405020304" pitchFamily="18" charset="0"/>
-              </a:rPr>
-              <a:t>imaginilor</a:t>
-            </a:r>
-            <a:r>
-              <a:rPr lang="en-US" sz="2400" dirty="0">
-                <a:solidFill>
-                  <a:srgbClr val="032539"/>
-                </a:solidFill>
-                <a:latin typeface="Liberation Serif" panose="02020603050405020304" pitchFamily="18" charset="0"/>
-                <a:ea typeface="Liberation Serif" panose="02020603050405020304" pitchFamily="18" charset="0"/>
-                <a:cs typeface="Liberation Serif" panose="02020603050405020304" pitchFamily="18" charset="0"/>
-              </a:rPr>
-              <a:t> pe </a:t>
-            </a:r>
-            <a:r>
-              <a:rPr lang="en-US" sz="2400" dirty="0" err="1">
-                <a:solidFill>
-                  <a:srgbClr val="032539"/>
-                </a:solidFill>
-                <a:latin typeface="Liberation Serif" panose="02020603050405020304" pitchFamily="18" charset="0"/>
-                <a:ea typeface="Liberation Serif" panose="02020603050405020304" pitchFamily="18" charset="0"/>
-                <a:cs typeface="Liberation Serif" panose="02020603050405020304" pitchFamily="18" charset="0"/>
-              </a:rPr>
-              <a:t>clase</a:t>
-            </a:r>
             <a:endParaRPr lang="en-US" sz="2400" dirty="0">
               <a:solidFill>
                 <a:srgbClr val="032539"/>
@@ -9990,16 +11275,998 @@
           </a:p>
         </p:txBody>
       </p:sp>
+      <p:sp>
+        <p:nvSpPr>
+          <p:cNvPr id="11" name="Substituent conținut 13">
+            <a:extLst>
+              <a:ext uri="{FF2B5EF4-FFF2-40B4-BE49-F238E27FC236}">
+                <a16:creationId xmlns:a16="http://schemas.microsoft.com/office/drawing/2014/main" id="{998E2232-80B4-CC09-4553-703829119A95}"/>
+              </a:ext>
+            </a:extLst>
+          </p:cNvPr>
+          <p:cNvSpPr txBox="1">
+            <a:spLocks/>
+          </p:cNvSpPr>
+          <p:nvPr/>
+        </p:nvSpPr>
+        <p:spPr>
+          <a:xfrm>
+            <a:off x="1639240" y="6096000"/>
+            <a:ext cx="8797548" cy="1256514"/>
+          </a:xfrm>
+          <a:prstGeom prst="rect">
+            <a:avLst/>
+          </a:prstGeom>
+        </p:spPr>
+        <p:txBody>
+          <a:bodyPr vert="horz" lIns="91440" tIns="45720" rIns="91440" bIns="45720" rtlCol="0">
+            <a:normAutofit/>
+          </a:bodyPr>
+          <a:lstStyle>
+            <a:lvl1pPr marL="342900" indent="-342900" algn="l" defTabSz="457200" rtl="0" eaLnBrk="1" latinLnBrk="0" hangingPunct="1">
+              <a:spcBef>
+                <a:spcPts val="1000"/>
+              </a:spcBef>
+              <a:spcAft>
+                <a:spcPts val="0"/>
+              </a:spcAft>
+              <a:buClr>
+                <a:schemeClr val="accent1"/>
+              </a:buClr>
+              <a:buSzPct val="80000"/>
+              <a:buFont typeface="Wingdings 3" charset="2"/>
+              <a:buChar char=""/>
+              <a:defRPr sz="1800" kern="1200">
+                <a:solidFill>
+                  <a:schemeClr val="tx1">
+                    <a:lumMod val="75000"/>
+                    <a:lumOff val="25000"/>
+                  </a:schemeClr>
+                </a:solidFill>
+                <a:latin typeface="+mn-lt"/>
+                <a:ea typeface="+mn-ea"/>
+                <a:cs typeface="+mn-cs"/>
+              </a:defRPr>
+            </a:lvl1pPr>
+            <a:lvl2pPr marL="742950" indent="-285750" algn="l" defTabSz="457200" rtl="0" eaLnBrk="1" latinLnBrk="0" hangingPunct="1">
+              <a:spcBef>
+                <a:spcPts val="1000"/>
+              </a:spcBef>
+              <a:spcAft>
+                <a:spcPts val="0"/>
+              </a:spcAft>
+              <a:buClr>
+                <a:schemeClr val="accent1"/>
+              </a:buClr>
+              <a:buSzPct val="80000"/>
+              <a:buFont typeface="Wingdings 3" charset="2"/>
+              <a:buChar char=""/>
+              <a:defRPr sz="1600" kern="1200">
+                <a:solidFill>
+                  <a:schemeClr val="tx1">
+                    <a:lumMod val="75000"/>
+                    <a:lumOff val="25000"/>
+                  </a:schemeClr>
+                </a:solidFill>
+                <a:latin typeface="+mn-lt"/>
+                <a:ea typeface="+mn-ea"/>
+                <a:cs typeface="+mn-cs"/>
+              </a:defRPr>
+            </a:lvl2pPr>
+            <a:lvl3pPr marL="1143000" indent="-228600" algn="l" defTabSz="457200" rtl="0" eaLnBrk="1" latinLnBrk="0" hangingPunct="1">
+              <a:spcBef>
+                <a:spcPts val="1000"/>
+              </a:spcBef>
+              <a:spcAft>
+                <a:spcPts val="0"/>
+              </a:spcAft>
+              <a:buClr>
+                <a:schemeClr val="accent1"/>
+              </a:buClr>
+              <a:buSzPct val="80000"/>
+              <a:buFont typeface="Wingdings 3" charset="2"/>
+              <a:buChar char=""/>
+              <a:defRPr sz="1400" kern="1200">
+                <a:solidFill>
+                  <a:schemeClr val="tx1">
+                    <a:lumMod val="75000"/>
+                    <a:lumOff val="25000"/>
+                  </a:schemeClr>
+                </a:solidFill>
+                <a:latin typeface="+mn-lt"/>
+                <a:ea typeface="+mn-ea"/>
+                <a:cs typeface="+mn-cs"/>
+              </a:defRPr>
+            </a:lvl3pPr>
+            <a:lvl4pPr marL="1600200" indent="-228600" algn="l" defTabSz="457200" rtl="0" eaLnBrk="1" latinLnBrk="0" hangingPunct="1">
+              <a:spcBef>
+                <a:spcPts val="1000"/>
+              </a:spcBef>
+              <a:spcAft>
+                <a:spcPts val="0"/>
+              </a:spcAft>
+              <a:buClr>
+                <a:schemeClr val="accent1"/>
+              </a:buClr>
+              <a:buSzPct val="80000"/>
+              <a:buFont typeface="Wingdings 3" charset="2"/>
+              <a:buChar char=""/>
+              <a:defRPr sz="1200" kern="1200">
+                <a:solidFill>
+                  <a:schemeClr val="tx1">
+                    <a:lumMod val="75000"/>
+                    <a:lumOff val="25000"/>
+                  </a:schemeClr>
+                </a:solidFill>
+                <a:latin typeface="+mn-lt"/>
+                <a:ea typeface="+mn-ea"/>
+                <a:cs typeface="+mn-cs"/>
+              </a:defRPr>
+            </a:lvl4pPr>
+            <a:lvl5pPr marL="2057400" indent="-228600" algn="l" defTabSz="457200" rtl="0" eaLnBrk="1" latinLnBrk="0" hangingPunct="1">
+              <a:spcBef>
+                <a:spcPts val="1000"/>
+              </a:spcBef>
+              <a:spcAft>
+                <a:spcPts val="0"/>
+              </a:spcAft>
+              <a:buClr>
+                <a:schemeClr val="accent1"/>
+              </a:buClr>
+              <a:buSzPct val="80000"/>
+              <a:buFont typeface="Wingdings 3" charset="2"/>
+              <a:buChar char=""/>
+              <a:defRPr sz="1200" kern="1200">
+                <a:solidFill>
+                  <a:schemeClr val="tx1">
+                    <a:lumMod val="75000"/>
+                    <a:lumOff val="25000"/>
+                  </a:schemeClr>
+                </a:solidFill>
+                <a:latin typeface="+mn-lt"/>
+                <a:ea typeface="+mn-ea"/>
+                <a:cs typeface="+mn-cs"/>
+              </a:defRPr>
+            </a:lvl5pPr>
+            <a:lvl6pPr marL="2514600" indent="-228600" algn="l" defTabSz="457200" rtl="0" eaLnBrk="1" latinLnBrk="0" hangingPunct="1">
+              <a:spcBef>
+                <a:spcPts val="1000"/>
+              </a:spcBef>
+              <a:spcAft>
+                <a:spcPts val="0"/>
+              </a:spcAft>
+              <a:buClr>
+                <a:schemeClr val="accent1"/>
+              </a:buClr>
+              <a:buSzPct val="80000"/>
+              <a:buFont typeface="Wingdings 3" charset="2"/>
+              <a:buChar char=""/>
+              <a:defRPr sz="1200" kern="1200">
+                <a:solidFill>
+                  <a:schemeClr val="tx1">
+                    <a:lumMod val="75000"/>
+                    <a:lumOff val="25000"/>
+                  </a:schemeClr>
+                </a:solidFill>
+                <a:latin typeface="+mn-lt"/>
+                <a:ea typeface="+mn-ea"/>
+                <a:cs typeface="+mn-cs"/>
+              </a:defRPr>
+            </a:lvl6pPr>
+            <a:lvl7pPr marL="2971800" indent="-228600" algn="l" defTabSz="457200" rtl="0" eaLnBrk="1" latinLnBrk="0" hangingPunct="1">
+              <a:spcBef>
+                <a:spcPts val="1000"/>
+              </a:spcBef>
+              <a:spcAft>
+                <a:spcPts val="0"/>
+              </a:spcAft>
+              <a:buClr>
+                <a:schemeClr val="accent1"/>
+              </a:buClr>
+              <a:buSzPct val="80000"/>
+              <a:buFont typeface="Wingdings 3" charset="2"/>
+              <a:buChar char=""/>
+              <a:defRPr sz="1200" kern="1200">
+                <a:solidFill>
+                  <a:schemeClr val="tx1">
+                    <a:lumMod val="75000"/>
+                    <a:lumOff val="25000"/>
+                  </a:schemeClr>
+                </a:solidFill>
+                <a:latin typeface="+mn-lt"/>
+                <a:ea typeface="+mn-ea"/>
+                <a:cs typeface="+mn-cs"/>
+              </a:defRPr>
+            </a:lvl7pPr>
+            <a:lvl8pPr marL="3429000" indent="-228600" algn="l" defTabSz="457200" rtl="0" eaLnBrk="1" latinLnBrk="0" hangingPunct="1">
+              <a:spcBef>
+                <a:spcPts val="1000"/>
+              </a:spcBef>
+              <a:spcAft>
+                <a:spcPts val="0"/>
+              </a:spcAft>
+              <a:buClr>
+                <a:schemeClr val="accent1"/>
+              </a:buClr>
+              <a:buSzPct val="80000"/>
+              <a:buFont typeface="Wingdings 3" charset="2"/>
+              <a:buChar char=""/>
+              <a:defRPr sz="1200" kern="1200">
+                <a:solidFill>
+                  <a:schemeClr val="tx1">
+                    <a:lumMod val="75000"/>
+                    <a:lumOff val="25000"/>
+                  </a:schemeClr>
+                </a:solidFill>
+                <a:latin typeface="+mn-lt"/>
+                <a:ea typeface="+mn-ea"/>
+                <a:cs typeface="+mn-cs"/>
+              </a:defRPr>
+            </a:lvl8pPr>
+            <a:lvl9pPr marL="3886200" indent="-228600" algn="l" defTabSz="457200" rtl="0" eaLnBrk="1" latinLnBrk="0" hangingPunct="1">
+              <a:spcBef>
+                <a:spcPts val="1000"/>
+              </a:spcBef>
+              <a:spcAft>
+                <a:spcPts val="0"/>
+              </a:spcAft>
+              <a:buClr>
+                <a:schemeClr val="accent1"/>
+              </a:buClr>
+              <a:buSzPct val="80000"/>
+              <a:buFont typeface="Wingdings 3" charset="2"/>
+              <a:buChar char=""/>
+              <a:defRPr sz="1200" kern="1200">
+                <a:solidFill>
+                  <a:schemeClr val="tx1">
+                    <a:lumMod val="75000"/>
+                    <a:lumOff val="25000"/>
+                  </a:schemeClr>
+                </a:solidFill>
+                <a:latin typeface="+mn-lt"/>
+                <a:ea typeface="+mn-ea"/>
+                <a:cs typeface="+mn-cs"/>
+              </a:defRPr>
+            </a:lvl9pPr>
+          </a:lstStyle>
+          <a:p>
+            <a:pPr marL="0" indent="0" algn="ctr">
+              <a:buNone/>
+            </a:pPr>
+            <a:r>
+              <a:rPr lang="en-US" sz="2400" dirty="0" err="1">
+                <a:solidFill>
+                  <a:srgbClr val="032539"/>
+                </a:solidFill>
+                <a:latin typeface="Liberation Serif" panose="02020603050405020304" pitchFamily="18" charset="0"/>
+                <a:ea typeface="Liberation Serif" panose="02020603050405020304" pitchFamily="18" charset="0"/>
+                <a:cs typeface="Liberation Serif" panose="02020603050405020304" pitchFamily="18" charset="0"/>
+              </a:rPr>
+              <a:t>Figura</a:t>
+            </a:r>
+            <a:r>
+              <a:rPr lang="en-US" sz="2400" dirty="0">
+                <a:solidFill>
+                  <a:srgbClr val="032539"/>
+                </a:solidFill>
+                <a:latin typeface="Liberation Serif" panose="02020603050405020304" pitchFamily="18" charset="0"/>
+                <a:ea typeface="Liberation Serif" panose="02020603050405020304" pitchFamily="18" charset="0"/>
+                <a:cs typeface="Liberation Serif" panose="02020603050405020304" pitchFamily="18" charset="0"/>
+              </a:rPr>
+              <a:t> 1: </a:t>
+            </a:r>
+            <a:r>
+              <a:rPr lang="en-US" sz="2400" dirty="0" err="1">
+                <a:solidFill>
+                  <a:srgbClr val="032539"/>
+                </a:solidFill>
+                <a:latin typeface="Liberation Serif" panose="02020603050405020304" pitchFamily="18" charset="0"/>
+                <a:ea typeface="Liberation Serif" panose="02020603050405020304" pitchFamily="18" charset="0"/>
+                <a:cs typeface="Liberation Serif" panose="02020603050405020304" pitchFamily="18" charset="0"/>
+              </a:rPr>
+              <a:t>Exemple</a:t>
+            </a:r>
+            <a:r>
+              <a:rPr lang="en-US" sz="2400" dirty="0">
+                <a:solidFill>
+                  <a:srgbClr val="032539"/>
+                </a:solidFill>
+                <a:latin typeface="Liberation Serif" panose="02020603050405020304" pitchFamily="18" charset="0"/>
+                <a:ea typeface="Liberation Serif" panose="02020603050405020304" pitchFamily="18" charset="0"/>
+                <a:cs typeface="Liberation Serif" panose="02020603050405020304" pitchFamily="18" charset="0"/>
+              </a:rPr>
+              <a:t> </a:t>
+            </a:r>
+            <a:r>
+              <a:rPr lang="en-US" sz="2400" dirty="0" err="1">
+                <a:solidFill>
+                  <a:srgbClr val="032539"/>
+                </a:solidFill>
+                <a:latin typeface="Liberation Serif" panose="02020603050405020304" pitchFamily="18" charset="0"/>
+                <a:ea typeface="Liberation Serif" panose="02020603050405020304" pitchFamily="18" charset="0"/>
+                <a:cs typeface="Liberation Serif" panose="02020603050405020304" pitchFamily="18" charset="0"/>
+              </a:rPr>
+              <a:t>imagini</a:t>
+            </a:r>
+            <a:r>
+              <a:rPr lang="en-US" sz="2400" dirty="0">
+                <a:solidFill>
+                  <a:srgbClr val="032539"/>
+                </a:solidFill>
+                <a:latin typeface="Liberation Serif" panose="02020603050405020304" pitchFamily="18" charset="0"/>
+                <a:ea typeface="Liberation Serif" panose="02020603050405020304" pitchFamily="18" charset="0"/>
+                <a:cs typeface="Liberation Serif" panose="02020603050405020304" pitchFamily="18" charset="0"/>
+              </a:rPr>
+              <a:t> / </a:t>
+            </a:r>
+            <a:r>
+              <a:rPr lang="en-US" sz="2400" dirty="0" err="1">
+                <a:solidFill>
+                  <a:srgbClr val="032539"/>
+                </a:solidFill>
+                <a:latin typeface="Liberation Serif" panose="02020603050405020304" pitchFamily="18" charset="0"/>
+                <a:ea typeface="Liberation Serif" panose="02020603050405020304" pitchFamily="18" charset="0"/>
+                <a:cs typeface="Liberation Serif" panose="02020603050405020304" pitchFamily="18" charset="0"/>
+              </a:rPr>
+              <a:t>clasă</a:t>
+            </a:r>
+            <a:r>
+              <a:rPr lang="en-US" sz="2400" dirty="0">
+                <a:solidFill>
+                  <a:srgbClr val="032539"/>
+                </a:solidFill>
+                <a:latin typeface="Liberation Serif" panose="02020603050405020304" pitchFamily="18" charset="0"/>
+                <a:ea typeface="Liberation Serif" panose="02020603050405020304" pitchFamily="18" charset="0"/>
+                <a:cs typeface="Liberation Serif" panose="02020603050405020304" pitchFamily="18" charset="0"/>
+              </a:rPr>
+              <a:t> (</a:t>
+            </a:r>
+            <a:r>
+              <a:rPr lang="en-US" sz="2400" dirty="0" err="1">
+                <a:solidFill>
+                  <a:srgbClr val="032539"/>
+                </a:solidFill>
+                <a:latin typeface="Liberation Serif" panose="02020603050405020304" pitchFamily="18" charset="0"/>
+                <a:ea typeface="Liberation Serif" panose="02020603050405020304" pitchFamily="18" charset="0"/>
+                <a:cs typeface="Liberation Serif" panose="02020603050405020304" pitchFamily="18" charset="0"/>
+              </a:rPr>
+              <a:t>originale</a:t>
+            </a:r>
+            <a:r>
+              <a:rPr lang="en-US" sz="2400" dirty="0">
+                <a:solidFill>
+                  <a:srgbClr val="032539"/>
+                </a:solidFill>
+                <a:latin typeface="Liberation Serif" panose="02020603050405020304" pitchFamily="18" charset="0"/>
+                <a:ea typeface="Liberation Serif" panose="02020603050405020304" pitchFamily="18" charset="0"/>
+                <a:cs typeface="Liberation Serif" panose="02020603050405020304" pitchFamily="18" charset="0"/>
+              </a:rPr>
+              <a:t> + segmentate). </a:t>
+            </a:r>
+            <a:br>
+              <a:rPr lang="en-US" sz="2400" dirty="0">
+                <a:solidFill>
+                  <a:srgbClr val="032539"/>
+                </a:solidFill>
+                <a:latin typeface="Liberation Serif" panose="02020603050405020304" pitchFamily="18" charset="0"/>
+                <a:ea typeface="Liberation Serif" panose="02020603050405020304" pitchFamily="18" charset="0"/>
+                <a:cs typeface="Liberation Serif" panose="02020603050405020304" pitchFamily="18" charset="0"/>
+              </a:rPr>
+            </a:br>
+            <a:r>
+              <a:rPr lang="en-US" sz="2400" dirty="0" err="1">
+                <a:solidFill>
+                  <a:srgbClr val="032539"/>
+                </a:solidFill>
+                <a:latin typeface="Liberation Serif" panose="02020603050405020304" pitchFamily="18" charset="0"/>
+                <a:ea typeface="Liberation Serif" panose="02020603050405020304" pitchFamily="18" charset="0"/>
+                <a:cs typeface="Liberation Serif" panose="02020603050405020304" pitchFamily="18" charset="0"/>
+              </a:rPr>
+              <a:t>Primele</a:t>
+            </a:r>
+            <a:r>
+              <a:rPr lang="en-US" sz="2400" dirty="0">
+                <a:solidFill>
+                  <a:srgbClr val="032539"/>
+                </a:solidFill>
+                <a:latin typeface="Liberation Serif" panose="02020603050405020304" pitchFamily="18" charset="0"/>
+                <a:ea typeface="Liberation Serif" panose="02020603050405020304" pitchFamily="18" charset="0"/>
+                <a:cs typeface="Liberation Serif" panose="02020603050405020304" pitchFamily="18" charset="0"/>
+              </a:rPr>
+              <a:t> 60 </a:t>
+            </a:r>
+            <a:r>
+              <a:rPr lang="en-US" sz="2400" dirty="0" err="1">
+                <a:solidFill>
+                  <a:srgbClr val="032539"/>
+                </a:solidFill>
+                <a:latin typeface="Liberation Serif" panose="02020603050405020304" pitchFamily="18" charset="0"/>
+                <a:ea typeface="Liberation Serif" panose="02020603050405020304" pitchFamily="18" charset="0"/>
+                <a:cs typeface="Liberation Serif" panose="02020603050405020304" pitchFamily="18" charset="0"/>
+              </a:rPr>
+              <a:t>clase</a:t>
+            </a:r>
+            <a:r>
+              <a:rPr lang="en-US" sz="2400" dirty="0">
+                <a:solidFill>
+                  <a:srgbClr val="032539"/>
+                </a:solidFill>
+                <a:latin typeface="Liberation Serif" panose="02020603050405020304" pitchFamily="18" charset="0"/>
+              </a:rPr>
+              <a:t> </a:t>
+            </a:r>
+            <a:endParaRPr lang="en-US" sz="2400" dirty="0">
+              <a:solidFill>
+                <a:srgbClr val="032539"/>
+              </a:solidFill>
+              <a:latin typeface="Liberation Serif" panose="02020603050405020304" pitchFamily="18" charset="0"/>
+              <a:ea typeface="Liberation Serif" panose="02020603050405020304" pitchFamily="18" charset="0"/>
+              <a:cs typeface="Liberation Serif" panose="02020603050405020304" pitchFamily="18" charset="0"/>
+            </a:endParaRPr>
+          </a:p>
+        </p:txBody>
+      </p:sp>
+      <p:sp>
+        <p:nvSpPr>
+          <p:cNvPr id="17" name="Substituent conținut 13">
+            <a:extLst>
+              <a:ext uri="{FF2B5EF4-FFF2-40B4-BE49-F238E27FC236}">
+                <a16:creationId xmlns:a16="http://schemas.microsoft.com/office/drawing/2014/main" id="{48D89086-BE57-9F3D-40B1-B0D7F26CF518}"/>
+              </a:ext>
+            </a:extLst>
+          </p:cNvPr>
+          <p:cNvSpPr txBox="1">
+            <a:spLocks/>
+          </p:cNvSpPr>
+          <p:nvPr/>
+        </p:nvSpPr>
+        <p:spPr>
+          <a:xfrm>
+            <a:off x="7656958" y="1461989"/>
+            <a:ext cx="3394452" cy="5184836"/>
+          </a:xfrm>
+          <a:prstGeom prst="rect">
+            <a:avLst/>
+          </a:prstGeom>
+        </p:spPr>
+        <p:txBody>
+          <a:bodyPr vert="horz" lIns="91440" tIns="45720" rIns="91440" bIns="45720" rtlCol="0">
+            <a:normAutofit/>
+          </a:bodyPr>
+          <a:lstStyle>
+            <a:lvl1pPr marL="342900" indent="-342900" algn="l" defTabSz="457200" rtl="0" eaLnBrk="1" latinLnBrk="0" hangingPunct="1">
+              <a:spcBef>
+                <a:spcPts val="1000"/>
+              </a:spcBef>
+              <a:spcAft>
+                <a:spcPts val="0"/>
+              </a:spcAft>
+              <a:buClr>
+                <a:schemeClr val="accent1"/>
+              </a:buClr>
+              <a:buSzPct val="80000"/>
+              <a:buFont typeface="Wingdings 3" charset="2"/>
+              <a:buChar char=""/>
+              <a:defRPr sz="1800" kern="1200">
+                <a:solidFill>
+                  <a:schemeClr val="tx1">
+                    <a:lumMod val="75000"/>
+                    <a:lumOff val="25000"/>
+                  </a:schemeClr>
+                </a:solidFill>
+                <a:latin typeface="Liberation Serif" panose="02020603050405020304" pitchFamily="18" charset="0"/>
+                <a:ea typeface="+mn-ea"/>
+                <a:cs typeface="+mn-cs"/>
+              </a:defRPr>
+            </a:lvl1pPr>
+            <a:lvl2pPr marL="742950" indent="-285750" algn="l" defTabSz="457200" rtl="0" eaLnBrk="1" latinLnBrk="0" hangingPunct="1">
+              <a:spcBef>
+                <a:spcPts val="1000"/>
+              </a:spcBef>
+              <a:spcAft>
+                <a:spcPts val="0"/>
+              </a:spcAft>
+              <a:buClr>
+                <a:schemeClr val="accent1"/>
+              </a:buClr>
+              <a:buSzPct val="80000"/>
+              <a:buFont typeface="Wingdings 3" charset="2"/>
+              <a:buChar char=""/>
+              <a:defRPr sz="1600" kern="1200">
+                <a:solidFill>
+                  <a:schemeClr val="tx1">
+                    <a:lumMod val="75000"/>
+                    <a:lumOff val="25000"/>
+                  </a:schemeClr>
+                </a:solidFill>
+                <a:latin typeface="Liberation Serif" panose="02020603050405020304" pitchFamily="18" charset="0"/>
+                <a:ea typeface="+mn-ea"/>
+                <a:cs typeface="+mn-cs"/>
+              </a:defRPr>
+            </a:lvl2pPr>
+            <a:lvl3pPr marL="1143000" indent="-228600" algn="l" defTabSz="457200" rtl="0" eaLnBrk="1" latinLnBrk="0" hangingPunct="1">
+              <a:spcBef>
+                <a:spcPts val="1000"/>
+              </a:spcBef>
+              <a:spcAft>
+                <a:spcPts val="0"/>
+              </a:spcAft>
+              <a:buClr>
+                <a:schemeClr val="accent1"/>
+              </a:buClr>
+              <a:buSzPct val="80000"/>
+              <a:buFont typeface="Wingdings 3" charset="2"/>
+              <a:buChar char=""/>
+              <a:defRPr sz="1400" kern="1200">
+                <a:solidFill>
+                  <a:schemeClr val="tx1">
+                    <a:lumMod val="75000"/>
+                    <a:lumOff val="25000"/>
+                  </a:schemeClr>
+                </a:solidFill>
+                <a:latin typeface="Liberation Serif" panose="02020603050405020304" pitchFamily="18" charset="0"/>
+                <a:ea typeface="+mn-ea"/>
+                <a:cs typeface="+mn-cs"/>
+              </a:defRPr>
+            </a:lvl3pPr>
+            <a:lvl4pPr marL="1600200" indent="-228600" algn="l" defTabSz="457200" rtl="0" eaLnBrk="1" latinLnBrk="0" hangingPunct="1">
+              <a:spcBef>
+                <a:spcPts val="1000"/>
+              </a:spcBef>
+              <a:spcAft>
+                <a:spcPts val="0"/>
+              </a:spcAft>
+              <a:buClr>
+                <a:schemeClr val="accent1"/>
+              </a:buClr>
+              <a:buSzPct val="80000"/>
+              <a:buFont typeface="Wingdings 3" charset="2"/>
+              <a:buChar char=""/>
+              <a:defRPr sz="1200" kern="1200">
+                <a:solidFill>
+                  <a:schemeClr val="tx1">
+                    <a:lumMod val="75000"/>
+                    <a:lumOff val="25000"/>
+                  </a:schemeClr>
+                </a:solidFill>
+                <a:latin typeface="Liberation Serif" panose="02020603050405020304" pitchFamily="18" charset="0"/>
+                <a:ea typeface="+mn-ea"/>
+                <a:cs typeface="+mn-cs"/>
+              </a:defRPr>
+            </a:lvl4pPr>
+            <a:lvl5pPr marL="2057400" indent="-228600" algn="l" defTabSz="457200" rtl="0" eaLnBrk="1" latinLnBrk="0" hangingPunct="1">
+              <a:spcBef>
+                <a:spcPts val="1000"/>
+              </a:spcBef>
+              <a:spcAft>
+                <a:spcPts val="0"/>
+              </a:spcAft>
+              <a:buClr>
+                <a:schemeClr val="accent1"/>
+              </a:buClr>
+              <a:buSzPct val="80000"/>
+              <a:buFont typeface="Wingdings 3" charset="2"/>
+              <a:buChar char=""/>
+              <a:defRPr sz="1200" kern="1200">
+                <a:solidFill>
+                  <a:schemeClr val="tx1">
+                    <a:lumMod val="75000"/>
+                    <a:lumOff val="25000"/>
+                  </a:schemeClr>
+                </a:solidFill>
+                <a:latin typeface="Liberation Serif" panose="02020603050405020304" pitchFamily="18" charset="0"/>
+                <a:ea typeface="+mn-ea"/>
+                <a:cs typeface="+mn-cs"/>
+              </a:defRPr>
+            </a:lvl5pPr>
+            <a:lvl6pPr marL="2514600" indent="-228600" algn="l" defTabSz="457200" rtl="0" eaLnBrk="1" latinLnBrk="0" hangingPunct="1">
+              <a:spcBef>
+                <a:spcPts val="1000"/>
+              </a:spcBef>
+              <a:spcAft>
+                <a:spcPts val="0"/>
+              </a:spcAft>
+              <a:buClr>
+                <a:schemeClr val="accent1"/>
+              </a:buClr>
+              <a:buSzPct val="80000"/>
+              <a:buFont typeface="Wingdings 3" charset="2"/>
+              <a:buChar char=""/>
+              <a:defRPr sz="1200" kern="1200">
+                <a:solidFill>
+                  <a:schemeClr val="tx1">
+                    <a:lumMod val="75000"/>
+                    <a:lumOff val="25000"/>
+                  </a:schemeClr>
+                </a:solidFill>
+                <a:latin typeface="+mn-lt"/>
+                <a:ea typeface="+mn-ea"/>
+                <a:cs typeface="+mn-cs"/>
+              </a:defRPr>
+            </a:lvl6pPr>
+            <a:lvl7pPr marL="2971800" indent="-228600" algn="l" defTabSz="457200" rtl="0" eaLnBrk="1" latinLnBrk="0" hangingPunct="1">
+              <a:spcBef>
+                <a:spcPts val="1000"/>
+              </a:spcBef>
+              <a:spcAft>
+                <a:spcPts val="0"/>
+              </a:spcAft>
+              <a:buClr>
+                <a:schemeClr val="accent1"/>
+              </a:buClr>
+              <a:buSzPct val="80000"/>
+              <a:buFont typeface="Wingdings 3" charset="2"/>
+              <a:buChar char=""/>
+              <a:defRPr sz="1200" kern="1200">
+                <a:solidFill>
+                  <a:schemeClr val="tx1">
+                    <a:lumMod val="75000"/>
+                    <a:lumOff val="25000"/>
+                  </a:schemeClr>
+                </a:solidFill>
+                <a:latin typeface="+mn-lt"/>
+                <a:ea typeface="+mn-ea"/>
+                <a:cs typeface="+mn-cs"/>
+              </a:defRPr>
+            </a:lvl7pPr>
+            <a:lvl8pPr marL="3429000" indent="-228600" algn="l" defTabSz="457200" rtl="0" eaLnBrk="1" latinLnBrk="0" hangingPunct="1">
+              <a:spcBef>
+                <a:spcPts val="1000"/>
+              </a:spcBef>
+              <a:spcAft>
+                <a:spcPts val="0"/>
+              </a:spcAft>
+              <a:buClr>
+                <a:schemeClr val="accent1"/>
+              </a:buClr>
+              <a:buSzPct val="80000"/>
+              <a:buFont typeface="Wingdings 3" charset="2"/>
+              <a:buChar char=""/>
+              <a:defRPr sz="1200" kern="1200">
+                <a:solidFill>
+                  <a:schemeClr val="tx1">
+                    <a:lumMod val="75000"/>
+                    <a:lumOff val="25000"/>
+                  </a:schemeClr>
+                </a:solidFill>
+                <a:latin typeface="+mn-lt"/>
+                <a:ea typeface="+mn-ea"/>
+                <a:cs typeface="+mn-cs"/>
+              </a:defRPr>
+            </a:lvl8pPr>
+            <a:lvl9pPr marL="3886200" indent="-228600" algn="l" defTabSz="457200" rtl="0" eaLnBrk="1" latinLnBrk="0" hangingPunct="1">
+              <a:spcBef>
+                <a:spcPts val="1000"/>
+              </a:spcBef>
+              <a:spcAft>
+                <a:spcPts val="0"/>
+              </a:spcAft>
+              <a:buClr>
+                <a:schemeClr val="accent1"/>
+              </a:buClr>
+              <a:buSzPct val="80000"/>
+              <a:buFont typeface="Wingdings 3" charset="2"/>
+              <a:buChar char=""/>
+              <a:defRPr sz="1200" kern="1200">
+                <a:solidFill>
+                  <a:schemeClr val="tx1">
+                    <a:lumMod val="75000"/>
+                    <a:lumOff val="25000"/>
+                  </a:schemeClr>
+                </a:solidFill>
+                <a:latin typeface="+mn-lt"/>
+                <a:ea typeface="+mn-ea"/>
+                <a:cs typeface="+mn-cs"/>
+              </a:defRPr>
+            </a:lvl9pPr>
+          </a:lstStyle>
+          <a:p>
+            <a:endParaRPr lang="en-US" sz="2400" dirty="0">
+              <a:solidFill>
+                <a:srgbClr val="032539"/>
+              </a:solidFill>
+              <a:ea typeface="Liberation Serif" panose="02020603050405020304" pitchFamily="18" charset="0"/>
+              <a:cs typeface="Liberation Serif" panose="02020603050405020304" pitchFamily="18" charset="0"/>
+            </a:endParaRPr>
+          </a:p>
+        </p:txBody>
+      </p:sp>
+      <p:pic>
+        <p:nvPicPr>
+          <p:cNvPr id="5" name="Substituent conținut 4" descr="O imagine care conține veselă&#10;&#10;Descriere generată automat">
+            <a:extLst>
+              <a:ext uri="{FF2B5EF4-FFF2-40B4-BE49-F238E27FC236}">
+                <a16:creationId xmlns:a16="http://schemas.microsoft.com/office/drawing/2014/main" id="{096AD8DE-9F5A-5176-26DF-F9C5364D719A}"/>
+              </a:ext>
+            </a:extLst>
+          </p:cNvPr>
+          <p:cNvPicPr>
+            <a:picLocks noGrp="1" noChangeAspect="1"/>
+          </p:cNvPicPr>
+          <p:nvPr>
+            <p:ph idx="1"/>
+          </p:nvPr>
+        </p:nvPicPr>
+        <p:blipFill>
+          <a:blip r:embed="rId2">
+            <a:extLst>
+              <a:ext uri="{28A0092B-C50C-407E-A947-70E740481C1C}">
+                <a14:useLocalDpi xmlns:a14="http://schemas.microsoft.com/office/drawing/2010/main" val="0"/>
+              </a:ext>
+            </a:extLst>
+          </a:blip>
+          <a:stretch>
+            <a:fillRect/>
+          </a:stretch>
+        </p:blipFill>
+        <p:spPr>
+          <a:xfrm>
+            <a:off x="562488" y="634026"/>
+            <a:ext cx="11067024" cy="5533512"/>
+          </a:xfrm>
+        </p:spPr>
+      </p:pic>
+      <p:pic>
+        <p:nvPicPr>
+          <p:cNvPr id="8" name="Imagine 7">
+            <a:extLst>
+              <a:ext uri="{FF2B5EF4-FFF2-40B4-BE49-F238E27FC236}">
+                <a16:creationId xmlns:a16="http://schemas.microsoft.com/office/drawing/2014/main" id="{318CBBD9-27F9-D998-1CDE-9840A5749CE5}"/>
+              </a:ext>
+            </a:extLst>
+          </p:cNvPr>
+          <p:cNvPicPr>
+            <a:picLocks noChangeAspect="1"/>
+          </p:cNvPicPr>
+          <p:nvPr/>
+        </p:nvPicPr>
+        <p:blipFill>
+          <a:blip r:embed="rId3">
+            <a:extLst>
+              <a:ext uri="{28A0092B-C50C-407E-A947-70E740481C1C}">
+                <a14:useLocalDpi xmlns:a14="http://schemas.microsoft.com/office/drawing/2010/main" val="0"/>
+              </a:ext>
+            </a:extLst>
+          </a:blip>
+          <a:stretch>
+            <a:fillRect/>
+          </a:stretch>
+        </p:blipFill>
+        <p:spPr>
+          <a:xfrm>
+            <a:off x="562488" y="634026"/>
+            <a:ext cx="11067024" cy="5533512"/>
+          </a:xfrm>
+          <a:prstGeom prst="rect">
+            <a:avLst/>
+          </a:prstGeom>
+        </p:spPr>
+      </p:pic>
     </p:spTree>
     <p:extLst>
       <p:ext uri="{BB962C8B-B14F-4D97-AF65-F5344CB8AC3E}">
-        <p14:creationId xmlns:p14="http://schemas.microsoft.com/office/powerpoint/2010/main" val="311472600"/>
+        <p14:creationId xmlns:p14="http://schemas.microsoft.com/office/powerpoint/2010/main" val="1857916047"/>
       </p:ext>
     </p:extLst>
   </p:cSld>
   <p:clrMapOvr>
     <a:masterClrMapping/>
   </p:clrMapOvr>
+  <p:timing>
+    <p:tnLst>
+      <p:par>
+        <p:cTn id="1" dur="indefinite" restart="never" nodeType="tmRoot">
+          <p:childTnLst>
+            <p:seq concurrent="1" nextAc="seek">
+              <p:cTn id="2" dur="indefinite" nodeType="mainSeq">
+                <p:childTnLst>
+                  <p:par>
+                    <p:cTn id="3" fill="hold">
+                      <p:stCondLst>
+                        <p:cond delay="indefinite"/>
+                      </p:stCondLst>
+                      <p:childTnLst>
+                        <p:par>
+                          <p:cTn id="4" fill="hold">
+                            <p:stCondLst>
+                              <p:cond delay="0"/>
+                            </p:stCondLst>
+                            <p:childTnLst>
+                              <p:par>
+                                <p:cTn id="5" presetID="2" presetClass="entr" presetSubtype="4" fill="hold" grpId="0" nodeType="clickEffect">
+                                  <p:stCondLst>
+                                    <p:cond delay="0"/>
+                                  </p:stCondLst>
+                                  <p:childTnLst>
+                                    <p:set>
+                                      <p:cBhvr>
+                                        <p:cTn id="6" dur="1" fill="hold">
+                                          <p:stCondLst>
+                                            <p:cond delay="0"/>
+                                          </p:stCondLst>
+                                        </p:cTn>
+                                        <p:tgtEl>
+                                          <p:spTgt spid="11"/>
+                                        </p:tgtEl>
+                                        <p:attrNameLst>
+                                          <p:attrName>style.visibility</p:attrName>
+                                        </p:attrNameLst>
+                                      </p:cBhvr>
+                                      <p:to>
+                                        <p:strVal val="visible"/>
+                                      </p:to>
+                                    </p:set>
+                                    <p:anim calcmode="lin" valueType="num">
+                                      <p:cBhvr additive="base">
+                                        <p:cTn id="7" dur="500" fill="hold"/>
+                                        <p:tgtEl>
+                                          <p:spTgt spid="11"/>
+                                        </p:tgtEl>
+                                        <p:attrNameLst>
+                                          <p:attrName>ppt_x</p:attrName>
+                                        </p:attrNameLst>
+                                      </p:cBhvr>
+                                      <p:tavLst>
+                                        <p:tav tm="0">
+                                          <p:val>
+                                            <p:strVal val="#ppt_x"/>
+                                          </p:val>
+                                        </p:tav>
+                                        <p:tav tm="100000">
+                                          <p:val>
+                                            <p:strVal val="#ppt_x"/>
+                                          </p:val>
+                                        </p:tav>
+                                      </p:tavLst>
+                                    </p:anim>
+                                    <p:anim calcmode="lin" valueType="num">
+                                      <p:cBhvr additive="base">
+                                        <p:cTn id="8" dur="500" fill="hold"/>
+                                        <p:tgtEl>
+                                          <p:spTgt spid="11"/>
+                                        </p:tgtEl>
+                                        <p:attrNameLst>
+                                          <p:attrName>ppt_y</p:attrName>
+                                        </p:attrNameLst>
+                                      </p:cBhvr>
+                                      <p:tavLst>
+                                        <p:tav tm="0">
+                                          <p:val>
+                                            <p:strVal val="1+#ppt_h/2"/>
+                                          </p:val>
+                                        </p:tav>
+                                        <p:tav tm="100000">
+                                          <p:val>
+                                            <p:strVal val="#ppt_y"/>
+                                          </p:val>
+                                        </p:tav>
+                                      </p:tavLst>
+                                    </p:anim>
+                                  </p:childTnLst>
+                                </p:cTn>
+                              </p:par>
+                            </p:childTnLst>
+                          </p:cTn>
+                        </p:par>
+                      </p:childTnLst>
+                    </p:cTn>
+                  </p:par>
+                  <p:par>
+                    <p:cTn id="9" fill="hold">
+                      <p:stCondLst>
+                        <p:cond delay="indefinite"/>
+                      </p:stCondLst>
+                      <p:childTnLst>
+                        <p:par>
+                          <p:cTn id="10" fill="hold">
+                            <p:stCondLst>
+                              <p:cond delay="0"/>
+                            </p:stCondLst>
+                            <p:childTnLst>
+                              <p:par>
+                                <p:cTn id="11" presetID="2" presetClass="entr" presetSubtype="4" fill="hold" nodeType="clickEffect">
+                                  <p:stCondLst>
+                                    <p:cond delay="0"/>
+                                  </p:stCondLst>
+                                  <p:childTnLst>
+                                    <p:set>
+                                      <p:cBhvr>
+                                        <p:cTn id="12" dur="1" fill="hold">
+                                          <p:stCondLst>
+                                            <p:cond delay="0"/>
+                                          </p:stCondLst>
+                                        </p:cTn>
+                                        <p:tgtEl>
+                                          <p:spTgt spid="8"/>
+                                        </p:tgtEl>
+                                        <p:attrNameLst>
+                                          <p:attrName>style.visibility</p:attrName>
+                                        </p:attrNameLst>
+                                      </p:cBhvr>
+                                      <p:to>
+                                        <p:strVal val="visible"/>
+                                      </p:to>
+                                    </p:set>
+                                    <p:anim calcmode="lin" valueType="num">
+                                      <p:cBhvr additive="base">
+                                        <p:cTn id="13" dur="500" fill="hold"/>
+                                        <p:tgtEl>
+                                          <p:spTgt spid="8"/>
+                                        </p:tgtEl>
+                                        <p:attrNameLst>
+                                          <p:attrName>ppt_x</p:attrName>
+                                        </p:attrNameLst>
+                                      </p:cBhvr>
+                                      <p:tavLst>
+                                        <p:tav tm="0">
+                                          <p:val>
+                                            <p:strVal val="#ppt_x"/>
+                                          </p:val>
+                                        </p:tav>
+                                        <p:tav tm="100000">
+                                          <p:val>
+                                            <p:strVal val="#ppt_x"/>
+                                          </p:val>
+                                        </p:tav>
+                                      </p:tavLst>
+                                    </p:anim>
+                                    <p:anim calcmode="lin" valueType="num">
+                                      <p:cBhvr additive="base">
+                                        <p:cTn id="14" dur="500" fill="hold"/>
+                                        <p:tgtEl>
+                                          <p:spTgt spid="8"/>
+                                        </p:tgtEl>
+                                        <p:attrNameLst>
+                                          <p:attrName>ppt_y</p:attrName>
+                                        </p:attrNameLst>
+                                      </p:cBhvr>
+                                      <p:tavLst>
+                                        <p:tav tm="0">
+                                          <p:val>
+                                            <p:strVal val="1+#ppt_h/2"/>
+                                          </p:val>
+                                        </p:tav>
+                                        <p:tav tm="100000">
+                                          <p:val>
+                                            <p:strVal val="#ppt_y"/>
+                                          </p:val>
+                                        </p:tav>
+                                      </p:tavLst>
+                                    </p:anim>
+                                  </p:childTnLst>
+                                </p:cTn>
+                              </p:par>
+                            </p:childTnLst>
+                          </p:cTn>
+                        </p:par>
+                      </p:childTnLst>
+                    </p:cTn>
+                  </p:par>
+                </p:childTnLst>
+              </p:cTn>
+              <p:prevCondLst>
+                <p:cond evt="onPrev" delay="0">
+                  <p:tgtEl>
+                    <p:sldTgt/>
+                  </p:tgtEl>
+                </p:cond>
+              </p:prevCondLst>
+              <p:nextCondLst>
+                <p:cond evt="onNext" delay="0">
+                  <p:tgtEl>
+                    <p:sldTgt/>
+                  </p:tgtEl>
+                </p:cond>
+              </p:nextCondLst>
+            </p:seq>
+          </p:childTnLst>
+        </p:cTn>
+      </p:par>
+    </p:tnLst>
+    <p:bldLst>
+      <p:bldP spid="11" grpId="0"/>
+    </p:bldLst>
+  </p:timing>
 </p:sld>
 </file>
 
@@ -10092,10 +12359,10 @@
       </p:sp>
       <p:sp>
         <p:nvSpPr>
-          <p:cNvPr id="15" name="Substituent conținut 13">
+          <p:cNvPr id="10" name="Substituent conținut 2">
             <a:extLst>
               <a:ext uri="{FF2B5EF4-FFF2-40B4-BE49-F238E27FC236}">
-                <a16:creationId xmlns:a16="http://schemas.microsoft.com/office/drawing/2014/main" id="{AF0260AF-57C1-92B5-AC4C-4F86D19AB7DE}"/>
+                <a16:creationId xmlns:a16="http://schemas.microsoft.com/office/drawing/2014/main" id="{B55EA090-3722-43A0-B1AF-D53E4C025031}"/>
               </a:ext>
             </a:extLst>
           </p:cNvPr>
@@ -10106,8 +12373,8 @@
         </p:nvSpPr>
         <p:spPr>
           <a:xfrm>
-            <a:off x="2266602" y="6098396"/>
-            <a:ext cx="7658795" cy="759604"/>
+            <a:off x="387913" y="857156"/>
+            <a:ext cx="10515600" cy="4351338"/>
           </a:xfrm>
           <a:prstGeom prst="rect">
             <a:avLst/>
@@ -10345,54 +12612,9 @@
             </a:lvl9pPr>
           </a:lstStyle>
           <a:p>
-            <a:pPr marL="0" indent="0" algn="ctr">
-              <a:buNone/>
-            </a:pPr>
-            <a:r>
-              <a:rPr lang="en-US" sz="2400" dirty="0" err="1">
-                <a:solidFill>
-                  <a:srgbClr val="032539"/>
-                </a:solidFill>
-                <a:latin typeface="Liberation Serif" panose="02020603050405020304" pitchFamily="18" charset="0"/>
-                <a:ea typeface="Liberation Serif" panose="02020603050405020304" pitchFamily="18" charset="0"/>
-                <a:cs typeface="Liberation Serif" panose="02020603050405020304" pitchFamily="18" charset="0"/>
-              </a:rPr>
-              <a:t>Figura</a:t>
-            </a:r>
-            <a:r>
-              <a:rPr lang="en-US" sz="2400" dirty="0">
-                <a:solidFill>
-                  <a:srgbClr val="032539"/>
-                </a:solidFill>
-                <a:latin typeface="Liberation Serif" panose="02020603050405020304" pitchFamily="18" charset="0"/>
-                <a:ea typeface="Liberation Serif" panose="02020603050405020304" pitchFamily="18" charset="0"/>
-                <a:cs typeface="Liberation Serif" panose="02020603050405020304" pitchFamily="18" charset="0"/>
-              </a:rPr>
-              <a:t> 3:  Media </a:t>
-            </a:r>
-            <a:r>
-              <a:rPr lang="ro-RO" sz="2400" dirty="0">
-                <a:solidFill>
-                  <a:srgbClr val="032539"/>
-                </a:solidFill>
-                <a:latin typeface="Liberation Serif" panose="02020603050405020304" pitchFamily="18" charset="0"/>
-                <a:ea typeface="Liberation Serif" panose="02020603050405020304" pitchFamily="18" charset="0"/>
-                <a:cs typeface="Liberation Serif" panose="02020603050405020304" pitchFamily="18" charset="0"/>
-              </a:rPr>
-              <a:t>în funcție de imagine</a:t>
-            </a:r>
-            <a:endParaRPr lang="en-US" sz="2400" dirty="0">
-              <a:solidFill>
-                <a:srgbClr val="032539"/>
-              </a:solidFill>
-              <a:latin typeface="Liberation Serif" panose="02020603050405020304" pitchFamily="18" charset="0"/>
-              <a:ea typeface="Liberation Serif" panose="02020603050405020304" pitchFamily="18" charset="0"/>
-              <a:cs typeface="Liberation Serif" panose="02020603050405020304" pitchFamily="18" charset="0"/>
-            </a:endParaRPr>
-          </a:p>
-          <a:p>
-            <a:pPr marL="0" indent="0" algn="ctr">
-              <a:buNone/>
+            <a:pPr marL="457200" indent="-457200">
+              <a:buFont typeface="+mj-lt"/>
+              <a:buAutoNum type="arabicPeriod"/>
             </a:pPr>
             <a:endParaRPr lang="en-US" sz="2400" dirty="0">
               <a:solidFill>
@@ -10407,10 +12629,10 @@
       </p:sp>
       <p:sp>
         <p:nvSpPr>
-          <p:cNvPr id="2" name="Substituent conținut 13">
+          <p:cNvPr id="11" name="Substituent conținut 13">
             <a:extLst>
               <a:ext uri="{FF2B5EF4-FFF2-40B4-BE49-F238E27FC236}">
-                <a16:creationId xmlns:a16="http://schemas.microsoft.com/office/drawing/2014/main" id="{8700D5C2-1D10-D8DE-14A0-57125A92E80B}"/>
+                <a16:creationId xmlns:a16="http://schemas.microsoft.com/office/drawing/2014/main" id="{998E2232-80B4-CC09-4553-703829119A95}"/>
               </a:ext>
             </a:extLst>
           </p:cNvPr>
@@ -10421,8 +12643,8 @@
         </p:nvSpPr>
         <p:spPr>
           <a:xfrm>
-            <a:off x="332496" y="229529"/>
-            <a:ext cx="7658795" cy="1256514"/>
+            <a:off x="1639240" y="6096000"/>
+            <a:ext cx="8797548" cy="1256514"/>
           </a:xfrm>
           <a:prstGeom prst="rect">
             <a:avLst/>
@@ -10660,11 +12882,11 @@
             </a:lvl9pPr>
           </a:lstStyle>
           <a:p>
-            <a:pPr marL="0" indent="0">
+            <a:pPr marL="0" indent="0" algn="ctr">
               <a:buNone/>
             </a:pPr>
             <a:r>
-              <a:rPr lang="en-US" sz="2400" dirty="0">
+              <a:rPr lang="en-US" sz="2400" dirty="0" err="1">
                 <a:solidFill>
                   <a:srgbClr val="032539"/>
                 </a:solidFill>
@@ -10672,24 +12894,461 @@
                 <a:ea typeface="Liberation Serif" panose="02020603050405020304" pitchFamily="18" charset="0"/>
                 <a:cs typeface="Liberation Serif" panose="02020603050405020304" pitchFamily="18" charset="0"/>
               </a:rPr>
-              <a:t> MEDIA IMAGINILOR PENTRU SETUL DE DATE</a:t>
-            </a:r>
+              <a:t>Figura</a:t>
+            </a:r>
+            <a:r>
+              <a:rPr lang="en-US" sz="2400" dirty="0">
+                <a:solidFill>
+                  <a:srgbClr val="032539"/>
+                </a:solidFill>
+                <a:latin typeface="Liberation Serif" panose="02020603050405020304" pitchFamily="18" charset="0"/>
+                <a:ea typeface="Liberation Serif" panose="02020603050405020304" pitchFamily="18" charset="0"/>
+                <a:cs typeface="Liberation Serif" panose="02020603050405020304" pitchFamily="18" charset="0"/>
+              </a:rPr>
+              <a:t> 1: </a:t>
+            </a:r>
+            <a:r>
+              <a:rPr lang="en-US" sz="2400" dirty="0" err="1">
+                <a:solidFill>
+                  <a:srgbClr val="032539"/>
+                </a:solidFill>
+                <a:latin typeface="Liberation Serif" panose="02020603050405020304" pitchFamily="18" charset="0"/>
+                <a:ea typeface="Liberation Serif" panose="02020603050405020304" pitchFamily="18" charset="0"/>
+                <a:cs typeface="Liberation Serif" panose="02020603050405020304" pitchFamily="18" charset="0"/>
+              </a:rPr>
+              <a:t>Exemple</a:t>
+            </a:r>
+            <a:r>
+              <a:rPr lang="en-US" sz="2400" dirty="0">
+                <a:solidFill>
+                  <a:srgbClr val="032539"/>
+                </a:solidFill>
+                <a:latin typeface="Liberation Serif" panose="02020603050405020304" pitchFamily="18" charset="0"/>
+                <a:ea typeface="Liberation Serif" panose="02020603050405020304" pitchFamily="18" charset="0"/>
+                <a:cs typeface="Liberation Serif" panose="02020603050405020304" pitchFamily="18" charset="0"/>
+              </a:rPr>
+              <a:t> </a:t>
+            </a:r>
+            <a:r>
+              <a:rPr lang="en-US" sz="2400" dirty="0" err="1">
+                <a:solidFill>
+                  <a:srgbClr val="032539"/>
+                </a:solidFill>
+                <a:latin typeface="Liberation Serif" panose="02020603050405020304" pitchFamily="18" charset="0"/>
+                <a:ea typeface="Liberation Serif" panose="02020603050405020304" pitchFamily="18" charset="0"/>
+                <a:cs typeface="Liberation Serif" panose="02020603050405020304" pitchFamily="18" charset="0"/>
+              </a:rPr>
+              <a:t>imagini</a:t>
+            </a:r>
+            <a:r>
+              <a:rPr lang="en-US" sz="2400" dirty="0">
+                <a:solidFill>
+                  <a:srgbClr val="032539"/>
+                </a:solidFill>
+                <a:latin typeface="Liberation Serif" panose="02020603050405020304" pitchFamily="18" charset="0"/>
+                <a:ea typeface="Liberation Serif" panose="02020603050405020304" pitchFamily="18" charset="0"/>
+                <a:cs typeface="Liberation Serif" panose="02020603050405020304" pitchFamily="18" charset="0"/>
+              </a:rPr>
+              <a:t> / </a:t>
+            </a:r>
+            <a:r>
+              <a:rPr lang="en-US" sz="2400" dirty="0" err="1">
+                <a:solidFill>
+                  <a:srgbClr val="032539"/>
+                </a:solidFill>
+                <a:latin typeface="Liberation Serif" panose="02020603050405020304" pitchFamily="18" charset="0"/>
+                <a:ea typeface="Liberation Serif" panose="02020603050405020304" pitchFamily="18" charset="0"/>
+                <a:cs typeface="Liberation Serif" panose="02020603050405020304" pitchFamily="18" charset="0"/>
+              </a:rPr>
+              <a:t>clasă</a:t>
+            </a:r>
+            <a:r>
+              <a:rPr lang="en-US" sz="2400" dirty="0">
+                <a:solidFill>
+                  <a:srgbClr val="032539"/>
+                </a:solidFill>
+                <a:latin typeface="Liberation Serif" panose="02020603050405020304" pitchFamily="18" charset="0"/>
+                <a:ea typeface="Liberation Serif" panose="02020603050405020304" pitchFamily="18" charset="0"/>
+                <a:cs typeface="Liberation Serif" panose="02020603050405020304" pitchFamily="18" charset="0"/>
+              </a:rPr>
+              <a:t> (</a:t>
+            </a:r>
+            <a:r>
+              <a:rPr lang="en-US" sz="2400" dirty="0" err="1">
+                <a:solidFill>
+                  <a:srgbClr val="032539"/>
+                </a:solidFill>
+                <a:latin typeface="Liberation Serif" panose="02020603050405020304" pitchFamily="18" charset="0"/>
+                <a:ea typeface="Liberation Serif" panose="02020603050405020304" pitchFamily="18" charset="0"/>
+                <a:cs typeface="Liberation Serif" panose="02020603050405020304" pitchFamily="18" charset="0"/>
+              </a:rPr>
+              <a:t>originale</a:t>
+            </a:r>
+            <a:r>
+              <a:rPr lang="en-US" sz="2400" dirty="0">
+                <a:solidFill>
+                  <a:srgbClr val="032539"/>
+                </a:solidFill>
+                <a:latin typeface="Liberation Serif" panose="02020603050405020304" pitchFamily="18" charset="0"/>
+                <a:ea typeface="Liberation Serif" panose="02020603050405020304" pitchFamily="18" charset="0"/>
+                <a:cs typeface="Liberation Serif" panose="02020603050405020304" pitchFamily="18" charset="0"/>
+              </a:rPr>
+              <a:t> + segmentate)</a:t>
+            </a:r>
+            <a:br>
+              <a:rPr lang="en-US" sz="2400" dirty="0">
+                <a:solidFill>
+                  <a:srgbClr val="032539"/>
+                </a:solidFill>
+                <a:latin typeface="Liberation Serif" panose="02020603050405020304" pitchFamily="18" charset="0"/>
+                <a:ea typeface="Liberation Serif" panose="02020603050405020304" pitchFamily="18" charset="0"/>
+                <a:cs typeface="Liberation Serif" panose="02020603050405020304" pitchFamily="18" charset="0"/>
+              </a:rPr>
+            </a:br>
+            <a:r>
+              <a:rPr lang="en-US" sz="2400" dirty="0">
+                <a:solidFill>
+                  <a:srgbClr val="032539"/>
+                </a:solidFill>
+                <a:latin typeface="Liberation Serif" panose="02020603050405020304" pitchFamily="18" charset="0"/>
+                <a:ea typeface="Liberation Serif" panose="02020603050405020304" pitchFamily="18" charset="0"/>
+                <a:cs typeface="Liberation Serif" panose="02020603050405020304" pitchFamily="18" charset="0"/>
+              </a:rPr>
+              <a:t> </a:t>
+            </a:r>
+            <a:r>
+              <a:rPr lang="en-US" sz="2400" dirty="0" err="1">
+                <a:solidFill>
+                  <a:srgbClr val="032539"/>
+                </a:solidFill>
+                <a:latin typeface="Liberation Serif" panose="02020603050405020304" pitchFamily="18" charset="0"/>
+                <a:ea typeface="Liberation Serif" panose="02020603050405020304" pitchFamily="18" charset="0"/>
+                <a:cs typeface="Liberation Serif" panose="02020603050405020304" pitchFamily="18" charset="0"/>
+              </a:rPr>
+              <a:t>Ultimele</a:t>
+            </a:r>
+            <a:r>
+              <a:rPr lang="en-US" sz="2400" dirty="0">
+                <a:solidFill>
+                  <a:srgbClr val="032539"/>
+                </a:solidFill>
+                <a:latin typeface="Liberation Serif" panose="02020603050405020304" pitchFamily="18" charset="0"/>
+                <a:ea typeface="Liberation Serif" panose="02020603050405020304" pitchFamily="18" charset="0"/>
+                <a:cs typeface="Liberation Serif" panose="02020603050405020304" pitchFamily="18" charset="0"/>
+              </a:rPr>
+              <a:t> 60 </a:t>
+            </a:r>
+            <a:r>
+              <a:rPr lang="en-US" sz="2400" dirty="0" err="1">
+                <a:solidFill>
+                  <a:srgbClr val="032539"/>
+                </a:solidFill>
+                <a:latin typeface="Liberation Serif" panose="02020603050405020304" pitchFamily="18" charset="0"/>
+                <a:ea typeface="Liberation Serif" panose="02020603050405020304" pitchFamily="18" charset="0"/>
+                <a:cs typeface="Liberation Serif" panose="02020603050405020304" pitchFamily="18" charset="0"/>
+              </a:rPr>
+              <a:t>clase</a:t>
+            </a:r>
+            <a:r>
+              <a:rPr lang="en-US" sz="2400" dirty="0">
+                <a:solidFill>
+                  <a:srgbClr val="032539"/>
+                </a:solidFill>
+                <a:latin typeface="Liberation Serif" panose="02020603050405020304" pitchFamily="18" charset="0"/>
+              </a:rPr>
+              <a:t> </a:t>
+            </a:r>
+            <a:endParaRPr lang="en-US" sz="2400" dirty="0">
+              <a:solidFill>
+                <a:srgbClr val="032539"/>
+              </a:solidFill>
+              <a:latin typeface="Liberation Serif" panose="02020603050405020304" pitchFamily="18" charset="0"/>
+              <a:ea typeface="Liberation Serif" panose="02020603050405020304" pitchFamily="18" charset="0"/>
+              <a:cs typeface="Liberation Serif" panose="02020603050405020304" pitchFamily="18" charset="0"/>
+            </a:endParaRPr>
+          </a:p>
+        </p:txBody>
+      </p:sp>
+      <p:sp>
+        <p:nvSpPr>
+          <p:cNvPr id="17" name="Substituent conținut 13">
+            <a:extLst>
+              <a:ext uri="{FF2B5EF4-FFF2-40B4-BE49-F238E27FC236}">
+                <a16:creationId xmlns:a16="http://schemas.microsoft.com/office/drawing/2014/main" id="{48D89086-BE57-9F3D-40B1-B0D7F26CF518}"/>
+              </a:ext>
+            </a:extLst>
+          </p:cNvPr>
+          <p:cNvSpPr txBox="1">
+            <a:spLocks/>
+          </p:cNvSpPr>
+          <p:nvPr/>
+        </p:nvSpPr>
+        <p:spPr>
+          <a:xfrm>
+            <a:off x="7656958" y="1461989"/>
+            <a:ext cx="3394452" cy="5184836"/>
+          </a:xfrm>
+          <a:prstGeom prst="rect">
+            <a:avLst/>
+          </a:prstGeom>
+        </p:spPr>
+        <p:txBody>
+          <a:bodyPr vert="horz" lIns="91440" tIns="45720" rIns="91440" bIns="45720" rtlCol="0">
+            <a:normAutofit/>
+          </a:bodyPr>
+          <a:lstStyle>
+            <a:lvl1pPr marL="342900" indent="-342900" algn="l" defTabSz="457200" rtl="0" eaLnBrk="1" latinLnBrk="0" hangingPunct="1">
+              <a:spcBef>
+                <a:spcPts val="1000"/>
+              </a:spcBef>
+              <a:spcAft>
+                <a:spcPts val="0"/>
+              </a:spcAft>
+              <a:buClr>
+                <a:schemeClr val="accent1"/>
+              </a:buClr>
+              <a:buSzPct val="80000"/>
+              <a:buFont typeface="Wingdings 3" charset="2"/>
+              <a:buChar char=""/>
+              <a:defRPr sz="1800" kern="1200">
+                <a:solidFill>
+                  <a:schemeClr val="tx1">
+                    <a:lumMod val="75000"/>
+                    <a:lumOff val="25000"/>
+                  </a:schemeClr>
+                </a:solidFill>
+                <a:latin typeface="Liberation Serif" panose="02020603050405020304" pitchFamily="18" charset="0"/>
+                <a:ea typeface="+mn-ea"/>
+                <a:cs typeface="+mn-cs"/>
+              </a:defRPr>
+            </a:lvl1pPr>
+            <a:lvl2pPr marL="742950" indent="-285750" algn="l" defTabSz="457200" rtl="0" eaLnBrk="1" latinLnBrk="0" hangingPunct="1">
+              <a:spcBef>
+                <a:spcPts val="1000"/>
+              </a:spcBef>
+              <a:spcAft>
+                <a:spcPts val="0"/>
+              </a:spcAft>
+              <a:buClr>
+                <a:schemeClr val="accent1"/>
+              </a:buClr>
+              <a:buSzPct val="80000"/>
+              <a:buFont typeface="Wingdings 3" charset="2"/>
+              <a:buChar char=""/>
+              <a:defRPr sz="1600" kern="1200">
+                <a:solidFill>
+                  <a:schemeClr val="tx1">
+                    <a:lumMod val="75000"/>
+                    <a:lumOff val="25000"/>
+                  </a:schemeClr>
+                </a:solidFill>
+                <a:latin typeface="Liberation Serif" panose="02020603050405020304" pitchFamily="18" charset="0"/>
+                <a:ea typeface="+mn-ea"/>
+                <a:cs typeface="+mn-cs"/>
+              </a:defRPr>
+            </a:lvl2pPr>
+            <a:lvl3pPr marL="1143000" indent="-228600" algn="l" defTabSz="457200" rtl="0" eaLnBrk="1" latinLnBrk="0" hangingPunct="1">
+              <a:spcBef>
+                <a:spcPts val="1000"/>
+              </a:spcBef>
+              <a:spcAft>
+                <a:spcPts val="0"/>
+              </a:spcAft>
+              <a:buClr>
+                <a:schemeClr val="accent1"/>
+              </a:buClr>
+              <a:buSzPct val="80000"/>
+              <a:buFont typeface="Wingdings 3" charset="2"/>
+              <a:buChar char=""/>
+              <a:defRPr sz="1400" kern="1200">
+                <a:solidFill>
+                  <a:schemeClr val="tx1">
+                    <a:lumMod val="75000"/>
+                    <a:lumOff val="25000"/>
+                  </a:schemeClr>
+                </a:solidFill>
+                <a:latin typeface="Liberation Serif" panose="02020603050405020304" pitchFamily="18" charset="0"/>
+                <a:ea typeface="+mn-ea"/>
+                <a:cs typeface="+mn-cs"/>
+              </a:defRPr>
+            </a:lvl3pPr>
+            <a:lvl4pPr marL="1600200" indent="-228600" algn="l" defTabSz="457200" rtl="0" eaLnBrk="1" latinLnBrk="0" hangingPunct="1">
+              <a:spcBef>
+                <a:spcPts val="1000"/>
+              </a:spcBef>
+              <a:spcAft>
+                <a:spcPts val="0"/>
+              </a:spcAft>
+              <a:buClr>
+                <a:schemeClr val="accent1"/>
+              </a:buClr>
+              <a:buSzPct val="80000"/>
+              <a:buFont typeface="Wingdings 3" charset="2"/>
+              <a:buChar char=""/>
+              <a:defRPr sz="1200" kern="1200">
+                <a:solidFill>
+                  <a:schemeClr val="tx1">
+                    <a:lumMod val="75000"/>
+                    <a:lumOff val="25000"/>
+                  </a:schemeClr>
+                </a:solidFill>
+                <a:latin typeface="Liberation Serif" panose="02020603050405020304" pitchFamily="18" charset="0"/>
+                <a:ea typeface="+mn-ea"/>
+                <a:cs typeface="+mn-cs"/>
+              </a:defRPr>
+            </a:lvl4pPr>
+            <a:lvl5pPr marL="2057400" indent="-228600" algn="l" defTabSz="457200" rtl="0" eaLnBrk="1" latinLnBrk="0" hangingPunct="1">
+              <a:spcBef>
+                <a:spcPts val="1000"/>
+              </a:spcBef>
+              <a:spcAft>
+                <a:spcPts val="0"/>
+              </a:spcAft>
+              <a:buClr>
+                <a:schemeClr val="accent1"/>
+              </a:buClr>
+              <a:buSzPct val="80000"/>
+              <a:buFont typeface="Wingdings 3" charset="2"/>
+              <a:buChar char=""/>
+              <a:defRPr sz="1200" kern="1200">
+                <a:solidFill>
+                  <a:schemeClr val="tx1">
+                    <a:lumMod val="75000"/>
+                    <a:lumOff val="25000"/>
+                  </a:schemeClr>
+                </a:solidFill>
+                <a:latin typeface="Liberation Serif" panose="02020603050405020304" pitchFamily="18" charset="0"/>
+                <a:ea typeface="+mn-ea"/>
+                <a:cs typeface="+mn-cs"/>
+              </a:defRPr>
+            </a:lvl5pPr>
+            <a:lvl6pPr marL="2514600" indent="-228600" algn="l" defTabSz="457200" rtl="0" eaLnBrk="1" latinLnBrk="0" hangingPunct="1">
+              <a:spcBef>
+                <a:spcPts val="1000"/>
+              </a:spcBef>
+              <a:spcAft>
+                <a:spcPts val="0"/>
+              </a:spcAft>
+              <a:buClr>
+                <a:schemeClr val="accent1"/>
+              </a:buClr>
+              <a:buSzPct val="80000"/>
+              <a:buFont typeface="Wingdings 3" charset="2"/>
+              <a:buChar char=""/>
+              <a:defRPr sz="1200" kern="1200">
+                <a:solidFill>
+                  <a:schemeClr val="tx1">
+                    <a:lumMod val="75000"/>
+                    <a:lumOff val="25000"/>
+                  </a:schemeClr>
+                </a:solidFill>
+                <a:latin typeface="+mn-lt"/>
+                <a:ea typeface="+mn-ea"/>
+                <a:cs typeface="+mn-cs"/>
+              </a:defRPr>
+            </a:lvl6pPr>
+            <a:lvl7pPr marL="2971800" indent="-228600" algn="l" defTabSz="457200" rtl="0" eaLnBrk="1" latinLnBrk="0" hangingPunct="1">
+              <a:spcBef>
+                <a:spcPts val="1000"/>
+              </a:spcBef>
+              <a:spcAft>
+                <a:spcPts val="0"/>
+              </a:spcAft>
+              <a:buClr>
+                <a:schemeClr val="accent1"/>
+              </a:buClr>
+              <a:buSzPct val="80000"/>
+              <a:buFont typeface="Wingdings 3" charset="2"/>
+              <a:buChar char=""/>
+              <a:defRPr sz="1200" kern="1200">
+                <a:solidFill>
+                  <a:schemeClr val="tx1">
+                    <a:lumMod val="75000"/>
+                    <a:lumOff val="25000"/>
+                  </a:schemeClr>
+                </a:solidFill>
+                <a:latin typeface="+mn-lt"/>
+                <a:ea typeface="+mn-ea"/>
+                <a:cs typeface="+mn-cs"/>
+              </a:defRPr>
+            </a:lvl7pPr>
+            <a:lvl8pPr marL="3429000" indent="-228600" algn="l" defTabSz="457200" rtl="0" eaLnBrk="1" latinLnBrk="0" hangingPunct="1">
+              <a:spcBef>
+                <a:spcPts val="1000"/>
+              </a:spcBef>
+              <a:spcAft>
+                <a:spcPts val="0"/>
+              </a:spcAft>
+              <a:buClr>
+                <a:schemeClr val="accent1"/>
+              </a:buClr>
+              <a:buSzPct val="80000"/>
+              <a:buFont typeface="Wingdings 3" charset="2"/>
+              <a:buChar char=""/>
+              <a:defRPr sz="1200" kern="1200">
+                <a:solidFill>
+                  <a:schemeClr val="tx1">
+                    <a:lumMod val="75000"/>
+                    <a:lumOff val="25000"/>
+                  </a:schemeClr>
+                </a:solidFill>
+                <a:latin typeface="+mn-lt"/>
+                <a:ea typeface="+mn-ea"/>
+                <a:cs typeface="+mn-cs"/>
+              </a:defRPr>
+            </a:lvl8pPr>
+            <a:lvl9pPr marL="3886200" indent="-228600" algn="l" defTabSz="457200" rtl="0" eaLnBrk="1" latinLnBrk="0" hangingPunct="1">
+              <a:spcBef>
+                <a:spcPts val="1000"/>
+              </a:spcBef>
+              <a:spcAft>
+                <a:spcPts val="0"/>
+              </a:spcAft>
+              <a:buClr>
+                <a:schemeClr val="accent1"/>
+              </a:buClr>
+              <a:buSzPct val="80000"/>
+              <a:buFont typeface="Wingdings 3" charset="2"/>
+              <a:buChar char=""/>
+              <a:defRPr sz="1200" kern="1200">
+                <a:solidFill>
+                  <a:schemeClr val="tx1">
+                    <a:lumMod val="75000"/>
+                    <a:lumOff val="25000"/>
+                  </a:schemeClr>
+                </a:solidFill>
+                <a:latin typeface="+mn-lt"/>
+                <a:ea typeface="+mn-ea"/>
+                <a:cs typeface="+mn-cs"/>
+              </a:defRPr>
+            </a:lvl9pPr>
+          </a:lstStyle>
+          <a:p>
+            <a:endParaRPr lang="en-US" sz="2400" dirty="0">
+              <a:solidFill>
+                <a:srgbClr val="032539"/>
+              </a:solidFill>
+              <a:ea typeface="Liberation Serif" panose="02020603050405020304" pitchFamily="18" charset="0"/>
+              <a:cs typeface="Liberation Serif" panose="02020603050405020304" pitchFamily="18" charset="0"/>
+            </a:endParaRPr>
           </a:p>
         </p:txBody>
       </p:sp>
       <p:pic>
         <p:nvPicPr>
-          <p:cNvPr id="8" name="Imagine 7">
+          <p:cNvPr id="13" name="Substituent conținut 12">
             <a:extLst>
               <a:ext uri="{FF2B5EF4-FFF2-40B4-BE49-F238E27FC236}">
-                <a16:creationId xmlns:a16="http://schemas.microsoft.com/office/drawing/2014/main" id="{AE7C6840-8E50-7EEC-A658-E1F85D39F868}"/>
+                <a16:creationId xmlns:a16="http://schemas.microsoft.com/office/drawing/2014/main" id="{2F7245D6-C66C-4054-21B4-167C84DF9D17}"/>
               </a:ext>
             </a:extLst>
           </p:cNvPr>
           <p:cNvPicPr>
-            <a:picLocks noChangeAspect="1"/>
+            <a:picLocks noGrp="1" noChangeAspect="1"/>
           </p:cNvPicPr>
-          <p:nvPr/>
+          <p:nvPr>
+            <p:ph idx="1"/>
+          </p:nvPr>
         </p:nvPicPr>
         <p:blipFill>
           <a:blip r:embed="rId2">
@@ -10705,8 +13364,41 @@
         </p:blipFill>
         <p:spPr>
           <a:xfrm>
-            <a:off x="2854960" y="791282"/>
-            <a:ext cx="6482080" cy="4861560"/>
+            <a:off x="387912" y="461614"/>
+            <a:ext cx="11067024" cy="5533512"/>
+          </a:xfrm>
+        </p:spPr>
+      </p:pic>
+      <p:pic>
+        <p:nvPicPr>
+          <p:cNvPr id="16" name="Imagine 15">
+            <a:extLst>
+              <a:ext uri="{FF2B5EF4-FFF2-40B4-BE49-F238E27FC236}">
+                <a16:creationId xmlns:a16="http://schemas.microsoft.com/office/drawing/2014/main" id="{03842848-FA8E-0F1F-CB13-97CDC7BA78B8}"/>
+              </a:ext>
+            </a:extLst>
+          </p:cNvPr>
+          <p:cNvPicPr>
+            <a:picLocks noChangeAspect="1"/>
+          </p:cNvPicPr>
+          <p:nvPr/>
+        </p:nvPicPr>
+        <p:blipFill>
+          <a:blip r:embed="rId3">
+            <a:extLst>
+              <a:ext uri="{28A0092B-C50C-407E-A947-70E740481C1C}">
+                <a14:useLocalDpi xmlns:a14="http://schemas.microsoft.com/office/drawing/2010/main" val="0"/>
+              </a:ext>
+            </a:extLst>
+          </a:blip>
+          <a:stretch>
+            <a:fillRect/>
+          </a:stretch>
+        </p:blipFill>
+        <p:spPr>
+          <a:xfrm>
+            <a:off x="387912" y="471954"/>
+            <a:ext cx="11067024" cy="5533512"/>
           </a:xfrm>
           <a:prstGeom prst="rect">
             <a:avLst/>
@@ -10716,13 +13408,228 @@
     </p:spTree>
     <p:extLst>
       <p:ext uri="{BB962C8B-B14F-4D97-AF65-F5344CB8AC3E}">
-        <p14:creationId xmlns:p14="http://schemas.microsoft.com/office/powerpoint/2010/main" val="2625575477"/>
+        <p14:creationId xmlns:p14="http://schemas.microsoft.com/office/powerpoint/2010/main" val="3167789623"/>
       </p:ext>
     </p:extLst>
   </p:cSld>
   <p:clrMapOvr>
     <a:masterClrMapping/>
   </p:clrMapOvr>
+  <p:timing>
+    <p:tnLst>
+      <p:par>
+        <p:cTn id="1" dur="indefinite" restart="never" nodeType="tmRoot">
+          <p:childTnLst>
+            <p:seq concurrent="1" nextAc="seek">
+              <p:cTn id="2" dur="indefinite" nodeType="mainSeq">
+                <p:childTnLst>
+                  <p:par>
+                    <p:cTn id="3" fill="hold">
+                      <p:stCondLst>
+                        <p:cond delay="indefinite"/>
+                      </p:stCondLst>
+                      <p:childTnLst>
+                        <p:par>
+                          <p:cTn id="4" fill="hold">
+                            <p:stCondLst>
+                              <p:cond delay="0"/>
+                            </p:stCondLst>
+                            <p:childTnLst>
+                              <p:par>
+                                <p:cTn id="5" presetID="2" presetClass="entr" presetSubtype="4" fill="hold" grpId="0" nodeType="clickEffect">
+                                  <p:stCondLst>
+                                    <p:cond delay="0"/>
+                                  </p:stCondLst>
+                                  <p:childTnLst>
+                                    <p:set>
+                                      <p:cBhvr>
+                                        <p:cTn id="6" dur="1" fill="hold">
+                                          <p:stCondLst>
+                                            <p:cond delay="0"/>
+                                          </p:stCondLst>
+                                        </p:cTn>
+                                        <p:tgtEl>
+                                          <p:spTgt spid="11"/>
+                                        </p:tgtEl>
+                                        <p:attrNameLst>
+                                          <p:attrName>style.visibility</p:attrName>
+                                        </p:attrNameLst>
+                                      </p:cBhvr>
+                                      <p:to>
+                                        <p:strVal val="visible"/>
+                                      </p:to>
+                                    </p:set>
+                                    <p:anim calcmode="lin" valueType="num">
+                                      <p:cBhvr additive="base">
+                                        <p:cTn id="7" dur="500" fill="hold"/>
+                                        <p:tgtEl>
+                                          <p:spTgt spid="11"/>
+                                        </p:tgtEl>
+                                        <p:attrNameLst>
+                                          <p:attrName>ppt_x</p:attrName>
+                                        </p:attrNameLst>
+                                      </p:cBhvr>
+                                      <p:tavLst>
+                                        <p:tav tm="0">
+                                          <p:val>
+                                            <p:strVal val="#ppt_x"/>
+                                          </p:val>
+                                        </p:tav>
+                                        <p:tav tm="100000">
+                                          <p:val>
+                                            <p:strVal val="#ppt_x"/>
+                                          </p:val>
+                                        </p:tav>
+                                      </p:tavLst>
+                                    </p:anim>
+                                    <p:anim calcmode="lin" valueType="num">
+                                      <p:cBhvr additive="base">
+                                        <p:cTn id="8" dur="500" fill="hold"/>
+                                        <p:tgtEl>
+                                          <p:spTgt spid="11"/>
+                                        </p:tgtEl>
+                                        <p:attrNameLst>
+                                          <p:attrName>ppt_y</p:attrName>
+                                        </p:attrNameLst>
+                                      </p:cBhvr>
+                                      <p:tavLst>
+                                        <p:tav tm="0">
+                                          <p:val>
+                                            <p:strVal val="1+#ppt_h/2"/>
+                                          </p:val>
+                                        </p:tav>
+                                        <p:tav tm="100000">
+                                          <p:val>
+                                            <p:strVal val="#ppt_y"/>
+                                          </p:val>
+                                        </p:tav>
+                                      </p:tavLst>
+                                    </p:anim>
+                                  </p:childTnLst>
+                                </p:cTn>
+                              </p:par>
+                            </p:childTnLst>
+                          </p:cTn>
+                        </p:par>
+                      </p:childTnLst>
+                    </p:cTn>
+                  </p:par>
+                  <p:par>
+                    <p:cTn id="9" fill="hold">
+                      <p:stCondLst>
+                        <p:cond delay="indefinite"/>
+                      </p:stCondLst>
+                      <p:childTnLst>
+                        <p:par>
+                          <p:cTn id="10" fill="hold">
+                            <p:stCondLst>
+                              <p:cond delay="0"/>
+                            </p:stCondLst>
+                            <p:childTnLst>
+                              <p:par>
+                                <p:cTn id="11" presetID="2" presetClass="entr" presetSubtype="4" fill="hold" nodeType="clickEffect">
+                                  <p:stCondLst>
+                                    <p:cond delay="0"/>
+                                  </p:stCondLst>
+                                  <p:childTnLst>
+                                    <p:set>
+                                      <p:cBhvr>
+                                        <p:cTn id="12" dur="1" fill="hold">
+                                          <p:stCondLst>
+                                            <p:cond delay="0"/>
+                                          </p:stCondLst>
+                                        </p:cTn>
+                                        <p:tgtEl>
+                                          <p:spTgt spid="16"/>
+                                        </p:tgtEl>
+                                        <p:attrNameLst>
+                                          <p:attrName>style.visibility</p:attrName>
+                                        </p:attrNameLst>
+                                      </p:cBhvr>
+                                      <p:to>
+                                        <p:strVal val="visible"/>
+                                      </p:to>
+                                    </p:set>
+                                    <p:anim calcmode="lin" valueType="num">
+                                      <p:cBhvr additive="base">
+                                        <p:cTn id="13" dur="500" fill="hold"/>
+                                        <p:tgtEl>
+                                          <p:spTgt spid="16"/>
+                                        </p:tgtEl>
+                                        <p:attrNameLst>
+                                          <p:attrName>ppt_x</p:attrName>
+                                        </p:attrNameLst>
+                                      </p:cBhvr>
+                                      <p:tavLst>
+                                        <p:tav tm="0">
+                                          <p:val>
+                                            <p:strVal val="#ppt_x"/>
+                                          </p:val>
+                                        </p:tav>
+                                        <p:tav tm="100000">
+                                          <p:val>
+                                            <p:strVal val="#ppt_x"/>
+                                          </p:val>
+                                        </p:tav>
+                                      </p:tavLst>
+                                    </p:anim>
+                                    <p:anim calcmode="lin" valueType="num">
+                                      <p:cBhvr additive="base">
+                                        <p:cTn id="14" dur="500" fill="hold"/>
+                                        <p:tgtEl>
+                                          <p:spTgt spid="16"/>
+                                        </p:tgtEl>
+                                        <p:attrNameLst>
+                                          <p:attrName>ppt_y</p:attrName>
+                                        </p:attrNameLst>
+                                      </p:cBhvr>
+                                      <p:tavLst>
+                                        <p:tav tm="0">
+                                          <p:val>
+                                            <p:strVal val="1+#ppt_h/2"/>
+                                          </p:val>
+                                        </p:tav>
+                                        <p:tav tm="100000">
+                                          <p:val>
+                                            <p:strVal val="#ppt_y"/>
+                                          </p:val>
+                                        </p:tav>
+                                      </p:tavLst>
+                                    </p:anim>
+                                  </p:childTnLst>
+                                </p:cTn>
+                              </p:par>
+                            </p:childTnLst>
+                          </p:cTn>
+                        </p:par>
+                      </p:childTnLst>
+                    </p:cTn>
+                  </p:par>
+                </p:childTnLst>
+              </p:cTn>
+              <p:prevCondLst>
+                <p:cond evt="onPrev" delay="0">
+                  <p:tgtEl>
+                    <p:sldTgt/>
+                  </p:tgtEl>
+                </p:cond>
+              </p:prevCondLst>
+              <p:nextCondLst>
+                <p:cond evt="onNext" delay="0">
+                  <p:tgtEl>
+                    <p:sldTgt/>
+                  </p:tgtEl>
+                </p:cond>
+              </p:nextCondLst>
+            </p:seq>
+          </p:childTnLst>
+        </p:cTn>
+      </p:par>
+    </p:tnLst>
+    <p:bldLst>
+      <p:bldP spid="11" grpId="0"/>
+    </p:bldLst>
+  </p:timing>
 </p:sld>
 </file>
 
@@ -10813,6 +13720,41 @@
           </a:p>
         </p:txBody>
       </p:sp>
+      <p:pic>
+        <p:nvPicPr>
+          <p:cNvPr id="3" name="Imagine 2">
+            <a:extLst>
+              <a:ext uri="{FF2B5EF4-FFF2-40B4-BE49-F238E27FC236}">
+                <a16:creationId xmlns:a16="http://schemas.microsoft.com/office/drawing/2014/main" id="{8EA15EE3-9624-2CC6-83C0-642497FC54AC}"/>
+              </a:ext>
+            </a:extLst>
+          </p:cNvPr>
+          <p:cNvPicPr>
+            <a:picLocks noChangeAspect="1"/>
+          </p:cNvPicPr>
+          <p:nvPr/>
+        </p:nvPicPr>
+        <p:blipFill>
+          <a:blip r:embed="rId2">
+            <a:extLst>
+              <a:ext uri="{28A0092B-C50C-407E-A947-70E740481C1C}">
+                <a14:useLocalDpi xmlns:a14="http://schemas.microsoft.com/office/drawing/2010/main" val="0"/>
+              </a:ext>
+            </a:extLst>
+          </a:blip>
+          <a:srcRect/>
+          <a:stretch/>
+        </p:blipFill>
+        <p:spPr>
+          <a:xfrm>
+            <a:off x="0" y="0"/>
+            <a:ext cx="12192000" cy="6096000"/>
+          </a:xfrm>
+          <a:prstGeom prst="rect">
+            <a:avLst/>
+          </a:prstGeom>
+        </p:spPr>
+      </p:pic>
       <p:sp>
         <p:nvSpPr>
           <p:cNvPr id="15" name="Substituent conținut 13">
@@ -10829,8 +13771,8 @@
         </p:nvSpPr>
         <p:spPr>
           <a:xfrm>
-            <a:off x="2266602" y="6098396"/>
-            <a:ext cx="7658795" cy="759604"/>
+            <a:off x="2144137" y="6066718"/>
+            <a:ext cx="7658795" cy="1256514"/>
           </a:xfrm>
           <a:prstGeom prst="rect">
             <a:avLst/>
@@ -11091,10 +14033,10 @@
                 <a:ea typeface="Liberation Serif" panose="02020603050405020304" pitchFamily="18" charset="0"/>
                 <a:cs typeface="Liberation Serif" panose="02020603050405020304" pitchFamily="18" charset="0"/>
               </a:rPr>
-              <a:t> </a:t>
-            </a:r>
-            <a:r>
-              <a:rPr lang="ro-RO" sz="2400" dirty="0">
+              <a:t> 2: </a:t>
+            </a:r>
+            <a:r>
+              <a:rPr lang="en-US" sz="2400" dirty="0" err="1">
                 <a:solidFill>
                   <a:srgbClr val="032539"/>
                 </a:solidFill>
@@ -11102,7 +14044,7 @@
                 <a:ea typeface="Liberation Serif" panose="02020603050405020304" pitchFamily="18" charset="0"/>
                 <a:cs typeface="Liberation Serif" panose="02020603050405020304" pitchFamily="18" charset="0"/>
               </a:rPr>
-              <a:t>4</a:t>
+              <a:t>Distribuția</a:t>
             </a:r>
             <a:r>
               <a:rPr lang="en-US" sz="2400" dirty="0">
@@ -11113,10 +14055,10 @@
                 <a:ea typeface="Liberation Serif" panose="02020603050405020304" pitchFamily="18" charset="0"/>
                 <a:cs typeface="Liberation Serif" panose="02020603050405020304" pitchFamily="18" charset="0"/>
               </a:rPr>
-              <a:t>:  Media </a:t>
-            </a:r>
-            <a:r>
-              <a:rPr lang="ro-RO" sz="2400" dirty="0">
+              <a:t> </a:t>
+            </a:r>
+            <a:r>
+              <a:rPr lang="en-US" sz="2400" dirty="0" err="1">
                 <a:solidFill>
                   <a:srgbClr val="032539"/>
                 </a:solidFill>
@@ -11124,7 +14066,29 @@
                 <a:ea typeface="Liberation Serif" panose="02020603050405020304" pitchFamily="18" charset="0"/>
                 <a:cs typeface="Liberation Serif" panose="02020603050405020304" pitchFamily="18" charset="0"/>
               </a:rPr>
-              <a:t>imaginilor grupate pe clase</a:t>
+              <a:t>imaginilor</a:t>
+            </a:r>
+            <a:r>
+              <a:rPr lang="en-US" sz="2400" dirty="0">
+                <a:solidFill>
+                  <a:srgbClr val="032539"/>
+                </a:solidFill>
+                <a:latin typeface="Liberation Serif" panose="02020603050405020304" pitchFamily="18" charset="0"/>
+                <a:ea typeface="Liberation Serif" panose="02020603050405020304" pitchFamily="18" charset="0"/>
+                <a:cs typeface="Liberation Serif" panose="02020603050405020304" pitchFamily="18" charset="0"/>
+              </a:rPr>
+              <a:t> pe </a:t>
+            </a:r>
+            <a:r>
+              <a:rPr lang="en-US" sz="2400" dirty="0" err="1">
+                <a:solidFill>
+                  <a:srgbClr val="032539"/>
+                </a:solidFill>
+                <a:latin typeface="Liberation Serif" panose="02020603050405020304" pitchFamily="18" charset="0"/>
+                <a:ea typeface="Liberation Serif" panose="02020603050405020304" pitchFamily="18" charset="0"/>
+                <a:cs typeface="Liberation Serif" panose="02020603050405020304" pitchFamily="18" charset="0"/>
+              </a:rPr>
+              <a:t>clase</a:t>
             </a:r>
             <a:endParaRPr lang="en-US" sz="2400" dirty="0">
               <a:solidFill>
@@ -11135,388 +14099,12 @@
               <a:cs typeface="Liberation Serif" panose="02020603050405020304" pitchFamily="18" charset="0"/>
             </a:endParaRPr>
           </a:p>
-          <a:p>
-            <a:pPr marL="0" indent="0" algn="ctr">
-              <a:buNone/>
-            </a:pPr>
-            <a:endParaRPr lang="en-US" sz="2400" dirty="0">
-              <a:solidFill>
-                <a:srgbClr val="032539"/>
-              </a:solidFill>
-              <a:latin typeface="Liberation Serif" panose="02020603050405020304" pitchFamily="18" charset="0"/>
-              <a:ea typeface="Liberation Serif" panose="02020603050405020304" pitchFamily="18" charset="0"/>
-              <a:cs typeface="Liberation Serif" panose="02020603050405020304" pitchFamily="18" charset="0"/>
-            </a:endParaRPr>
-          </a:p>
         </p:txBody>
       </p:sp>
-      <p:sp>
-        <p:nvSpPr>
-          <p:cNvPr id="2" name="Substituent conținut 13">
-            <a:extLst>
-              <a:ext uri="{FF2B5EF4-FFF2-40B4-BE49-F238E27FC236}">
-                <a16:creationId xmlns:a16="http://schemas.microsoft.com/office/drawing/2014/main" id="{8700D5C2-1D10-D8DE-14A0-57125A92E80B}"/>
-              </a:ext>
-            </a:extLst>
-          </p:cNvPr>
-          <p:cNvSpPr txBox="1">
-            <a:spLocks/>
-          </p:cNvSpPr>
-          <p:nvPr/>
-        </p:nvSpPr>
-        <p:spPr>
-          <a:xfrm>
-            <a:off x="332496" y="229529"/>
-            <a:ext cx="9032484" cy="1256514"/>
-          </a:xfrm>
-          <a:prstGeom prst="rect">
-            <a:avLst/>
-          </a:prstGeom>
-        </p:spPr>
-        <p:txBody>
-          <a:bodyPr vert="horz" lIns="91440" tIns="45720" rIns="91440" bIns="45720" rtlCol="0">
-            <a:normAutofit/>
-          </a:bodyPr>
-          <a:lstStyle>
-            <a:lvl1pPr marL="342900" indent="-342900" algn="l" defTabSz="457200" rtl="0" eaLnBrk="1" latinLnBrk="0" hangingPunct="1">
-              <a:spcBef>
-                <a:spcPts val="1000"/>
-              </a:spcBef>
-              <a:spcAft>
-                <a:spcPts val="0"/>
-              </a:spcAft>
-              <a:buClr>
-                <a:schemeClr val="accent1"/>
-              </a:buClr>
-              <a:buSzPct val="80000"/>
-              <a:buFont typeface="Wingdings 3" charset="2"/>
-              <a:buChar char=""/>
-              <a:defRPr sz="1800" kern="1200">
-                <a:solidFill>
-                  <a:schemeClr val="tx1">
-                    <a:lumMod val="75000"/>
-                    <a:lumOff val="25000"/>
-                  </a:schemeClr>
-                </a:solidFill>
-                <a:latin typeface="+mn-lt"/>
-                <a:ea typeface="+mn-ea"/>
-                <a:cs typeface="+mn-cs"/>
-              </a:defRPr>
-            </a:lvl1pPr>
-            <a:lvl2pPr marL="742950" indent="-285750" algn="l" defTabSz="457200" rtl="0" eaLnBrk="1" latinLnBrk="0" hangingPunct="1">
-              <a:spcBef>
-                <a:spcPts val="1000"/>
-              </a:spcBef>
-              <a:spcAft>
-                <a:spcPts val="0"/>
-              </a:spcAft>
-              <a:buClr>
-                <a:schemeClr val="accent1"/>
-              </a:buClr>
-              <a:buSzPct val="80000"/>
-              <a:buFont typeface="Wingdings 3" charset="2"/>
-              <a:buChar char=""/>
-              <a:defRPr sz="1600" kern="1200">
-                <a:solidFill>
-                  <a:schemeClr val="tx1">
-                    <a:lumMod val="75000"/>
-                    <a:lumOff val="25000"/>
-                  </a:schemeClr>
-                </a:solidFill>
-                <a:latin typeface="+mn-lt"/>
-                <a:ea typeface="+mn-ea"/>
-                <a:cs typeface="+mn-cs"/>
-              </a:defRPr>
-            </a:lvl2pPr>
-            <a:lvl3pPr marL="1143000" indent="-228600" algn="l" defTabSz="457200" rtl="0" eaLnBrk="1" latinLnBrk="0" hangingPunct="1">
-              <a:spcBef>
-                <a:spcPts val="1000"/>
-              </a:spcBef>
-              <a:spcAft>
-                <a:spcPts val="0"/>
-              </a:spcAft>
-              <a:buClr>
-                <a:schemeClr val="accent1"/>
-              </a:buClr>
-              <a:buSzPct val="80000"/>
-              <a:buFont typeface="Wingdings 3" charset="2"/>
-              <a:buChar char=""/>
-              <a:defRPr sz="1400" kern="1200">
-                <a:solidFill>
-                  <a:schemeClr val="tx1">
-                    <a:lumMod val="75000"/>
-                    <a:lumOff val="25000"/>
-                  </a:schemeClr>
-                </a:solidFill>
-                <a:latin typeface="+mn-lt"/>
-                <a:ea typeface="+mn-ea"/>
-                <a:cs typeface="+mn-cs"/>
-              </a:defRPr>
-            </a:lvl3pPr>
-            <a:lvl4pPr marL="1600200" indent="-228600" algn="l" defTabSz="457200" rtl="0" eaLnBrk="1" latinLnBrk="0" hangingPunct="1">
-              <a:spcBef>
-                <a:spcPts val="1000"/>
-              </a:spcBef>
-              <a:spcAft>
-                <a:spcPts val="0"/>
-              </a:spcAft>
-              <a:buClr>
-                <a:schemeClr val="accent1"/>
-              </a:buClr>
-              <a:buSzPct val="80000"/>
-              <a:buFont typeface="Wingdings 3" charset="2"/>
-              <a:buChar char=""/>
-              <a:defRPr sz="1200" kern="1200">
-                <a:solidFill>
-                  <a:schemeClr val="tx1">
-                    <a:lumMod val="75000"/>
-                    <a:lumOff val="25000"/>
-                  </a:schemeClr>
-                </a:solidFill>
-                <a:latin typeface="+mn-lt"/>
-                <a:ea typeface="+mn-ea"/>
-                <a:cs typeface="+mn-cs"/>
-              </a:defRPr>
-            </a:lvl4pPr>
-            <a:lvl5pPr marL="2057400" indent="-228600" algn="l" defTabSz="457200" rtl="0" eaLnBrk="1" latinLnBrk="0" hangingPunct="1">
-              <a:spcBef>
-                <a:spcPts val="1000"/>
-              </a:spcBef>
-              <a:spcAft>
-                <a:spcPts val="0"/>
-              </a:spcAft>
-              <a:buClr>
-                <a:schemeClr val="accent1"/>
-              </a:buClr>
-              <a:buSzPct val="80000"/>
-              <a:buFont typeface="Wingdings 3" charset="2"/>
-              <a:buChar char=""/>
-              <a:defRPr sz="1200" kern="1200">
-                <a:solidFill>
-                  <a:schemeClr val="tx1">
-                    <a:lumMod val="75000"/>
-                    <a:lumOff val="25000"/>
-                  </a:schemeClr>
-                </a:solidFill>
-                <a:latin typeface="+mn-lt"/>
-                <a:ea typeface="+mn-ea"/>
-                <a:cs typeface="+mn-cs"/>
-              </a:defRPr>
-            </a:lvl5pPr>
-            <a:lvl6pPr marL="2514600" indent="-228600" algn="l" defTabSz="457200" rtl="0" eaLnBrk="1" latinLnBrk="0" hangingPunct="1">
-              <a:spcBef>
-                <a:spcPts val="1000"/>
-              </a:spcBef>
-              <a:spcAft>
-                <a:spcPts val="0"/>
-              </a:spcAft>
-              <a:buClr>
-                <a:schemeClr val="accent1"/>
-              </a:buClr>
-              <a:buSzPct val="80000"/>
-              <a:buFont typeface="Wingdings 3" charset="2"/>
-              <a:buChar char=""/>
-              <a:defRPr sz="1200" kern="1200">
-                <a:solidFill>
-                  <a:schemeClr val="tx1">
-                    <a:lumMod val="75000"/>
-                    <a:lumOff val="25000"/>
-                  </a:schemeClr>
-                </a:solidFill>
-                <a:latin typeface="+mn-lt"/>
-                <a:ea typeface="+mn-ea"/>
-                <a:cs typeface="+mn-cs"/>
-              </a:defRPr>
-            </a:lvl6pPr>
-            <a:lvl7pPr marL="2971800" indent="-228600" algn="l" defTabSz="457200" rtl="0" eaLnBrk="1" latinLnBrk="0" hangingPunct="1">
-              <a:spcBef>
-                <a:spcPts val="1000"/>
-              </a:spcBef>
-              <a:spcAft>
-                <a:spcPts val="0"/>
-              </a:spcAft>
-              <a:buClr>
-                <a:schemeClr val="accent1"/>
-              </a:buClr>
-              <a:buSzPct val="80000"/>
-              <a:buFont typeface="Wingdings 3" charset="2"/>
-              <a:buChar char=""/>
-              <a:defRPr sz="1200" kern="1200">
-                <a:solidFill>
-                  <a:schemeClr val="tx1">
-                    <a:lumMod val="75000"/>
-                    <a:lumOff val="25000"/>
-                  </a:schemeClr>
-                </a:solidFill>
-                <a:latin typeface="+mn-lt"/>
-                <a:ea typeface="+mn-ea"/>
-                <a:cs typeface="+mn-cs"/>
-              </a:defRPr>
-            </a:lvl7pPr>
-            <a:lvl8pPr marL="3429000" indent="-228600" algn="l" defTabSz="457200" rtl="0" eaLnBrk="1" latinLnBrk="0" hangingPunct="1">
-              <a:spcBef>
-                <a:spcPts val="1000"/>
-              </a:spcBef>
-              <a:spcAft>
-                <a:spcPts val="0"/>
-              </a:spcAft>
-              <a:buClr>
-                <a:schemeClr val="accent1"/>
-              </a:buClr>
-              <a:buSzPct val="80000"/>
-              <a:buFont typeface="Wingdings 3" charset="2"/>
-              <a:buChar char=""/>
-              <a:defRPr sz="1200" kern="1200">
-                <a:solidFill>
-                  <a:schemeClr val="tx1">
-                    <a:lumMod val="75000"/>
-                    <a:lumOff val="25000"/>
-                  </a:schemeClr>
-                </a:solidFill>
-                <a:latin typeface="+mn-lt"/>
-                <a:ea typeface="+mn-ea"/>
-                <a:cs typeface="+mn-cs"/>
-              </a:defRPr>
-            </a:lvl8pPr>
-            <a:lvl9pPr marL="3886200" indent="-228600" algn="l" defTabSz="457200" rtl="0" eaLnBrk="1" latinLnBrk="0" hangingPunct="1">
-              <a:spcBef>
-                <a:spcPts val="1000"/>
-              </a:spcBef>
-              <a:spcAft>
-                <a:spcPts val="0"/>
-              </a:spcAft>
-              <a:buClr>
-                <a:schemeClr val="accent1"/>
-              </a:buClr>
-              <a:buSzPct val="80000"/>
-              <a:buFont typeface="Wingdings 3" charset="2"/>
-              <a:buChar char=""/>
-              <a:defRPr sz="1200" kern="1200">
-                <a:solidFill>
-                  <a:schemeClr val="tx1">
-                    <a:lumMod val="75000"/>
-                    <a:lumOff val="25000"/>
-                  </a:schemeClr>
-                </a:solidFill>
-                <a:latin typeface="+mn-lt"/>
-                <a:ea typeface="+mn-ea"/>
-                <a:cs typeface="+mn-cs"/>
-              </a:defRPr>
-            </a:lvl9pPr>
-          </a:lstStyle>
-          <a:p>
-            <a:pPr marL="0" indent="0">
-              <a:buNone/>
-            </a:pPr>
-            <a:r>
-              <a:rPr lang="en-US" sz="2400" dirty="0">
-                <a:solidFill>
-                  <a:srgbClr val="032539"/>
-                </a:solidFill>
-                <a:latin typeface="Liberation Serif" panose="02020603050405020304" pitchFamily="18" charset="0"/>
-                <a:ea typeface="Liberation Serif" panose="02020603050405020304" pitchFamily="18" charset="0"/>
-                <a:cs typeface="Liberation Serif" panose="02020603050405020304" pitchFamily="18" charset="0"/>
-              </a:rPr>
-              <a:t> MEDIA </a:t>
-            </a:r>
-            <a:r>
-              <a:rPr lang="ro-RO" sz="2400" dirty="0">
-                <a:solidFill>
-                  <a:srgbClr val="032539"/>
-                </a:solidFill>
-                <a:latin typeface="Liberation Serif" panose="02020603050405020304" pitchFamily="18" charset="0"/>
-                <a:ea typeface="Liberation Serif" panose="02020603050405020304" pitchFamily="18" charset="0"/>
-                <a:cs typeface="Liberation Serif" panose="02020603050405020304" pitchFamily="18" charset="0"/>
-              </a:rPr>
-              <a:t>ÎN FUNCȚIE DE CLASĂ</a:t>
-            </a:r>
-            <a:endParaRPr lang="en-US" sz="2400" dirty="0">
-              <a:solidFill>
-                <a:srgbClr val="032539"/>
-              </a:solidFill>
-              <a:latin typeface="Liberation Serif" panose="02020603050405020304" pitchFamily="18" charset="0"/>
-              <a:ea typeface="Liberation Serif" panose="02020603050405020304" pitchFamily="18" charset="0"/>
-              <a:cs typeface="Liberation Serif" panose="02020603050405020304" pitchFamily="18" charset="0"/>
-            </a:endParaRPr>
-          </a:p>
-        </p:txBody>
-      </p:sp>
-      <p:pic>
-        <p:nvPicPr>
-          <p:cNvPr id="10" name="Imagine 9">
-            <a:extLst>
-              <a:ext uri="{FF2B5EF4-FFF2-40B4-BE49-F238E27FC236}">
-                <a16:creationId xmlns:a16="http://schemas.microsoft.com/office/drawing/2014/main" id="{2F850069-B875-B173-CB15-ADBC99AE5301}"/>
-              </a:ext>
-            </a:extLst>
-          </p:cNvPr>
-          <p:cNvPicPr>
-            <a:picLocks noChangeAspect="1"/>
-          </p:cNvPicPr>
-          <p:nvPr/>
-        </p:nvPicPr>
-        <p:blipFill>
-          <a:blip r:embed="rId2">
-            <a:extLst>
-              <a:ext uri="{28A0092B-C50C-407E-A947-70E740481C1C}">
-                <a14:useLocalDpi xmlns:a14="http://schemas.microsoft.com/office/drawing/2010/main" val="0"/>
-              </a:ext>
-            </a:extLst>
-          </a:blip>
-          <a:stretch>
-            <a:fillRect/>
-          </a:stretch>
-        </p:blipFill>
-        <p:spPr>
-          <a:xfrm>
-            <a:off x="4889410" y="183884"/>
-            <a:ext cx="2413177" cy="607398"/>
-          </a:xfrm>
-          <a:prstGeom prst="rect">
-            <a:avLst/>
-          </a:prstGeom>
-        </p:spPr>
-      </p:pic>
-      <p:pic>
-        <p:nvPicPr>
-          <p:cNvPr id="12" name="Imagine 11">
-            <a:extLst>
-              <a:ext uri="{FF2B5EF4-FFF2-40B4-BE49-F238E27FC236}">
-                <a16:creationId xmlns:a16="http://schemas.microsoft.com/office/drawing/2014/main" id="{09B494EA-E1FE-C730-89E1-8FC7655B3484}"/>
-              </a:ext>
-            </a:extLst>
-          </p:cNvPr>
-          <p:cNvPicPr>
-            <a:picLocks noChangeAspect="1"/>
-          </p:cNvPicPr>
-          <p:nvPr/>
-        </p:nvPicPr>
-        <p:blipFill>
-          <a:blip r:embed="rId3">
-            <a:extLst>
-              <a:ext uri="{28A0092B-C50C-407E-A947-70E740481C1C}">
-                <a14:useLocalDpi xmlns:a14="http://schemas.microsoft.com/office/drawing/2010/main" val="0"/>
-              </a:ext>
-            </a:extLst>
-          </a:blip>
-          <a:stretch>
-            <a:fillRect/>
-          </a:stretch>
-        </p:blipFill>
-        <p:spPr>
-          <a:xfrm>
-            <a:off x="2710905" y="857786"/>
-            <a:ext cx="6287952" cy="4715964"/>
-          </a:xfrm>
-          <a:prstGeom prst="rect">
-            <a:avLst/>
-          </a:prstGeom>
-        </p:spPr>
-      </p:pic>
     </p:spTree>
     <p:extLst>
       <p:ext uri="{BB962C8B-B14F-4D97-AF65-F5344CB8AC3E}">
-        <p14:creationId xmlns:p14="http://schemas.microsoft.com/office/powerpoint/2010/main" val="2742443660"/>
+        <p14:creationId xmlns:p14="http://schemas.microsoft.com/office/powerpoint/2010/main" val="311472600"/>
       </p:ext>
     </p:extLst>
   </p:cSld>
@@ -11629,8 +14217,8 @@
         </p:nvSpPr>
         <p:spPr>
           <a:xfrm>
-            <a:off x="2092028" y="6131561"/>
-            <a:ext cx="7658795" cy="726439"/>
+            <a:off x="2266602" y="6098396"/>
+            <a:ext cx="7658795" cy="759604"/>
           </a:xfrm>
           <a:prstGeom prst="rect">
             <a:avLst/>
@@ -11891,51 +14479,7 @@
                 <a:ea typeface="Liberation Serif" panose="02020603050405020304" pitchFamily="18" charset="0"/>
                 <a:cs typeface="Liberation Serif" panose="02020603050405020304" pitchFamily="18" charset="0"/>
               </a:rPr>
-              <a:t> </a:t>
-            </a:r>
-            <a:r>
-              <a:rPr lang="ro-RO" sz="2400" dirty="0">
-                <a:solidFill>
-                  <a:srgbClr val="032539"/>
-                </a:solidFill>
-                <a:latin typeface="Liberation Serif" panose="02020603050405020304" pitchFamily="18" charset="0"/>
-                <a:ea typeface="Liberation Serif" panose="02020603050405020304" pitchFamily="18" charset="0"/>
-                <a:cs typeface="Liberation Serif" panose="02020603050405020304" pitchFamily="18" charset="0"/>
-              </a:rPr>
-              <a:t>5</a:t>
-            </a:r>
-            <a:r>
-              <a:rPr lang="en-US" sz="2400" dirty="0">
-                <a:solidFill>
-                  <a:srgbClr val="032539"/>
-                </a:solidFill>
-                <a:latin typeface="Liberation Serif" panose="02020603050405020304" pitchFamily="18" charset="0"/>
-                <a:ea typeface="Liberation Serif" panose="02020603050405020304" pitchFamily="18" charset="0"/>
-                <a:cs typeface="Liberation Serif" panose="02020603050405020304" pitchFamily="18" charset="0"/>
-              </a:rPr>
-              <a:t>: </a:t>
-            </a:r>
-            <a:r>
-              <a:rPr lang="ro-RO" sz="2400" dirty="0">
-                <a:solidFill>
-                  <a:srgbClr val="032539"/>
-                </a:solidFill>
-                <a:latin typeface="Liberation Serif" panose="02020603050405020304" pitchFamily="18" charset="0"/>
-                <a:ea typeface="Liberation Serif" panose="02020603050405020304" pitchFamily="18" charset="0"/>
-                <a:cs typeface="Liberation Serif" panose="02020603050405020304" pitchFamily="18" charset="0"/>
-              </a:rPr>
-              <a:t> Varianța</a:t>
-            </a:r>
-            <a:r>
-              <a:rPr lang="en-US" sz="2400" dirty="0">
-                <a:solidFill>
-                  <a:srgbClr val="032539"/>
-                </a:solidFill>
-                <a:latin typeface="Liberation Serif" panose="02020603050405020304" pitchFamily="18" charset="0"/>
-                <a:ea typeface="Liberation Serif" panose="02020603050405020304" pitchFamily="18" charset="0"/>
-                <a:cs typeface="Liberation Serif" panose="02020603050405020304" pitchFamily="18" charset="0"/>
-              </a:rPr>
-              <a:t> </a:t>
+              <a:t> 3:  Media </a:t>
             </a:r>
             <a:r>
               <a:rPr lang="ro-RO" sz="2400" dirty="0">
@@ -11989,7 +14533,7 @@
         <p:spPr>
           <a:xfrm>
             <a:off x="332496" y="229529"/>
-            <a:ext cx="9032484" cy="1256514"/>
+            <a:ext cx="7658795" cy="1256514"/>
           </a:xfrm>
           <a:prstGeom prst="rect">
             <a:avLst/>
@@ -12239,80 +14783,17 @@
                 <a:ea typeface="Liberation Serif" panose="02020603050405020304" pitchFamily="18" charset="0"/>
                 <a:cs typeface="Liberation Serif" panose="02020603050405020304" pitchFamily="18" charset="0"/>
               </a:rPr>
-              <a:t> </a:t>
-            </a:r>
-            <a:r>
-              <a:rPr lang="ro-RO" sz="2400" dirty="0">
-                <a:solidFill>
-                  <a:srgbClr val="032539"/>
-                </a:solidFill>
-                <a:latin typeface="Liberation Serif" panose="02020603050405020304" pitchFamily="18" charset="0"/>
-                <a:ea typeface="Liberation Serif" panose="02020603050405020304" pitchFamily="18" charset="0"/>
-                <a:cs typeface="Liberation Serif" panose="02020603050405020304" pitchFamily="18" charset="0"/>
-              </a:rPr>
-              <a:t>VARIANȚA</a:t>
-            </a:r>
-            <a:r>
-              <a:rPr lang="en-US" sz="2400" dirty="0">
-                <a:solidFill>
-                  <a:srgbClr val="032539"/>
-                </a:solidFill>
-                <a:latin typeface="Liberation Serif" panose="02020603050405020304" pitchFamily="18" charset="0"/>
-                <a:ea typeface="Liberation Serif" panose="02020603050405020304" pitchFamily="18" charset="0"/>
-                <a:cs typeface="Liberation Serif" panose="02020603050405020304" pitchFamily="18" charset="0"/>
-              </a:rPr>
-              <a:t> </a:t>
-            </a:r>
-            <a:r>
-              <a:rPr lang="ro-RO" sz="2400" dirty="0">
-                <a:solidFill>
-                  <a:srgbClr val="032539"/>
-                </a:solidFill>
-                <a:latin typeface="Liberation Serif" panose="02020603050405020304" pitchFamily="18" charset="0"/>
-                <a:ea typeface="Liberation Serif" panose="02020603050405020304" pitchFamily="18" charset="0"/>
-                <a:cs typeface="Liberation Serif" panose="02020603050405020304" pitchFamily="18" charset="0"/>
-              </a:rPr>
-              <a:t>IMAGINILOR</a:t>
-            </a:r>
-            <a:r>
-              <a:rPr lang="en-US" sz="2400" dirty="0">
-                <a:solidFill>
-                  <a:srgbClr val="032539"/>
-                </a:solidFill>
-                <a:latin typeface="Liberation Serif" panose="02020603050405020304" pitchFamily="18" charset="0"/>
-                <a:ea typeface="Liberation Serif" panose="02020603050405020304" pitchFamily="18" charset="0"/>
-                <a:cs typeface="Liberation Serif" panose="02020603050405020304" pitchFamily="18" charset="0"/>
-              </a:rPr>
-              <a:t> PENTRU SETUL DE DAT</a:t>
-            </a:r>
-            <a:r>
-              <a:rPr lang="ro-RO" sz="2400" dirty="0">
-                <a:solidFill>
-                  <a:srgbClr val="032539"/>
-                </a:solidFill>
-                <a:latin typeface="Liberation Serif" panose="02020603050405020304" pitchFamily="18" charset="0"/>
-                <a:ea typeface="Liberation Serif" panose="02020603050405020304" pitchFamily="18" charset="0"/>
-                <a:cs typeface="Liberation Serif" panose="02020603050405020304" pitchFamily="18" charset="0"/>
-              </a:rPr>
-              <a:t>E</a:t>
-            </a:r>
-            <a:endParaRPr lang="en-US" sz="2400" dirty="0">
-              <a:solidFill>
-                <a:srgbClr val="032539"/>
-              </a:solidFill>
-              <a:latin typeface="Liberation Serif" panose="02020603050405020304" pitchFamily="18" charset="0"/>
-              <a:ea typeface="Liberation Serif" panose="02020603050405020304" pitchFamily="18" charset="0"/>
-              <a:cs typeface="Liberation Serif" panose="02020603050405020304" pitchFamily="18" charset="0"/>
-            </a:endParaRPr>
+              <a:t> MEDIA IMAGINILOR PENTRU SETUL DE DATE</a:t>
+            </a:r>
           </a:p>
         </p:txBody>
       </p:sp>
       <p:pic>
         <p:nvPicPr>
-          <p:cNvPr id="8" name="Imagine 7">
+          <p:cNvPr id="6" name="Imagine 5">
             <a:extLst>
               <a:ext uri="{FF2B5EF4-FFF2-40B4-BE49-F238E27FC236}">
-                <a16:creationId xmlns:a16="http://schemas.microsoft.com/office/drawing/2014/main" id="{8B014A3A-41F7-2416-073A-5B37D17FB7B2}"/>
+                <a16:creationId xmlns:a16="http://schemas.microsoft.com/office/drawing/2014/main" id="{E55DEAE9-E8E0-B62F-FEB1-B4DDEF541E71}"/>
               </a:ext>
             </a:extLst>
           </p:cNvPr>
@@ -12335,8 +14816,80 @@
         </p:blipFill>
         <p:spPr>
           <a:xfrm>
-            <a:off x="2679838" y="857786"/>
-            <a:ext cx="6492231" cy="4869173"/>
+            <a:off x="332496" y="791282"/>
+            <a:ext cx="6656544" cy="4992408"/>
+          </a:xfrm>
+          <a:prstGeom prst="rect">
+            <a:avLst/>
+          </a:prstGeom>
+        </p:spPr>
+      </p:pic>
+      <p:pic>
+        <p:nvPicPr>
+          <p:cNvPr id="10" name="Imagine 9" descr="O imagine care conține text, mamifer, câine&#10;&#10;Descriere generată automat">
+            <a:extLst>
+              <a:ext uri="{FF2B5EF4-FFF2-40B4-BE49-F238E27FC236}">
+                <a16:creationId xmlns:a16="http://schemas.microsoft.com/office/drawing/2014/main" id="{18736EA6-59E7-275A-0BAE-75D347BDDA3A}"/>
+              </a:ext>
+            </a:extLst>
+          </p:cNvPr>
+          <p:cNvPicPr>
+            <a:picLocks noChangeAspect="1"/>
+          </p:cNvPicPr>
+          <p:nvPr/>
+        </p:nvPicPr>
+        <p:blipFill>
+          <a:blip r:embed="rId3">
+            <a:extLst>
+              <a:ext uri="{28A0092B-C50C-407E-A947-70E740481C1C}">
+                <a14:useLocalDpi xmlns:a14="http://schemas.microsoft.com/office/drawing/2010/main" val="0"/>
+              </a:ext>
+            </a:extLst>
+          </a:blip>
+          <a:stretch>
+            <a:fillRect/>
+          </a:stretch>
+        </p:blipFill>
+        <p:spPr>
+          <a:xfrm>
+            <a:off x="7441554" y="16522"/>
+            <a:ext cx="4013384" cy="3010038"/>
+          </a:xfrm>
+          <a:prstGeom prst="rect">
+            <a:avLst/>
+          </a:prstGeom>
+        </p:spPr>
+      </p:pic>
+      <p:pic>
+        <p:nvPicPr>
+          <p:cNvPr id="12" name="Imagine 11" descr="O imagine care conține text, mamifer, câine&#10;&#10;Descriere generată automat">
+            <a:extLst>
+              <a:ext uri="{FF2B5EF4-FFF2-40B4-BE49-F238E27FC236}">
+                <a16:creationId xmlns:a16="http://schemas.microsoft.com/office/drawing/2014/main" id="{4E6BABD5-DCA5-611C-BF37-2F795B5813AF}"/>
+              </a:ext>
+            </a:extLst>
+          </p:cNvPr>
+          <p:cNvPicPr>
+            <a:picLocks noChangeAspect="1"/>
+          </p:cNvPicPr>
+          <p:nvPr/>
+        </p:nvPicPr>
+        <p:blipFill>
+          <a:blip r:embed="rId4">
+            <a:extLst>
+              <a:ext uri="{28A0092B-C50C-407E-A947-70E740481C1C}">
+                <a14:useLocalDpi xmlns:a14="http://schemas.microsoft.com/office/drawing/2010/main" val="0"/>
+              </a:ext>
+            </a:extLst>
+          </a:blip>
+          <a:stretch>
+            <a:fillRect/>
+          </a:stretch>
+        </p:blipFill>
+        <p:spPr>
+          <a:xfrm>
+            <a:off x="7441554" y="3026560"/>
+            <a:ext cx="4013384" cy="3010038"/>
           </a:xfrm>
           <a:prstGeom prst="rect">
             <a:avLst/>
@@ -12346,7 +14899,7 @@
     </p:spTree>
     <p:extLst>
       <p:ext uri="{BB962C8B-B14F-4D97-AF65-F5344CB8AC3E}">
-        <p14:creationId xmlns:p14="http://schemas.microsoft.com/office/powerpoint/2010/main" val="4077993127"/>
+        <p14:creationId xmlns:p14="http://schemas.microsoft.com/office/powerpoint/2010/main" val="2625575477"/>
       </p:ext>
     </p:extLst>
   </p:cSld>
@@ -12460,7 +15013,7 @@
         <p:spPr>
           <a:xfrm>
             <a:off x="2266602" y="6098396"/>
-            <a:ext cx="7658795" cy="1256514"/>
+            <a:ext cx="7658795" cy="759604"/>
           </a:xfrm>
           <a:prstGeom prst="rect">
             <a:avLst/>
@@ -12732,7 +15285,7 @@
                 <a:ea typeface="Liberation Serif" panose="02020603050405020304" pitchFamily="18" charset="0"/>
                 <a:cs typeface="Liberation Serif" panose="02020603050405020304" pitchFamily="18" charset="0"/>
               </a:rPr>
-              <a:t>6</a:t>
+              <a:t>4</a:t>
             </a:r>
             <a:r>
               <a:rPr lang="en-US" sz="2400" dirty="0">
@@ -12743,29 +15296,7 @@
                 <a:ea typeface="Liberation Serif" panose="02020603050405020304" pitchFamily="18" charset="0"/>
                 <a:cs typeface="Liberation Serif" panose="02020603050405020304" pitchFamily="18" charset="0"/>
               </a:rPr>
-              <a:t>:  </a:t>
-            </a:r>
-            <a:r>
-              <a:rPr lang="ro-RO" sz="2400" dirty="0">
-                <a:solidFill>
-                  <a:srgbClr val="032539"/>
-                </a:solidFill>
-                <a:latin typeface="Liberation Serif" panose="02020603050405020304" pitchFamily="18" charset="0"/>
-                <a:ea typeface="Liberation Serif" panose="02020603050405020304" pitchFamily="18" charset="0"/>
-                <a:cs typeface="Liberation Serif" panose="02020603050405020304" pitchFamily="18" charset="0"/>
-              </a:rPr>
-              <a:t>Varianța</a:t>
-            </a:r>
-            <a:r>
-              <a:rPr lang="en-US" sz="2400" dirty="0">
-                <a:solidFill>
-                  <a:srgbClr val="032539"/>
-                </a:solidFill>
-                <a:latin typeface="Liberation Serif" panose="02020603050405020304" pitchFamily="18" charset="0"/>
-                <a:ea typeface="Liberation Serif" panose="02020603050405020304" pitchFamily="18" charset="0"/>
-                <a:cs typeface="Liberation Serif" panose="02020603050405020304" pitchFamily="18" charset="0"/>
-              </a:rPr>
-              <a:t> </a:t>
+              <a:t>:  Media </a:t>
             </a:r>
             <a:r>
               <a:rPr lang="ro-RO" sz="2400" dirty="0">
@@ -12819,7 +15350,7 @@
         <p:spPr>
           <a:xfrm>
             <a:off x="332496" y="229529"/>
-            <a:ext cx="5138664" cy="1256514"/>
+            <a:ext cx="9032484" cy="1256514"/>
           </a:xfrm>
           <a:prstGeom prst="rect">
             <a:avLst/>
@@ -13069,7 +15600,7 @@
                 <a:ea typeface="Liberation Serif" panose="02020603050405020304" pitchFamily="18" charset="0"/>
                 <a:cs typeface="Liberation Serif" panose="02020603050405020304" pitchFamily="18" charset="0"/>
               </a:rPr>
-              <a:t> </a:t>
+              <a:t> MEDIA </a:t>
             </a:r>
             <a:r>
               <a:rPr lang="ro-RO" sz="2400" dirty="0">
@@ -13080,29 +15611,7 @@
                 <a:ea typeface="Liberation Serif" panose="02020603050405020304" pitchFamily="18" charset="0"/>
                 <a:cs typeface="Liberation Serif" panose="02020603050405020304" pitchFamily="18" charset="0"/>
               </a:rPr>
-              <a:t>VARIANȚA</a:t>
-            </a:r>
-            <a:r>
-              <a:rPr lang="en-US" sz="2400" dirty="0">
-                <a:solidFill>
-                  <a:srgbClr val="032539"/>
-                </a:solidFill>
-                <a:latin typeface="Liberation Serif" panose="02020603050405020304" pitchFamily="18" charset="0"/>
-                <a:ea typeface="Liberation Serif" panose="02020603050405020304" pitchFamily="18" charset="0"/>
-                <a:cs typeface="Liberation Serif" panose="02020603050405020304" pitchFamily="18" charset="0"/>
-              </a:rPr>
-              <a:t> </a:t>
-            </a:r>
-            <a:r>
-              <a:rPr lang="ro-RO" sz="2400" dirty="0">
-                <a:solidFill>
-                  <a:srgbClr val="032539"/>
-                </a:solidFill>
-                <a:latin typeface="Liberation Serif" panose="02020603050405020304" pitchFamily="18" charset="0"/>
-                <a:ea typeface="Liberation Serif" panose="02020603050405020304" pitchFamily="18" charset="0"/>
-                <a:cs typeface="Liberation Serif" panose="02020603050405020304" pitchFamily="18" charset="0"/>
-              </a:rPr>
-              <a:t>ÎN FUNCȚIE DE CLASĂ </a:t>
+              <a:t>ÎN FUNCȚIE DE CLASĂ</a:t>
             </a:r>
             <a:endParaRPr lang="en-US" sz="2400" dirty="0">
               <a:solidFill>
@@ -13117,10 +15626,10 @@
       </p:sp>
       <p:pic>
         <p:nvPicPr>
-          <p:cNvPr id="6" name="Imagine 5">
+          <p:cNvPr id="10" name="Imagine 9">
             <a:extLst>
               <a:ext uri="{FF2B5EF4-FFF2-40B4-BE49-F238E27FC236}">
-                <a16:creationId xmlns:a16="http://schemas.microsoft.com/office/drawing/2014/main" id="{4D21C0C5-27C9-40FC-021E-D8E7AB1C0039}"/>
+                <a16:creationId xmlns:a16="http://schemas.microsoft.com/office/drawing/2014/main" id="{2F850069-B875-B173-CB15-ADBC99AE5301}"/>
               </a:ext>
             </a:extLst>
           </p:cNvPr>
@@ -13143,8 +15652,8 @@
         </p:blipFill>
         <p:spPr>
           <a:xfrm>
-            <a:off x="5471160" y="20690"/>
-            <a:ext cx="3660776" cy="1045936"/>
+            <a:off x="4889410" y="183884"/>
+            <a:ext cx="2413177" cy="607398"/>
           </a:xfrm>
           <a:prstGeom prst="rect">
             <a:avLst/>
@@ -13153,10 +15662,10 @@
       </p:pic>
       <p:pic>
         <p:nvPicPr>
-          <p:cNvPr id="9" name="Imagine 8">
+          <p:cNvPr id="4" name="Imagine 3">
             <a:extLst>
               <a:ext uri="{FF2B5EF4-FFF2-40B4-BE49-F238E27FC236}">
-                <a16:creationId xmlns:a16="http://schemas.microsoft.com/office/drawing/2014/main" id="{AC732D79-E492-762C-1D46-F1761DF6A88A}"/>
+                <a16:creationId xmlns:a16="http://schemas.microsoft.com/office/drawing/2014/main" id="{082558C5-7676-AA9A-1334-E1A6C4F90E06}"/>
               </a:ext>
             </a:extLst>
           </p:cNvPr>
@@ -13179,8 +15688,8 @@
         </p:blipFill>
         <p:spPr>
           <a:xfrm>
-            <a:off x="2835000" y="1042145"/>
-            <a:ext cx="6172851" cy="4629638"/>
+            <a:off x="3065486" y="1189368"/>
+            <a:ext cx="6061023" cy="4545767"/>
           </a:xfrm>
           <a:prstGeom prst="rect">
             <a:avLst/>
@@ -13190,7 +15699,909 @@
     </p:spTree>
     <p:extLst>
       <p:ext uri="{BB962C8B-B14F-4D97-AF65-F5344CB8AC3E}">
-        <p14:creationId xmlns:p14="http://schemas.microsoft.com/office/powerpoint/2010/main" val="1290142484"/>
+        <p14:creationId xmlns:p14="http://schemas.microsoft.com/office/powerpoint/2010/main" val="2742443660"/>
+      </p:ext>
+    </p:extLst>
+  </p:cSld>
+  <p:clrMapOvr>
+    <a:masterClrMapping/>
+  </p:clrMapOvr>
+</p:sld>
+</file>
+
+<file path=ppt/slides/slide9.xml><?xml version="1.0" encoding="utf-8"?>
+<p:sld xmlns:a="http://schemas.openxmlformats.org/drawingml/2006/main" xmlns:r="http://schemas.openxmlformats.org/officeDocument/2006/relationships" xmlns:p="http://schemas.openxmlformats.org/presentationml/2006/main">
+  <p:cSld>
+    <p:spTree>
+      <p:nvGrpSpPr>
+        <p:cNvPr id="1" name=""/>
+        <p:cNvGrpSpPr/>
+        <p:nvPr/>
+      </p:nvGrpSpPr>
+      <p:grpSpPr>
+        <a:xfrm>
+          <a:off x="0" y="0"/>
+          <a:ext cx="0" cy="0"/>
+          <a:chOff x="0" y="0"/>
+          <a:chExt cx="0" cy="0"/>
+        </a:xfrm>
+      </p:grpSpPr>
+      <p:sp>
+        <p:nvSpPr>
+          <p:cNvPr id="7" name="Rectangle 43">
+            <a:extLst>
+              <a:ext uri="{FF2B5EF4-FFF2-40B4-BE49-F238E27FC236}">
+                <a16:creationId xmlns:a16="http://schemas.microsoft.com/office/drawing/2014/main" id="{6E30A49C-9B0E-19EE-DE31-14C75AAF9DD0}"/>
+              </a:ext>
+              <a:ext uri="{C183D7F6-B498-43B3-948B-1728B52AA6E4}">
+                <adec:decorative xmlns:adec="http://schemas.microsoft.com/office/drawing/2017/decorative" val="1"/>
+              </a:ext>
+            </a:extLst>
+          </p:cNvPr>
+          <p:cNvSpPr/>
+          <p:nvPr>
+            <p:extLst>
+              <p:ext uri="{386F3935-93C4-4BCD-93E2-E3B085C9AB24}">
+                <p16:designElem xmlns:p16="http://schemas.microsoft.com/office/powerpoint/2015/main" val="1"/>
+              </p:ext>
+            </p:extLst>
+          </p:nvPr>
+        </p:nvSpPr>
+        <p:spPr>
+          <a:xfrm>
+            <a:off x="387914" y="857786"/>
+            <a:ext cx="11067024" cy="5208932"/>
+          </a:xfrm>
+          <a:prstGeom prst="rect">
+            <a:avLst/>
+          </a:prstGeom>
+          <a:solidFill>
+            <a:schemeClr val="bg1"/>
+          </a:solidFill>
+          <a:ln>
+            <a:noFill/>
+          </a:ln>
+          <a:effectLst>
+            <a:outerShdw blurRad="139700" dist="127000" dir="5400000" algn="t" rotWithShape="0">
+              <a:prstClr val="black">
+                <a:alpha val="15000"/>
+              </a:prstClr>
+            </a:outerShdw>
+          </a:effectLst>
+        </p:spPr>
+        <p:style>
+          <a:lnRef idx="2">
+            <a:schemeClr val="accent1">
+              <a:shade val="50000"/>
+            </a:schemeClr>
+          </a:lnRef>
+          <a:fillRef idx="1">
+            <a:schemeClr val="accent1"/>
+          </a:fillRef>
+          <a:effectRef idx="0">
+            <a:schemeClr val="accent1"/>
+          </a:effectRef>
+          <a:fontRef idx="minor">
+            <a:schemeClr val="lt1"/>
+          </a:fontRef>
+        </p:style>
+        <p:txBody>
+          <a:bodyPr rtlCol="0" anchor="ctr"/>
+          <a:lstStyle/>
+          <a:p>
+            <a:pPr algn="ctr"/>
+            <a:endParaRPr lang="en-US" dirty="0">
+              <a:latin typeface="Liberation Serif" panose="02020603050405020304" pitchFamily="18" charset="0"/>
+            </a:endParaRPr>
+          </a:p>
+        </p:txBody>
+      </p:sp>
+      <p:sp>
+        <p:nvSpPr>
+          <p:cNvPr id="15" name="Substituent conținut 13">
+            <a:extLst>
+              <a:ext uri="{FF2B5EF4-FFF2-40B4-BE49-F238E27FC236}">
+                <a16:creationId xmlns:a16="http://schemas.microsoft.com/office/drawing/2014/main" id="{AF0260AF-57C1-92B5-AC4C-4F86D19AB7DE}"/>
+              </a:ext>
+            </a:extLst>
+          </p:cNvPr>
+          <p:cNvSpPr txBox="1">
+            <a:spLocks/>
+          </p:cNvSpPr>
+          <p:nvPr/>
+        </p:nvSpPr>
+        <p:spPr>
+          <a:xfrm>
+            <a:off x="2092028" y="6131561"/>
+            <a:ext cx="7658795" cy="726439"/>
+          </a:xfrm>
+          <a:prstGeom prst="rect">
+            <a:avLst/>
+          </a:prstGeom>
+        </p:spPr>
+        <p:txBody>
+          <a:bodyPr vert="horz" lIns="91440" tIns="45720" rIns="91440" bIns="45720" rtlCol="0">
+            <a:normAutofit/>
+          </a:bodyPr>
+          <a:lstStyle>
+            <a:lvl1pPr marL="342900" indent="-342900" algn="l" defTabSz="457200" rtl="0" eaLnBrk="1" latinLnBrk="0" hangingPunct="1">
+              <a:spcBef>
+                <a:spcPts val="1000"/>
+              </a:spcBef>
+              <a:spcAft>
+                <a:spcPts val="0"/>
+              </a:spcAft>
+              <a:buClr>
+                <a:schemeClr val="accent1"/>
+              </a:buClr>
+              <a:buSzPct val="80000"/>
+              <a:buFont typeface="Wingdings 3" charset="2"/>
+              <a:buChar char=""/>
+              <a:defRPr sz="1800" kern="1200">
+                <a:solidFill>
+                  <a:schemeClr val="tx1">
+                    <a:lumMod val="75000"/>
+                    <a:lumOff val="25000"/>
+                  </a:schemeClr>
+                </a:solidFill>
+                <a:latin typeface="+mn-lt"/>
+                <a:ea typeface="+mn-ea"/>
+                <a:cs typeface="+mn-cs"/>
+              </a:defRPr>
+            </a:lvl1pPr>
+            <a:lvl2pPr marL="742950" indent="-285750" algn="l" defTabSz="457200" rtl="0" eaLnBrk="1" latinLnBrk="0" hangingPunct="1">
+              <a:spcBef>
+                <a:spcPts val="1000"/>
+              </a:spcBef>
+              <a:spcAft>
+                <a:spcPts val="0"/>
+              </a:spcAft>
+              <a:buClr>
+                <a:schemeClr val="accent1"/>
+              </a:buClr>
+              <a:buSzPct val="80000"/>
+              <a:buFont typeface="Wingdings 3" charset="2"/>
+              <a:buChar char=""/>
+              <a:defRPr sz="1600" kern="1200">
+                <a:solidFill>
+                  <a:schemeClr val="tx1">
+                    <a:lumMod val="75000"/>
+                    <a:lumOff val="25000"/>
+                  </a:schemeClr>
+                </a:solidFill>
+                <a:latin typeface="+mn-lt"/>
+                <a:ea typeface="+mn-ea"/>
+                <a:cs typeface="+mn-cs"/>
+              </a:defRPr>
+            </a:lvl2pPr>
+            <a:lvl3pPr marL="1143000" indent="-228600" algn="l" defTabSz="457200" rtl="0" eaLnBrk="1" latinLnBrk="0" hangingPunct="1">
+              <a:spcBef>
+                <a:spcPts val="1000"/>
+              </a:spcBef>
+              <a:spcAft>
+                <a:spcPts val="0"/>
+              </a:spcAft>
+              <a:buClr>
+                <a:schemeClr val="accent1"/>
+              </a:buClr>
+              <a:buSzPct val="80000"/>
+              <a:buFont typeface="Wingdings 3" charset="2"/>
+              <a:buChar char=""/>
+              <a:defRPr sz="1400" kern="1200">
+                <a:solidFill>
+                  <a:schemeClr val="tx1">
+                    <a:lumMod val="75000"/>
+                    <a:lumOff val="25000"/>
+                  </a:schemeClr>
+                </a:solidFill>
+                <a:latin typeface="+mn-lt"/>
+                <a:ea typeface="+mn-ea"/>
+                <a:cs typeface="+mn-cs"/>
+              </a:defRPr>
+            </a:lvl3pPr>
+            <a:lvl4pPr marL="1600200" indent="-228600" algn="l" defTabSz="457200" rtl="0" eaLnBrk="1" latinLnBrk="0" hangingPunct="1">
+              <a:spcBef>
+                <a:spcPts val="1000"/>
+              </a:spcBef>
+              <a:spcAft>
+                <a:spcPts val="0"/>
+              </a:spcAft>
+              <a:buClr>
+                <a:schemeClr val="accent1"/>
+              </a:buClr>
+              <a:buSzPct val="80000"/>
+              <a:buFont typeface="Wingdings 3" charset="2"/>
+              <a:buChar char=""/>
+              <a:defRPr sz="1200" kern="1200">
+                <a:solidFill>
+                  <a:schemeClr val="tx1">
+                    <a:lumMod val="75000"/>
+                    <a:lumOff val="25000"/>
+                  </a:schemeClr>
+                </a:solidFill>
+                <a:latin typeface="+mn-lt"/>
+                <a:ea typeface="+mn-ea"/>
+                <a:cs typeface="+mn-cs"/>
+              </a:defRPr>
+            </a:lvl4pPr>
+            <a:lvl5pPr marL="2057400" indent="-228600" algn="l" defTabSz="457200" rtl="0" eaLnBrk="1" latinLnBrk="0" hangingPunct="1">
+              <a:spcBef>
+                <a:spcPts val="1000"/>
+              </a:spcBef>
+              <a:spcAft>
+                <a:spcPts val="0"/>
+              </a:spcAft>
+              <a:buClr>
+                <a:schemeClr val="accent1"/>
+              </a:buClr>
+              <a:buSzPct val="80000"/>
+              <a:buFont typeface="Wingdings 3" charset="2"/>
+              <a:buChar char=""/>
+              <a:defRPr sz="1200" kern="1200">
+                <a:solidFill>
+                  <a:schemeClr val="tx1">
+                    <a:lumMod val="75000"/>
+                    <a:lumOff val="25000"/>
+                  </a:schemeClr>
+                </a:solidFill>
+                <a:latin typeface="+mn-lt"/>
+                <a:ea typeface="+mn-ea"/>
+                <a:cs typeface="+mn-cs"/>
+              </a:defRPr>
+            </a:lvl5pPr>
+            <a:lvl6pPr marL="2514600" indent="-228600" algn="l" defTabSz="457200" rtl="0" eaLnBrk="1" latinLnBrk="0" hangingPunct="1">
+              <a:spcBef>
+                <a:spcPts val="1000"/>
+              </a:spcBef>
+              <a:spcAft>
+                <a:spcPts val="0"/>
+              </a:spcAft>
+              <a:buClr>
+                <a:schemeClr val="accent1"/>
+              </a:buClr>
+              <a:buSzPct val="80000"/>
+              <a:buFont typeface="Wingdings 3" charset="2"/>
+              <a:buChar char=""/>
+              <a:defRPr sz="1200" kern="1200">
+                <a:solidFill>
+                  <a:schemeClr val="tx1">
+                    <a:lumMod val="75000"/>
+                    <a:lumOff val="25000"/>
+                  </a:schemeClr>
+                </a:solidFill>
+                <a:latin typeface="+mn-lt"/>
+                <a:ea typeface="+mn-ea"/>
+                <a:cs typeface="+mn-cs"/>
+              </a:defRPr>
+            </a:lvl6pPr>
+            <a:lvl7pPr marL="2971800" indent="-228600" algn="l" defTabSz="457200" rtl="0" eaLnBrk="1" latinLnBrk="0" hangingPunct="1">
+              <a:spcBef>
+                <a:spcPts val="1000"/>
+              </a:spcBef>
+              <a:spcAft>
+                <a:spcPts val="0"/>
+              </a:spcAft>
+              <a:buClr>
+                <a:schemeClr val="accent1"/>
+              </a:buClr>
+              <a:buSzPct val="80000"/>
+              <a:buFont typeface="Wingdings 3" charset="2"/>
+              <a:buChar char=""/>
+              <a:defRPr sz="1200" kern="1200">
+                <a:solidFill>
+                  <a:schemeClr val="tx1">
+                    <a:lumMod val="75000"/>
+                    <a:lumOff val="25000"/>
+                  </a:schemeClr>
+                </a:solidFill>
+                <a:latin typeface="+mn-lt"/>
+                <a:ea typeface="+mn-ea"/>
+                <a:cs typeface="+mn-cs"/>
+              </a:defRPr>
+            </a:lvl7pPr>
+            <a:lvl8pPr marL="3429000" indent="-228600" algn="l" defTabSz="457200" rtl="0" eaLnBrk="1" latinLnBrk="0" hangingPunct="1">
+              <a:spcBef>
+                <a:spcPts val="1000"/>
+              </a:spcBef>
+              <a:spcAft>
+                <a:spcPts val="0"/>
+              </a:spcAft>
+              <a:buClr>
+                <a:schemeClr val="accent1"/>
+              </a:buClr>
+              <a:buSzPct val="80000"/>
+              <a:buFont typeface="Wingdings 3" charset="2"/>
+              <a:buChar char=""/>
+              <a:defRPr sz="1200" kern="1200">
+                <a:solidFill>
+                  <a:schemeClr val="tx1">
+                    <a:lumMod val="75000"/>
+                    <a:lumOff val="25000"/>
+                  </a:schemeClr>
+                </a:solidFill>
+                <a:latin typeface="+mn-lt"/>
+                <a:ea typeface="+mn-ea"/>
+                <a:cs typeface="+mn-cs"/>
+              </a:defRPr>
+            </a:lvl8pPr>
+            <a:lvl9pPr marL="3886200" indent="-228600" algn="l" defTabSz="457200" rtl="0" eaLnBrk="1" latinLnBrk="0" hangingPunct="1">
+              <a:spcBef>
+                <a:spcPts val="1000"/>
+              </a:spcBef>
+              <a:spcAft>
+                <a:spcPts val="0"/>
+              </a:spcAft>
+              <a:buClr>
+                <a:schemeClr val="accent1"/>
+              </a:buClr>
+              <a:buSzPct val="80000"/>
+              <a:buFont typeface="Wingdings 3" charset="2"/>
+              <a:buChar char=""/>
+              <a:defRPr sz="1200" kern="1200">
+                <a:solidFill>
+                  <a:schemeClr val="tx1">
+                    <a:lumMod val="75000"/>
+                    <a:lumOff val="25000"/>
+                  </a:schemeClr>
+                </a:solidFill>
+                <a:latin typeface="+mn-lt"/>
+                <a:ea typeface="+mn-ea"/>
+                <a:cs typeface="+mn-cs"/>
+              </a:defRPr>
+            </a:lvl9pPr>
+          </a:lstStyle>
+          <a:p>
+            <a:pPr marL="0" indent="0" algn="ctr">
+              <a:buNone/>
+            </a:pPr>
+            <a:r>
+              <a:rPr lang="en-US" sz="2400" dirty="0" err="1">
+                <a:solidFill>
+                  <a:srgbClr val="032539"/>
+                </a:solidFill>
+                <a:latin typeface="Liberation Serif" panose="02020603050405020304" pitchFamily="18" charset="0"/>
+                <a:ea typeface="Liberation Serif" panose="02020603050405020304" pitchFamily="18" charset="0"/>
+                <a:cs typeface="Liberation Serif" panose="02020603050405020304" pitchFamily="18" charset="0"/>
+              </a:rPr>
+              <a:t>Figura</a:t>
+            </a:r>
+            <a:r>
+              <a:rPr lang="en-US" sz="2400" dirty="0">
+                <a:solidFill>
+                  <a:srgbClr val="032539"/>
+                </a:solidFill>
+                <a:latin typeface="Liberation Serif" panose="02020603050405020304" pitchFamily="18" charset="0"/>
+                <a:ea typeface="Liberation Serif" panose="02020603050405020304" pitchFamily="18" charset="0"/>
+                <a:cs typeface="Liberation Serif" panose="02020603050405020304" pitchFamily="18" charset="0"/>
+              </a:rPr>
+              <a:t> </a:t>
+            </a:r>
+            <a:r>
+              <a:rPr lang="ro-RO" sz="2400" dirty="0">
+                <a:solidFill>
+                  <a:srgbClr val="032539"/>
+                </a:solidFill>
+                <a:latin typeface="Liberation Serif" panose="02020603050405020304" pitchFamily="18" charset="0"/>
+                <a:ea typeface="Liberation Serif" panose="02020603050405020304" pitchFamily="18" charset="0"/>
+                <a:cs typeface="Liberation Serif" panose="02020603050405020304" pitchFamily="18" charset="0"/>
+              </a:rPr>
+              <a:t>5</a:t>
+            </a:r>
+            <a:r>
+              <a:rPr lang="en-US" sz="2400" dirty="0">
+                <a:solidFill>
+                  <a:srgbClr val="032539"/>
+                </a:solidFill>
+                <a:latin typeface="Liberation Serif" panose="02020603050405020304" pitchFamily="18" charset="0"/>
+                <a:ea typeface="Liberation Serif" panose="02020603050405020304" pitchFamily="18" charset="0"/>
+                <a:cs typeface="Liberation Serif" panose="02020603050405020304" pitchFamily="18" charset="0"/>
+              </a:rPr>
+              <a:t>: </a:t>
+            </a:r>
+            <a:r>
+              <a:rPr lang="ro-RO" sz="2400" dirty="0">
+                <a:solidFill>
+                  <a:srgbClr val="032539"/>
+                </a:solidFill>
+                <a:latin typeface="Liberation Serif" panose="02020603050405020304" pitchFamily="18" charset="0"/>
+                <a:ea typeface="Liberation Serif" panose="02020603050405020304" pitchFamily="18" charset="0"/>
+                <a:cs typeface="Liberation Serif" panose="02020603050405020304" pitchFamily="18" charset="0"/>
+              </a:rPr>
+              <a:t> Varianța</a:t>
+            </a:r>
+            <a:r>
+              <a:rPr lang="en-US" sz="2400" dirty="0">
+                <a:solidFill>
+                  <a:srgbClr val="032539"/>
+                </a:solidFill>
+                <a:latin typeface="Liberation Serif" panose="02020603050405020304" pitchFamily="18" charset="0"/>
+                <a:ea typeface="Liberation Serif" panose="02020603050405020304" pitchFamily="18" charset="0"/>
+                <a:cs typeface="Liberation Serif" panose="02020603050405020304" pitchFamily="18" charset="0"/>
+              </a:rPr>
+              <a:t> </a:t>
+            </a:r>
+            <a:r>
+              <a:rPr lang="ro-RO" sz="2400" dirty="0">
+                <a:solidFill>
+                  <a:srgbClr val="032539"/>
+                </a:solidFill>
+                <a:latin typeface="Liberation Serif" panose="02020603050405020304" pitchFamily="18" charset="0"/>
+                <a:ea typeface="Liberation Serif" panose="02020603050405020304" pitchFamily="18" charset="0"/>
+                <a:cs typeface="Liberation Serif" panose="02020603050405020304" pitchFamily="18" charset="0"/>
+              </a:rPr>
+              <a:t>în funcție de imagine</a:t>
+            </a:r>
+            <a:endParaRPr lang="en-US" sz="2400" dirty="0">
+              <a:solidFill>
+                <a:srgbClr val="032539"/>
+              </a:solidFill>
+              <a:latin typeface="Liberation Serif" panose="02020603050405020304" pitchFamily="18" charset="0"/>
+              <a:ea typeface="Liberation Serif" panose="02020603050405020304" pitchFamily="18" charset="0"/>
+              <a:cs typeface="Liberation Serif" panose="02020603050405020304" pitchFamily="18" charset="0"/>
+            </a:endParaRPr>
+          </a:p>
+          <a:p>
+            <a:pPr marL="0" indent="0" algn="ctr">
+              <a:buNone/>
+            </a:pPr>
+            <a:endParaRPr lang="en-US" sz="2400" dirty="0">
+              <a:solidFill>
+                <a:srgbClr val="032539"/>
+              </a:solidFill>
+              <a:latin typeface="Liberation Serif" panose="02020603050405020304" pitchFamily="18" charset="0"/>
+              <a:ea typeface="Liberation Serif" panose="02020603050405020304" pitchFamily="18" charset="0"/>
+              <a:cs typeface="Liberation Serif" panose="02020603050405020304" pitchFamily="18" charset="0"/>
+            </a:endParaRPr>
+          </a:p>
+        </p:txBody>
+      </p:sp>
+      <p:sp>
+        <p:nvSpPr>
+          <p:cNvPr id="2" name="Substituent conținut 13">
+            <a:extLst>
+              <a:ext uri="{FF2B5EF4-FFF2-40B4-BE49-F238E27FC236}">
+                <a16:creationId xmlns:a16="http://schemas.microsoft.com/office/drawing/2014/main" id="{8700D5C2-1D10-D8DE-14A0-57125A92E80B}"/>
+              </a:ext>
+            </a:extLst>
+          </p:cNvPr>
+          <p:cNvSpPr txBox="1">
+            <a:spLocks/>
+          </p:cNvSpPr>
+          <p:nvPr/>
+        </p:nvSpPr>
+        <p:spPr>
+          <a:xfrm>
+            <a:off x="332496" y="229529"/>
+            <a:ext cx="9032484" cy="1256514"/>
+          </a:xfrm>
+          <a:prstGeom prst="rect">
+            <a:avLst/>
+          </a:prstGeom>
+        </p:spPr>
+        <p:txBody>
+          <a:bodyPr vert="horz" lIns="91440" tIns="45720" rIns="91440" bIns="45720" rtlCol="0">
+            <a:normAutofit/>
+          </a:bodyPr>
+          <a:lstStyle>
+            <a:lvl1pPr marL="342900" indent="-342900" algn="l" defTabSz="457200" rtl="0" eaLnBrk="1" latinLnBrk="0" hangingPunct="1">
+              <a:spcBef>
+                <a:spcPts val="1000"/>
+              </a:spcBef>
+              <a:spcAft>
+                <a:spcPts val="0"/>
+              </a:spcAft>
+              <a:buClr>
+                <a:schemeClr val="accent1"/>
+              </a:buClr>
+              <a:buSzPct val="80000"/>
+              <a:buFont typeface="Wingdings 3" charset="2"/>
+              <a:buChar char=""/>
+              <a:defRPr sz="1800" kern="1200">
+                <a:solidFill>
+                  <a:schemeClr val="tx1">
+                    <a:lumMod val="75000"/>
+                    <a:lumOff val="25000"/>
+                  </a:schemeClr>
+                </a:solidFill>
+                <a:latin typeface="+mn-lt"/>
+                <a:ea typeface="+mn-ea"/>
+                <a:cs typeface="+mn-cs"/>
+              </a:defRPr>
+            </a:lvl1pPr>
+            <a:lvl2pPr marL="742950" indent="-285750" algn="l" defTabSz="457200" rtl="0" eaLnBrk="1" latinLnBrk="0" hangingPunct="1">
+              <a:spcBef>
+                <a:spcPts val="1000"/>
+              </a:spcBef>
+              <a:spcAft>
+                <a:spcPts val="0"/>
+              </a:spcAft>
+              <a:buClr>
+                <a:schemeClr val="accent1"/>
+              </a:buClr>
+              <a:buSzPct val="80000"/>
+              <a:buFont typeface="Wingdings 3" charset="2"/>
+              <a:buChar char=""/>
+              <a:defRPr sz="1600" kern="1200">
+                <a:solidFill>
+                  <a:schemeClr val="tx1">
+                    <a:lumMod val="75000"/>
+                    <a:lumOff val="25000"/>
+                  </a:schemeClr>
+                </a:solidFill>
+                <a:latin typeface="+mn-lt"/>
+                <a:ea typeface="+mn-ea"/>
+                <a:cs typeface="+mn-cs"/>
+              </a:defRPr>
+            </a:lvl2pPr>
+            <a:lvl3pPr marL="1143000" indent="-228600" algn="l" defTabSz="457200" rtl="0" eaLnBrk="1" latinLnBrk="0" hangingPunct="1">
+              <a:spcBef>
+                <a:spcPts val="1000"/>
+              </a:spcBef>
+              <a:spcAft>
+                <a:spcPts val="0"/>
+              </a:spcAft>
+              <a:buClr>
+                <a:schemeClr val="accent1"/>
+              </a:buClr>
+              <a:buSzPct val="80000"/>
+              <a:buFont typeface="Wingdings 3" charset="2"/>
+              <a:buChar char=""/>
+              <a:defRPr sz="1400" kern="1200">
+                <a:solidFill>
+                  <a:schemeClr val="tx1">
+                    <a:lumMod val="75000"/>
+                    <a:lumOff val="25000"/>
+                  </a:schemeClr>
+                </a:solidFill>
+                <a:latin typeface="+mn-lt"/>
+                <a:ea typeface="+mn-ea"/>
+                <a:cs typeface="+mn-cs"/>
+              </a:defRPr>
+            </a:lvl3pPr>
+            <a:lvl4pPr marL="1600200" indent="-228600" algn="l" defTabSz="457200" rtl="0" eaLnBrk="1" latinLnBrk="0" hangingPunct="1">
+              <a:spcBef>
+                <a:spcPts val="1000"/>
+              </a:spcBef>
+              <a:spcAft>
+                <a:spcPts val="0"/>
+              </a:spcAft>
+              <a:buClr>
+                <a:schemeClr val="accent1"/>
+              </a:buClr>
+              <a:buSzPct val="80000"/>
+              <a:buFont typeface="Wingdings 3" charset="2"/>
+              <a:buChar char=""/>
+              <a:defRPr sz="1200" kern="1200">
+                <a:solidFill>
+                  <a:schemeClr val="tx1">
+                    <a:lumMod val="75000"/>
+                    <a:lumOff val="25000"/>
+                  </a:schemeClr>
+                </a:solidFill>
+                <a:latin typeface="+mn-lt"/>
+                <a:ea typeface="+mn-ea"/>
+                <a:cs typeface="+mn-cs"/>
+              </a:defRPr>
+            </a:lvl4pPr>
+            <a:lvl5pPr marL="2057400" indent="-228600" algn="l" defTabSz="457200" rtl="0" eaLnBrk="1" latinLnBrk="0" hangingPunct="1">
+              <a:spcBef>
+                <a:spcPts val="1000"/>
+              </a:spcBef>
+              <a:spcAft>
+                <a:spcPts val="0"/>
+              </a:spcAft>
+              <a:buClr>
+                <a:schemeClr val="accent1"/>
+              </a:buClr>
+              <a:buSzPct val="80000"/>
+              <a:buFont typeface="Wingdings 3" charset="2"/>
+              <a:buChar char=""/>
+              <a:defRPr sz="1200" kern="1200">
+                <a:solidFill>
+                  <a:schemeClr val="tx1">
+                    <a:lumMod val="75000"/>
+                    <a:lumOff val="25000"/>
+                  </a:schemeClr>
+                </a:solidFill>
+                <a:latin typeface="+mn-lt"/>
+                <a:ea typeface="+mn-ea"/>
+                <a:cs typeface="+mn-cs"/>
+              </a:defRPr>
+            </a:lvl5pPr>
+            <a:lvl6pPr marL="2514600" indent="-228600" algn="l" defTabSz="457200" rtl="0" eaLnBrk="1" latinLnBrk="0" hangingPunct="1">
+              <a:spcBef>
+                <a:spcPts val="1000"/>
+              </a:spcBef>
+              <a:spcAft>
+                <a:spcPts val="0"/>
+              </a:spcAft>
+              <a:buClr>
+                <a:schemeClr val="accent1"/>
+              </a:buClr>
+              <a:buSzPct val="80000"/>
+              <a:buFont typeface="Wingdings 3" charset="2"/>
+              <a:buChar char=""/>
+              <a:defRPr sz="1200" kern="1200">
+                <a:solidFill>
+                  <a:schemeClr val="tx1">
+                    <a:lumMod val="75000"/>
+                    <a:lumOff val="25000"/>
+                  </a:schemeClr>
+                </a:solidFill>
+                <a:latin typeface="+mn-lt"/>
+                <a:ea typeface="+mn-ea"/>
+                <a:cs typeface="+mn-cs"/>
+              </a:defRPr>
+            </a:lvl6pPr>
+            <a:lvl7pPr marL="2971800" indent="-228600" algn="l" defTabSz="457200" rtl="0" eaLnBrk="1" latinLnBrk="0" hangingPunct="1">
+              <a:spcBef>
+                <a:spcPts val="1000"/>
+              </a:spcBef>
+              <a:spcAft>
+                <a:spcPts val="0"/>
+              </a:spcAft>
+              <a:buClr>
+                <a:schemeClr val="accent1"/>
+              </a:buClr>
+              <a:buSzPct val="80000"/>
+              <a:buFont typeface="Wingdings 3" charset="2"/>
+              <a:buChar char=""/>
+              <a:defRPr sz="1200" kern="1200">
+                <a:solidFill>
+                  <a:schemeClr val="tx1">
+                    <a:lumMod val="75000"/>
+                    <a:lumOff val="25000"/>
+                  </a:schemeClr>
+                </a:solidFill>
+                <a:latin typeface="+mn-lt"/>
+                <a:ea typeface="+mn-ea"/>
+                <a:cs typeface="+mn-cs"/>
+              </a:defRPr>
+            </a:lvl7pPr>
+            <a:lvl8pPr marL="3429000" indent="-228600" algn="l" defTabSz="457200" rtl="0" eaLnBrk="1" latinLnBrk="0" hangingPunct="1">
+              <a:spcBef>
+                <a:spcPts val="1000"/>
+              </a:spcBef>
+              <a:spcAft>
+                <a:spcPts val="0"/>
+              </a:spcAft>
+              <a:buClr>
+                <a:schemeClr val="accent1"/>
+              </a:buClr>
+              <a:buSzPct val="80000"/>
+              <a:buFont typeface="Wingdings 3" charset="2"/>
+              <a:buChar char=""/>
+              <a:defRPr sz="1200" kern="1200">
+                <a:solidFill>
+                  <a:schemeClr val="tx1">
+                    <a:lumMod val="75000"/>
+                    <a:lumOff val="25000"/>
+                  </a:schemeClr>
+                </a:solidFill>
+                <a:latin typeface="+mn-lt"/>
+                <a:ea typeface="+mn-ea"/>
+                <a:cs typeface="+mn-cs"/>
+              </a:defRPr>
+            </a:lvl8pPr>
+            <a:lvl9pPr marL="3886200" indent="-228600" algn="l" defTabSz="457200" rtl="0" eaLnBrk="1" latinLnBrk="0" hangingPunct="1">
+              <a:spcBef>
+                <a:spcPts val="1000"/>
+              </a:spcBef>
+              <a:spcAft>
+                <a:spcPts val="0"/>
+              </a:spcAft>
+              <a:buClr>
+                <a:schemeClr val="accent1"/>
+              </a:buClr>
+              <a:buSzPct val="80000"/>
+              <a:buFont typeface="Wingdings 3" charset="2"/>
+              <a:buChar char=""/>
+              <a:defRPr sz="1200" kern="1200">
+                <a:solidFill>
+                  <a:schemeClr val="tx1">
+                    <a:lumMod val="75000"/>
+                    <a:lumOff val="25000"/>
+                  </a:schemeClr>
+                </a:solidFill>
+                <a:latin typeface="+mn-lt"/>
+                <a:ea typeface="+mn-ea"/>
+                <a:cs typeface="+mn-cs"/>
+              </a:defRPr>
+            </a:lvl9pPr>
+          </a:lstStyle>
+          <a:p>
+            <a:pPr marL="0" indent="0">
+              <a:buNone/>
+            </a:pPr>
+            <a:r>
+              <a:rPr lang="en-US" sz="2400" dirty="0">
+                <a:solidFill>
+                  <a:srgbClr val="032539"/>
+                </a:solidFill>
+                <a:latin typeface="Liberation Serif" panose="02020603050405020304" pitchFamily="18" charset="0"/>
+                <a:ea typeface="Liberation Serif" panose="02020603050405020304" pitchFamily="18" charset="0"/>
+                <a:cs typeface="Liberation Serif" panose="02020603050405020304" pitchFamily="18" charset="0"/>
+              </a:rPr>
+              <a:t> </a:t>
+            </a:r>
+            <a:r>
+              <a:rPr lang="ro-RO" sz="2400" dirty="0">
+                <a:solidFill>
+                  <a:srgbClr val="032539"/>
+                </a:solidFill>
+                <a:latin typeface="Liberation Serif" panose="02020603050405020304" pitchFamily="18" charset="0"/>
+                <a:ea typeface="Liberation Serif" panose="02020603050405020304" pitchFamily="18" charset="0"/>
+                <a:cs typeface="Liberation Serif" panose="02020603050405020304" pitchFamily="18" charset="0"/>
+              </a:rPr>
+              <a:t>VARIANȚA</a:t>
+            </a:r>
+            <a:r>
+              <a:rPr lang="en-US" sz="2400" dirty="0">
+                <a:solidFill>
+                  <a:srgbClr val="032539"/>
+                </a:solidFill>
+                <a:latin typeface="Liberation Serif" panose="02020603050405020304" pitchFamily="18" charset="0"/>
+                <a:ea typeface="Liberation Serif" panose="02020603050405020304" pitchFamily="18" charset="0"/>
+                <a:cs typeface="Liberation Serif" panose="02020603050405020304" pitchFamily="18" charset="0"/>
+              </a:rPr>
+              <a:t> </a:t>
+            </a:r>
+            <a:r>
+              <a:rPr lang="ro-RO" sz="2400" dirty="0">
+                <a:solidFill>
+                  <a:srgbClr val="032539"/>
+                </a:solidFill>
+                <a:latin typeface="Liberation Serif" panose="02020603050405020304" pitchFamily="18" charset="0"/>
+                <a:ea typeface="Liberation Serif" panose="02020603050405020304" pitchFamily="18" charset="0"/>
+                <a:cs typeface="Liberation Serif" panose="02020603050405020304" pitchFamily="18" charset="0"/>
+              </a:rPr>
+              <a:t>IMAGINILOR</a:t>
+            </a:r>
+            <a:r>
+              <a:rPr lang="en-US" sz="2400" dirty="0">
+                <a:solidFill>
+                  <a:srgbClr val="032539"/>
+                </a:solidFill>
+                <a:latin typeface="Liberation Serif" panose="02020603050405020304" pitchFamily="18" charset="0"/>
+                <a:ea typeface="Liberation Serif" panose="02020603050405020304" pitchFamily="18" charset="0"/>
+                <a:cs typeface="Liberation Serif" panose="02020603050405020304" pitchFamily="18" charset="0"/>
+              </a:rPr>
+              <a:t> PENTRU SETUL DE DAT</a:t>
+            </a:r>
+            <a:r>
+              <a:rPr lang="ro-RO" sz="2400" dirty="0">
+                <a:solidFill>
+                  <a:srgbClr val="032539"/>
+                </a:solidFill>
+                <a:latin typeface="Liberation Serif" panose="02020603050405020304" pitchFamily="18" charset="0"/>
+                <a:ea typeface="Liberation Serif" panose="02020603050405020304" pitchFamily="18" charset="0"/>
+                <a:cs typeface="Liberation Serif" panose="02020603050405020304" pitchFamily="18" charset="0"/>
+              </a:rPr>
+              <a:t>E</a:t>
+            </a:r>
+            <a:endParaRPr lang="en-US" sz="2400" dirty="0">
+              <a:solidFill>
+                <a:srgbClr val="032539"/>
+              </a:solidFill>
+              <a:latin typeface="Liberation Serif" panose="02020603050405020304" pitchFamily="18" charset="0"/>
+              <a:ea typeface="Liberation Serif" panose="02020603050405020304" pitchFamily="18" charset="0"/>
+              <a:cs typeface="Liberation Serif" panose="02020603050405020304" pitchFamily="18" charset="0"/>
+            </a:endParaRPr>
+          </a:p>
+        </p:txBody>
+      </p:sp>
+      <p:pic>
+        <p:nvPicPr>
+          <p:cNvPr id="4" name="Imagine 3">
+            <a:extLst>
+              <a:ext uri="{FF2B5EF4-FFF2-40B4-BE49-F238E27FC236}">
+                <a16:creationId xmlns:a16="http://schemas.microsoft.com/office/drawing/2014/main" id="{D1BA1BF8-0B74-DCB1-BF0A-70778FE41FF3}"/>
+              </a:ext>
+            </a:extLst>
+          </p:cNvPr>
+          <p:cNvPicPr>
+            <a:picLocks noChangeAspect="1"/>
+          </p:cNvPicPr>
+          <p:nvPr/>
+        </p:nvPicPr>
+        <p:blipFill>
+          <a:blip r:embed="rId2">
+            <a:extLst>
+              <a:ext uri="{28A0092B-C50C-407E-A947-70E740481C1C}">
+                <a14:useLocalDpi xmlns:a14="http://schemas.microsoft.com/office/drawing/2010/main" val="0"/>
+              </a:ext>
+            </a:extLst>
+          </a:blip>
+          <a:stretch>
+            <a:fillRect/>
+          </a:stretch>
+        </p:blipFill>
+        <p:spPr>
+          <a:xfrm>
+            <a:off x="387914" y="953729"/>
+            <a:ext cx="6434271" cy="4825703"/>
+          </a:xfrm>
+          <a:prstGeom prst="rect">
+            <a:avLst/>
+          </a:prstGeom>
+        </p:spPr>
+      </p:pic>
+      <p:pic>
+        <p:nvPicPr>
+          <p:cNvPr id="6" name="Imagine 5" descr="O imagine care conține text, mamifer, câine&#10;&#10;Descriere generată automat">
+            <a:extLst>
+              <a:ext uri="{FF2B5EF4-FFF2-40B4-BE49-F238E27FC236}">
+                <a16:creationId xmlns:a16="http://schemas.microsoft.com/office/drawing/2014/main" id="{B935D21C-0A5F-FA1A-7F36-3BA729C16812}"/>
+              </a:ext>
+            </a:extLst>
+          </p:cNvPr>
+          <p:cNvPicPr>
+            <a:picLocks noChangeAspect="1"/>
+          </p:cNvPicPr>
+          <p:nvPr/>
+        </p:nvPicPr>
+        <p:blipFill>
+          <a:blip r:embed="rId3">
+            <a:extLst>
+              <a:ext uri="{28A0092B-C50C-407E-A947-70E740481C1C}">
+                <a14:useLocalDpi xmlns:a14="http://schemas.microsoft.com/office/drawing/2010/main" val="0"/>
+              </a:ext>
+            </a:extLst>
+          </a:blip>
+          <a:stretch>
+            <a:fillRect/>
+          </a:stretch>
+        </p:blipFill>
+        <p:spPr>
+          <a:xfrm>
+            <a:off x="7534286" y="113364"/>
+            <a:ext cx="3976070" cy="2982053"/>
+          </a:xfrm>
+          <a:prstGeom prst="rect">
+            <a:avLst/>
+          </a:prstGeom>
+        </p:spPr>
+      </p:pic>
+      <p:pic>
+        <p:nvPicPr>
+          <p:cNvPr id="10" name="Imagine 9" descr="O imagine care conține text, mamifer, câine&#10;&#10;Descriere generată automat">
+            <a:extLst>
+              <a:ext uri="{FF2B5EF4-FFF2-40B4-BE49-F238E27FC236}">
+                <a16:creationId xmlns:a16="http://schemas.microsoft.com/office/drawing/2014/main" id="{A4218F54-3ABA-4619-90E1-36667109899D}"/>
+              </a:ext>
+            </a:extLst>
+          </p:cNvPr>
+          <p:cNvPicPr>
+            <a:picLocks noChangeAspect="1"/>
+          </p:cNvPicPr>
+          <p:nvPr/>
+        </p:nvPicPr>
+        <p:blipFill>
+          <a:blip r:embed="rId4">
+            <a:extLst>
+              <a:ext uri="{28A0092B-C50C-407E-A947-70E740481C1C}">
+                <a14:useLocalDpi xmlns:a14="http://schemas.microsoft.com/office/drawing/2010/main" val="0"/>
+              </a:ext>
+            </a:extLst>
+          </a:blip>
+          <a:stretch>
+            <a:fillRect/>
+          </a:stretch>
+        </p:blipFill>
+        <p:spPr>
+          <a:xfrm>
+            <a:off x="7551174" y="3095418"/>
+            <a:ext cx="3976070" cy="2982053"/>
+          </a:xfrm>
+          <a:prstGeom prst="rect">
+            <a:avLst/>
+          </a:prstGeom>
+        </p:spPr>
+      </p:pic>
+    </p:spTree>
+    <p:extLst>
+      <p:ext uri="{BB962C8B-B14F-4D97-AF65-F5344CB8AC3E}">
+        <p14:creationId xmlns:p14="http://schemas.microsoft.com/office/powerpoint/2010/main" val="4077993127"/>
       </p:ext>
     </p:extLst>
   </p:cSld>
